--- a/courses/apcsp/lect14.pptx
+++ b/courses/apcsp/lect14.pptx
@@ -5,7 +5,7 @@
     <p:sldMasterId id="2147483791" r:id="rId1"/>
   </p:sldMasterIdLst>
   <p:notesMasterIdLst>
-    <p:notesMasterId r:id="rId32"/>
+    <p:notesMasterId r:id="rId33"/>
   </p:notesMasterIdLst>
   <p:sldIdLst>
     <p:sldId id="256" r:id="rId2"/>
@@ -37,7 +37,8 @@
     <p:sldId id="610" r:id="rId28"/>
     <p:sldId id="611" r:id="rId29"/>
     <p:sldId id="613" r:id="rId30"/>
-    <p:sldId id="344" r:id="rId31"/>
+    <p:sldId id="614" r:id="rId31"/>
+    <p:sldId id="344" r:id="rId32"/>
   </p:sldIdLst>
   <p:sldSz cx="9144000" cy="5715000" type="screen16x10"/>
   <p:notesSz cx="6858000" cy="9144000"/>
@@ -7731,6 +7732,294 @@
 </p:notes>
 </file>
 
+<file path=ppt/notesSlides/notesSlide27.xml><?xml version="1.0" encoding="utf-8"?>
+<p:notes xmlns:a="http://schemas.openxmlformats.org/drawingml/2006/main" xmlns:r="http://schemas.openxmlformats.org/officeDocument/2006/relationships" xmlns:p="http://schemas.openxmlformats.org/presentationml/2006/main">
+  <p:cSld>
+    <p:spTree>
+      <p:nvGrpSpPr>
+        <p:cNvPr id="1" name=""/>
+        <p:cNvGrpSpPr/>
+        <p:nvPr/>
+      </p:nvGrpSpPr>
+      <p:grpSpPr>
+        <a:xfrm>
+          <a:off x="0" y="0"/>
+          <a:ext cx="0" cy="0"/>
+          <a:chOff x="0" y="0"/>
+          <a:chExt cx="0" cy="0"/>
+        </a:xfrm>
+      </p:grpSpPr>
+      <p:sp>
+        <p:nvSpPr>
+          <p:cNvPr id="39937" name="Rectangle 7">
+            <a:extLst>
+              <a:ext uri="{FF2B5EF4-FFF2-40B4-BE49-F238E27FC236}">
+                <a16:creationId xmlns:a16="http://schemas.microsoft.com/office/drawing/2014/main" id="{7264E55D-2FAC-504E-8F76-AF69BC0338DF}"/>
+              </a:ext>
+            </a:extLst>
+          </p:cNvPr>
+          <p:cNvSpPr>
+            <a:spLocks noGrp="1" noChangeArrowheads="1"/>
+          </p:cNvSpPr>
+          <p:nvPr>
+            <p:ph type="sldNum" sz="quarter" idx="5"/>
+          </p:nvPr>
+        </p:nvSpPr>
+        <p:spPr bwMode="auto">
+          <a:noFill/>
+          <a:extLst>
+            <a:ext uri="{909E8E84-426E-40DD-AFC4-6F175D3DCCD1}">
+              <a14:hiddenFill xmlns:a14="http://schemas.microsoft.com/office/drawing/2010/main">
+                <a:solidFill>
+                  <a:srgbClr val="FFFFFF"/>
+                </a:solidFill>
+              </a14:hiddenFill>
+            </a:ext>
+            <a:ext uri="{91240B29-F687-4F45-9708-019B960494DF}">
+              <a14:hiddenLine xmlns:a14="http://schemas.microsoft.com/office/drawing/2010/main" w="9525">
+                <a:solidFill>
+                  <a:srgbClr val="000000"/>
+                </a:solidFill>
+                <a:miter lim="800000"/>
+                <a:headEnd/>
+                <a:tailEnd/>
+              </a14:hiddenLine>
+            </a:ext>
+          </a:extLst>
+        </p:spPr>
+        <p:txBody>
+          <a:bodyPr/>
+          <a:lstStyle>
+            <a:lvl1pPr>
+              <a:defRPr>
+                <a:solidFill>
+                  <a:schemeClr val="tx1"/>
+                </a:solidFill>
+                <a:latin typeface="Arial" panose="020B0604020202020204" pitchFamily="34" charset="0"/>
+                <a:ea typeface="ＭＳ Ｐゴシック" panose="020B0600070205080204" pitchFamily="34" charset="-128"/>
+              </a:defRPr>
+            </a:lvl1pPr>
+            <a:lvl2pPr marL="742950" indent="-285750">
+              <a:defRPr>
+                <a:solidFill>
+                  <a:schemeClr val="tx1"/>
+                </a:solidFill>
+                <a:latin typeface="Arial" panose="020B0604020202020204" pitchFamily="34" charset="0"/>
+                <a:ea typeface="ＭＳ Ｐゴシック" panose="020B0600070205080204" pitchFamily="34" charset="-128"/>
+              </a:defRPr>
+            </a:lvl2pPr>
+            <a:lvl3pPr marL="1143000" indent="-228600">
+              <a:defRPr>
+                <a:solidFill>
+                  <a:schemeClr val="tx1"/>
+                </a:solidFill>
+                <a:latin typeface="Arial" panose="020B0604020202020204" pitchFamily="34" charset="0"/>
+                <a:ea typeface="ＭＳ Ｐゴシック" panose="020B0600070205080204" pitchFamily="34" charset="-128"/>
+              </a:defRPr>
+            </a:lvl3pPr>
+            <a:lvl4pPr marL="1600200" indent="-228600">
+              <a:defRPr>
+                <a:solidFill>
+                  <a:schemeClr val="tx1"/>
+                </a:solidFill>
+                <a:latin typeface="Arial" panose="020B0604020202020204" pitchFamily="34" charset="0"/>
+                <a:ea typeface="ＭＳ Ｐゴシック" panose="020B0600070205080204" pitchFamily="34" charset="-128"/>
+              </a:defRPr>
+            </a:lvl4pPr>
+            <a:lvl5pPr marL="2057400" indent="-228600">
+              <a:defRPr>
+                <a:solidFill>
+                  <a:schemeClr val="tx1"/>
+                </a:solidFill>
+                <a:latin typeface="Arial" panose="020B0604020202020204" pitchFamily="34" charset="0"/>
+                <a:ea typeface="ＭＳ Ｐゴシック" panose="020B0600070205080204" pitchFamily="34" charset="-128"/>
+              </a:defRPr>
+            </a:lvl5pPr>
+            <a:lvl6pPr marL="2514600" indent="-228600" eaLnBrk="0" fontAlgn="base" hangingPunct="0">
+              <a:spcBef>
+                <a:spcPct val="0"/>
+              </a:spcBef>
+              <a:spcAft>
+                <a:spcPct val="0"/>
+              </a:spcAft>
+              <a:defRPr>
+                <a:solidFill>
+                  <a:schemeClr val="tx1"/>
+                </a:solidFill>
+                <a:latin typeface="Arial" panose="020B0604020202020204" pitchFamily="34" charset="0"/>
+                <a:ea typeface="ＭＳ Ｐゴシック" panose="020B0600070205080204" pitchFamily="34" charset="-128"/>
+              </a:defRPr>
+            </a:lvl6pPr>
+            <a:lvl7pPr marL="2971800" indent="-228600" eaLnBrk="0" fontAlgn="base" hangingPunct="0">
+              <a:spcBef>
+                <a:spcPct val="0"/>
+              </a:spcBef>
+              <a:spcAft>
+                <a:spcPct val="0"/>
+              </a:spcAft>
+              <a:defRPr>
+                <a:solidFill>
+                  <a:schemeClr val="tx1"/>
+                </a:solidFill>
+                <a:latin typeface="Arial" panose="020B0604020202020204" pitchFamily="34" charset="0"/>
+                <a:ea typeface="ＭＳ Ｐゴシック" panose="020B0600070205080204" pitchFamily="34" charset="-128"/>
+              </a:defRPr>
+            </a:lvl7pPr>
+            <a:lvl8pPr marL="3429000" indent="-228600" eaLnBrk="0" fontAlgn="base" hangingPunct="0">
+              <a:spcBef>
+                <a:spcPct val="0"/>
+              </a:spcBef>
+              <a:spcAft>
+                <a:spcPct val="0"/>
+              </a:spcAft>
+              <a:defRPr>
+                <a:solidFill>
+                  <a:schemeClr val="tx1"/>
+                </a:solidFill>
+                <a:latin typeface="Arial" panose="020B0604020202020204" pitchFamily="34" charset="0"/>
+                <a:ea typeface="ＭＳ Ｐゴシック" panose="020B0600070205080204" pitchFamily="34" charset="-128"/>
+              </a:defRPr>
+            </a:lvl8pPr>
+            <a:lvl9pPr marL="3886200" indent="-228600" eaLnBrk="0" fontAlgn="base" hangingPunct="0">
+              <a:spcBef>
+                <a:spcPct val="0"/>
+              </a:spcBef>
+              <a:spcAft>
+                <a:spcPct val="0"/>
+              </a:spcAft>
+              <a:defRPr>
+                <a:solidFill>
+                  <a:schemeClr val="tx1"/>
+                </a:solidFill>
+                <a:latin typeface="Arial" panose="020B0604020202020204" pitchFamily="34" charset="0"/>
+                <a:ea typeface="ＭＳ Ｐゴシック" panose="020B0600070205080204" pitchFamily="34" charset="-128"/>
+              </a:defRPr>
+            </a:lvl9pPr>
+          </a:lstStyle>
+          <a:p>
+            <a:fld id="{281680EB-C86D-2347-AE16-D730A41D6A9A}" type="slidenum">
+              <a:rPr lang="en-US" altLang="en-US" smtClean="0"/>
+              <a:pPr/>
+              <a:t>30</a:t>
+            </a:fld>
+            <a:endParaRPr lang="en-US" altLang="en-US"/>
+          </a:p>
+        </p:txBody>
+      </p:sp>
+      <p:sp>
+        <p:nvSpPr>
+          <p:cNvPr id="39938" name="Rectangle 2">
+            <a:extLst>
+              <a:ext uri="{FF2B5EF4-FFF2-40B4-BE49-F238E27FC236}">
+                <a16:creationId xmlns:a16="http://schemas.microsoft.com/office/drawing/2014/main" id="{65402874-F9B7-4D4A-9A88-499672169530}"/>
+              </a:ext>
+            </a:extLst>
+          </p:cNvPr>
+          <p:cNvSpPr>
+            <a:spLocks noGrp="1" noRot="1" noChangeAspect="1" noChangeArrowheads="1" noTextEdit="1"/>
+          </p:cNvSpPr>
+          <p:nvPr>
+            <p:ph type="sldImg"/>
+          </p:nvPr>
+        </p:nvSpPr>
+        <p:spPr bwMode="auto">
+          <a:xfrm>
+            <a:off x="687388" y="685800"/>
+            <a:ext cx="5486400" cy="3429000"/>
+          </a:xfrm>
+          <a:noFill/>
+          <a:ln>
+            <a:solidFill>
+              <a:srgbClr val="000000"/>
+            </a:solidFill>
+            <a:miter lim="800000"/>
+            <a:headEnd/>
+            <a:tailEnd/>
+          </a:ln>
+          <a:extLst>
+            <a:ext uri="{909E8E84-426E-40DD-AFC4-6F175D3DCCD1}">
+              <a14:hiddenFill xmlns:a14="http://schemas.microsoft.com/office/drawing/2010/main">
+                <a:solidFill>
+                  <a:srgbClr val="FFFFFF"/>
+                </a:solidFill>
+              </a14:hiddenFill>
+            </a:ext>
+          </a:extLst>
+        </p:spPr>
+      </p:sp>
+      <p:sp>
+        <p:nvSpPr>
+          <p:cNvPr id="39939" name="Rectangle 3">
+            <a:extLst>
+              <a:ext uri="{FF2B5EF4-FFF2-40B4-BE49-F238E27FC236}">
+                <a16:creationId xmlns:a16="http://schemas.microsoft.com/office/drawing/2014/main" id="{04232413-FB05-4844-B594-DAF3406D2463}"/>
+              </a:ext>
+            </a:extLst>
+          </p:cNvPr>
+          <p:cNvSpPr>
+            <a:spLocks noGrp="1" noChangeArrowheads="1"/>
+          </p:cNvSpPr>
+          <p:nvPr>
+            <p:ph type="body" idx="1"/>
+          </p:nvPr>
+        </p:nvSpPr>
+        <p:spPr bwMode="auto">
+          <a:xfrm>
+            <a:off x="914400" y="4343400"/>
+            <a:ext cx="5029200" cy="4114800"/>
+          </a:xfrm>
+          <a:noFill/>
+          <a:extLst>
+            <a:ext uri="{909E8E84-426E-40DD-AFC4-6F175D3DCCD1}">
+              <a14:hiddenFill xmlns:a14="http://schemas.microsoft.com/office/drawing/2010/main">
+                <a:solidFill>
+                  <a:srgbClr val="FFFFFF"/>
+                </a:solidFill>
+              </a14:hiddenFill>
+            </a:ext>
+            <a:ext uri="{91240B29-F687-4F45-9708-019B960494DF}">
+              <a14:hiddenLine xmlns:a14="http://schemas.microsoft.com/office/drawing/2010/main" w="9525">
+                <a:solidFill>
+                  <a:srgbClr val="000000"/>
+                </a:solidFill>
+                <a:miter lim="800000"/>
+                <a:headEnd/>
+                <a:tailEnd/>
+              </a14:hiddenLine>
+            </a:ext>
+          </a:extLst>
+        </p:spPr>
+        <p:txBody>
+          <a:bodyPr wrap="square" numCol="1" anchor="t" anchorCtr="0" compatLnSpc="1">
+            <a:prstTxWarp prst="textNoShape">
+              <a:avLst/>
+            </a:prstTxWarp>
+          </a:bodyPr>
+          <a:lstStyle/>
+          <a:p>
+            <a:pPr eaLnBrk="1" hangingPunct="1"/>
+            <a:r>
+              <a:rPr lang="en-US" altLang="en-US">
+                <a:ea typeface="ＭＳ Ｐゴシック" panose="020B0600070205080204" pitchFamily="34" charset="-128"/>
+              </a:rPr>
+              <a:t>Crash Course: Cybersecurity</a:t>
+            </a:r>
+          </a:p>
+        </p:txBody>
+      </p:sp>
+    </p:spTree>
+    <p:extLst>
+      <p:ext uri="{BB962C8B-B14F-4D97-AF65-F5344CB8AC3E}">
+        <p14:creationId xmlns:p14="http://schemas.microsoft.com/office/powerpoint/2010/main" val="980668237"/>
+      </p:ext>
+    </p:extLst>
+  </p:cSld>
+  <p:clrMapOvr>
+    <a:masterClrMapping/>
+  </p:clrMapOvr>
+</p:notes>
+</file>
+
 <file path=ppt/notesSlides/notesSlide3.xml><?xml version="1.0" encoding="utf-8"?>
 <p:notes xmlns:a="http://schemas.openxmlformats.org/drawingml/2006/main" xmlns:r="http://schemas.openxmlformats.org/officeDocument/2006/relationships" xmlns:p="http://schemas.openxmlformats.org/presentationml/2006/main">
   <p:cSld>
@@ -30655,6 +30944,383 @@
 </file>
 
 <file path=ppt/slides/slide30.xml><?xml version="1.0" encoding="utf-8"?>
+<p:sld xmlns:a="http://schemas.openxmlformats.org/drawingml/2006/main" xmlns:r="http://schemas.openxmlformats.org/officeDocument/2006/relationships" xmlns:p="http://schemas.openxmlformats.org/presentationml/2006/main">
+  <p:cSld>
+    <p:spTree>
+      <p:nvGrpSpPr>
+        <p:cNvPr id="1" name=""/>
+        <p:cNvGrpSpPr/>
+        <p:nvPr/>
+      </p:nvGrpSpPr>
+      <p:grpSpPr>
+        <a:xfrm>
+          <a:off x="0" y="0"/>
+          <a:ext cx="0" cy="0"/>
+          <a:chOff x="0" y="0"/>
+          <a:chExt cx="0" cy="0"/>
+        </a:xfrm>
+      </p:grpSpPr>
+      <p:sp>
+        <p:nvSpPr>
+          <p:cNvPr id="38913" name="Rectangle 2">
+            <a:extLst>
+              <a:ext uri="{FF2B5EF4-FFF2-40B4-BE49-F238E27FC236}">
+                <a16:creationId xmlns:a16="http://schemas.microsoft.com/office/drawing/2014/main" id="{01ABAB85-1B1D-E842-8BF4-B8AF13377E9C}"/>
+              </a:ext>
+            </a:extLst>
+          </p:cNvPr>
+          <p:cNvSpPr>
+            <a:spLocks noGrp="1" noChangeArrowheads="1"/>
+          </p:cNvSpPr>
+          <p:nvPr>
+            <p:ph type="title"/>
+          </p:nvPr>
+        </p:nvSpPr>
+        <p:spPr>
+          <a:xfrm>
+            <a:off x="227013" y="25605"/>
+            <a:ext cx="7886700" cy="832591"/>
+          </a:xfrm>
+        </p:spPr>
+        <p:txBody>
+          <a:bodyPr/>
+          <a:lstStyle/>
+          <a:p>
+            <a:pPr eaLnBrk="1" hangingPunct="1"/>
+            <a:r>
+              <a:rPr lang="en-US" altLang="en-US" dirty="0">
+                <a:latin typeface="Tahoma" panose="020B0604030504040204" pitchFamily="34" charset="0"/>
+                <a:ea typeface="ＭＳ Ｐゴシック" panose="020B0600070205080204" pitchFamily="34" charset="-128"/>
+              </a:rPr>
+              <a:t>Tint</a:t>
+            </a:r>
+          </a:p>
+        </p:txBody>
+      </p:sp>
+      <p:sp>
+        <p:nvSpPr>
+          <p:cNvPr id="16386" name="Rectangle 3">
+            <a:extLst>
+              <a:ext uri="{FF2B5EF4-FFF2-40B4-BE49-F238E27FC236}">
+                <a16:creationId xmlns:a16="http://schemas.microsoft.com/office/drawing/2014/main" id="{B58E18ED-8D49-8844-A857-3DC2CAD817CB}"/>
+              </a:ext>
+            </a:extLst>
+          </p:cNvPr>
+          <p:cNvSpPr>
+            <a:spLocks noGrp="1" noChangeArrowheads="1"/>
+          </p:cNvSpPr>
+          <p:nvPr>
+            <p:ph type="body" idx="1"/>
+          </p:nvPr>
+        </p:nvSpPr>
+        <p:spPr>
+          <a:xfrm>
+            <a:off x="262890" y="753979"/>
+            <a:ext cx="8538210" cy="4834021"/>
+          </a:xfrm>
+        </p:spPr>
+        <p:txBody>
+          <a:bodyPr>
+            <a:normAutofit/>
+          </a:bodyPr>
+          <a:lstStyle/>
+          <a:p>
+            <a:pPr marL="0" indent="0">
+              <a:buNone/>
+            </a:pPr>
+            <a:r>
+              <a:rPr lang="en-US" altLang="en-US" sz="2000" dirty="0">
+                <a:latin typeface="Gill Sans MT" panose="020B0502020104020203" pitchFamily="34" charset="77"/>
+                <a:ea typeface="ＭＳ Ｐゴシック" panose="020B0600070205080204" pitchFamily="34" charset="-128"/>
+              </a:rPr>
+              <a:t>To tint an image is to mix its colors with white. This will increase the lightness of the image. </a:t>
+            </a:r>
+          </a:p>
+          <a:p>
+            <a:pPr marL="0" indent="0">
+              <a:buNone/>
+            </a:pPr>
+            <a:r>
+              <a:rPr lang="en-US" altLang="en-US" sz="2000" dirty="0">
+                <a:latin typeface="Gill Sans MT" panose="020B0502020104020203" pitchFamily="34" charset="77"/>
+                <a:ea typeface="ＭＳ Ｐゴシック" panose="020B0600070205080204" pitchFamily="34" charset="-128"/>
+              </a:rPr>
+              <a:t>In your lab, you </a:t>
+            </a:r>
+            <a:r>
+              <a:rPr lang="en-US" altLang="en-US" sz="2000">
+                <a:latin typeface="Gill Sans MT" panose="020B0502020104020203" pitchFamily="34" charset="77"/>
+                <a:ea typeface="ＭＳ Ｐゴシック" panose="020B0600070205080204" pitchFamily="34" charset="-128"/>
+              </a:rPr>
+              <a:t>will a Python </a:t>
+            </a:r>
+            <a:r>
+              <a:rPr lang="en-US" altLang="en-US" sz="2000" dirty="0">
+                <a:latin typeface="Gill Sans MT" panose="020B0502020104020203" pitchFamily="34" charset="77"/>
+                <a:ea typeface="ＭＳ Ｐゴシック" panose="020B0600070205080204" pitchFamily="34" charset="-128"/>
+              </a:rPr>
+              <a:t>function, which takes an image and a percentage value as a parameter. Setting 'percentage' to 0 will not change the image, setting it to one means that the image will be completely whitened.</a:t>
+            </a:r>
+          </a:p>
+          <a:p>
+            <a:pPr marL="0" indent="0">
+              <a:buNone/>
+            </a:pPr>
+            <a:r>
+              <a:rPr lang="en-US" altLang="en-US" sz="2000" dirty="0">
+                <a:latin typeface="Gill Sans MT" panose="020B0502020104020203" pitchFamily="34" charset="77"/>
+                <a:ea typeface="ＭＳ Ｐゴシック" panose="020B0600070205080204" pitchFamily="34" charset="-128"/>
+              </a:rPr>
+              <a:t>For example, suppose a pixel with RGB components of [0.80, 0.60, 0.40]. Tinting it by 25% means that the pixel is now [0.85, 0.70, 0.55]. </a:t>
+            </a:r>
+          </a:p>
+        </p:txBody>
+      </p:sp>
+      <p:sp>
+        <p:nvSpPr>
+          <p:cNvPr id="38915" name="Picture 5" descr="sqrt_b^2-4ac.pdf">
+            <a:extLst>
+              <a:ext uri="{FF2B5EF4-FFF2-40B4-BE49-F238E27FC236}">
+                <a16:creationId xmlns:a16="http://schemas.microsoft.com/office/drawing/2014/main" id="{96383EC4-01AF-BA4A-B24B-794940A33441}"/>
+              </a:ext>
+            </a:extLst>
+          </p:cNvPr>
+          <p:cNvSpPr>
+            <a:spLocks noChangeAspect="1"/>
+          </p:cNvSpPr>
+          <p:nvPr/>
+        </p:nvSpPr>
+        <p:spPr bwMode="auto">
+          <a:xfrm>
+            <a:off x="791105" y="3366823"/>
+            <a:ext cx="7141104" cy="1951302"/>
+          </a:xfrm>
+          <a:prstGeom prst="rect">
+            <a:avLst/>
+          </a:prstGeom>
+          <a:noFill/>
+          <a:ln>
+            <a:noFill/>
+          </a:ln>
+          <a:extLst>
+            <a:ext uri="{909E8E84-426E-40DD-AFC4-6F175D3DCCD1}">
+              <a14:hiddenFill xmlns:a14="http://schemas.microsoft.com/office/drawing/2010/main">
+                <a:solidFill>
+                  <a:srgbClr val="FFFFFF"/>
+                </a:solidFill>
+              </a14:hiddenFill>
+            </a:ext>
+            <a:ext uri="{91240B29-F687-4F45-9708-019B960494DF}">
+              <a14:hiddenLine xmlns:a14="http://schemas.microsoft.com/office/drawing/2010/main" w="9525">
+                <a:solidFill>
+                  <a:srgbClr val="000000"/>
+                </a:solidFill>
+                <a:miter lim="800000"/>
+                <a:headEnd/>
+                <a:tailEnd/>
+              </a14:hiddenLine>
+            </a:ext>
+          </a:extLst>
+        </p:spPr>
+        <p:txBody>
+          <a:bodyPr/>
+          <a:lstStyle>
+            <a:lvl1pPr>
+              <a:spcBef>
+                <a:spcPct val="20000"/>
+              </a:spcBef>
+              <a:buChar char="•"/>
+              <a:defRPr sz="3200">
+                <a:solidFill>
+                  <a:schemeClr val="tx1"/>
+                </a:solidFill>
+                <a:latin typeface="Arial" panose="020B0604020202020204" pitchFamily="34" charset="0"/>
+                <a:ea typeface="ＭＳ Ｐゴシック" panose="020B0600070205080204" pitchFamily="34" charset="-128"/>
+                <a:cs typeface="Arial" panose="020B0604020202020204" pitchFamily="34" charset="0"/>
+              </a:defRPr>
+            </a:lvl1pPr>
+            <a:lvl2pPr marL="742950" indent="-285750">
+              <a:spcBef>
+                <a:spcPct val="20000"/>
+              </a:spcBef>
+              <a:buChar char="–"/>
+              <a:defRPr sz="2800">
+                <a:solidFill>
+                  <a:schemeClr val="tx1"/>
+                </a:solidFill>
+                <a:latin typeface="Arial" panose="020B0604020202020204" pitchFamily="34" charset="0"/>
+                <a:ea typeface="Arial" panose="020B0604020202020204" pitchFamily="34" charset="0"/>
+                <a:cs typeface="Arial" panose="020B0604020202020204" pitchFamily="34" charset="0"/>
+              </a:defRPr>
+            </a:lvl2pPr>
+            <a:lvl3pPr marL="1143000" indent="-228600">
+              <a:spcBef>
+                <a:spcPct val="20000"/>
+              </a:spcBef>
+              <a:buChar char="•"/>
+              <a:defRPr sz="2400">
+                <a:solidFill>
+                  <a:schemeClr val="tx1"/>
+                </a:solidFill>
+                <a:latin typeface="Arial" panose="020B0604020202020204" pitchFamily="34" charset="0"/>
+                <a:ea typeface="Arial" panose="020B0604020202020204" pitchFamily="34" charset="0"/>
+                <a:cs typeface="Arial" panose="020B0604020202020204" pitchFamily="34" charset="0"/>
+              </a:defRPr>
+            </a:lvl3pPr>
+            <a:lvl4pPr marL="1600200" indent="-228600">
+              <a:spcBef>
+                <a:spcPct val="20000"/>
+              </a:spcBef>
+              <a:buChar char="–"/>
+              <a:defRPr sz="2000">
+                <a:solidFill>
+                  <a:schemeClr val="tx1"/>
+                </a:solidFill>
+                <a:latin typeface="Arial" panose="020B0604020202020204" pitchFamily="34" charset="0"/>
+                <a:ea typeface="Arial" panose="020B0604020202020204" pitchFamily="34" charset="0"/>
+                <a:cs typeface="Arial" panose="020B0604020202020204" pitchFamily="34" charset="0"/>
+              </a:defRPr>
+            </a:lvl4pPr>
+            <a:lvl5pPr marL="2057400" indent="-228600">
+              <a:spcBef>
+                <a:spcPct val="20000"/>
+              </a:spcBef>
+              <a:buChar char="»"/>
+              <a:defRPr sz="2000">
+                <a:solidFill>
+                  <a:schemeClr val="tx1"/>
+                </a:solidFill>
+                <a:latin typeface="Arial" panose="020B0604020202020204" pitchFamily="34" charset="0"/>
+                <a:ea typeface="Arial" panose="020B0604020202020204" pitchFamily="34" charset="0"/>
+                <a:cs typeface="Arial" panose="020B0604020202020204" pitchFamily="34" charset="0"/>
+              </a:defRPr>
+            </a:lvl5pPr>
+            <a:lvl6pPr marL="2514600" indent="-228600" eaLnBrk="0" fontAlgn="base" hangingPunct="0">
+              <a:spcBef>
+                <a:spcPct val="20000"/>
+              </a:spcBef>
+              <a:spcAft>
+                <a:spcPct val="0"/>
+              </a:spcAft>
+              <a:buChar char="»"/>
+              <a:defRPr sz="2000">
+                <a:solidFill>
+                  <a:schemeClr val="tx1"/>
+                </a:solidFill>
+                <a:latin typeface="Arial" panose="020B0604020202020204" pitchFamily="34" charset="0"/>
+                <a:ea typeface="Arial" panose="020B0604020202020204" pitchFamily="34" charset="0"/>
+                <a:cs typeface="Arial" panose="020B0604020202020204" pitchFamily="34" charset="0"/>
+              </a:defRPr>
+            </a:lvl6pPr>
+            <a:lvl7pPr marL="2971800" indent="-228600" eaLnBrk="0" fontAlgn="base" hangingPunct="0">
+              <a:spcBef>
+                <a:spcPct val="20000"/>
+              </a:spcBef>
+              <a:spcAft>
+                <a:spcPct val="0"/>
+              </a:spcAft>
+              <a:buChar char="»"/>
+              <a:defRPr sz="2000">
+                <a:solidFill>
+                  <a:schemeClr val="tx1"/>
+                </a:solidFill>
+                <a:latin typeface="Arial" panose="020B0604020202020204" pitchFamily="34" charset="0"/>
+                <a:ea typeface="Arial" panose="020B0604020202020204" pitchFamily="34" charset="0"/>
+                <a:cs typeface="Arial" panose="020B0604020202020204" pitchFamily="34" charset="0"/>
+              </a:defRPr>
+            </a:lvl7pPr>
+            <a:lvl8pPr marL="3429000" indent="-228600" eaLnBrk="0" fontAlgn="base" hangingPunct="0">
+              <a:spcBef>
+                <a:spcPct val="20000"/>
+              </a:spcBef>
+              <a:spcAft>
+                <a:spcPct val="0"/>
+              </a:spcAft>
+              <a:buChar char="»"/>
+              <a:defRPr sz="2000">
+                <a:solidFill>
+                  <a:schemeClr val="tx1"/>
+                </a:solidFill>
+                <a:latin typeface="Arial" panose="020B0604020202020204" pitchFamily="34" charset="0"/>
+                <a:ea typeface="Arial" panose="020B0604020202020204" pitchFamily="34" charset="0"/>
+                <a:cs typeface="Arial" panose="020B0604020202020204" pitchFamily="34" charset="0"/>
+              </a:defRPr>
+            </a:lvl8pPr>
+            <a:lvl9pPr marL="3886200" indent="-228600" eaLnBrk="0" fontAlgn="base" hangingPunct="0">
+              <a:spcBef>
+                <a:spcPct val="20000"/>
+              </a:spcBef>
+              <a:spcAft>
+                <a:spcPct val="0"/>
+              </a:spcAft>
+              <a:buChar char="»"/>
+              <a:defRPr sz="2000">
+                <a:solidFill>
+                  <a:schemeClr val="tx1"/>
+                </a:solidFill>
+                <a:latin typeface="Arial" panose="020B0604020202020204" pitchFamily="34" charset="0"/>
+                <a:ea typeface="Arial" panose="020B0604020202020204" pitchFamily="34" charset="0"/>
+                <a:cs typeface="Arial" panose="020B0604020202020204" pitchFamily="34" charset="0"/>
+              </a:defRPr>
+            </a:lvl9pPr>
+          </a:lstStyle>
+          <a:p>
+            <a:pPr>
+              <a:spcBef>
+                <a:spcPct val="0"/>
+              </a:spcBef>
+              <a:buFontTx/>
+              <a:buNone/>
+            </a:pPr>
+            <a:endParaRPr lang="en-US" altLang="en-US" sz="1500"/>
+          </a:p>
+        </p:txBody>
+      </p:sp>
+      <p:pic>
+        <p:nvPicPr>
+          <p:cNvPr id="4" name="Picture 3">
+            <a:extLst>
+              <a:ext uri="{FF2B5EF4-FFF2-40B4-BE49-F238E27FC236}">
+                <a16:creationId xmlns:a16="http://schemas.microsoft.com/office/drawing/2014/main" id="{C4AB0FFF-B2B1-6740-87C2-1A5A80E3DBA1}"/>
+              </a:ext>
+            </a:extLst>
+          </p:cNvPr>
+          <p:cNvPicPr>
+            <a:picLocks noChangeAspect="1"/>
+          </p:cNvPicPr>
+          <p:nvPr/>
+        </p:nvPicPr>
+        <p:blipFill>
+          <a:blip r:embed="rId3"/>
+          <a:stretch>
+            <a:fillRect/>
+          </a:stretch>
+        </p:blipFill>
+        <p:spPr>
+          <a:xfrm>
+            <a:off x="227013" y="3161850"/>
+            <a:ext cx="8881110" cy="2361248"/>
+          </a:xfrm>
+          <a:prstGeom prst="rect">
+            <a:avLst/>
+          </a:prstGeom>
+        </p:spPr>
+      </p:pic>
+    </p:spTree>
+    <p:extLst>
+      <p:ext uri="{BB962C8B-B14F-4D97-AF65-F5344CB8AC3E}">
+        <p14:creationId xmlns:p14="http://schemas.microsoft.com/office/powerpoint/2010/main" val="1610733441"/>
+      </p:ext>
+    </p:extLst>
+  </p:cSld>
+  <p:clrMapOvr>
+    <a:masterClrMapping/>
+  </p:clrMapOvr>
+  <p:transition/>
+</p:sld>
+</file>
+
+<file path=ppt/slides/slide31.xml><?xml version="1.0" encoding="utf-8"?>
 <p:sld xmlns:a="http://schemas.openxmlformats.org/drawingml/2006/main" xmlns:r="http://schemas.openxmlformats.org/officeDocument/2006/relationships" xmlns:p="http://schemas.openxmlformats.org/presentationml/2006/main">
   <p:cSld>
     <p:spTree>

--- a/courses/apcsp/lect14.pptx
+++ b/courses/apcsp/lect14.pptx
@@ -15628,8 +15628,8 @@
         </p:blipFill>
         <p:spPr bwMode="auto">
           <a:xfrm>
-            <a:off x="-10033468" y="2072533"/>
-            <a:ext cx="18589897" cy="5075661"/>
+            <a:off x="-9361148" y="1372180"/>
+            <a:ext cx="21145877" cy="5773530"/>
           </a:xfrm>
           <a:prstGeom prst="rect">
             <a:avLst/>
@@ -15689,6 +15689,66 @@
         <p:spPr bwMode="auto">
           <a:xfrm>
             <a:off x="-1485838" y="-600974"/>
+            <a:ext cx="10458388" cy="3530864"/>
+          </a:xfrm>
+          <a:prstGeom prst="rect">
+            <a:avLst/>
+          </a:prstGeom>
+          <a:noFill/>
+          <a:ln>
+            <a:noFill/>
+          </a:ln>
+          <a:extLst>
+            <a:ext uri="{909E8E84-426E-40DD-AFC4-6F175D3DCCD1}">
+              <a14:hiddenFill xmlns:a14="http://schemas.microsoft.com/office/drawing/2010/main">
+                <a:solidFill>
+                  <a:srgbClr val="FFFFFF"/>
+                </a:solidFill>
+              </a14:hiddenFill>
+            </a:ext>
+            <a:ext uri="{91240B29-F687-4F45-9708-019B960494DF}">
+              <a14:hiddenLine xmlns:a14="http://schemas.microsoft.com/office/drawing/2010/main" w="9525">
+                <a:solidFill>
+                  <a:srgbClr val="000000"/>
+                </a:solidFill>
+                <a:miter lim="800000"/>
+                <a:headEnd/>
+                <a:tailEnd/>
+              </a14:hiddenLine>
+            </a:ext>
+          </a:extLst>
+        </p:spPr>
+      </p:pic>
+      <p:pic>
+        <p:nvPicPr>
+          <p:cNvPr id="7" name="Picture 1">
+            <a:extLst>
+              <a:ext uri="{FF2B5EF4-FFF2-40B4-BE49-F238E27FC236}">
+                <a16:creationId xmlns:a16="http://schemas.microsoft.com/office/drawing/2014/main" id="{692E2584-D515-B647-921D-3289ED2E205C}"/>
+              </a:ext>
+            </a:extLst>
+          </p:cNvPr>
+          <p:cNvPicPr>
+            <a:picLocks noChangeAspect="1" noChangeArrowheads="1"/>
+          </p:cNvPicPr>
+          <p:nvPr/>
+        </p:nvPicPr>
+        <p:blipFill>
+          <a:blip r:embed="rId4">
+            <a:extLst>
+              <a:ext uri="{28A0092B-C50C-407E-A947-70E740481C1C}">
+                <a14:useLocalDpi xmlns:a14="http://schemas.microsoft.com/office/drawing/2010/main" val="0"/>
+              </a:ext>
+            </a:extLst>
+          </a:blip>
+          <a:srcRect/>
+          <a:stretch>
+            <a:fillRect/>
+          </a:stretch>
+        </p:blipFill>
+        <p:spPr bwMode="auto">
+          <a:xfrm>
+            <a:off x="-7455411" y="-917265"/>
             <a:ext cx="10458388" cy="3530864"/>
           </a:xfrm>
           <a:prstGeom prst="rect">
@@ -15983,6 +16043,51 @@
                                               <p:pRg st="7" end="7"/>
                                             </p:txEl>
                                           </p:spTgt>
+                                        </p:tgtEl>
+                                        <p:attrNameLst>
+                                          <p:attrName>style.visibility</p:attrName>
+                                        </p:attrNameLst>
+                                      </p:cBhvr>
+                                      <p:to>
+                                        <p:strVal val="visible"/>
+                                      </p:to>
+                                    </p:set>
+                                  </p:childTnLst>
+                                </p:cTn>
+                              </p:par>
+                            </p:childTnLst>
+                          </p:cTn>
+                        </p:par>
+                      </p:childTnLst>
+                    </p:cTn>
+                  </p:par>
+                  <p:par>
+                    <p:cTn id="23" fill="hold">
+                      <p:stCondLst>
+                        <p:cond delay="indefinite"/>
+                      </p:stCondLst>
+                      <p:childTnLst>
+                        <p:par>
+                          <p:cTn id="24" fill="hold">
+                            <p:stCondLst>
+                              <p:cond delay="0"/>
+                            </p:stCondLst>
+                            <p:childTnLst>
+                              <p:par>
+                                <p:cTn id="25" presetID="1" presetClass="entr" presetSubtype="0" fill="hold" nodeType="clickEffect">
+                                  <p:stCondLst>
+                                    <p:cond delay="0"/>
+                                  </p:stCondLst>
+                                  <p:childTnLst>
+                                    <p:set>
+                                      <p:cBhvr>
+                                        <p:cTn id="26" dur="1" fill="hold">
+                                          <p:stCondLst>
+                                            <p:cond delay="0"/>
+                                          </p:stCondLst>
+                                        </p:cTn>
+                                        <p:tgtEl>
+                                          <p:spTgt spid="7"/>
                                         </p:tgtEl>
                                         <p:attrNameLst>
                                           <p:attrName>style.visibility</p:attrName>

--- a/courses/apcsp/lect14.pptx
+++ b/courses/apcsp/lect14.pptx
@@ -1993,7 +1993,7 @@
           <a:p>
             <a:fld id="{6EDD99D2-A624-5E4F-A4E3-584054837B5A}" type="datetimeFigureOut">
               <a:rPr lang="en-US" smtClean="0"/>
-              <a:t>1/27/20</a:t>
+              <a:t>1/28/20</a:t>
             </a:fld>
             <a:endParaRPr lang="en-US"/>
           </a:p>
@@ -10167,7 +10167,7 @@
           <a:p>
             <a:fld id="{4AAD347D-5ACD-4C99-B74B-A9C85AD731AF}" type="datetimeFigureOut">
               <a:rPr lang="en-US" smtClean="0"/>
-              <a:t>1/27/20</a:t>
+              <a:t>1/28/20</a:t>
             </a:fld>
             <a:endParaRPr lang="en-US" dirty="0"/>
           </a:p>
@@ -10337,7 +10337,7 @@
           <a:p>
             <a:fld id="{4509A250-FF31-4206-8172-F9D3106AACB1}" type="datetimeFigureOut">
               <a:rPr lang="en-US" smtClean="0"/>
-              <a:t>1/27/20</a:t>
+              <a:t>1/28/20</a:t>
             </a:fld>
             <a:endParaRPr lang="en-US" dirty="0"/>
           </a:p>
@@ -10517,7 +10517,7 @@
           <a:p>
             <a:fld id="{4509A250-FF31-4206-8172-F9D3106AACB1}" type="datetimeFigureOut">
               <a:rPr lang="en-US" smtClean="0"/>
-              <a:t>1/27/20</a:t>
+              <a:t>1/28/20</a:t>
             </a:fld>
             <a:endParaRPr lang="en-US" dirty="0"/>
           </a:p>
@@ -10687,7 +10687,7 @@
           <a:p>
             <a:fld id="{4509A250-FF31-4206-8172-F9D3106AACB1}" type="datetimeFigureOut">
               <a:rPr lang="en-US" smtClean="0"/>
-              <a:t>1/27/20</a:t>
+              <a:t>1/28/20</a:t>
             </a:fld>
             <a:endParaRPr lang="en-US" dirty="0"/>
           </a:p>
@@ -10933,7 +10933,7 @@
           <a:p>
             <a:fld id="{9796027F-7875-4030-9381-8BD8C4F21935}" type="datetimeFigureOut">
               <a:rPr lang="en-US" smtClean="0"/>
-              <a:t>1/27/20</a:t>
+              <a:t>1/28/20</a:t>
             </a:fld>
             <a:endParaRPr lang="en-US" dirty="0"/>
           </a:p>
@@ -11165,7 +11165,7 @@
           <a:p>
             <a:fld id="{9796027F-7875-4030-9381-8BD8C4F21935}" type="datetimeFigureOut">
               <a:rPr lang="en-US" smtClean="0"/>
-              <a:t>1/27/20</a:t>
+              <a:t>1/28/20</a:t>
             </a:fld>
             <a:endParaRPr lang="en-US" dirty="0"/>
           </a:p>
@@ -11532,7 +11532,7 @@
           <a:p>
             <a:fld id="{9796027F-7875-4030-9381-8BD8C4F21935}" type="datetimeFigureOut">
               <a:rPr lang="en-US" smtClean="0"/>
-              <a:t>1/27/20</a:t>
+              <a:t>1/28/20</a:t>
             </a:fld>
             <a:endParaRPr lang="en-US" dirty="0"/>
           </a:p>
@@ -11650,7 +11650,7 @@
           <a:p>
             <a:fld id="{4509A250-FF31-4206-8172-F9D3106AACB1}" type="datetimeFigureOut">
               <a:rPr lang="en-US" smtClean="0"/>
-              <a:t>1/27/20</a:t>
+              <a:t>1/28/20</a:t>
             </a:fld>
             <a:endParaRPr lang="en-US" dirty="0"/>
           </a:p>
@@ -11745,7 +11745,7 @@
           <a:p>
             <a:fld id="{4509A250-FF31-4206-8172-F9D3106AACB1}" type="datetimeFigureOut">
               <a:rPr lang="en-US" smtClean="0"/>
-              <a:t>1/27/20</a:t>
+              <a:t>1/28/20</a:t>
             </a:fld>
             <a:endParaRPr lang="en-US" dirty="0"/>
           </a:p>
@@ -12022,7 +12022,7 @@
           <a:p>
             <a:fld id="{4509A250-FF31-4206-8172-F9D3106AACB1}" type="datetimeFigureOut">
               <a:rPr lang="en-US" smtClean="0"/>
-              <a:t>1/27/20</a:t>
+              <a:t>1/28/20</a:t>
             </a:fld>
             <a:endParaRPr lang="en-US" dirty="0"/>
           </a:p>
@@ -12279,7 +12279,7 @@
           <a:p>
             <a:fld id="{4509A250-FF31-4206-8172-F9D3106AACB1}" type="datetimeFigureOut">
               <a:rPr lang="en-US" smtClean="0"/>
-              <a:t>1/27/20</a:t>
+              <a:t>1/28/20</a:t>
             </a:fld>
             <a:endParaRPr lang="en-US" dirty="0"/>
           </a:p>
@@ -12492,7 +12492,7 @@
           <a:p>
             <a:fld id="{4AAD347D-5ACD-4C99-B74B-A9C85AD731AF}" type="datetimeFigureOut">
               <a:rPr lang="en-US" smtClean="0"/>
-              <a:t>1/27/20</a:t>
+              <a:t>1/28/20</a:t>
             </a:fld>
             <a:endParaRPr lang="en-US" dirty="0"/>
           </a:p>
@@ -15628,8 +15628,8 @@
         </p:blipFill>
         <p:spPr bwMode="auto">
           <a:xfrm>
-            <a:off x="-9361148" y="1372180"/>
-            <a:ext cx="21145877" cy="5773530"/>
+            <a:off x="2160104" y="3790240"/>
+            <a:ext cx="5772105" cy="1575977"/>
           </a:xfrm>
           <a:prstGeom prst="rect">
             <a:avLst/>
@@ -15688,68 +15688,8 @@
         </p:blipFill>
         <p:spPr bwMode="auto">
           <a:xfrm>
-            <a:off x="-1485838" y="-600974"/>
-            <a:ext cx="10458388" cy="3530864"/>
-          </a:xfrm>
-          <a:prstGeom prst="rect">
-            <a:avLst/>
-          </a:prstGeom>
-          <a:noFill/>
-          <a:ln>
-            <a:noFill/>
-          </a:ln>
-          <a:extLst>
-            <a:ext uri="{909E8E84-426E-40DD-AFC4-6F175D3DCCD1}">
-              <a14:hiddenFill xmlns:a14="http://schemas.microsoft.com/office/drawing/2010/main">
-                <a:solidFill>
-                  <a:srgbClr val="FFFFFF"/>
-                </a:solidFill>
-              </a14:hiddenFill>
-            </a:ext>
-            <a:ext uri="{91240B29-F687-4F45-9708-019B960494DF}">
-              <a14:hiddenLine xmlns:a14="http://schemas.microsoft.com/office/drawing/2010/main" w="9525">
-                <a:solidFill>
-                  <a:srgbClr val="000000"/>
-                </a:solidFill>
-                <a:miter lim="800000"/>
-                <a:headEnd/>
-                <a:tailEnd/>
-              </a14:hiddenLine>
-            </a:ext>
-          </a:extLst>
-        </p:spPr>
-      </p:pic>
-      <p:pic>
-        <p:nvPicPr>
-          <p:cNvPr id="7" name="Picture 1">
-            <a:extLst>
-              <a:ext uri="{FF2B5EF4-FFF2-40B4-BE49-F238E27FC236}">
-                <a16:creationId xmlns:a16="http://schemas.microsoft.com/office/drawing/2014/main" id="{692E2584-D515-B647-921D-3289ED2E205C}"/>
-              </a:ext>
-            </a:extLst>
-          </p:cNvPr>
-          <p:cNvPicPr>
-            <a:picLocks noChangeAspect="1" noChangeArrowheads="1"/>
-          </p:cNvPicPr>
-          <p:nvPr/>
-        </p:nvPicPr>
-        <p:blipFill>
-          <a:blip r:embed="rId4">
-            <a:extLst>
-              <a:ext uri="{28A0092B-C50C-407E-A947-70E740481C1C}">
-                <a14:useLocalDpi xmlns:a14="http://schemas.microsoft.com/office/drawing/2010/main" val="0"/>
-              </a:ext>
-            </a:extLst>
-          </a:blip>
-          <a:srcRect/>
-          <a:stretch>
-            <a:fillRect/>
-          </a:stretch>
-        </p:blipFill>
-        <p:spPr bwMode="auto">
-          <a:xfrm>
-            <a:off x="-7455411" y="-917265"/>
-            <a:ext cx="10458388" cy="3530864"/>
+            <a:off x="4114800" y="2367449"/>
+            <a:ext cx="2903053" cy="980102"/>
           </a:xfrm>
           <a:prstGeom prst="rect">
             <a:avLst/>
@@ -16043,51 +15983,6 @@
                                               <p:pRg st="7" end="7"/>
                                             </p:txEl>
                                           </p:spTgt>
-                                        </p:tgtEl>
-                                        <p:attrNameLst>
-                                          <p:attrName>style.visibility</p:attrName>
-                                        </p:attrNameLst>
-                                      </p:cBhvr>
-                                      <p:to>
-                                        <p:strVal val="visible"/>
-                                      </p:to>
-                                    </p:set>
-                                  </p:childTnLst>
-                                </p:cTn>
-                              </p:par>
-                            </p:childTnLst>
-                          </p:cTn>
-                        </p:par>
-                      </p:childTnLst>
-                    </p:cTn>
-                  </p:par>
-                  <p:par>
-                    <p:cTn id="23" fill="hold">
-                      <p:stCondLst>
-                        <p:cond delay="indefinite"/>
-                      </p:stCondLst>
-                      <p:childTnLst>
-                        <p:par>
-                          <p:cTn id="24" fill="hold">
-                            <p:stCondLst>
-                              <p:cond delay="0"/>
-                            </p:stCondLst>
-                            <p:childTnLst>
-                              <p:par>
-                                <p:cTn id="25" presetID="1" presetClass="entr" presetSubtype="0" fill="hold" nodeType="clickEffect">
-                                  <p:stCondLst>
-                                    <p:cond delay="0"/>
-                                  </p:stCondLst>
-                                  <p:childTnLst>
-                                    <p:set>
-                                      <p:cBhvr>
-                                        <p:cTn id="26" dur="1" fill="hold">
-                                          <p:stCondLst>
-                                            <p:cond delay="0"/>
-                                          </p:stCondLst>
-                                        </p:cTn>
-                                        <p:tgtEl>
-                                          <p:spTgt spid="7"/>
                                         </p:tgtEl>
                                         <p:attrNameLst>
                                           <p:attrName>style.visibility</p:attrName>

--- a/courses/apcsp/lect14.pptx
+++ b/courses/apcsp/lect14.pptx
@@ -27072,6 +27072,193 @@
           </a:p>
         </p:txBody>
       </p:sp>
+      <p:sp>
+        <p:nvSpPr>
+          <p:cNvPr id="5" name="TextBox 4">
+            <a:extLst>
+              <a:ext uri="{FF2B5EF4-FFF2-40B4-BE49-F238E27FC236}">
+                <a16:creationId xmlns:a16="http://schemas.microsoft.com/office/drawing/2014/main" id="{75DF910D-BCDA-814B-AE33-5E262772747F}"/>
+              </a:ext>
+            </a:extLst>
+          </p:cNvPr>
+          <p:cNvSpPr txBox="1"/>
+          <p:nvPr/>
+        </p:nvSpPr>
+        <p:spPr>
+          <a:xfrm>
+            <a:off x="5112735" y="1767079"/>
+            <a:ext cx="2956845" cy="1200329"/>
+          </a:xfrm>
+          <a:prstGeom prst="rect">
+            <a:avLst/>
+          </a:prstGeom>
+          <a:noFill/>
+        </p:spPr>
+        <p:txBody>
+          <a:bodyPr wrap="square" rtlCol="0">
+            <a:spAutoFit/>
+          </a:bodyPr>
+          <a:lstStyle/>
+          <a:p>
+            <a:r>
+              <a:rPr lang="en-US" sz="1800" dirty="0">
+                <a:solidFill>
+                  <a:srgbClr val="FF0000"/>
+                </a:solidFill>
+              </a:rPr>
+              <a:t>Creates 3 Axes objects using 1 row and 3 columns layout.</a:t>
+            </a:r>
+          </a:p>
+          <a:p>
+            <a:endParaRPr lang="en-US" sz="1800" dirty="0">
+              <a:solidFill>
+                <a:srgbClr val="FF0000"/>
+              </a:solidFill>
+            </a:endParaRPr>
+          </a:p>
+          <a:p>
+            <a:endParaRPr lang="en-US" sz="1800" dirty="0">
+              <a:solidFill>
+                <a:srgbClr val="FF0000"/>
+              </a:solidFill>
+            </a:endParaRPr>
+          </a:p>
+        </p:txBody>
+      </p:sp>
+      <p:cxnSp>
+        <p:nvCxnSpPr>
+          <p:cNvPr id="6" name="Straight Arrow Connector 5">
+            <a:extLst>
+              <a:ext uri="{FF2B5EF4-FFF2-40B4-BE49-F238E27FC236}">
+                <a16:creationId xmlns:a16="http://schemas.microsoft.com/office/drawing/2014/main" id="{CD375954-2625-3941-A804-760A2DF2B15E}"/>
+              </a:ext>
+            </a:extLst>
+          </p:cNvPr>
+          <p:cNvCxnSpPr>
+            <a:cxnSpLocks/>
+          </p:cNvCxnSpPr>
+          <p:nvPr/>
+        </p:nvCxnSpPr>
+        <p:spPr>
+          <a:xfrm flipH="1">
+            <a:off x="4916558" y="2446443"/>
+            <a:ext cx="834885" cy="650505"/>
+          </a:xfrm>
+          <a:prstGeom prst="straightConnector1">
+            <a:avLst/>
+          </a:prstGeom>
+          <a:ln w="25400">
+            <a:solidFill>
+              <a:schemeClr val="tx1"/>
+            </a:solidFill>
+            <a:tailEnd type="triangle"/>
+          </a:ln>
+        </p:spPr>
+        <p:style>
+          <a:lnRef idx="1">
+            <a:schemeClr val="accent1"/>
+          </a:lnRef>
+          <a:fillRef idx="0">
+            <a:schemeClr val="accent1"/>
+          </a:fillRef>
+          <a:effectRef idx="0">
+            <a:schemeClr val="accent1"/>
+          </a:effectRef>
+          <a:fontRef idx="minor">
+            <a:schemeClr val="tx1"/>
+          </a:fontRef>
+        </p:style>
+      </p:cxnSp>
+      <p:sp>
+        <p:nvSpPr>
+          <p:cNvPr id="9" name="TextBox 8">
+            <a:extLst>
+              <a:ext uri="{FF2B5EF4-FFF2-40B4-BE49-F238E27FC236}">
+                <a16:creationId xmlns:a16="http://schemas.microsoft.com/office/drawing/2014/main" id="{69761A01-1D14-8949-B413-803644E65921}"/>
+              </a:ext>
+            </a:extLst>
+          </p:cNvPr>
+          <p:cNvSpPr txBox="1"/>
+          <p:nvPr/>
+        </p:nvSpPr>
+        <p:spPr>
+          <a:xfrm>
+            <a:off x="6529369" y="4210294"/>
+            <a:ext cx="2318137" cy="923330"/>
+          </a:xfrm>
+          <a:prstGeom prst="rect">
+            <a:avLst/>
+          </a:prstGeom>
+          <a:noFill/>
+        </p:spPr>
+        <p:txBody>
+          <a:bodyPr wrap="square" rtlCol="0">
+            <a:spAutoFit/>
+          </a:bodyPr>
+          <a:lstStyle/>
+          <a:p>
+            <a:r>
+              <a:rPr lang="en-US" sz="1800" dirty="0">
+                <a:solidFill>
+                  <a:srgbClr val="FF0000"/>
+                </a:solidFill>
+              </a:rPr>
+              <a:t>(width, height) of Figure object</a:t>
+            </a:r>
+          </a:p>
+          <a:p>
+            <a:endParaRPr lang="en-US" sz="1800" dirty="0">
+              <a:solidFill>
+                <a:srgbClr val="FF0000"/>
+              </a:solidFill>
+            </a:endParaRPr>
+          </a:p>
+        </p:txBody>
+      </p:sp>
+      <p:cxnSp>
+        <p:nvCxnSpPr>
+          <p:cNvPr id="10" name="Straight Arrow Connector 9">
+            <a:extLst>
+              <a:ext uri="{FF2B5EF4-FFF2-40B4-BE49-F238E27FC236}">
+                <a16:creationId xmlns:a16="http://schemas.microsoft.com/office/drawing/2014/main" id="{1EDCEE4F-12DB-C440-A68D-9EF5BC29E8AE}"/>
+              </a:ext>
+            </a:extLst>
+          </p:cNvPr>
+          <p:cNvCxnSpPr>
+            <a:cxnSpLocks/>
+          </p:cNvCxnSpPr>
+          <p:nvPr/>
+        </p:nvCxnSpPr>
+        <p:spPr>
+          <a:xfrm flipV="1">
+            <a:off x="7248939" y="3496364"/>
+            <a:ext cx="0" cy="713930"/>
+          </a:xfrm>
+          <a:prstGeom prst="straightConnector1">
+            <a:avLst/>
+          </a:prstGeom>
+          <a:ln w="25400">
+            <a:solidFill>
+              <a:schemeClr val="tx1"/>
+            </a:solidFill>
+            <a:tailEnd type="triangle"/>
+          </a:ln>
+        </p:spPr>
+        <p:style>
+          <a:lnRef idx="1">
+            <a:schemeClr val="accent1"/>
+          </a:lnRef>
+          <a:fillRef idx="0">
+            <a:schemeClr val="accent1"/>
+          </a:fillRef>
+          <a:effectRef idx="0">
+            <a:schemeClr val="accent1"/>
+          </a:effectRef>
+          <a:fontRef idx="minor">
+            <a:schemeClr val="tx1"/>
+          </a:fontRef>
+        </p:style>
+      </p:cxnSp>
     </p:spTree>
     <p:extLst>
       <p:ext uri="{BB962C8B-B14F-4D97-AF65-F5344CB8AC3E}">
@@ -27313,6 +27500,150 @@
                       </p:childTnLst>
                     </p:cTn>
                   </p:par>
+                  <p:par>
+                    <p:cTn id="19" fill="hold">
+                      <p:stCondLst>
+                        <p:cond delay="indefinite"/>
+                      </p:stCondLst>
+                      <p:childTnLst>
+                        <p:par>
+                          <p:cTn id="20" fill="hold">
+                            <p:stCondLst>
+                              <p:cond delay="0"/>
+                            </p:stCondLst>
+                            <p:childTnLst>
+                              <p:par>
+                                <p:cTn id="21" presetID="1" presetClass="entr" presetSubtype="0" fill="hold" grpId="0" nodeType="clickEffect">
+                                  <p:stCondLst>
+                                    <p:cond delay="0"/>
+                                  </p:stCondLst>
+                                  <p:childTnLst>
+                                    <p:set>
+                                      <p:cBhvr>
+                                        <p:cTn id="22" dur="1" fill="hold">
+                                          <p:stCondLst>
+                                            <p:cond delay="0"/>
+                                          </p:stCondLst>
+                                        </p:cTn>
+                                        <p:tgtEl>
+                                          <p:spTgt spid="5"/>
+                                        </p:tgtEl>
+                                        <p:attrNameLst>
+                                          <p:attrName>style.visibility</p:attrName>
+                                        </p:attrNameLst>
+                                      </p:cBhvr>
+                                      <p:to>
+                                        <p:strVal val="visible"/>
+                                      </p:to>
+                                    </p:set>
+                                  </p:childTnLst>
+                                </p:cTn>
+                              </p:par>
+                              <p:par>
+                                <p:cTn id="23" presetID="1" presetClass="entr" presetSubtype="0" fill="hold" nodeType="withEffect">
+                                  <p:stCondLst>
+                                    <p:cond delay="0"/>
+                                  </p:stCondLst>
+                                  <p:childTnLst>
+                                    <p:set>
+                                      <p:cBhvr>
+                                        <p:cTn id="24" dur="1" fill="hold">
+                                          <p:stCondLst>
+                                            <p:cond delay="0"/>
+                                          </p:stCondLst>
+                                        </p:cTn>
+                                        <p:tgtEl>
+                                          <p:spTgt spid="6"/>
+                                        </p:tgtEl>
+                                        <p:attrNameLst>
+                                          <p:attrName>style.visibility</p:attrName>
+                                        </p:attrNameLst>
+                                      </p:cBhvr>
+                                      <p:to>
+                                        <p:strVal val="visible"/>
+                                      </p:to>
+                                    </p:set>
+                                  </p:childTnLst>
+                                </p:cTn>
+                              </p:par>
+                            </p:childTnLst>
+                          </p:cTn>
+                        </p:par>
+                      </p:childTnLst>
+                    </p:cTn>
+                  </p:par>
+                  <p:par>
+                    <p:cTn id="25" fill="hold">
+                      <p:stCondLst>
+                        <p:cond delay="indefinite"/>
+                      </p:stCondLst>
+                      <p:childTnLst>
+                        <p:par>
+                          <p:cTn id="26" fill="hold">
+                            <p:stCondLst>
+                              <p:cond delay="0"/>
+                            </p:stCondLst>
+                            <p:childTnLst>
+                              <p:par>
+                                <p:cTn id="27" presetID="1" presetClass="entr" presetSubtype="0" fill="hold" grpId="0" nodeType="clickEffect">
+                                  <p:stCondLst>
+                                    <p:cond delay="0"/>
+                                  </p:stCondLst>
+                                  <p:childTnLst>
+                                    <p:set>
+                                      <p:cBhvr>
+                                        <p:cTn id="28" dur="1" fill="hold">
+                                          <p:stCondLst>
+                                            <p:cond delay="0"/>
+                                          </p:stCondLst>
+                                        </p:cTn>
+                                        <p:tgtEl>
+                                          <p:spTgt spid="9"/>
+                                        </p:tgtEl>
+                                        <p:attrNameLst>
+                                          <p:attrName>style.visibility</p:attrName>
+                                        </p:attrNameLst>
+                                      </p:cBhvr>
+                                      <p:to>
+                                        <p:strVal val="visible"/>
+                                      </p:to>
+                                    </p:set>
+                                  </p:childTnLst>
+                                </p:cTn>
+                              </p:par>
+                              <p:par>
+                                <p:cTn id="29" presetID="1" presetClass="entr" presetSubtype="0" fill="hold" nodeType="withEffect">
+                                  <p:stCondLst>
+                                    <p:cond delay="0"/>
+                                  </p:stCondLst>
+                                  <p:childTnLst>
+                                    <p:set>
+                                      <p:cBhvr>
+                                        <p:cTn id="30" dur="1" fill="hold">
+                                          <p:stCondLst>
+                                            <p:cond delay="0"/>
+                                          </p:stCondLst>
+                                        </p:cTn>
+                                        <p:tgtEl>
+                                          <p:spTgt spid="10"/>
+                                        </p:tgtEl>
+                                        <p:attrNameLst>
+                                          <p:attrName>style.visibility</p:attrName>
+                                        </p:attrNameLst>
+                                      </p:cBhvr>
+                                      <p:to>
+                                        <p:strVal val="visible"/>
+                                      </p:to>
+                                    </p:set>
+                                  </p:childTnLst>
+                                </p:cTn>
+                              </p:par>
+                            </p:childTnLst>
+                          </p:cTn>
+                        </p:par>
+                      </p:childTnLst>
+                    </p:cTn>
+                  </p:par>
                 </p:childTnLst>
               </p:cTn>
               <p:prevCondLst>
@@ -27334,6 +27665,10 @@
         </p:cTn>
       </p:par>
     </p:tnLst>
+    <p:bldLst>
+      <p:bldP spid="5" grpId="0"/>
+      <p:bldP spid="9" grpId="0"/>
+    </p:bldLst>
   </p:timing>
 </p:sld>
 </file>
@@ -28323,11 +28658,13 @@
           </a:xfrm>
         </p:spPr>
         <p:txBody>
-          <a:bodyPr/>
+          <a:bodyPr>
+            <a:normAutofit/>
+          </a:bodyPr>
           <a:lstStyle/>
           <a:p>
             <a:r>
-              <a:rPr lang="en-US" altLang="en-US" dirty="0">
+              <a:rPr lang="en-US" altLang="en-US" sz="3000" dirty="0">
                 <a:latin typeface="Tahoma" panose="020B0604030504040204" pitchFamily="34" charset="0"/>
                 <a:ea typeface="ＭＳ Ｐゴシック" panose="020B0600070205080204" pitchFamily="34" charset="-128"/>
               </a:rPr>
@@ -28944,7 +29281,35 @@
                 <a:latin typeface="Gill Sans MT" panose="020B0502020104020203" pitchFamily="34" charset="77"/>
                 <a:ea typeface="ＭＳ Ｐゴシック" panose="020B0600070205080204" pitchFamily="34" charset="-128"/>
               </a:rPr>
-              <a:t>Two common algorithms found in some software uses the average method or the luminosity method. (See, for example, the free, open source, image manipulation program called GIMP).</a:t>
+              <a:t>Two common algorithms found in some software uses the </a:t>
+            </a:r>
+            <a:r>
+              <a:rPr lang="en-US" altLang="en-US" sz="2000" b="1" dirty="0">
+                <a:latin typeface="Gill Sans MT" panose="020B0502020104020203" pitchFamily="34" charset="77"/>
+                <a:ea typeface="ＭＳ Ｐゴシック" panose="020B0600070205080204" pitchFamily="34" charset="-128"/>
+              </a:rPr>
+              <a:t>average method </a:t>
+            </a:r>
+            <a:r>
+              <a:rPr lang="en-US" altLang="en-US" sz="2000" dirty="0">
+                <a:latin typeface="Gill Sans MT" panose="020B0502020104020203" pitchFamily="34" charset="77"/>
+                <a:ea typeface="ＭＳ Ｐゴシック" panose="020B0600070205080204" pitchFamily="34" charset="-128"/>
+              </a:rPr>
+              <a:t>or the </a:t>
+            </a:r>
+            <a:r>
+              <a:rPr lang="en-US" altLang="en-US" sz="2000" b="1" dirty="0">
+                <a:latin typeface="Gill Sans MT" panose="020B0502020104020203" pitchFamily="34" charset="77"/>
+                <a:ea typeface="ＭＳ Ｐゴシック" panose="020B0600070205080204" pitchFamily="34" charset="-128"/>
+              </a:rPr>
+              <a:t>luminosity method</a:t>
+            </a:r>
+            <a:r>
+              <a:rPr lang="en-US" altLang="en-US" sz="2000" dirty="0">
+                <a:latin typeface="Gill Sans MT" panose="020B0502020104020203" pitchFamily="34" charset="77"/>
+                <a:ea typeface="ＭＳ Ｐゴシック" panose="020B0600070205080204" pitchFamily="34" charset="-128"/>
+              </a:rPr>
+              <a:t>. (See, for example, the free, open source, image manipulation program called GIMP).</a:t>
             </a:r>
           </a:p>
           <a:p>
@@ -28998,7 +29363,7 @@
                 <a:latin typeface="Gill Sans MT" panose="020B0502020104020203" pitchFamily="34" charset="77"/>
                 <a:ea typeface="ＭＳ Ｐゴシック" panose="020B0600070205080204" pitchFamily="34" charset="-128"/>
               </a:rPr>
-              <a:t>The luminosity method computes a weighted average taking into account human perception of lightness(for example, human are more sensitive to green, so green has a larger weight:</a:t>
+              <a:t>The luminosity method computes a weighted average taking into account human perception of lightness(for example, human are more sensitive to green, so green has a larger weight):</a:t>
             </a:r>
           </a:p>
           <a:p>
@@ -29663,7 +30028,7 @@
                 <a:latin typeface="Gill Sans MT" panose="020B0502020104020203" pitchFamily="34" charset="77"/>
                 <a:ea typeface="ＭＳ Ｐゴシック" panose="020B0600070205080204" pitchFamily="34" charset="-128"/>
               </a:rPr>
-              <a:t>method, the right uses luminosity</a:t>
+              <a:t>method, the right uses the luminosity</a:t>
             </a:r>
           </a:p>
           <a:p>
@@ -31045,21 +31410,7 @@
                 <a:latin typeface="Gill Sans MT" panose="020B0502020104020203" pitchFamily="34" charset="77"/>
                 <a:ea typeface="ＭＳ Ｐゴシック" panose="020B0600070205080204" pitchFamily="34" charset="-128"/>
               </a:rPr>
-              <a:t>In your lab, you </a:t>
-            </a:r>
-            <a:r>
-              <a:rPr lang="en-US" altLang="en-US" sz="2000">
-                <a:latin typeface="Gill Sans MT" panose="020B0502020104020203" pitchFamily="34" charset="77"/>
-                <a:ea typeface="ＭＳ Ｐゴシック" panose="020B0600070205080204" pitchFamily="34" charset="-128"/>
-              </a:rPr>
-              <a:t>will a Python </a:t>
-            </a:r>
-            <a:r>
-              <a:rPr lang="en-US" altLang="en-US" sz="2000" dirty="0">
-                <a:latin typeface="Gill Sans MT" panose="020B0502020104020203" pitchFamily="34" charset="77"/>
-                <a:ea typeface="ＭＳ Ｐゴシック" panose="020B0600070205080204" pitchFamily="34" charset="-128"/>
-              </a:rPr>
-              <a:t>function, which takes an image and a percentage value as a parameter. Setting 'percentage' to 0 will not change the image, setting it to one means that the image will be completely whitened.</a:t>
+              <a:t>In your lab, you will write a Python function, which takes an image and a percentage value as a parameter. Setting 'percentage' to 0 will not change the image, setting it to one means that the image will be completely whitened.</a:t>
             </a:r>
           </a:p>
           <a:p>

--- a/courses/apcsp/lect14.pptx
+++ b/courses/apcsp/lect14.pptx
@@ -15367,18 +15367,11 @@
               <a:buNone/>
             </a:pPr>
             <a:r>
-              <a:rPr lang="en-US" altLang="en-US" sz="1833" b="1" dirty="0" err="1">
-                <a:latin typeface="Tahoma" panose="020B0604030504040204" pitchFamily="34" charset="0"/>
-                <a:ea typeface="ＭＳ Ｐゴシック" panose="020B0600070205080204" pitchFamily="34" charset="-128"/>
-              </a:rPr>
-              <a:t>aroundwith</a:t>
-            </a:r>
-            <a:r>
               <a:rPr lang="en-US" altLang="en-US" sz="1833" b="1" dirty="0">
                 <a:latin typeface="Tahoma" panose="020B0604030504040204" pitchFamily="34" charset="0"/>
                 <a:ea typeface="ＭＳ Ｐゴシック" panose="020B0600070205080204" pitchFamily="34" charset="-128"/>
               </a:rPr>
-              <a:t> the SVG on </a:t>
+              <a:t>around with the SVG on </a:t>
             </a:r>
           </a:p>
           <a:p>

--- a/courses/apcsp/lect14.pptx
+++ b/courses/apcsp/lect14.pptx
@@ -1993,7 +1993,7 @@
           <a:p>
             <a:fld id="{6EDD99D2-A624-5E4F-A4E3-584054837B5A}" type="datetimeFigureOut">
               <a:rPr lang="en-US" smtClean="0"/>
-              <a:t>1/28/20</a:t>
+              <a:t>2/7/20</a:t>
             </a:fld>
             <a:endParaRPr lang="en-US"/>
           </a:p>
@@ -10167,7 +10167,7 @@
           <a:p>
             <a:fld id="{4AAD347D-5ACD-4C99-B74B-A9C85AD731AF}" type="datetimeFigureOut">
               <a:rPr lang="en-US" smtClean="0"/>
-              <a:t>1/28/20</a:t>
+              <a:t>2/7/20</a:t>
             </a:fld>
             <a:endParaRPr lang="en-US" dirty="0"/>
           </a:p>
@@ -10337,7 +10337,7 @@
           <a:p>
             <a:fld id="{4509A250-FF31-4206-8172-F9D3106AACB1}" type="datetimeFigureOut">
               <a:rPr lang="en-US" smtClean="0"/>
-              <a:t>1/28/20</a:t>
+              <a:t>2/7/20</a:t>
             </a:fld>
             <a:endParaRPr lang="en-US" dirty="0"/>
           </a:p>
@@ -10517,7 +10517,7 @@
           <a:p>
             <a:fld id="{4509A250-FF31-4206-8172-F9D3106AACB1}" type="datetimeFigureOut">
               <a:rPr lang="en-US" smtClean="0"/>
-              <a:t>1/28/20</a:t>
+              <a:t>2/7/20</a:t>
             </a:fld>
             <a:endParaRPr lang="en-US" dirty="0"/>
           </a:p>
@@ -10687,7 +10687,7 @@
           <a:p>
             <a:fld id="{4509A250-FF31-4206-8172-F9D3106AACB1}" type="datetimeFigureOut">
               <a:rPr lang="en-US" smtClean="0"/>
-              <a:t>1/28/20</a:t>
+              <a:t>2/7/20</a:t>
             </a:fld>
             <a:endParaRPr lang="en-US" dirty="0"/>
           </a:p>
@@ -10933,7 +10933,7 @@
           <a:p>
             <a:fld id="{9796027F-7875-4030-9381-8BD8C4F21935}" type="datetimeFigureOut">
               <a:rPr lang="en-US" smtClean="0"/>
-              <a:t>1/28/20</a:t>
+              <a:t>2/7/20</a:t>
             </a:fld>
             <a:endParaRPr lang="en-US" dirty="0"/>
           </a:p>
@@ -11165,7 +11165,7 @@
           <a:p>
             <a:fld id="{9796027F-7875-4030-9381-8BD8C4F21935}" type="datetimeFigureOut">
               <a:rPr lang="en-US" smtClean="0"/>
-              <a:t>1/28/20</a:t>
+              <a:t>2/7/20</a:t>
             </a:fld>
             <a:endParaRPr lang="en-US" dirty="0"/>
           </a:p>
@@ -11532,7 +11532,7 @@
           <a:p>
             <a:fld id="{9796027F-7875-4030-9381-8BD8C4F21935}" type="datetimeFigureOut">
               <a:rPr lang="en-US" smtClean="0"/>
-              <a:t>1/28/20</a:t>
+              <a:t>2/7/20</a:t>
             </a:fld>
             <a:endParaRPr lang="en-US" dirty="0"/>
           </a:p>
@@ -11650,7 +11650,7 @@
           <a:p>
             <a:fld id="{4509A250-FF31-4206-8172-F9D3106AACB1}" type="datetimeFigureOut">
               <a:rPr lang="en-US" smtClean="0"/>
-              <a:t>1/28/20</a:t>
+              <a:t>2/7/20</a:t>
             </a:fld>
             <a:endParaRPr lang="en-US" dirty="0"/>
           </a:p>
@@ -11745,7 +11745,7 @@
           <a:p>
             <a:fld id="{4509A250-FF31-4206-8172-F9D3106AACB1}" type="datetimeFigureOut">
               <a:rPr lang="en-US" smtClean="0"/>
-              <a:t>1/28/20</a:t>
+              <a:t>2/7/20</a:t>
             </a:fld>
             <a:endParaRPr lang="en-US" dirty="0"/>
           </a:p>
@@ -12022,7 +12022,7 @@
           <a:p>
             <a:fld id="{4509A250-FF31-4206-8172-F9D3106AACB1}" type="datetimeFigureOut">
               <a:rPr lang="en-US" smtClean="0"/>
-              <a:t>1/28/20</a:t>
+              <a:t>2/7/20</a:t>
             </a:fld>
             <a:endParaRPr lang="en-US" dirty="0"/>
           </a:p>
@@ -12279,7 +12279,7 @@
           <a:p>
             <a:fld id="{4509A250-FF31-4206-8172-F9D3106AACB1}" type="datetimeFigureOut">
               <a:rPr lang="en-US" smtClean="0"/>
-              <a:t>1/28/20</a:t>
+              <a:t>2/7/20</a:t>
             </a:fld>
             <a:endParaRPr lang="en-US" dirty="0"/>
           </a:p>
@@ -12492,7 +12492,7 @@
           <a:p>
             <a:fld id="{4AAD347D-5ACD-4C99-B74B-A9C85AD731AF}" type="datetimeFigureOut">
               <a:rPr lang="en-US" smtClean="0"/>
-              <a:t>1/28/20</a:t>
+              <a:t>2/7/20</a:t>
             </a:fld>
             <a:endParaRPr lang="en-US" dirty="0"/>
           </a:p>
@@ -13054,8 +13054,8 @@
         </p:nvSpPr>
         <p:spPr>
           <a:xfrm>
-            <a:off x="2284026" y="1703052"/>
-            <a:ext cx="4578895" cy="1692546"/>
+            <a:off x="2109421" y="1592461"/>
+            <a:ext cx="4925157" cy="1692546"/>
           </a:xfrm>
         </p:spPr>
         <p:txBody>
@@ -13065,7 +13065,7 @@
           <a:lstStyle/>
           <a:p>
             <a:r>
-              <a:rPr lang="en-US">
+              <a:rPr lang="en-US" dirty="0">
                 <a:solidFill>
                   <a:srgbClr val="FFFFFF"/>
                 </a:solidFill>

--- a/courses/apcsp/lect14.pptx
+++ b/courses/apcsp/lect14.pptx
@@ -148,1050 +148,13 @@
 <file path=ppt/revisionInfo.xml><?xml version="1.0" encoding="utf-8"?>
 <p1510:revInfo xmlns:a="http://schemas.openxmlformats.org/drawingml/2006/main" xmlns:r="http://schemas.openxmlformats.org/officeDocument/2006/relationships" xmlns:p1510="http://schemas.microsoft.com/office/powerpoint/2015/10/main">
   <p1510:revLst>
-    <p1510:client id="{4BE6A6D3-80E1-E648-9A65-3053C53C3489}" v="1" dt="2020-01-13T13:50:10.484"/>
-    <p1510:client id="{6AC26564-89E3-E046-BFB4-F80582D7E17B}" v="2" dt="2020-01-13T13:46:19.953"/>
+    <p1510:client id="{A8EE5DA5-D51E-CA40-BB0F-BADA83A329B2}" v="17" dt="2020-07-23T03:09:55.955"/>
   </p1510:revLst>
 </p1510:revInfo>
 </file>
 
 <file path=ppt/changesInfos/changesInfo1.xml><?xml version="1.0" encoding="utf-8"?>
 <pc:chgInfo xmlns:a="http://schemas.openxmlformats.org/drawingml/2006/main" xmlns:r="http://schemas.openxmlformats.org/officeDocument/2006/relationships" xmlns:ac="http://schemas.microsoft.com/office/drawing/2013/main/command" xmlns:pc="http://schemas.microsoft.com/office/powerpoint/2013/main/command">
-  <pc:docChgLst>
-    <pc:chgData name="Long B Nguyen" userId="f59fb8f3-a021-417a-8bc1-65c8d471c621" providerId="ADAL" clId="{B5860C40-AA08-4447-A918-2D2782E0FC0B}"/>
-    <pc:docChg chg="delSld modSld">
-      <pc:chgData name="Long B Nguyen" userId="f59fb8f3-a021-417a-8bc1-65c8d471c621" providerId="ADAL" clId="{B5860C40-AA08-4447-A918-2D2782E0FC0B}" dt="2019-09-16T13:59:20.091" v="35" actId="2696"/>
-      <pc:docMkLst>
-        <pc:docMk/>
-      </pc:docMkLst>
-      <pc:sldChg chg="modSp">
-        <pc:chgData name="Long B Nguyen" userId="f59fb8f3-a021-417a-8bc1-65c8d471c621" providerId="ADAL" clId="{B5860C40-AA08-4447-A918-2D2782E0FC0B}" dt="2019-09-16T13:58:36.640" v="18" actId="20577"/>
-        <pc:sldMkLst>
-          <pc:docMk/>
-          <pc:sldMk cId="4247104139" sldId="256"/>
-        </pc:sldMkLst>
-        <pc:spChg chg="mod">
-          <ac:chgData name="Long B Nguyen" userId="f59fb8f3-a021-417a-8bc1-65c8d471c621" providerId="ADAL" clId="{B5860C40-AA08-4447-A918-2D2782E0FC0B}" dt="2019-09-16T13:58:36.640" v="18" actId="20577"/>
-          <ac:spMkLst>
-            <pc:docMk/>
-            <pc:sldMk cId="4247104139" sldId="256"/>
-            <ac:spMk id="3" creationId="{1BDC47C8-6776-7B44-9CD4-95FC91452D62}"/>
-          </ac:spMkLst>
-        </pc:spChg>
-      </pc:sldChg>
-    </pc:docChg>
-  </pc:docChgLst>
-  <pc:docChgLst>
-    <pc:chgData name="Long B Nguyen" userId="f59fb8f3-a021-417a-8bc1-65c8d471c621" providerId="ADAL" clId="{4BE6A6D3-80E1-E648-9A65-3053C53C3489}"/>
-    <pc:docChg chg="addSld delSld modSld">
-      <pc:chgData name="Long B Nguyen" userId="f59fb8f3-a021-417a-8bc1-65c8d471c621" providerId="ADAL" clId="{4BE6A6D3-80E1-E648-9A65-3053C53C3489}" dt="2020-01-13T13:50:20.439" v="74" actId="2696"/>
-      <pc:docMkLst>
-        <pc:docMk/>
-      </pc:docMkLst>
-      <pc:sldChg chg="modSp">
-        <pc:chgData name="Long B Nguyen" userId="f59fb8f3-a021-417a-8bc1-65c8d471c621" providerId="ADAL" clId="{4BE6A6D3-80E1-E648-9A65-3053C53C3489}" dt="2020-01-13T13:50:08.533" v="40" actId="20577"/>
-        <pc:sldMkLst>
-          <pc:docMk/>
-          <pc:sldMk cId="4247104139" sldId="256"/>
-        </pc:sldMkLst>
-        <pc:spChg chg="mod">
-          <ac:chgData name="Long B Nguyen" userId="f59fb8f3-a021-417a-8bc1-65c8d471c621" providerId="ADAL" clId="{4BE6A6D3-80E1-E648-9A65-3053C53C3489}" dt="2020-01-13T13:50:08.533" v="40" actId="20577"/>
-          <ac:spMkLst>
-            <pc:docMk/>
-            <pc:sldMk cId="4247104139" sldId="256"/>
-            <ac:spMk id="3" creationId="{1BDC47C8-6776-7B44-9CD4-95FC91452D62}"/>
-          </ac:spMkLst>
-        </pc:spChg>
-      </pc:sldChg>
-      <pc:sldChg chg="del">
-        <pc:chgData name="Long B Nguyen" userId="f59fb8f3-a021-417a-8bc1-65c8d471c621" providerId="ADAL" clId="{4BE6A6D3-80E1-E648-9A65-3053C53C3489}" dt="2020-01-13T13:50:20.439" v="74" actId="2696"/>
-        <pc:sldMkLst>
-          <pc:docMk/>
-          <pc:sldMk cId="1758448129" sldId="309"/>
-        </pc:sldMkLst>
-      </pc:sldChg>
-      <pc:sldChg chg="del">
-        <pc:chgData name="Long B Nguyen" userId="f59fb8f3-a021-417a-8bc1-65c8d471c621" providerId="ADAL" clId="{4BE6A6D3-80E1-E648-9A65-3053C53C3489}" dt="2020-01-13T13:50:12.196" v="42" actId="2696"/>
-        <pc:sldMkLst>
-          <pc:docMk/>
-          <pc:sldMk cId="3947558204" sldId="313"/>
-        </pc:sldMkLst>
-      </pc:sldChg>
-      <pc:sldChg chg="del">
-        <pc:chgData name="Long B Nguyen" userId="f59fb8f3-a021-417a-8bc1-65c8d471c621" providerId="ADAL" clId="{4BE6A6D3-80E1-E648-9A65-3053C53C3489}" dt="2020-01-13T13:50:19.961" v="43" actId="2696"/>
-        <pc:sldMkLst>
-          <pc:docMk/>
-          <pc:sldMk cId="2054265466" sldId="314"/>
-        </pc:sldMkLst>
-      </pc:sldChg>
-      <pc:sldChg chg="del">
-        <pc:chgData name="Long B Nguyen" userId="f59fb8f3-a021-417a-8bc1-65c8d471c621" providerId="ADAL" clId="{4BE6A6D3-80E1-E648-9A65-3053C53C3489}" dt="2020-01-13T13:50:19.999" v="45" actId="2696"/>
-        <pc:sldMkLst>
-          <pc:docMk/>
-          <pc:sldMk cId="917461937" sldId="315"/>
-        </pc:sldMkLst>
-      </pc:sldChg>
-      <pc:sldChg chg="del">
-        <pc:chgData name="Long B Nguyen" userId="f59fb8f3-a021-417a-8bc1-65c8d471c621" providerId="ADAL" clId="{4BE6A6D3-80E1-E648-9A65-3053C53C3489}" dt="2020-01-13T13:50:20.011" v="46" actId="2696"/>
-        <pc:sldMkLst>
-          <pc:docMk/>
-          <pc:sldMk cId="3266234076" sldId="316"/>
-        </pc:sldMkLst>
-      </pc:sldChg>
-      <pc:sldChg chg="del">
-        <pc:chgData name="Long B Nguyen" userId="f59fb8f3-a021-417a-8bc1-65c8d471c621" providerId="ADAL" clId="{4BE6A6D3-80E1-E648-9A65-3053C53C3489}" dt="2020-01-13T13:50:19.977" v="44" actId="2696"/>
-        <pc:sldMkLst>
-          <pc:docMk/>
-          <pc:sldMk cId="2886319738" sldId="317"/>
-        </pc:sldMkLst>
-      </pc:sldChg>
-      <pc:sldChg chg="del">
-        <pc:chgData name="Long B Nguyen" userId="f59fb8f3-a021-417a-8bc1-65c8d471c621" providerId="ADAL" clId="{4BE6A6D3-80E1-E648-9A65-3053C53C3489}" dt="2020-01-13T13:50:20.047" v="48" actId="2696"/>
-        <pc:sldMkLst>
-          <pc:docMk/>
-          <pc:sldMk cId="3906700287" sldId="319"/>
-        </pc:sldMkLst>
-      </pc:sldChg>
-      <pc:sldChg chg="del">
-        <pc:chgData name="Long B Nguyen" userId="f59fb8f3-a021-417a-8bc1-65c8d471c621" providerId="ADAL" clId="{4BE6A6D3-80E1-E648-9A65-3053C53C3489}" dt="2020-01-13T13:50:20.082" v="50" actId="2696"/>
-        <pc:sldMkLst>
-          <pc:docMk/>
-          <pc:sldMk cId="1810541734" sldId="320"/>
-        </pc:sldMkLst>
-      </pc:sldChg>
-      <pc:sldChg chg="del">
-        <pc:chgData name="Long B Nguyen" userId="f59fb8f3-a021-417a-8bc1-65c8d471c621" providerId="ADAL" clId="{4BE6A6D3-80E1-E648-9A65-3053C53C3489}" dt="2020-01-13T13:50:20.093" v="51" actId="2696"/>
-        <pc:sldMkLst>
-          <pc:docMk/>
-          <pc:sldMk cId="1359731776" sldId="321"/>
-        </pc:sldMkLst>
-      </pc:sldChg>
-      <pc:sldChg chg="del">
-        <pc:chgData name="Long B Nguyen" userId="f59fb8f3-a021-417a-8bc1-65c8d471c621" providerId="ADAL" clId="{4BE6A6D3-80E1-E648-9A65-3053C53C3489}" dt="2020-01-13T13:50:20.107" v="52" actId="2696"/>
-        <pc:sldMkLst>
-          <pc:docMk/>
-          <pc:sldMk cId="3651577480" sldId="322"/>
-        </pc:sldMkLst>
-      </pc:sldChg>
-      <pc:sldChg chg="del">
-        <pc:chgData name="Long B Nguyen" userId="f59fb8f3-a021-417a-8bc1-65c8d471c621" providerId="ADAL" clId="{4BE6A6D3-80E1-E648-9A65-3053C53C3489}" dt="2020-01-13T13:50:20.069" v="49" actId="2696"/>
-        <pc:sldMkLst>
-          <pc:docMk/>
-          <pc:sldMk cId="1496564367" sldId="323"/>
-        </pc:sldMkLst>
-      </pc:sldChg>
-      <pc:sldChg chg="del">
-        <pc:chgData name="Long B Nguyen" userId="f59fb8f3-a021-417a-8bc1-65c8d471c621" providerId="ADAL" clId="{4BE6A6D3-80E1-E648-9A65-3053C53C3489}" dt="2020-01-13T13:50:20.420" v="73" actId="2696"/>
-        <pc:sldMkLst>
-          <pc:docMk/>
-          <pc:sldMk cId="771866096" sldId="324"/>
-        </pc:sldMkLst>
-      </pc:sldChg>
-      <pc:sldChg chg="del">
-        <pc:chgData name="Long B Nguyen" userId="f59fb8f3-a021-417a-8bc1-65c8d471c621" providerId="ADAL" clId="{4BE6A6D3-80E1-E648-9A65-3053C53C3489}" dt="2020-01-13T13:50:20.162" v="56" actId="2696"/>
-        <pc:sldMkLst>
-          <pc:docMk/>
-          <pc:sldMk cId="1025355635" sldId="325"/>
-        </pc:sldMkLst>
-      </pc:sldChg>
-      <pc:sldChg chg="del">
-        <pc:chgData name="Long B Nguyen" userId="f59fb8f3-a021-417a-8bc1-65c8d471c621" providerId="ADAL" clId="{4BE6A6D3-80E1-E648-9A65-3053C53C3489}" dt="2020-01-13T13:50:20.149" v="55" actId="2696"/>
-        <pc:sldMkLst>
-          <pc:docMk/>
-          <pc:sldMk cId="4174920299" sldId="327"/>
-        </pc:sldMkLst>
-      </pc:sldChg>
-      <pc:sldChg chg="del">
-        <pc:chgData name="Long B Nguyen" userId="f59fb8f3-a021-417a-8bc1-65c8d471c621" providerId="ADAL" clId="{4BE6A6D3-80E1-E648-9A65-3053C53C3489}" dt="2020-01-13T13:50:20.176" v="57" actId="2696"/>
-        <pc:sldMkLst>
-          <pc:docMk/>
-          <pc:sldMk cId="2756462650" sldId="328"/>
-        </pc:sldMkLst>
-      </pc:sldChg>
-      <pc:sldChg chg="del">
-        <pc:chgData name="Long B Nguyen" userId="f59fb8f3-a021-417a-8bc1-65c8d471c621" providerId="ADAL" clId="{4BE6A6D3-80E1-E648-9A65-3053C53C3489}" dt="2020-01-13T13:50:20.191" v="58" actId="2696"/>
-        <pc:sldMkLst>
-          <pc:docMk/>
-          <pc:sldMk cId="3080714931" sldId="329"/>
-        </pc:sldMkLst>
-      </pc:sldChg>
-      <pc:sldChg chg="del">
-        <pc:chgData name="Long B Nguyen" userId="f59fb8f3-a021-417a-8bc1-65c8d471c621" providerId="ADAL" clId="{4BE6A6D3-80E1-E648-9A65-3053C53C3489}" dt="2020-01-13T13:50:20.204" v="59" actId="2696"/>
-        <pc:sldMkLst>
-          <pc:docMk/>
-          <pc:sldMk cId="532184546" sldId="330"/>
-        </pc:sldMkLst>
-      </pc:sldChg>
-      <pc:sldChg chg="del">
-        <pc:chgData name="Long B Nguyen" userId="f59fb8f3-a021-417a-8bc1-65c8d471c621" providerId="ADAL" clId="{4BE6A6D3-80E1-E648-9A65-3053C53C3489}" dt="2020-01-13T13:50:20.219" v="60" actId="2696"/>
-        <pc:sldMkLst>
-          <pc:docMk/>
-          <pc:sldMk cId="3264629021" sldId="331"/>
-        </pc:sldMkLst>
-      </pc:sldChg>
-      <pc:sldChg chg="del">
-        <pc:chgData name="Long B Nguyen" userId="f59fb8f3-a021-417a-8bc1-65c8d471c621" providerId="ADAL" clId="{4BE6A6D3-80E1-E648-9A65-3053C53C3489}" dt="2020-01-13T13:50:20.261" v="63" actId="2696"/>
-        <pc:sldMkLst>
-          <pc:docMk/>
-          <pc:sldMk cId="4022722016" sldId="332"/>
-        </pc:sldMkLst>
-      </pc:sldChg>
-      <pc:sldChg chg="del">
-        <pc:chgData name="Long B Nguyen" userId="f59fb8f3-a021-417a-8bc1-65c8d471c621" providerId="ADAL" clId="{4BE6A6D3-80E1-E648-9A65-3053C53C3489}" dt="2020-01-13T13:50:20.283" v="64" actId="2696"/>
-        <pc:sldMkLst>
-          <pc:docMk/>
-          <pc:sldMk cId="1710208723" sldId="333"/>
-        </pc:sldMkLst>
-      </pc:sldChg>
-      <pc:sldChg chg="del">
-        <pc:chgData name="Long B Nguyen" userId="f59fb8f3-a021-417a-8bc1-65c8d471c621" providerId="ADAL" clId="{4BE6A6D3-80E1-E648-9A65-3053C53C3489}" dt="2020-01-13T13:50:20.251" v="62" actId="2696"/>
-        <pc:sldMkLst>
-          <pc:docMk/>
-          <pc:sldMk cId="3404583044" sldId="334"/>
-        </pc:sldMkLst>
-      </pc:sldChg>
-      <pc:sldChg chg="del">
-        <pc:chgData name="Long B Nguyen" userId="f59fb8f3-a021-417a-8bc1-65c8d471c621" providerId="ADAL" clId="{4BE6A6D3-80E1-E648-9A65-3053C53C3489}" dt="2020-01-13T13:50:20.304" v="65" actId="2696"/>
-        <pc:sldMkLst>
-          <pc:docMk/>
-          <pc:sldMk cId="3866550465" sldId="335"/>
-        </pc:sldMkLst>
-      </pc:sldChg>
-      <pc:sldChg chg="del">
-        <pc:chgData name="Long B Nguyen" userId="f59fb8f3-a021-417a-8bc1-65c8d471c621" providerId="ADAL" clId="{4BE6A6D3-80E1-E648-9A65-3053C53C3489}" dt="2020-01-13T13:50:20.324" v="66" actId="2696"/>
-        <pc:sldMkLst>
-          <pc:docMk/>
-          <pc:sldMk cId="3749436800" sldId="336"/>
-        </pc:sldMkLst>
-      </pc:sldChg>
-      <pc:sldChg chg="del">
-        <pc:chgData name="Long B Nguyen" userId="f59fb8f3-a021-417a-8bc1-65c8d471c621" providerId="ADAL" clId="{4BE6A6D3-80E1-E648-9A65-3053C53C3489}" dt="2020-01-13T13:50:20.336" v="67" actId="2696"/>
-        <pc:sldMkLst>
-          <pc:docMk/>
-          <pc:sldMk cId="461704868" sldId="337"/>
-        </pc:sldMkLst>
-      </pc:sldChg>
-      <pc:sldChg chg="del">
-        <pc:chgData name="Long B Nguyen" userId="f59fb8f3-a021-417a-8bc1-65c8d471c621" providerId="ADAL" clId="{4BE6A6D3-80E1-E648-9A65-3053C53C3489}" dt="2020-01-13T13:50:20.351" v="68" actId="2696"/>
-        <pc:sldMkLst>
-          <pc:docMk/>
-          <pc:sldMk cId="545386500" sldId="338"/>
-        </pc:sldMkLst>
-      </pc:sldChg>
-      <pc:sldChg chg="del">
-        <pc:chgData name="Long B Nguyen" userId="f59fb8f3-a021-417a-8bc1-65c8d471c621" providerId="ADAL" clId="{4BE6A6D3-80E1-E648-9A65-3053C53C3489}" dt="2020-01-13T13:50:20.380" v="70" actId="2696"/>
-        <pc:sldMkLst>
-          <pc:docMk/>
-          <pc:sldMk cId="1791361008" sldId="339"/>
-        </pc:sldMkLst>
-      </pc:sldChg>
-      <pc:sldChg chg="del">
-        <pc:chgData name="Long B Nguyen" userId="f59fb8f3-a021-417a-8bc1-65c8d471c621" providerId="ADAL" clId="{4BE6A6D3-80E1-E648-9A65-3053C53C3489}" dt="2020-01-13T13:50:20.367" v="69" actId="2696"/>
-        <pc:sldMkLst>
-          <pc:docMk/>
-          <pc:sldMk cId="678299524" sldId="340"/>
-        </pc:sldMkLst>
-      </pc:sldChg>
-      <pc:sldChg chg="del">
-        <pc:chgData name="Long B Nguyen" userId="f59fb8f3-a021-417a-8bc1-65c8d471c621" providerId="ADAL" clId="{4BE6A6D3-80E1-E648-9A65-3053C53C3489}" dt="2020-01-13T13:50:20.393" v="71" actId="2696"/>
-        <pc:sldMkLst>
-          <pc:docMk/>
-          <pc:sldMk cId="225127645" sldId="341"/>
-        </pc:sldMkLst>
-      </pc:sldChg>
-      <pc:sldChg chg="del">
-        <pc:chgData name="Long B Nguyen" userId="f59fb8f3-a021-417a-8bc1-65c8d471c621" providerId="ADAL" clId="{4BE6A6D3-80E1-E648-9A65-3053C53C3489}" dt="2020-01-13T13:50:20.133" v="54" actId="2696"/>
-        <pc:sldMkLst>
-          <pc:docMk/>
-          <pc:sldMk cId="2214326257" sldId="342"/>
-        </pc:sldMkLst>
-      </pc:sldChg>
-      <pc:sldChg chg="del">
-        <pc:chgData name="Long B Nguyen" userId="f59fb8f3-a021-417a-8bc1-65c8d471c621" providerId="ADAL" clId="{4BE6A6D3-80E1-E648-9A65-3053C53C3489}" dt="2020-01-13T13:50:20.121" v="53" actId="2696"/>
-        <pc:sldMkLst>
-          <pc:docMk/>
-          <pc:sldMk cId="1356056044" sldId="343"/>
-        </pc:sldMkLst>
-      </pc:sldChg>
-      <pc:sldChg chg="del">
-        <pc:chgData name="Long B Nguyen" userId="f59fb8f3-a021-417a-8bc1-65c8d471c621" providerId="ADAL" clId="{4BE6A6D3-80E1-E648-9A65-3053C53C3489}" dt="2020-01-13T13:50:20.028" v="47" actId="2696"/>
-        <pc:sldMkLst>
-          <pc:docMk/>
-          <pc:sldMk cId="902308803" sldId="345"/>
-        </pc:sldMkLst>
-      </pc:sldChg>
-      <pc:sldChg chg="del">
-        <pc:chgData name="Long B Nguyen" userId="f59fb8f3-a021-417a-8bc1-65c8d471c621" providerId="ADAL" clId="{4BE6A6D3-80E1-E648-9A65-3053C53C3489}" dt="2020-01-13T13:50:20.235" v="61" actId="2696"/>
-        <pc:sldMkLst>
-          <pc:docMk/>
-          <pc:sldMk cId="2271372051" sldId="346"/>
-        </pc:sldMkLst>
-      </pc:sldChg>
-      <pc:sldChg chg="del">
-        <pc:chgData name="Long B Nguyen" userId="f59fb8f3-a021-417a-8bc1-65c8d471c621" providerId="ADAL" clId="{4BE6A6D3-80E1-E648-9A65-3053C53C3489}" dt="2020-01-13T13:50:20.403" v="72" actId="2696"/>
-        <pc:sldMkLst>
-          <pc:docMk/>
-          <pc:sldMk cId="198078322" sldId="347"/>
-        </pc:sldMkLst>
-      </pc:sldChg>
-      <pc:sldChg chg="add">
-        <pc:chgData name="Long B Nguyen" userId="f59fb8f3-a021-417a-8bc1-65c8d471c621" providerId="ADAL" clId="{4BE6A6D3-80E1-E648-9A65-3053C53C3489}" dt="2020-01-13T13:50:10.483" v="41"/>
-        <pc:sldMkLst>
-          <pc:docMk/>
-          <pc:sldMk cId="2218591065" sldId="348"/>
-        </pc:sldMkLst>
-      </pc:sldChg>
-      <pc:sldChg chg="add">
-        <pc:chgData name="Long B Nguyen" userId="f59fb8f3-a021-417a-8bc1-65c8d471c621" providerId="ADAL" clId="{4BE6A6D3-80E1-E648-9A65-3053C53C3489}" dt="2020-01-13T13:50:10.483" v="41"/>
-        <pc:sldMkLst>
-          <pc:docMk/>
-          <pc:sldMk cId="2191981710" sldId="349"/>
-        </pc:sldMkLst>
-      </pc:sldChg>
-    </pc:docChg>
-  </pc:docChgLst>
-  <pc:docChgLst>
-    <pc:chgData name="Long B Nguyen" userId="f59fb8f3-a021-417a-8bc1-65c8d471c621" providerId="ADAL" clId="{AA9102B5-DACA-D841-B260-AEEBF90FC60A}"/>
-    <pc:docChg chg="custSel addSld delSld modSld">
-      <pc:chgData name="Long B Nguyen" userId="f59fb8f3-a021-417a-8bc1-65c8d471c621" providerId="ADAL" clId="{AA9102B5-DACA-D841-B260-AEEBF90FC60A}" dt="2020-01-06T17:07:10.515" v="1519" actId="2711"/>
-      <pc:docMkLst>
-        <pc:docMk/>
-      </pc:docMkLst>
-      <pc:sldChg chg="modSp">
-        <pc:chgData name="Long B Nguyen" userId="f59fb8f3-a021-417a-8bc1-65c8d471c621" providerId="ADAL" clId="{AA9102B5-DACA-D841-B260-AEEBF90FC60A}" dt="2020-01-05T22:05:23.536" v="23" actId="20577"/>
-        <pc:sldMkLst>
-          <pc:docMk/>
-          <pc:sldMk cId="4247104139" sldId="256"/>
-        </pc:sldMkLst>
-        <pc:spChg chg="mod">
-          <ac:chgData name="Long B Nguyen" userId="f59fb8f3-a021-417a-8bc1-65c8d471c621" providerId="ADAL" clId="{AA9102B5-DACA-D841-B260-AEEBF90FC60A}" dt="2020-01-05T22:05:23.536" v="23" actId="20577"/>
-          <ac:spMkLst>
-            <pc:docMk/>
-            <pc:sldMk cId="4247104139" sldId="256"/>
-            <ac:spMk id="3" creationId="{1BDC47C8-6776-7B44-9CD4-95FC91452D62}"/>
-          </ac:spMkLst>
-        </pc:spChg>
-      </pc:sldChg>
-      <pc:sldChg chg="del">
-        <pc:chgData name="Long B Nguyen" userId="f59fb8f3-a021-417a-8bc1-65c8d471c621" providerId="ADAL" clId="{AA9102B5-DACA-D841-B260-AEEBF90FC60A}" dt="2020-01-05T22:05:52.483" v="41" actId="2696"/>
-        <pc:sldMkLst>
-          <pc:docMk/>
-          <pc:sldMk cId="1438711869" sldId="284"/>
-        </pc:sldMkLst>
-      </pc:sldChg>
-      <pc:sldChg chg="del">
-        <pc:chgData name="Long B Nguyen" userId="f59fb8f3-a021-417a-8bc1-65c8d471c621" providerId="ADAL" clId="{AA9102B5-DACA-D841-B260-AEEBF90FC60A}" dt="2020-01-05T22:05:52.199" v="24" actId="2696"/>
-        <pc:sldMkLst>
-          <pc:docMk/>
-          <pc:sldMk cId="131840209" sldId="286"/>
-        </pc:sldMkLst>
-      </pc:sldChg>
-      <pc:sldChg chg="del">
-        <pc:chgData name="Long B Nguyen" userId="f59fb8f3-a021-417a-8bc1-65c8d471c621" providerId="ADAL" clId="{AA9102B5-DACA-D841-B260-AEEBF90FC60A}" dt="2020-01-05T22:05:52.214" v="25" actId="2696"/>
-        <pc:sldMkLst>
-          <pc:docMk/>
-          <pc:sldMk cId="1816941262" sldId="295"/>
-        </pc:sldMkLst>
-      </pc:sldChg>
-      <pc:sldChg chg="del">
-        <pc:chgData name="Long B Nguyen" userId="f59fb8f3-a021-417a-8bc1-65c8d471c621" providerId="ADAL" clId="{AA9102B5-DACA-D841-B260-AEEBF90FC60A}" dt="2020-01-05T22:05:52.246" v="27" actId="2696"/>
-        <pc:sldMkLst>
-          <pc:docMk/>
-          <pc:sldMk cId="553003360" sldId="296"/>
-        </pc:sldMkLst>
-      </pc:sldChg>
-      <pc:sldChg chg="del">
-        <pc:chgData name="Long B Nguyen" userId="f59fb8f3-a021-417a-8bc1-65c8d471c621" providerId="ADAL" clId="{AA9102B5-DACA-D841-B260-AEEBF90FC60A}" dt="2020-01-05T22:05:52.268" v="28" actId="2696"/>
-        <pc:sldMkLst>
-          <pc:docMk/>
-          <pc:sldMk cId="3006175481" sldId="297"/>
-        </pc:sldMkLst>
-      </pc:sldChg>
-      <pc:sldChg chg="del">
-        <pc:chgData name="Long B Nguyen" userId="f59fb8f3-a021-417a-8bc1-65c8d471c621" providerId="ADAL" clId="{AA9102B5-DACA-D841-B260-AEEBF90FC60A}" dt="2020-01-05T22:05:52.287" v="29" actId="2696"/>
-        <pc:sldMkLst>
-          <pc:docMk/>
-          <pc:sldMk cId="3150557076" sldId="298"/>
-        </pc:sldMkLst>
-      </pc:sldChg>
-      <pc:sldChg chg="del">
-        <pc:chgData name="Long B Nguyen" userId="f59fb8f3-a021-417a-8bc1-65c8d471c621" providerId="ADAL" clId="{AA9102B5-DACA-D841-B260-AEEBF90FC60A}" dt="2020-01-05T22:05:52.442" v="38" actId="2696"/>
-        <pc:sldMkLst>
-          <pc:docMk/>
-          <pc:sldMk cId="128704095" sldId="302"/>
-        </pc:sldMkLst>
-      </pc:sldChg>
-      <pc:sldChg chg="del">
-        <pc:chgData name="Long B Nguyen" userId="f59fb8f3-a021-417a-8bc1-65c8d471c621" providerId="ADAL" clId="{AA9102B5-DACA-D841-B260-AEEBF90FC60A}" dt="2020-01-05T22:05:52.305" v="30" actId="2696"/>
-        <pc:sldMkLst>
-          <pc:docMk/>
-          <pc:sldMk cId="3275945509" sldId="303"/>
-        </pc:sldMkLst>
-      </pc:sldChg>
-      <pc:sldChg chg="del">
-        <pc:chgData name="Long B Nguyen" userId="f59fb8f3-a021-417a-8bc1-65c8d471c621" providerId="ADAL" clId="{AA9102B5-DACA-D841-B260-AEEBF90FC60A}" dt="2020-01-05T22:05:52.321" v="31" actId="2696"/>
-        <pc:sldMkLst>
-          <pc:docMk/>
-          <pc:sldMk cId="406772024" sldId="304"/>
-        </pc:sldMkLst>
-      </pc:sldChg>
-      <pc:sldChg chg="del">
-        <pc:chgData name="Long B Nguyen" userId="f59fb8f3-a021-417a-8bc1-65c8d471c621" providerId="ADAL" clId="{AA9102B5-DACA-D841-B260-AEEBF90FC60A}" dt="2020-01-05T22:05:52.334" v="32" actId="2696"/>
-        <pc:sldMkLst>
-          <pc:docMk/>
-          <pc:sldMk cId="1703902501" sldId="305"/>
-        </pc:sldMkLst>
-      </pc:sldChg>
-      <pc:sldChg chg="del">
-        <pc:chgData name="Long B Nguyen" userId="f59fb8f3-a021-417a-8bc1-65c8d471c621" providerId="ADAL" clId="{AA9102B5-DACA-D841-B260-AEEBF90FC60A}" dt="2020-01-05T22:05:52.461" v="39" actId="2696"/>
-        <pc:sldMkLst>
-          <pc:docMk/>
-          <pc:sldMk cId="3614829039" sldId="306"/>
-        </pc:sldMkLst>
-      </pc:sldChg>
-      <pc:sldChg chg="del">
-        <pc:chgData name="Long B Nguyen" userId="f59fb8f3-a021-417a-8bc1-65c8d471c621" providerId="ADAL" clId="{AA9102B5-DACA-D841-B260-AEEBF90FC60A}" dt="2020-01-05T22:05:52.471" v="40" actId="2696"/>
-        <pc:sldMkLst>
-          <pc:docMk/>
-          <pc:sldMk cId="295911327" sldId="307"/>
-        </pc:sldMkLst>
-      </pc:sldChg>
-      <pc:sldChg chg="del">
-        <pc:chgData name="Long B Nguyen" userId="f59fb8f3-a021-417a-8bc1-65c8d471c621" providerId="ADAL" clId="{AA9102B5-DACA-D841-B260-AEEBF90FC60A}" dt="2020-01-05T22:05:52.353" v="33" actId="2696"/>
-        <pc:sldMkLst>
-          <pc:docMk/>
-          <pc:sldMk cId="67957925" sldId="308"/>
-        </pc:sldMkLst>
-      </pc:sldChg>
-      <pc:sldChg chg="del">
-        <pc:chgData name="Long B Nguyen" userId="f59fb8f3-a021-417a-8bc1-65c8d471c621" providerId="ADAL" clId="{AA9102B5-DACA-D841-B260-AEEBF90FC60A}" dt="2020-01-05T22:05:52.365" v="34" actId="2696"/>
-        <pc:sldMkLst>
-          <pc:docMk/>
-          <pc:sldMk cId="1872435103" sldId="309"/>
-        </pc:sldMkLst>
-      </pc:sldChg>
-      <pc:sldChg chg="del">
-        <pc:chgData name="Long B Nguyen" userId="f59fb8f3-a021-417a-8bc1-65c8d471c621" providerId="ADAL" clId="{AA9102B5-DACA-D841-B260-AEEBF90FC60A}" dt="2020-01-05T22:05:52.385" v="35" actId="2696"/>
-        <pc:sldMkLst>
-          <pc:docMk/>
-          <pc:sldMk cId="4088965571" sldId="310"/>
-        </pc:sldMkLst>
-      </pc:sldChg>
-      <pc:sldChg chg="del">
-        <pc:chgData name="Long B Nguyen" userId="f59fb8f3-a021-417a-8bc1-65c8d471c621" providerId="ADAL" clId="{AA9102B5-DACA-D841-B260-AEEBF90FC60A}" dt="2020-01-05T22:05:52.404" v="36" actId="2696"/>
-        <pc:sldMkLst>
-          <pc:docMk/>
-          <pc:sldMk cId="2255846137" sldId="311"/>
-        </pc:sldMkLst>
-      </pc:sldChg>
-      <pc:sldChg chg="del">
-        <pc:chgData name="Long B Nguyen" userId="f59fb8f3-a021-417a-8bc1-65c8d471c621" providerId="ADAL" clId="{AA9102B5-DACA-D841-B260-AEEBF90FC60A}" dt="2020-01-05T22:05:52.423" v="37" actId="2696"/>
-        <pc:sldMkLst>
-          <pc:docMk/>
-          <pc:sldMk cId="1513627164" sldId="312"/>
-        </pc:sldMkLst>
-      </pc:sldChg>
-      <pc:sldChg chg="del">
-        <pc:chgData name="Long B Nguyen" userId="f59fb8f3-a021-417a-8bc1-65c8d471c621" providerId="ADAL" clId="{AA9102B5-DACA-D841-B260-AEEBF90FC60A}" dt="2020-01-05T22:05:52.231" v="26" actId="2696"/>
-        <pc:sldMkLst>
-          <pc:docMk/>
-          <pc:sldMk cId="2097059918" sldId="313"/>
-        </pc:sldMkLst>
-      </pc:sldChg>
-      <pc:sldChg chg="modSp">
-        <pc:chgData name="Long B Nguyen" userId="f59fb8f3-a021-417a-8bc1-65c8d471c621" providerId="ADAL" clId="{AA9102B5-DACA-D841-B260-AEEBF90FC60A}" dt="2020-01-06T15:37:30.346" v="948" actId="20577"/>
-        <pc:sldMkLst>
-          <pc:docMk/>
-          <pc:sldMk cId="1452600724" sldId="316"/>
-        </pc:sldMkLst>
-        <pc:spChg chg="mod">
-          <ac:chgData name="Long B Nguyen" userId="f59fb8f3-a021-417a-8bc1-65c8d471c621" providerId="ADAL" clId="{AA9102B5-DACA-D841-B260-AEEBF90FC60A}" dt="2020-01-06T15:37:30.346" v="948" actId="20577"/>
-          <ac:spMkLst>
-            <pc:docMk/>
-            <pc:sldMk cId="1452600724" sldId="316"/>
-            <ac:spMk id="9" creationId="{E3B2E017-30B2-884B-A113-B419A2ED51AD}"/>
-          </ac:spMkLst>
-        </pc:spChg>
-      </pc:sldChg>
-      <pc:sldChg chg="del">
-        <pc:chgData name="Long B Nguyen" userId="f59fb8f3-a021-417a-8bc1-65c8d471c621" providerId="ADAL" clId="{AA9102B5-DACA-D841-B260-AEEBF90FC60A}" dt="2020-01-06T15:03:11.354" v="848" actId="2696"/>
-        <pc:sldMkLst>
-          <pc:docMk/>
-          <pc:sldMk cId="1787114790" sldId="317"/>
-        </pc:sldMkLst>
-      </pc:sldChg>
-      <pc:sldChg chg="del">
-        <pc:chgData name="Long B Nguyen" userId="f59fb8f3-a021-417a-8bc1-65c8d471c621" providerId="ADAL" clId="{AA9102B5-DACA-D841-B260-AEEBF90FC60A}" dt="2020-01-05T22:06:12.101" v="42" actId="2696"/>
-        <pc:sldMkLst>
-          <pc:docMk/>
-          <pc:sldMk cId="1215229427" sldId="318"/>
-        </pc:sldMkLst>
-      </pc:sldChg>
-      <pc:sldChg chg="modSp">
-        <pc:chgData name="Long B Nguyen" userId="f59fb8f3-a021-417a-8bc1-65c8d471c621" providerId="ADAL" clId="{AA9102B5-DACA-D841-B260-AEEBF90FC60A}" dt="2020-01-06T01:48:03.413" v="110" actId="20577"/>
-        <pc:sldMkLst>
-          <pc:docMk/>
-          <pc:sldMk cId="924617162" sldId="319"/>
-        </pc:sldMkLst>
-        <pc:spChg chg="mod">
-          <ac:chgData name="Long B Nguyen" userId="f59fb8f3-a021-417a-8bc1-65c8d471c621" providerId="ADAL" clId="{AA9102B5-DACA-D841-B260-AEEBF90FC60A}" dt="2020-01-06T01:48:03.413" v="110" actId="20577"/>
-          <ac:spMkLst>
-            <pc:docMk/>
-            <pc:sldMk cId="924617162" sldId="319"/>
-            <ac:spMk id="9" creationId="{E3B2E017-30B2-884B-A113-B419A2ED51AD}"/>
-          </ac:spMkLst>
-        </pc:spChg>
-      </pc:sldChg>
-      <pc:sldChg chg="modSp">
-        <pc:chgData name="Long B Nguyen" userId="f59fb8f3-a021-417a-8bc1-65c8d471c621" providerId="ADAL" clId="{AA9102B5-DACA-D841-B260-AEEBF90FC60A}" dt="2020-01-06T01:56:11.549" v="712" actId="1076"/>
-        <pc:sldMkLst>
-          <pc:docMk/>
-          <pc:sldMk cId="1310010799" sldId="324"/>
-        </pc:sldMkLst>
-        <pc:spChg chg="mod">
-          <ac:chgData name="Long B Nguyen" userId="f59fb8f3-a021-417a-8bc1-65c8d471c621" providerId="ADAL" clId="{AA9102B5-DACA-D841-B260-AEEBF90FC60A}" dt="2020-01-06T01:56:11.549" v="712" actId="1076"/>
-          <ac:spMkLst>
-            <pc:docMk/>
-            <pc:sldMk cId="1310010799" sldId="324"/>
-            <ac:spMk id="9" creationId="{E3B2E017-30B2-884B-A113-B419A2ED51AD}"/>
-          </ac:spMkLst>
-        </pc:spChg>
-      </pc:sldChg>
-      <pc:sldChg chg="modSp">
-        <pc:chgData name="Long B Nguyen" userId="f59fb8f3-a021-417a-8bc1-65c8d471c621" providerId="ADAL" clId="{AA9102B5-DACA-D841-B260-AEEBF90FC60A}" dt="2020-01-06T15:35:11.658" v="853" actId="20577"/>
-        <pc:sldMkLst>
-          <pc:docMk/>
-          <pc:sldMk cId="3314372952" sldId="325"/>
-        </pc:sldMkLst>
-        <pc:spChg chg="mod">
-          <ac:chgData name="Long B Nguyen" userId="f59fb8f3-a021-417a-8bc1-65c8d471c621" providerId="ADAL" clId="{AA9102B5-DACA-D841-B260-AEEBF90FC60A}" dt="2020-01-06T15:35:11.658" v="853" actId="20577"/>
-          <ac:spMkLst>
-            <pc:docMk/>
-            <pc:sldMk cId="3314372952" sldId="325"/>
-            <ac:spMk id="2" creationId="{AA3A228F-61D0-D949-A5E7-F83756230BF8}"/>
-          </ac:spMkLst>
-        </pc:spChg>
-        <pc:spChg chg="mod">
-          <ac:chgData name="Long B Nguyen" userId="f59fb8f3-a021-417a-8bc1-65c8d471c621" providerId="ADAL" clId="{AA9102B5-DACA-D841-B260-AEEBF90FC60A}" dt="2020-01-06T15:02:45.351" v="846" actId="20577"/>
-          <ac:spMkLst>
-            <pc:docMk/>
-            <pc:sldMk cId="3314372952" sldId="325"/>
-            <ac:spMk id="9" creationId="{E3B2E017-30B2-884B-A113-B419A2ED51AD}"/>
-          </ac:spMkLst>
-        </pc:spChg>
-      </pc:sldChg>
-      <pc:sldChg chg="del">
-        <pc:chgData name="Long B Nguyen" userId="f59fb8f3-a021-417a-8bc1-65c8d471c621" providerId="ADAL" clId="{AA9102B5-DACA-D841-B260-AEEBF90FC60A}" dt="2020-01-06T15:03:07.580" v="847" actId="2696"/>
-        <pc:sldMkLst>
-          <pc:docMk/>
-          <pc:sldMk cId="3117943122" sldId="326"/>
-        </pc:sldMkLst>
-      </pc:sldChg>
-      <pc:sldChg chg="del">
-        <pc:chgData name="Long B Nguyen" userId="f59fb8f3-a021-417a-8bc1-65c8d471c621" providerId="ADAL" clId="{AA9102B5-DACA-D841-B260-AEEBF90FC60A}" dt="2020-01-06T01:49:27.456" v="111" actId="2696"/>
-        <pc:sldMkLst>
-          <pc:docMk/>
-          <pc:sldMk cId="1025618360" sldId="327"/>
-        </pc:sldMkLst>
-      </pc:sldChg>
-      <pc:sldChg chg="modSp add">
-        <pc:chgData name="Long B Nguyen" userId="f59fb8f3-a021-417a-8bc1-65c8d471c621" providerId="ADAL" clId="{AA9102B5-DACA-D841-B260-AEEBF90FC60A}" dt="2020-01-06T15:00:48.763" v="818" actId="113"/>
-        <pc:sldMkLst>
-          <pc:docMk/>
-          <pc:sldMk cId="1724104636" sldId="327"/>
-        </pc:sldMkLst>
-        <pc:spChg chg="mod">
-          <ac:chgData name="Long B Nguyen" userId="f59fb8f3-a021-417a-8bc1-65c8d471c621" providerId="ADAL" clId="{AA9102B5-DACA-D841-B260-AEEBF90FC60A}" dt="2020-01-06T15:00:48.763" v="818" actId="113"/>
-          <ac:spMkLst>
-            <pc:docMk/>
-            <pc:sldMk cId="1724104636" sldId="327"/>
-            <ac:spMk id="9" creationId="{E3B2E017-30B2-884B-A113-B419A2ED51AD}"/>
-          </ac:spMkLst>
-        </pc:spChg>
-      </pc:sldChg>
-      <pc:sldChg chg="modSp">
-        <pc:chgData name="Long B Nguyen" userId="f59fb8f3-a021-417a-8bc1-65c8d471c621" providerId="ADAL" clId="{AA9102B5-DACA-D841-B260-AEEBF90FC60A}" dt="2020-01-06T01:55:34.369" v="708" actId="20577"/>
-        <pc:sldMkLst>
-          <pc:docMk/>
-          <pc:sldMk cId="4294143140" sldId="329"/>
-        </pc:sldMkLst>
-        <pc:spChg chg="mod">
-          <ac:chgData name="Long B Nguyen" userId="f59fb8f3-a021-417a-8bc1-65c8d471c621" providerId="ADAL" clId="{AA9102B5-DACA-D841-B260-AEEBF90FC60A}" dt="2020-01-06T01:55:34.369" v="708" actId="20577"/>
-          <ac:spMkLst>
-            <pc:docMk/>
-            <pc:sldMk cId="4294143140" sldId="329"/>
-            <ac:spMk id="9" creationId="{E3B2E017-30B2-884B-A113-B419A2ED51AD}"/>
-          </ac:spMkLst>
-        </pc:spChg>
-      </pc:sldChg>
-      <pc:sldChg chg="modSp add">
-        <pc:chgData name="Long B Nguyen" userId="f59fb8f3-a021-417a-8bc1-65c8d471c621" providerId="ADAL" clId="{AA9102B5-DACA-D841-B260-AEEBF90FC60A}" dt="2020-01-06T15:01:01.638" v="819" actId="2711"/>
-        <pc:sldMkLst>
-          <pc:docMk/>
-          <pc:sldMk cId="3594730708" sldId="330"/>
-        </pc:sldMkLst>
-        <pc:spChg chg="mod">
-          <ac:chgData name="Long B Nguyen" userId="f59fb8f3-a021-417a-8bc1-65c8d471c621" providerId="ADAL" clId="{AA9102B5-DACA-D841-B260-AEEBF90FC60A}" dt="2020-01-06T15:01:01.638" v="819" actId="2711"/>
-          <ac:spMkLst>
-            <pc:docMk/>
-            <pc:sldMk cId="3594730708" sldId="330"/>
-            <ac:spMk id="9" creationId="{E3B2E017-30B2-884B-A113-B419A2ED51AD}"/>
-          </ac:spMkLst>
-        </pc:spChg>
-      </pc:sldChg>
-      <pc:sldChg chg="modSp add">
-        <pc:chgData name="Long B Nguyen" userId="f59fb8f3-a021-417a-8bc1-65c8d471c621" providerId="ADAL" clId="{AA9102B5-DACA-D841-B260-AEEBF90FC60A}" dt="2020-01-06T02:00:17.493" v="815" actId="255"/>
-        <pc:sldMkLst>
-          <pc:docMk/>
-          <pc:sldMk cId="3870816631" sldId="331"/>
-        </pc:sldMkLst>
-        <pc:spChg chg="mod">
-          <ac:chgData name="Long B Nguyen" userId="f59fb8f3-a021-417a-8bc1-65c8d471c621" providerId="ADAL" clId="{AA9102B5-DACA-D841-B260-AEEBF90FC60A}" dt="2020-01-06T02:00:17.493" v="815" actId="255"/>
-          <ac:spMkLst>
-            <pc:docMk/>
-            <pc:sldMk cId="3870816631" sldId="331"/>
-            <ac:spMk id="9" creationId="{E3B2E017-30B2-884B-A113-B419A2ED51AD}"/>
-          </ac:spMkLst>
-        </pc:spChg>
-      </pc:sldChg>
-      <pc:sldChg chg="modSp add">
-        <pc:chgData name="Long B Nguyen" userId="f59fb8f3-a021-417a-8bc1-65c8d471c621" providerId="ADAL" clId="{AA9102B5-DACA-D841-B260-AEEBF90FC60A}" dt="2020-01-06T17:07:10.515" v="1519" actId="2711"/>
-        <pc:sldMkLst>
-          <pc:docMk/>
-          <pc:sldMk cId="3124353102" sldId="332"/>
-        </pc:sldMkLst>
-        <pc:spChg chg="mod">
-          <ac:chgData name="Long B Nguyen" userId="f59fb8f3-a021-417a-8bc1-65c8d471c621" providerId="ADAL" clId="{AA9102B5-DACA-D841-B260-AEEBF90FC60A}" dt="2020-01-06T17:03:36.721" v="1332" actId="20577"/>
-          <ac:spMkLst>
-            <pc:docMk/>
-            <pc:sldMk cId="3124353102" sldId="332"/>
-            <ac:spMk id="2" creationId="{AA3A228F-61D0-D949-A5E7-F83756230BF8}"/>
-          </ac:spMkLst>
-        </pc:spChg>
-        <pc:spChg chg="mod">
-          <ac:chgData name="Long B Nguyen" userId="f59fb8f3-a021-417a-8bc1-65c8d471c621" providerId="ADAL" clId="{AA9102B5-DACA-D841-B260-AEEBF90FC60A}" dt="2020-01-06T17:07:10.515" v="1519" actId="2711"/>
-          <ac:spMkLst>
-            <pc:docMk/>
-            <pc:sldMk cId="3124353102" sldId="332"/>
-            <ac:spMk id="9" creationId="{E3B2E017-30B2-884B-A113-B419A2ED51AD}"/>
-          </ac:spMkLst>
-        </pc:spChg>
-      </pc:sldChg>
-    </pc:docChg>
-  </pc:docChgLst>
-  <pc:docChgLst>
-    <pc:chgData name="Long B Nguyen" userId="f59fb8f3-a021-417a-8bc1-65c8d471c621" providerId="ADAL" clId="{359527BD-9D28-FA41-9B76-D4C412CACD55}"/>
-  </pc:docChgLst>
-  <pc:docChgLst>
-    <pc:chgData name="Long B Nguyen" userId="f59fb8f3-a021-417a-8bc1-65c8d471c621" providerId="ADAL" clId="{6AC26564-89E3-E046-BFB4-F80582D7E17B}"/>
-    <pc:docChg chg="custSel addSld delSld modSld">
-      <pc:chgData name="Long B Nguyen" userId="f59fb8f3-a021-417a-8bc1-65c8d471c621" providerId="ADAL" clId="{6AC26564-89E3-E046-BFB4-F80582D7E17B}" dt="2020-01-13T13:46:56.810" v="92" actId="2696"/>
-      <pc:docMkLst>
-        <pc:docMk/>
-      </pc:docMkLst>
-      <pc:sldChg chg="modSp">
-        <pc:chgData name="Long B Nguyen" userId="f59fb8f3-a021-417a-8bc1-65c8d471c621" providerId="ADAL" clId="{6AC26564-89E3-E046-BFB4-F80582D7E17B}" dt="2020-01-13T13:44:20.464" v="85" actId="20577"/>
-        <pc:sldMkLst>
-          <pc:docMk/>
-          <pc:sldMk cId="4247104139" sldId="256"/>
-        </pc:sldMkLst>
-        <pc:spChg chg="mod">
-          <ac:chgData name="Long B Nguyen" userId="f59fb8f3-a021-417a-8bc1-65c8d471c621" providerId="ADAL" clId="{6AC26564-89E3-E046-BFB4-F80582D7E17B}" dt="2020-01-13T13:43:45.441" v="40" actId="20577"/>
-          <ac:spMkLst>
-            <pc:docMk/>
-            <pc:sldMk cId="4247104139" sldId="256"/>
-            <ac:spMk id="2" creationId="{6117A749-B1BA-E24B-8FB0-0604EF651FB3}"/>
-          </ac:spMkLst>
-        </pc:spChg>
-        <pc:spChg chg="mod">
-          <ac:chgData name="Long B Nguyen" userId="f59fb8f3-a021-417a-8bc1-65c8d471c621" providerId="ADAL" clId="{6AC26564-89E3-E046-BFB4-F80582D7E17B}" dt="2020-01-13T13:44:20.464" v="85" actId="20577"/>
-          <ac:spMkLst>
-            <pc:docMk/>
-            <pc:sldMk cId="4247104139" sldId="256"/>
-            <ac:spMk id="3" creationId="{1BDC47C8-6776-7B44-9CD4-95FC91452D62}"/>
-          </ac:spMkLst>
-        </pc:spChg>
-      </pc:sldChg>
-      <pc:sldChg chg="add del">
-        <pc:chgData name="Long B Nguyen" userId="f59fb8f3-a021-417a-8bc1-65c8d471c621" providerId="ADAL" clId="{6AC26564-89E3-E046-BFB4-F80582D7E17B}" dt="2020-01-13T13:46:54.924" v="89" actId="2696"/>
-        <pc:sldMkLst>
-          <pc:docMk/>
-          <pc:sldMk cId="2869331202" sldId="257"/>
-        </pc:sldMkLst>
-      </pc:sldChg>
-      <pc:sldChg chg="add">
-        <pc:chgData name="Long B Nguyen" userId="f59fb8f3-a021-417a-8bc1-65c8d471c621" providerId="ADAL" clId="{6AC26564-89E3-E046-BFB4-F80582D7E17B}" dt="2020-01-13T13:43:29.420" v="22"/>
-        <pc:sldMkLst>
-          <pc:docMk/>
-          <pc:sldMk cId="1758448129" sldId="309"/>
-        </pc:sldMkLst>
-      </pc:sldChg>
-      <pc:sldChg chg="modSp add del">
-        <pc:chgData name="Long B Nguyen" userId="f59fb8f3-a021-417a-8bc1-65c8d471c621" providerId="ADAL" clId="{6AC26564-89E3-E046-BFB4-F80582D7E17B}" dt="2020-01-13T13:46:55.484" v="90" actId="2696"/>
-        <pc:sldMkLst>
-          <pc:docMk/>
-          <pc:sldMk cId="174202529" sldId="310"/>
-        </pc:sldMkLst>
-        <pc:spChg chg="mod">
-          <ac:chgData name="Long B Nguyen" userId="f59fb8f3-a021-417a-8bc1-65c8d471c621" providerId="ADAL" clId="{6AC26564-89E3-E046-BFB4-F80582D7E17B}" dt="2020-01-13T13:44:35.816" v="86" actId="20577"/>
-          <ac:spMkLst>
-            <pc:docMk/>
-            <pc:sldMk cId="174202529" sldId="310"/>
-            <ac:spMk id="18434" creationId="{72F3E48A-CDFA-CE46-B991-D35BF55EC8E6}"/>
-          </ac:spMkLst>
-        </pc:spChg>
-      </pc:sldChg>
-      <pc:sldChg chg="add del">
-        <pc:chgData name="Long B Nguyen" userId="f59fb8f3-a021-417a-8bc1-65c8d471c621" providerId="ADAL" clId="{6AC26564-89E3-E046-BFB4-F80582D7E17B}" dt="2020-01-13T13:46:56.092" v="91" actId="2696"/>
-        <pc:sldMkLst>
-          <pc:docMk/>
-          <pc:sldMk cId="1098579697" sldId="311"/>
-        </pc:sldMkLst>
-      </pc:sldChg>
-      <pc:sldChg chg="add del">
-        <pc:chgData name="Long B Nguyen" userId="f59fb8f3-a021-417a-8bc1-65c8d471c621" providerId="ADAL" clId="{6AC26564-89E3-E046-BFB4-F80582D7E17B}" dt="2020-01-13T13:46:56.810" v="92" actId="2696"/>
-        <pc:sldMkLst>
-          <pc:docMk/>
-          <pc:sldMk cId="585175195" sldId="312"/>
-        </pc:sldMkLst>
-      </pc:sldChg>
-      <pc:sldChg chg="add">
-        <pc:chgData name="Long B Nguyen" userId="f59fb8f3-a021-417a-8bc1-65c8d471c621" providerId="ADAL" clId="{6AC26564-89E3-E046-BFB4-F80582D7E17B}" dt="2020-01-13T13:43:29.420" v="22"/>
-        <pc:sldMkLst>
-          <pc:docMk/>
-          <pc:sldMk cId="3947558204" sldId="313"/>
-        </pc:sldMkLst>
-      </pc:sldChg>
-      <pc:sldChg chg="add">
-        <pc:chgData name="Long B Nguyen" userId="f59fb8f3-a021-417a-8bc1-65c8d471c621" providerId="ADAL" clId="{6AC26564-89E3-E046-BFB4-F80582D7E17B}" dt="2020-01-13T13:43:29.420" v="22"/>
-        <pc:sldMkLst>
-          <pc:docMk/>
-          <pc:sldMk cId="2054265466" sldId="314"/>
-        </pc:sldMkLst>
-      </pc:sldChg>
-      <pc:sldChg chg="add">
-        <pc:chgData name="Long B Nguyen" userId="f59fb8f3-a021-417a-8bc1-65c8d471c621" providerId="ADAL" clId="{6AC26564-89E3-E046-BFB4-F80582D7E17B}" dt="2020-01-13T13:43:29.420" v="22"/>
-        <pc:sldMkLst>
-          <pc:docMk/>
-          <pc:sldMk cId="917461937" sldId="315"/>
-        </pc:sldMkLst>
-      </pc:sldChg>
-      <pc:sldChg chg="del">
-        <pc:chgData name="Long B Nguyen" userId="f59fb8f3-a021-417a-8bc1-65c8d471c621" providerId="ADAL" clId="{6AC26564-89E3-E046-BFB4-F80582D7E17B}" dt="2020-01-13T13:43:17.195" v="13" actId="2696"/>
-        <pc:sldMkLst>
-          <pc:docMk/>
-          <pc:sldMk cId="1452600724" sldId="316"/>
-        </pc:sldMkLst>
-      </pc:sldChg>
-      <pc:sldChg chg="add">
-        <pc:chgData name="Long B Nguyen" userId="f59fb8f3-a021-417a-8bc1-65c8d471c621" providerId="ADAL" clId="{6AC26564-89E3-E046-BFB4-F80582D7E17B}" dt="2020-01-13T13:43:29.420" v="22"/>
-        <pc:sldMkLst>
-          <pc:docMk/>
-          <pc:sldMk cId="3266234076" sldId="316"/>
-        </pc:sldMkLst>
-      </pc:sldChg>
-      <pc:sldChg chg="add">
-        <pc:chgData name="Long B Nguyen" userId="f59fb8f3-a021-417a-8bc1-65c8d471c621" providerId="ADAL" clId="{6AC26564-89E3-E046-BFB4-F80582D7E17B}" dt="2020-01-13T13:43:29.420" v="22"/>
-        <pc:sldMkLst>
-          <pc:docMk/>
-          <pc:sldMk cId="2886319738" sldId="317"/>
-        </pc:sldMkLst>
-      </pc:sldChg>
-      <pc:sldChg chg="del">
-        <pc:chgData name="Long B Nguyen" userId="f59fb8f3-a021-417a-8bc1-65c8d471c621" providerId="ADAL" clId="{6AC26564-89E3-E046-BFB4-F80582D7E17B}" dt="2020-01-13T13:43:16.993" v="0" actId="2696"/>
-        <pc:sldMkLst>
-          <pc:docMk/>
-          <pc:sldMk cId="924617162" sldId="319"/>
-        </pc:sldMkLst>
-      </pc:sldChg>
-      <pc:sldChg chg="add">
-        <pc:chgData name="Long B Nguyen" userId="f59fb8f3-a021-417a-8bc1-65c8d471c621" providerId="ADAL" clId="{6AC26564-89E3-E046-BFB4-F80582D7E17B}" dt="2020-01-13T13:43:29.420" v="22"/>
-        <pc:sldMkLst>
-          <pc:docMk/>
-          <pc:sldMk cId="3906700287" sldId="319"/>
-        </pc:sldMkLst>
-      </pc:sldChg>
-      <pc:sldChg chg="add">
-        <pc:chgData name="Long B Nguyen" userId="f59fb8f3-a021-417a-8bc1-65c8d471c621" providerId="ADAL" clId="{6AC26564-89E3-E046-BFB4-F80582D7E17B}" dt="2020-01-13T13:43:29.420" v="22"/>
-        <pc:sldMkLst>
-          <pc:docMk/>
-          <pc:sldMk cId="1810541734" sldId="320"/>
-        </pc:sldMkLst>
-      </pc:sldChg>
-      <pc:sldChg chg="del">
-        <pc:chgData name="Long B Nguyen" userId="f59fb8f3-a021-417a-8bc1-65c8d471c621" providerId="ADAL" clId="{6AC26564-89E3-E046-BFB4-F80582D7E17B}" dt="2020-01-13T13:43:17.009" v="1" actId="2696"/>
-        <pc:sldMkLst>
-          <pc:docMk/>
-          <pc:sldMk cId="3758830494" sldId="320"/>
-        </pc:sldMkLst>
-      </pc:sldChg>
-      <pc:sldChg chg="del">
-        <pc:chgData name="Long B Nguyen" userId="f59fb8f3-a021-417a-8bc1-65c8d471c621" providerId="ADAL" clId="{6AC26564-89E3-E046-BFB4-F80582D7E17B}" dt="2020-01-13T13:43:17.029" v="2" actId="2696"/>
-        <pc:sldMkLst>
-          <pc:docMk/>
-          <pc:sldMk cId="1022945305" sldId="321"/>
-        </pc:sldMkLst>
-      </pc:sldChg>
-      <pc:sldChg chg="add">
-        <pc:chgData name="Long B Nguyen" userId="f59fb8f3-a021-417a-8bc1-65c8d471c621" providerId="ADAL" clId="{6AC26564-89E3-E046-BFB4-F80582D7E17B}" dt="2020-01-13T13:43:29.420" v="22"/>
-        <pc:sldMkLst>
-          <pc:docMk/>
-          <pc:sldMk cId="1359731776" sldId="321"/>
-        </pc:sldMkLst>
-      </pc:sldChg>
-      <pc:sldChg chg="del">
-        <pc:chgData name="Long B Nguyen" userId="f59fb8f3-a021-417a-8bc1-65c8d471c621" providerId="ADAL" clId="{6AC26564-89E3-E046-BFB4-F80582D7E17B}" dt="2020-01-13T13:43:17.080" v="5" actId="2696"/>
-        <pc:sldMkLst>
-          <pc:docMk/>
-          <pc:sldMk cId="3456840474" sldId="322"/>
-        </pc:sldMkLst>
-      </pc:sldChg>
-      <pc:sldChg chg="add">
-        <pc:chgData name="Long B Nguyen" userId="f59fb8f3-a021-417a-8bc1-65c8d471c621" providerId="ADAL" clId="{6AC26564-89E3-E046-BFB4-F80582D7E17B}" dt="2020-01-13T13:43:29.420" v="22"/>
-        <pc:sldMkLst>
-          <pc:docMk/>
-          <pc:sldMk cId="3651577480" sldId="322"/>
-        </pc:sldMkLst>
-      </pc:sldChg>
-      <pc:sldChg chg="del">
-        <pc:chgData name="Long B Nguyen" userId="f59fb8f3-a021-417a-8bc1-65c8d471c621" providerId="ADAL" clId="{6AC26564-89E3-E046-BFB4-F80582D7E17B}" dt="2020-01-13T13:43:17.097" v="6" actId="2696"/>
-        <pc:sldMkLst>
-          <pc:docMk/>
-          <pc:sldMk cId="1062075874" sldId="323"/>
-        </pc:sldMkLst>
-      </pc:sldChg>
-      <pc:sldChg chg="add">
-        <pc:chgData name="Long B Nguyen" userId="f59fb8f3-a021-417a-8bc1-65c8d471c621" providerId="ADAL" clId="{6AC26564-89E3-E046-BFB4-F80582D7E17B}" dt="2020-01-13T13:43:29.420" v="22"/>
-        <pc:sldMkLst>
-          <pc:docMk/>
-          <pc:sldMk cId="1496564367" sldId="323"/>
-        </pc:sldMkLst>
-      </pc:sldChg>
-      <pc:sldChg chg="add">
-        <pc:chgData name="Long B Nguyen" userId="f59fb8f3-a021-417a-8bc1-65c8d471c621" providerId="ADAL" clId="{6AC26564-89E3-E046-BFB4-F80582D7E17B}" dt="2020-01-13T13:46:19.952" v="88"/>
-        <pc:sldMkLst>
-          <pc:docMk/>
-          <pc:sldMk cId="771866096" sldId="324"/>
-        </pc:sldMkLst>
-      </pc:sldChg>
-      <pc:sldChg chg="del">
-        <pc:chgData name="Long B Nguyen" userId="f59fb8f3-a021-417a-8bc1-65c8d471c621" providerId="ADAL" clId="{6AC26564-89E3-E046-BFB4-F80582D7E17B}" dt="2020-01-13T13:43:17.152" v="9" actId="2696"/>
-        <pc:sldMkLst>
-          <pc:docMk/>
-          <pc:sldMk cId="1310010799" sldId="324"/>
-        </pc:sldMkLst>
-      </pc:sldChg>
-      <pc:sldChg chg="add del">
-        <pc:chgData name="Long B Nguyen" userId="f59fb8f3-a021-417a-8bc1-65c8d471c621" providerId="ADAL" clId="{6AC26564-89E3-E046-BFB4-F80582D7E17B}" dt="2020-01-13T13:46:07.690" v="87" actId="2696"/>
-        <pc:sldMkLst>
-          <pc:docMk/>
-          <pc:sldMk cId="3999804732" sldId="324"/>
-        </pc:sldMkLst>
-      </pc:sldChg>
-      <pc:sldChg chg="add">
-        <pc:chgData name="Long B Nguyen" userId="f59fb8f3-a021-417a-8bc1-65c8d471c621" providerId="ADAL" clId="{6AC26564-89E3-E046-BFB4-F80582D7E17B}" dt="2020-01-13T13:43:29.420" v="22"/>
-        <pc:sldMkLst>
-          <pc:docMk/>
-          <pc:sldMk cId="1025355635" sldId="325"/>
-        </pc:sldMkLst>
-      </pc:sldChg>
-      <pc:sldChg chg="del">
-        <pc:chgData name="Long B Nguyen" userId="f59fb8f3-a021-417a-8bc1-65c8d471c621" providerId="ADAL" clId="{6AC26564-89E3-E046-BFB4-F80582D7E17B}" dt="2020-01-13T13:43:17.177" v="11" actId="2696"/>
-        <pc:sldMkLst>
-          <pc:docMk/>
-          <pc:sldMk cId="3314372952" sldId="325"/>
-        </pc:sldMkLst>
-      </pc:sldChg>
-      <pc:sldChg chg="del">
-        <pc:chgData name="Long B Nguyen" userId="f59fb8f3-a021-417a-8bc1-65c8d471c621" providerId="ADAL" clId="{6AC26564-89E3-E046-BFB4-F80582D7E17B}" dt="2020-01-13T13:43:17.116" v="7" actId="2696"/>
-        <pc:sldMkLst>
-          <pc:docMk/>
-          <pc:sldMk cId="1724104636" sldId="327"/>
-        </pc:sldMkLst>
-      </pc:sldChg>
-      <pc:sldChg chg="add">
-        <pc:chgData name="Long B Nguyen" userId="f59fb8f3-a021-417a-8bc1-65c8d471c621" providerId="ADAL" clId="{6AC26564-89E3-E046-BFB4-F80582D7E17B}" dt="2020-01-13T13:43:29.420" v="22"/>
-        <pc:sldMkLst>
-          <pc:docMk/>
-          <pc:sldMk cId="4174920299" sldId="327"/>
-        </pc:sldMkLst>
-      </pc:sldChg>
-      <pc:sldChg chg="add">
-        <pc:chgData name="Long B Nguyen" userId="f59fb8f3-a021-417a-8bc1-65c8d471c621" providerId="ADAL" clId="{6AC26564-89E3-E046-BFB4-F80582D7E17B}" dt="2020-01-13T13:43:29.420" v="22"/>
-        <pc:sldMkLst>
-          <pc:docMk/>
-          <pc:sldMk cId="2756462650" sldId="328"/>
-        </pc:sldMkLst>
-      </pc:sldChg>
-      <pc:sldChg chg="del">
-        <pc:chgData name="Long B Nguyen" userId="f59fb8f3-a021-417a-8bc1-65c8d471c621" providerId="ADAL" clId="{6AC26564-89E3-E046-BFB4-F80582D7E17B}" dt="2020-01-13T13:43:17.045" v="3" actId="2696"/>
-        <pc:sldMkLst>
-          <pc:docMk/>
-          <pc:sldMk cId="3894299887" sldId="328"/>
-        </pc:sldMkLst>
-      </pc:sldChg>
-      <pc:sldChg chg="add">
-        <pc:chgData name="Long B Nguyen" userId="f59fb8f3-a021-417a-8bc1-65c8d471c621" providerId="ADAL" clId="{6AC26564-89E3-E046-BFB4-F80582D7E17B}" dt="2020-01-13T13:43:29.420" v="22"/>
-        <pc:sldMkLst>
-          <pc:docMk/>
-          <pc:sldMk cId="3080714931" sldId="329"/>
-        </pc:sldMkLst>
-      </pc:sldChg>
-      <pc:sldChg chg="del">
-        <pc:chgData name="Long B Nguyen" userId="f59fb8f3-a021-417a-8bc1-65c8d471c621" providerId="ADAL" clId="{6AC26564-89E3-E046-BFB4-F80582D7E17B}" dt="2020-01-13T13:43:17.064" v="4" actId="2696"/>
-        <pc:sldMkLst>
-          <pc:docMk/>
-          <pc:sldMk cId="4294143140" sldId="329"/>
-        </pc:sldMkLst>
-      </pc:sldChg>
-      <pc:sldChg chg="add">
-        <pc:chgData name="Long B Nguyen" userId="f59fb8f3-a021-417a-8bc1-65c8d471c621" providerId="ADAL" clId="{6AC26564-89E3-E046-BFB4-F80582D7E17B}" dt="2020-01-13T13:43:29.420" v="22"/>
-        <pc:sldMkLst>
-          <pc:docMk/>
-          <pc:sldMk cId="532184546" sldId="330"/>
-        </pc:sldMkLst>
-      </pc:sldChg>
-      <pc:sldChg chg="del">
-        <pc:chgData name="Long B Nguyen" userId="f59fb8f3-a021-417a-8bc1-65c8d471c621" providerId="ADAL" clId="{6AC26564-89E3-E046-BFB4-F80582D7E17B}" dt="2020-01-13T13:43:17.136" v="8" actId="2696"/>
-        <pc:sldMkLst>
-          <pc:docMk/>
-          <pc:sldMk cId="3594730708" sldId="330"/>
-        </pc:sldMkLst>
-      </pc:sldChg>
-      <pc:sldChg chg="add">
-        <pc:chgData name="Long B Nguyen" userId="f59fb8f3-a021-417a-8bc1-65c8d471c621" providerId="ADAL" clId="{6AC26564-89E3-E046-BFB4-F80582D7E17B}" dt="2020-01-13T13:43:29.420" v="22"/>
-        <pc:sldMkLst>
-          <pc:docMk/>
-          <pc:sldMk cId="3264629021" sldId="331"/>
-        </pc:sldMkLst>
-      </pc:sldChg>
-      <pc:sldChg chg="del">
-        <pc:chgData name="Long B Nguyen" userId="f59fb8f3-a021-417a-8bc1-65c8d471c621" providerId="ADAL" clId="{6AC26564-89E3-E046-BFB4-F80582D7E17B}" dt="2020-01-13T13:43:17.188" v="12" actId="2696"/>
-        <pc:sldMkLst>
-          <pc:docMk/>
-          <pc:sldMk cId="3870816631" sldId="331"/>
-        </pc:sldMkLst>
-      </pc:sldChg>
-      <pc:sldChg chg="del">
-        <pc:chgData name="Long B Nguyen" userId="f59fb8f3-a021-417a-8bc1-65c8d471c621" providerId="ADAL" clId="{6AC26564-89E3-E046-BFB4-F80582D7E17B}" dt="2020-01-13T13:43:17.163" v="10" actId="2696"/>
-        <pc:sldMkLst>
-          <pc:docMk/>
-          <pc:sldMk cId="3124353102" sldId="332"/>
-        </pc:sldMkLst>
-      </pc:sldChg>
-      <pc:sldChg chg="add">
-        <pc:chgData name="Long B Nguyen" userId="f59fb8f3-a021-417a-8bc1-65c8d471c621" providerId="ADAL" clId="{6AC26564-89E3-E046-BFB4-F80582D7E17B}" dt="2020-01-13T13:43:29.420" v="22"/>
-        <pc:sldMkLst>
-          <pc:docMk/>
-          <pc:sldMk cId="4022722016" sldId="332"/>
-        </pc:sldMkLst>
-      </pc:sldChg>
-      <pc:sldChg chg="add">
-        <pc:chgData name="Long B Nguyen" userId="f59fb8f3-a021-417a-8bc1-65c8d471c621" providerId="ADAL" clId="{6AC26564-89E3-E046-BFB4-F80582D7E17B}" dt="2020-01-13T13:43:29.420" v="22"/>
-        <pc:sldMkLst>
-          <pc:docMk/>
-          <pc:sldMk cId="1710208723" sldId="333"/>
-        </pc:sldMkLst>
-      </pc:sldChg>
-      <pc:sldChg chg="add">
-        <pc:chgData name="Long B Nguyen" userId="f59fb8f3-a021-417a-8bc1-65c8d471c621" providerId="ADAL" clId="{6AC26564-89E3-E046-BFB4-F80582D7E17B}" dt="2020-01-13T13:43:29.420" v="22"/>
-        <pc:sldMkLst>
-          <pc:docMk/>
-          <pc:sldMk cId="3404583044" sldId="334"/>
-        </pc:sldMkLst>
-      </pc:sldChg>
-      <pc:sldChg chg="add">
-        <pc:chgData name="Long B Nguyen" userId="f59fb8f3-a021-417a-8bc1-65c8d471c621" providerId="ADAL" clId="{6AC26564-89E3-E046-BFB4-F80582D7E17B}" dt="2020-01-13T13:43:29.420" v="22"/>
-        <pc:sldMkLst>
-          <pc:docMk/>
-          <pc:sldMk cId="3866550465" sldId="335"/>
-        </pc:sldMkLst>
-      </pc:sldChg>
-      <pc:sldChg chg="add">
-        <pc:chgData name="Long B Nguyen" userId="f59fb8f3-a021-417a-8bc1-65c8d471c621" providerId="ADAL" clId="{6AC26564-89E3-E046-BFB4-F80582D7E17B}" dt="2020-01-13T13:43:29.420" v="22"/>
-        <pc:sldMkLst>
-          <pc:docMk/>
-          <pc:sldMk cId="3749436800" sldId="336"/>
-        </pc:sldMkLst>
-      </pc:sldChg>
-      <pc:sldChg chg="add">
-        <pc:chgData name="Long B Nguyen" userId="f59fb8f3-a021-417a-8bc1-65c8d471c621" providerId="ADAL" clId="{6AC26564-89E3-E046-BFB4-F80582D7E17B}" dt="2020-01-13T13:43:29.420" v="22"/>
-        <pc:sldMkLst>
-          <pc:docMk/>
-          <pc:sldMk cId="461704868" sldId="337"/>
-        </pc:sldMkLst>
-      </pc:sldChg>
-      <pc:sldChg chg="add">
-        <pc:chgData name="Long B Nguyen" userId="f59fb8f3-a021-417a-8bc1-65c8d471c621" providerId="ADAL" clId="{6AC26564-89E3-E046-BFB4-F80582D7E17B}" dt="2020-01-13T13:43:29.420" v="22"/>
-        <pc:sldMkLst>
-          <pc:docMk/>
-          <pc:sldMk cId="545386500" sldId="338"/>
-        </pc:sldMkLst>
-      </pc:sldChg>
-      <pc:sldChg chg="add">
-        <pc:chgData name="Long B Nguyen" userId="f59fb8f3-a021-417a-8bc1-65c8d471c621" providerId="ADAL" clId="{6AC26564-89E3-E046-BFB4-F80582D7E17B}" dt="2020-01-13T13:43:29.420" v="22"/>
-        <pc:sldMkLst>
-          <pc:docMk/>
-          <pc:sldMk cId="1791361008" sldId="339"/>
-        </pc:sldMkLst>
-      </pc:sldChg>
-      <pc:sldChg chg="add">
-        <pc:chgData name="Long B Nguyen" userId="f59fb8f3-a021-417a-8bc1-65c8d471c621" providerId="ADAL" clId="{6AC26564-89E3-E046-BFB4-F80582D7E17B}" dt="2020-01-13T13:43:29.420" v="22"/>
-        <pc:sldMkLst>
-          <pc:docMk/>
-          <pc:sldMk cId="678299524" sldId="340"/>
-        </pc:sldMkLst>
-      </pc:sldChg>
-      <pc:sldChg chg="add">
-        <pc:chgData name="Long B Nguyen" userId="f59fb8f3-a021-417a-8bc1-65c8d471c621" providerId="ADAL" clId="{6AC26564-89E3-E046-BFB4-F80582D7E17B}" dt="2020-01-13T13:43:29.420" v="22"/>
-        <pc:sldMkLst>
-          <pc:docMk/>
-          <pc:sldMk cId="225127645" sldId="341"/>
-        </pc:sldMkLst>
-      </pc:sldChg>
-      <pc:sldChg chg="add">
-        <pc:chgData name="Long B Nguyen" userId="f59fb8f3-a021-417a-8bc1-65c8d471c621" providerId="ADAL" clId="{6AC26564-89E3-E046-BFB4-F80582D7E17B}" dt="2020-01-13T13:43:29.420" v="22"/>
-        <pc:sldMkLst>
-          <pc:docMk/>
-          <pc:sldMk cId="2214326257" sldId="342"/>
-        </pc:sldMkLst>
-      </pc:sldChg>
-      <pc:sldChg chg="add">
-        <pc:chgData name="Long B Nguyen" userId="f59fb8f3-a021-417a-8bc1-65c8d471c621" providerId="ADAL" clId="{6AC26564-89E3-E046-BFB4-F80582D7E17B}" dt="2020-01-13T13:43:29.420" v="22"/>
-        <pc:sldMkLst>
-          <pc:docMk/>
-          <pc:sldMk cId="1356056044" sldId="343"/>
-        </pc:sldMkLst>
-      </pc:sldChg>
-      <pc:sldChg chg="add">
-        <pc:chgData name="Long B Nguyen" userId="f59fb8f3-a021-417a-8bc1-65c8d471c621" providerId="ADAL" clId="{6AC26564-89E3-E046-BFB4-F80582D7E17B}" dt="2020-01-13T13:43:29.420" v="22"/>
-        <pc:sldMkLst>
-          <pc:docMk/>
-          <pc:sldMk cId="1270247652" sldId="344"/>
-        </pc:sldMkLst>
-      </pc:sldChg>
-      <pc:sldChg chg="add">
-        <pc:chgData name="Long B Nguyen" userId="f59fb8f3-a021-417a-8bc1-65c8d471c621" providerId="ADAL" clId="{6AC26564-89E3-E046-BFB4-F80582D7E17B}" dt="2020-01-13T13:43:29.420" v="22"/>
-        <pc:sldMkLst>
-          <pc:docMk/>
-          <pc:sldMk cId="902308803" sldId="345"/>
-        </pc:sldMkLst>
-      </pc:sldChg>
-      <pc:sldChg chg="add">
-        <pc:chgData name="Long B Nguyen" userId="f59fb8f3-a021-417a-8bc1-65c8d471c621" providerId="ADAL" clId="{6AC26564-89E3-E046-BFB4-F80582D7E17B}" dt="2020-01-13T13:43:29.420" v="22"/>
-        <pc:sldMkLst>
-          <pc:docMk/>
-          <pc:sldMk cId="2271372051" sldId="346"/>
-        </pc:sldMkLst>
-      </pc:sldChg>
-      <pc:sldChg chg="add">
-        <pc:chgData name="Long B Nguyen" userId="f59fb8f3-a021-417a-8bc1-65c8d471c621" providerId="ADAL" clId="{6AC26564-89E3-E046-BFB4-F80582D7E17B}" dt="2020-01-13T13:43:29.420" v="22"/>
-        <pc:sldMkLst>
-          <pc:docMk/>
-          <pc:sldMk cId="198078322" sldId="347"/>
-        </pc:sldMkLst>
-      </pc:sldChg>
-    </pc:docChg>
-  </pc:docChgLst>
   <pc:docChgLst>
     <pc:chgData name="Long B Nguyen" userId="f59fb8f3-a021-417a-8bc1-65c8d471c621" providerId="ADAL" clId="{A54A5039-9BC6-1548-AC61-7314DB675A9D}"/>
     <pc:docChg chg="undo custSel addSld delSld modSld">
@@ -1689,6 +652,725 @@
     </pc:docChg>
   </pc:docChgLst>
   <pc:docChgLst>
+    <pc:chgData name="Long B Nguyen" userId="f59fb8f3-a021-417a-8bc1-65c8d471c621" providerId="ADAL" clId="{6AC26564-89E3-E046-BFB4-F80582D7E17B}"/>
+    <pc:docChg chg="custSel addSld delSld modSld">
+      <pc:chgData name="Long B Nguyen" userId="f59fb8f3-a021-417a-8bc1-65c8d471c621" providerId="ADAL" clId="{6AC26564-89E3-E046-BFB4-F80582D7E17B}" dt="2020-01-13T13:46:56.810" v="92" actId="2696"/>
+      <pc:docMkLst>
+        <pc:docMk/>
+      </pc:docMkLst>
+      <pc:sldChg chg="modSp">
+        <pc:chgData name="Long B Nguyen" userId="f59fb8f3-a021-417a-8bc1-65c8d471c621" providerId="ADAL" clId="{6AC26564-89E3-E046-BFB4-F80582D7E17B}" dt="2020-01-13T13:44:20.464" v="85" actId="20577"/>
+        <pc:sldMkLst>
+          <pc:docMk/>
+          <pc:sldMk cId="4247104139" sldId="256"/>
+        </pc:sldMkLst>
+        <pc:spChg chg="mod">
+          <ac:chgData name="Long B Nguyen" userId="f59fb8f3-a021-417a-8bc1-65c8d471c621" providerId="ADAL" clId="{6AC26564-89E3-E046-BFB4-F80582D7E17B}" dt="2020-01-13T13:43:45.441" v="40" actId="20577"/>
+          <ac:spMkLst>
+            <pc:docMk/>
+            <pc:sldMk cId="4247104139" sldId="256"/>
+            <ac:spMk id="2" creationId="{6117A749-B1BA-E24B-8FB0-0604EF651FB3}"/>
+          </ac:spMkLst>
+        </pc:spChg>
+        <pc:spChg chg="mod">
+          <ac:chgData name="Long B Nguyen" userId="f59fb8f3-a021-417a-8bc1-65c8d471c621" providerId="ADAL" clId="{6AC26564-89E3-E046-BFB4-F80582D7E17B}" dt="2020-01-13T13:44:20.464" v="85" actId="20577"/>
+          <ac:spMkLst>
+            <pc:docMk/>
+            <pc:sldMk cId="4247104139" sldId="256"/>
+            <ac:spMk id="3" creationId="{1BDC47C8-6776-7B44-9CD4-95FC91452D62}"/>
+          </ac:spMkLst>
+        </pc:spChg>
+      </pc:sldChg>
+      <pc:sldChg chg="add del">
+        <pc:chgData name="Long B Nguyen" userId="f59fb8f3-a021-417a-8bc1-65c8d471c621" providerId="ADAL" clId="{6AC26564-89E3-E046-BFB4-F80582D7E17B}" dt="2020-01-13T13:46:54.924" v="89" actId="2696"/>
+        <pc:sldMkLst>
+          <pc:docMk/>
+          <pc:sldMk cId="2869331202" sldId="257"/>
+        </pc:sldMkLst>
+      </pc:sldChg>
+      <pc:sldChg chg="add">
+        <pc:chgData name="Long B Nguyen" userId="f59fb8f3-a021-417a-8bc1-65c8d471c621" providerId="ADAL" clId="{6AC26564-89E3-E046-BFB4-F80582D7E17B}" dt="2020-01-13T13:43:29.420" v="22"/>
+        <pc:sldMkLst>
+          <pc:docMk/>
+          <pc:sldMk cId="1758448129" sldId="309"/>
+        </pc:sldMkLst>
+      </pc:sldChg>
+      <pc:sldChg chg="modSp add del">
+        <pc:chgData name="Long B Nguyen" userId="f59fb8f3-a021-417a-8bc1-65c8d471c621" providerId="ADAL" clId="{6AC26564-89E3-E046-BFB4-F80582D7E17B}" dt="2020-01-13T13:46:55.484" v="90" actId="2696"/>
+        <pc:sldMkLst>
+          <pc:docMk/>
+          <pc:sldMk cId="174202529" sldId="310"/>
+        </pc:sldMkLst>
+        <pc:spChg chg="mod">
+          <ac:chgData name="Long B Nguyen" userId="f59fb8f3-a021-417a-8bc1-65c8d471c621" providerId="ADAL" clId="{6AC26564-89E3-E046-BFB4-F80582D7E17B}" dt="2020-01-13T13:44:35.816" v="86" actId="20577"/>
+          <ac:spMkLst>
+            <pc:docMk/>
+            <pc:sldMk cId="174202529" sldId="310"/>
+            <ac:spMk id="18434" creationId="{72F3E48A-CDFA-CE46-B991-D35BF55EC8E6}"/>
+          </ac:spMkLst>
+        </pc:spChg>
+      </pc:sldChg>
+      <pc:sldChg chg="add del">
+        <pc:chgData name="Long B Nguyen" userId="f59fb8f3-a021-417a-8bc1-65c8d471c621" providerId="ADAL" clId="{6AC26564-89E3-E046-BFB4-F80582D7E17B}" dt="2020-01-13T13:46:56.092" v="91" actId="2696"/>
+        <pc:sldMkLst>
+          <pc:docMk/>
+          <pc:sldMk cId="1098579697" sldId="311"/>
+        </pc:sldMkLst>
+      </pc:sldChg>
+      <pc:sldChg chg="add del">
+        <pc:chgData name="Long B Nguyen" userId="f59fb8f3-a021-417a-8bc1-65c8d471c621" providerId="ADAL" clId="{6AC26564-89E3-E046-BFB4-F80582D7E17B}" dt="2020-01-13T13:46:56.810" v="92" actId="2696"/>
+        <pc:sldMkLst>
+          <pc:docMk/>
+          <pc:sldMk cId="585175195" sldId="312"/>
+        </pc:sldMkLst>
+      </pc:sldChg>
+      <pc:sldChg chg="add">
+        <pc:chgData name="Long B Nguyen" userId="f59fb8f3-a021-417a-8bc1-65c8d471c621" providerId="ADAL" clId="{6AC26564-89E3-E046-BFB4-F80582D7E17B}" dt="2020-01-13T13:43:29.420" v="22"/>
+        <pc:sldMkLst>
+          <pc:docMk/>
+          <pc:sldMk cId="3947558204" sldId="313"/>
+        </pc:sldMkLst>
+      </pc:sldChg>
+      <pc:sldChg chg="add">
+        <pc:chgData name="Long B Nguyen" userId="f59fb8f3-a021-417a-8bc1-65c8d471c621" providerId="ADAL" clId="{6AC26564-89E3-E046-BFB4-F80582D7E17B}" dt="2020-01-13T13:43:29.420" v="22"/>
+        <pc:sldMkLst>
+          <pc:docMk/>
+          <pc:sldMk cId="2054265466" sldId="314"/>
+        </pc:sldMkLst>
+      </pc:sldChg>
+      <pc:sldChg chg="add">
+        <pc:chgData name="Long B Nguyen" userId="f59fb8f3-a021-417a-8bc1-65c8d471c621" providerId="ADAL" clId="{6AC26564-89E3-E046-BFB4-F80582D7E17B}" dt="2020-01-13T13:43:29.420" v="22"/>
+        <pc:sldMkLst>
+          <pc:docMk/>
+          <pc:sldMk cId="917461937" sldId="315"/>
+        </pc:sldMkLst>
+      </pc:sldChg>
+      <pc:sldChg chg="del">
+        <pc:chgData name="Long B Nguyen" userId="f59fb8f3-a021-417a-8bc1-65c8d471c621" providerId="ADAL" clId="{6AC26564-89E3-E046-BFB4-F80582D7E17B}" dt="2020-01-13T13:43:17.195" v="13" actId="2696"/>
+        <pc:sldMkLst>
+          <pc:docMk/>
+          <pc:sldMk cId="1452600724" sldId="316"/>
+        </pc:sldMkLst>
+      </pc:sldChg>
+      <pc:sldChg chg="add">
+        <pc:chgData name="Long B Nguyen" userId="f59fb8f3-a021-417a-8bc1-65c8d471c621" providerId="ADAL" clId="{6AC26564-89E3-E046-BFB4-F80582D7E17B}" dt="2020-01-13T13:43:29.420" v="22"/>
+        <pc:sldMkLst>
+          <pc:docMk/>
+          <pc:sldMk cId="3266234076" sldId="316"/>
+        </pc:sldMkLst>
+      </pc:sldChg>
+      <pc:sldChg chg="add">
+        <pc:chgData name="Long B Nguyen" userId="f59fb8f3-a021-417a-8bc1-65c8d471c621" providerId="ADAL" clId="{6AC26564-89E3-E046-BFB4-F80582D7E17B}" dt="2020-01-13T13:43:29.420" v="22"/>
+        <pc:sldMkLst>
+          <pc:docMk/>
+          <pc:sldMk cId="2886319738" sldId="317"/>
+        </pc:sldMkLst>
+      </pc:sldChg>
+      <pc:sldChg chg="del">
+        <pc:chgData name="Long B Nguyen" userId="f59fb8f3-a021-417a-8bc1-65c8d471c621" providerId="ADAL" clId="{6AC26564-89E3-E046-BFB4-F80582D7E17B}" dt="2020-01-13T13:43:16.993" v="0" actId="2696"/>
+        <pc:sldMkLst>
+          <pc:docMk/>
+          <pc:sldMk cId="924617162" sldId="319"/>
+        </pc:sldMkLst>
+      </pc:sldChg>
+      <pc:sldChg chg="add">
+        <pc:chgData name="Long B Nguyen" userId="f59fb8f3-a021-417a-8bc1-65c8d471c621" providerId="ADAL" clId="{6AC26564-89E3-E046-BFB4-F80582D7E17B}" dt="2020-01-13T13:43:29.420" v="22"/>
+        <pc:sldMkLst>
+          <pc:docMk/>
+          <pc:sldMk cId="3906700287" sldId="319"/>
+        </pc:sldMkLst>
+      </pc:sldChg>
+      <pc:sldChg chg="add">
+        <pc:chgData name="Long B Nguyen" userId="f59fb8f3-a021-417a-8bc1-65c8d471c621" providerId="ADAL" clId="{6AC26564-89E3-E046-BFB4-F80582D7E17B}" dt="2020-01-13T13:43:29.420" v="22"/>
+        <pc:sldMkLst>
+          <pc:docMk/>
+          <pc:sldMk cId="1810541734" sldId="320"/>
+        </pc:sldMkLst>
+      </pc:sldChg>
+      <pc:sldChg chg="del">
+        <pc:chgData name="Long B Nguyen" userId="f59fb8f3-a021-417a-8bc1-65c8d471c621" providerId="ADAL" clId="{6AC26564-89E3-E046-BFB4-F80582D7E17B}" dt="2020-01-13T13:43:17.009" v="1" actId="2696"/>
+        <pc:sldMkLst>
+          <pc:docMk/>
+          <pc:sldMk cId="3758830494" sldId="320"/>
+        </pc:sldMkLst>
+      </pc:sldChg>
+      <pc:sldChg chg="del">
+        <pc:chgData name="Long B Nguyen" userId="f59fb8f3-a021-417a-8bc1-65c8d471c621" providerId="ADAL" clId="{6AC26564-89E3-E046-BFB4-F80582D7E17B}" dt="2020-01-13T13:43:17.029" v="2" actId="2696"/>
+        <pc:sldMkLst>
+          <pc:docMk/>
+          <pc:sldMk cId="1022945305" sldId="321"/>
+        </pc:sldMkLst>
+      </pc:sldChg>
+      <pc:sldChg chg="add">
+        <pc:chgData name="Long B Nguyen" userId="f59fb8f3-a021-417a-8bc1-65c8d471c621" providerId="ADAL" clId="{6AC26564-89E3-E046-BFB4-F80582D7E17B}" dt="2020-01-13T13:43:29.420" v="22"/>
+        <pc:sldMkLst>
+          <pc:docMk/>
+          <pc:sldMk cId="1359731776" sldId="321"/>
+        </pc:sldMkLst>
+      </pc:sldChg>
+      <pc:sldChg chg="del">
+        <pc:chgData name="Long B Nguyen" userId="f59fb8f3-a021-417a-8bc1-65c8d471c621" providerId="ADAL" clId="{6AC26564-89E3-E046-BFB4-F80582D7E17B}" dt="2020-01-13T13:43:17.080" v="5" actId="2696"/>
+        <pc:sldMkLst>
+          <pc:docMk/>
+          <pc:sldMk cId="3456840474" sldId="322"/>
+        </pc:sldMkLst>
+      </pc:sldChg>
+      <pc:sldChg chg="add">
+        <pc:chgData name="Long B Nguyen" userId="f59fb8f3-a021-417a-8bc1-65c8d471c621" providerId="ADAL" clId="{6AC26564-89E3-E046-BFB4-F80582D7E17B}" dt="2020-01-13T13:43:29.420" v="22"/>
+        <pc:sldMkLst>
+          <pc:docMk/>
+          <pc:sldMk cId="3651577480" sldId="322"/>
+        </pc:sldMkLst>
+      </pc:sldChg>
+      <pc:sldChg chg="del">
+        <pc:chgData name="Long B Nguyen" userId="f59fb8f3-a021-417a-8bc1-65c8d471c621" providerId="ADAL" clId="{6AC26564-89E3-E046-BFB4-F80582D7E17B}" dt="2020-01-13T13:43:17.097" v="6" actId="2696"/>
+        <pc:sldMkLst>
+          <pc:docMk/>
+          <pc:sldMk cId="1062075874" sldId="323"/>
+        </pc:sldMkLst>
+      </pc:sldChg>
+      <pc:sldChg chg="add">
+        <pc:chgData name="Long B Nguyen" userId="f59fb8f3-a021-417a-8bc1-65c8d471c621" providerId="ADAL" clId="{6AC26564-89E3-E046-BFB4-F80582D7E17B}" dt="2020-01-13T13:43:29.420" v="22"/>
+        <pc:sldMkLst>
+          <pc:docMk/>
+          <pc:sldMk cId="1496564367" sldId="323"/>
+        </pc:sldMkLst>
+      </pc:sldChg>
+      <pc:sldChg chg="add">
+        <pc:chgData name="Long B Nguyen" userId="f59fb8f3-a021-417a-8bc1-65c8d471c621" providerId="ADAL" clId="{6AC26564-89E3-E046-BFB4-F80582D7E17B}" dt="2020-01-13T13:46:19.952" v="88"/>
+        <pc:sldMkLst>
+          <pc:docMk/>
+          <pc:sldMk cId="771866096" sldId="324"/>
+        </pc:sldMkLst>
+      </pc:sldChg>
+      <pc:sldChg chg="del">
+        <pc:chgData name="Long B Nguyen" userId="f59fb8f3-a021-417a-8bc1-65c8d471c621" providerId="ADAL" clId="{6AC26564-89E3-E046-BFB4-F80582D7E17B}" dt="2020-01-13T13:43:17.152" v="9" actId="2696"/>
+        <pc:sldMkLst>
+          <pc:docMk/>
+          <pc:sldMk cId="1310010799" sldId="324"/>
+        </pc:sldMkLst>
+      </pc:sldChg>
+      <pc:sldChg chg="add del">
+        <pc:chgData name="Long B Nguyen" userId="f59fb8f3-a021-417a-8bc1-65c8d471c621" providerId="ADAL" clId="{6AC26564-89E3-E046-BFB4-F80582D7E17B}" dt="2020-01-13T13:46:07.690" v="87" actId="2696"/>
+        <pc:sldMkLst>
+          <pc:docMk/>
+          <pc:sldMk cId="3999804732" sldId="324"/>
+        </pc:sldMkLst>
+      </pc:sldChg>
+      <pc:sldChg chg="add">
+        <pc:chgData name="Long B Nguyen" userId="f59fb8f3-a021-417a-8bc1-65c8d471c621" providerId="ADAL" clId="{6AC26564-89E3-E046-BFB4-F80582D7E17B}" dt="2020-01-13T13:43:29.420" v="22"/>
+        <pc:sldMkLst>
+          <pc:docMk/>
+          <pc:sldMk cId="1025355635" sldId="325"/>
+        </pc:sldMkLst>
+      </pc:sldChg>
+      <pc:sldChg chg="del">
+        <pc:chgData name="Long B Nguyen" userId="f59fb8f3-a021-417a-8bc1-65c8d471c621" providerId="ADAL" clId="{6AC26564-89E3-E046-BFB4-F80582D7E17B}" dt="2020-01-13T13:43:17.177" v="11" actId="2696"/>
+        <pc:sldMkLst>
+          <pc:docMk/>
+          <pc:sldMk cId="3314372952" sldId="325"/>
+        </pc:sldMkLst>
+      </pc:sldChg>
+      <pc:sldChg chg="del">
+        <pc:chgData name="Long B Nguyen" userId="f59fb8f3-a021-417a-8bc1-65c8d471c621" providerId="ADAL" clId="{6AC26564-89E3-E046-BFB4-F80582D7E17B}" dt="2020-01-13T13:43:17.116" v="7" actId="2696"/>
+        <pc:sldMkLst>
+          <pc:docMk/>
+          <pc:sldMk cId="1724104636" sldId="327"/>
+        </pc:sldMkLst>
+      </pc:sldChg>
+      <pc:sldChg chg="add">
+        <pc:chgData name="Long B Nguyen" userId="f59fb8f3-a021-417a-8bc1-65c8d471c621" providerId="ADAL" clId="{6AC26564-89E3-E046-BFB4-F80582D7E17B}" dt="2020-01-13T13:43:29.420" v="22"/>
+        <pc:sldMkLst>
+          <pc:docMk/>
+          <pc:sldMk cId="4174920299" sldId="327"/>
+        </pc:sldMkLst>
+      </pc:sldChg>
+      <pc:sldChg chg="add">
+        <pc:chgData name="Long B Nguyen" userId="f59fb8f3-a021-417a-8bc1-65c8d471c621" providerId="ADAL" clId="{6AC26564-89E3-E046-BFB4-F80582D7E17B}" dt="2020-01-13T13:43:29.420" v="22"/>
+        <pc:sldMkLst>
+          <pc:docMk/>
+          <pc:sldMk cId="2756462650" sldId="328"/>
+        </pc:sldMkLst>
+      </pc:sldChg>
+      <pc:sldChg chg="del">
+        <pc:chgData name="Long B Nguyen" userId="f59fb8f3-a021-417a-8bc1-65c8d471c621" providerId="ADAL" clId="{6AC26564-89E3-E046-BFB4-F80582D7E17B}" dt="2020-01-13T13:43:17.045" v="3" actId="2696"/>
+        <pc:sldMkLst>
+          <pc:docMk/>
+          <pc:sldMk cId="3894299887" sldId="328"/>
+        </pc:sldMkLst>
+      </pc:sldChg>
+      <pc:sldChg chg="add">
+        <pc:chgData name="Long B Nguyen" userId="f59fb8f3-a021-417a-8bc1-65c8d471c621" providerId="ADAL" clId="{6AC26564-89E3-E046-BFB4-F80582D7E17B}" dt="2020-01-13T13:43:29.420" v="22"/>
+        <pc:sldMkLst>
+          <pc:docMk/>
+          <pc:sldMk cId="3080714931" sldId="329"/>
+        </pc:sldMkLst>
+      </pc:sldChg>
+      <pc:sldChg chg="del">
+        <pc:chgData name="Long B Nguyen" userId="f59fb8f3-a021-417a-8bc1-65c8d471c621" providerId="ADAL" clId="{6AC26564-89E3-E046-BFB4-F80582D7E17B}" dt="2020-01-13T13:43:17.064" v="4" actId="2696"/>
+        <pc:sldMkLst>
+          <pc:docMk/>
+          <pc:sldMk cId="4294143140" sldId="329"/>
+        </pc:sldMkLst>
+      </pc:sldChg>
+      <pc:sldChg chg="add">
+        <pc:chgData name="Long B Nguyen" userId="f59fb8f3-a021-417a-8bc1-65c8d471c621" providerId="ADAL" clId="{6AC26564-89E3-E046-BFB4-F80582D7E17B}" dt="2020-01-13T13:43:29.420" v="22"/>
+        <pc:sldMkLst>
+          <pc:docMk/>
+          <pc:sldMk cId="532184546" sldId="330"/>
+        </pc:sldMkLst>
+      </pc:sldChg>
+      <pc:sldChg chg="del">
+        <pc:chgData name="Long B Nguyen" userId="f59fb8f3-a021-417a-8bc1-65c8d471c621" providerId="ADAL" clId="{6AC26564-89E3-E046-BFB4-F80582D7E17B}" dt="2020-01-13T13:43:17.136" v="8" actId="2696"/>
+        <pc:sldMkLst>
+          <pc:docMk/>
+          <pc:sldMk cId="3594730708" sldId="330"/>
+        </pc:sldMkLst>
+      </pc:sldChg>
+      <pc:sldChg chg="add">
+        <pc:chgData name="Long B Nguyen" userId="f59fb8f3-a021-417a-8bc1-65c8d471c621" providerId="ADAL" clId="{6AC26564-89E3-E046-BFB4-F80582D7E17B}" dt="2020-01-13T13:43:29.420" v="22"/>
+        <pc:sldMkLst>
+          <pc:docMk/>
+          <pc:sldMk cId="3264629021" sldId="331"/>
+        </pc:sldMkLst>
+      </pc:sldChg>
+      <pc:sldChg chg="del">
+        <pc:chgData name="Long B Nguyen" userId="f59fb8f3-a021-417a-8bc1-65c8d471c621" providerId="ADAL" clId="{6AC26564-89E3-E046-BFB4-F80582D7E17B}" dt="2020-01-13T13:43:17.188" v="12" actId="2696"/>
+        <pc:sldMkLst>
+          <pc:docMk/>
+          <pc:sldMk cId="3870816631" sldId="331"/>
+        </pc:sldMkLst>
+      </pc:sldChg>
+      <pc:sldChg chg="del">
+        <pc:chgData name="Long B Nguyen" userId="f59fb8f3-a021-417a-8bc1-65c8d471c621" providerId="ADAL" clId="{6AC26564-89E3-E046-BFB4-F80582D7E17B}" dt="2020-01-13T13:43:17.163" v="10" actId="2696"/>
+        <pc:sldMkLst>
+          <pc:docMk/>
+          <pc:sldMk cId="3124353102" sldId="332"/>
+        </pc:sldMkLst>
+      </pc:sldChg>
+      <pc:sldChg chg="add">
+        <pc:chgData name="Long B Nguyen" userId="f59fb8f3-a021-417a-8bc1-65c8d471c621" providerId="ADAL" clId="{6AC26564-89E3-E046-BFB4-F80582D7E17B}" dt="2020-01-13T13:43:29.420" v="22"/>
+        <pc:sldMkLst>
+          <pc:docMk/>
+          <pc:sldMk cId="4022722016" sldId="332"/>
+        </pc:sldMkLst>
+      </pc:sldChg>
+      <pc:sldChg chg="add">
+        <pc:chgData name="Long B Nguyen" userId="f59fb8f3-a021-417a-8bc1-65c8d471c621" providerId="ADAL" clId="{6AC26564-89E3-E046-BFB4-F80582D7E17B}" dt="2020-01-13T13:43:29.420" v="22"/>
+        <pc:sldMkLst>
+          <pc:docMk/>
+          <pc:sldMk cId="1710208723" sldId="333"/>
+        </pc:sldMkLst>
+      </pc:sldChg>
+      <pc:sldChg chg="add">
+        <pc:chgData name="Long B Nguyen" userId="f59fb8f3-a021-417a-8bc1-65c8d471c621" providerId="ADAL" clId="{6AC26564-89E3-E046-BFB4-F80582D7E17B}" dt="2020-01-13T13:43:29.420" v="22"/>
+        <pc:sldMkLst>
+          <pc:docMk/>
+          <pc:sldMk cId="3404583044" sldId="334"/>
+        </pc:sldMkLst>
+      </pc:sldChg>
+      <pc:sldChg chg="add">
+        <pc:chgData name="Long B Nguyen" userId="f59fb8f3-a021-417a-8bc1-65c8d471c621" providerId="ADAL" clId="{6AC26564-89E3-E046-BFB4-F80582D7E17B}" dt="2020-01-13T13:43:29.420" v="22"/>
+        <pc:sldMkLst>
+          <pc:docMk/>
+          <pc:sldMk cId="3866550465" sldId="335"/>
+        </pc:sldMkLst>
+      </pc:sldChg>
+      <pc:sldChg chg="add">
+        <pc:chgData name="Long B Nguyen" userId="f59fb8f3-a021-417a-8bc1-65c8d471c621" providerId="ADAL" clId="{6AC26564-89E3-E046-BFB4-F80582D7E17B}" dt="2020-01-13T13:43:29.420" v="22"/>
+        <pc:sldMkLst>
+          <pc:docMk/>
+          <pc:sldMk cId="3749436800" sldId="336"/>
+        </pc:sldMkLst>
+      </pc:sldChg>
+      <pc:sldChg chg="add">
+        <pc:chgData name="Long B Nguyen" userId="f59fb8f3-a021-417a-8bc1-65c8d471c621" providerId="ADAL" clId="{6AC26564-89E3-E046-BFB4-F80582D7E17B}" dt="2020-01-13T13:43:29.420" v="22"/>
+        <pc:sldMkLst>
+          <pc:docMk/>
+          <pc:sldMk cId="461704868" sldId="337"/>
+        </pc:sldMkLst>
+      </pc:sldChg>
+      <pc:sldChg chg="add">
+        <pc:chgData name="Long B Nguyen" userId="f59fb8f3-a021-417a-8bc1-65c8d471c621" providerId="ADAL" clId="{6AC26564-89E3-E046-BFB4-F80582D7E17B}" dt="2020-01-13T13:43:29.420" v="22"/>
+        <pc:sldMkLst>
+          <pc:docMk/>
+          <pc:sldMk cId="545386500" sldId="338"/>
+        </pc:sldMkLst>
+      </pc:sldChg>
+      <pc:sldChg chg="add">
+        <pc:chgData name="Long B Nguyen" userId="f59fb8f3-a021-417a-8bc1-65c8d471c621" providerId="ADAL" clId="{6AC26564-89E3-E046-BFB4-F80582D7E17B}" dt="2020-01-13T13:43:29.420" v="22"/>
+        <pc:sldMkLst>
+          <pc:docMk/>
+          <pc:sldMk cId="1791361008" sldId="339"/>
+        </pc:sldMkLst>
+      </pc:sldChg>
+      <pc:sldChg chg="add">
+        <pc:chgData name="Long B Nguyen" userId="f59fb8f3-a021-417a-8bc1-65c8d471c621" providerId="ADAL" clId="{6AC26564-89E3-E046-BFB4-F80582D7E17B}" dt="2020-01-13T13:43:29.420" v="22"/>
+        <pc:sldMkLst>
+          <pc:docMk/>
+          <pc:sldMk cId="678299524" sldId="340"/>
+        </pc:sldMkLst>
+      </pc:sldChg>
+      <pc:sldChg chg="add">
+        <pc:chgData name="Long B Nguyen" userId="f59fb8f3-a021-417a-8bc1-65c8d471c621" providerId="ADAL" clId="{6AC26564-89E3-E046-BFB4-F80582D7E17B}" dt="2020-01-13T13:43:29.420" v="22"/>
+        <pc:sldMkLst>
+          <pc:docMk/>
+          <pc:sldMk cId="225127645" sldId="341"/>
+        </pc:sldMkLst>
+      </pc:sldChg>
+      <pc:sldChg chg="add">
+        <pc:chgData name="Long B Nguyen" userId="f59fb8f3-a021-417a-8bc1-65c8d471c621" providerId="ADAL" clId="{6AC26564-89E3-E046-BFB4-F80582D7E17B}" dt="2020-01-13T13:43:29.420" v="22"/>
+        <pc:sldMkLst>
+          <pc:docMk/>
+          <pc:sldMk cId="2214326257" sldId="342"/>
+        </pc:sldMkLst>
+      </pc:sldChg>
+      <pc:sldChg chg="add">
+        <pc:chgData name="Long B Nguyen" userId="f59fb8f3-a021-417a-8bc1-65c8d471c621" providerId="ADAL" clId="{6AC26564-89E3-E046-BFB4-F80582D7E17B}" dt="2020-01-13T13:43:29.420" v="22"/>
+        <pc:sldMkLst>
+          <pc:docMk/>
+          <pc:sldMk cId="1356056044" sldId="343"/>
+        </pc:sldMkLst>
+      </pc:sldChg>
+      <pc:sldChg chg="add">
+        <pc:chgData name="Long B Nguyen" userId="f59fb8f3-a021-417a-8bc1-65c8d471c621" providerId="ADAL" clId="{6AC26564-89E3-E046-BFB4-F80582D7E17B}" dt="2020-01-13T13:43:29.420" v="22"/>
+        <pc:sldMkLst>
+          <pc:docMk/>
+          <pc:sldMk cId="1270247652" sldId="344"/>
+        </pc:sldMkLst>
+      </pc:sldChg>
+      <pc:sldChg chg="add">
+        <pc:chgData name="Long B Nguyen" userId="f59fb8f3-a021-417a-8bc1-65c8d471c621" providerId="ADAL" clId="{6AC26564-89E3-E046-BFB4-F80582D7E17B}" dt="2020-01-13T13:43:29.420" v="22"/>
+        <pc:sldMkLst>
+          <pc:docMk/>
+          <pc:sldMk cId="902308803" sldId="345"/>
+        </pc:sldMkLst>
+      </pc:sldChg>
+      <pc:sldChg chg="add">
+        <pc:chgData name="Long B Nguyen" userId="f59fb8f3-a021-417a-8bc1-65c8d471c621" providerId="ADAL" clId="{6AC26564-89E3-E046-BFB4-F80582D7E17B}" dt="2020-01-13T13:43:29.420" v="22"/>
+        <pc:sldMkLst>
+          <pc:docMk/>
+          <pc:sldMk cId="2271372051" sldId="346"/>
+        </pc:sldMkLst>
+      </pc:sldChg>
+      <pc:sldChg chg="add">
+        <pc:chgData name="Long B Nguyen" userId="f59fb8f3-a021-417a-8bc1-65c8d471c621" providerId="ADAL" clId="{6AC26564-89E3-E046-BFB4-F80582D7E17B}" dt="2020-01-13T13:43:29.420" v="22"/>
+        <pc:sldMkLst>
+          <pc:docMk/>
+          <pc:sldMk cId="198078322" sldId="347"/>
+        </pc:sldMkLst>
+      </pc:sldChg>
+    </pc:docChg>
+  </pc:docChgLst>
+  <pc:docChgLst>
+    <pc:chgData name="Long B Nguyen" userId="f59fb8f3-a021-417a-8bc1-65c8d471c621" providerId="ADAL" clId="{A8EE5DA5-D51E-CA40-BB0F-BADA83A329B2}"/>
+    <pc:docChg chg="modSld">
+      <pc:chgData name="Long B Nguyen" userId="f59fb8f3-a021-417a-8bc1-65c8d471c621" providerId="ADAL" clId="{A8EE5DA5-D51E-CA40-BB0F-BADA83A329B2}" dt="2020-07-23T03:09:55.955" v="14"/>
+      <pc:docMkLst>
+        <pc:docMk/>
+      </pc:docMkLst>
+      <pc:sldChg chg="modSp modAnim">
+        <pc:chgData name="Long B Nguyen" userId="f59fb8f3-a021-417a-8bc1-65c8d471c621" providerId="ADAL" clId="{A8EE5DA5-D51E-CA40-BB0F-BADA83A329B2}" dt="2020-07-23T03:09:55.955" v="14"/>
+        <pc:sldMkLst>
+          <pc:docMk/>
+          <pc:sldMk cId="1454939108" sldId="598"/>
+        </pc:sldMkLst>
+        <pc:spChg chg="mod">
+          <ac:chgData name="Long B Nguyen" userId="f59fb8f3-a021-417a-8bc1-65c8d471c621" providerId="ADAL" clId="{A8EE5DA5-D51E-CA40-BB0F-BADA83A329B2}" dt="2020-07-23T03:09:51.909" v="12" actId="113"/>
+          <ac:spMkLst>
+            <pc:docMk/>
+            <pc:sldMk cId="1454939108" sldId="598"/>
+            <ac:spMk id="16386" creationId="{B58E18ED-8D49-8844-A857-3DC2CAD817CB}"/>
+          </ac:spMkLst>
+        </pc:spChg>
+      </pc:sldChg>
+      <pc:sldChg chg="modSp">
+        <pc:chgData name="Long B Nguyen" userId="f59fb8f3-a021-417a-8bc1-65c8d471c621" providerId="ADAL" clId="{A8EE5DA5-D51E-CA40-BB0F-BADA83A329B2}" dt="2020-07-23T02:40:55.139" v="2" actId="20577"/>
+        <pc:sldMkLst>
+          <pc:docMk/>
+          <pc:sldMk cId="969660236" sldId="601"/>
+        </pc:sldMkLst>
+        <pc:spChg chg="mod">
+          <ac:chgData name="Long B Nguyen" userId="f59fb8f3-a021-417a-8bc1-65c8d471c621" providerId="ADAL" clId="{A8EE5DA5-D51E-CA40-BB0F-BADA83A329B2}" dt="2020-07-23T02:40:55.139" v="2" actId="20577"/>
+          <ac:spMkLst>
+            <pc:docMk/>
+            <pc:sldMk cId="969660236" sldId="601"/>
+            <ac:spMk id="9" creationId="{A4EEE966-90E5-CD43-AFCD-52079A2E1D4C}"/>
+          </ac:spMkLst>
+        </pc:spChg>
+      </pc:sldChg>
+    </pc:docChg>
+  </pc:docChgLst>
+  <pc:docChgLst>
+    <pc:chgData name="Long B Nguyen" userId="f59fb8f3-a021-417a-8bc1-65c8d471c621" providerId="ADAL" clId="{4BE6A6D3-80E1-E648-9A65-3053C53C3489}"/>
+    <pc:docChg chg="addSld delSld modSld">
+      <pc:chgData name="Long B Nguyen" userId="f59fb8f3-a021-417a-8bc1-65c8d471c621" providerId="ADAL" clId="{4BE6A6D3-80E1-E648-9A65-3053C53C3489}" dt="2020-01-13T13:50:20.439" v="74" actId="2696"/>
+      <pc:docMkLst>
+        <pc:docMk/>
+      </pc:docMkLst>
+      <pc:sldChg chg="modSp">
+        <pc:chgData name="Long B Nguyen" userId="f59fb8f3-a021-417a-8bc1-65c8d471c621" providerId="ADAL" clId="{4BE6A6D3-80E1-E648-9A65-3053C53C3489}" dt="2020-01-13T13:50:08.533" v="40" actId="20577"/>
+        <pc:sldMkLst>
+          <pc:docMk/>
+          <pc:sldMk cId="4247104139" sldId="256"/>
+        </pc:sldMkLst>
+        <pc:spChg chg="mod">
+          <ac:chgData name="Long B Nguyen" userId="f59fb8f3-a021-417a-8bc1-65c8d471c621" providerId="ADAL" clId="{4BE6A6D3-80E1-E648-9A65-3053C53C3489}" dt="2020-01-13T13:50:08.533" v="40" actId="20577"/>
+          <ac:spMkLst>
+            <pc:docMk/>
+            <pc:sldMk cId="4247104139" sldId="256"/>
+            <ac:spMk id="3" creationId="{1BDC47C8-6776-7B44-9CD4-95FC91452D62}"/>
+          </ac:spMkLst>
+        </pc:spChg>
+      </pc:sldChg>
+      <pc:sldChg chg="del">
+        <pc:chgData name="Long B Nguyen" userId="f59fb8f3-a021-417a-8bc1-65c8d471c621" providerId="ADAL" clId="{4BE6A6D3-80E1-E648-9A65-3053C53C3489}" dt="2020-01-13T13:50:20.439" v="74" actId="2696"/>
+        <pc:sldMkLst>
+          <pc:docMk/>
+          <pc:sldMk cId="1758448129" sldId="309"/>
+        </pc:sldMkLst>
+      </pc:sldChg>
+      <pc:sldChg chg="del">
+        <pc:chgData name="Long B Nguyen" userId="f59fb8f3-a021-417a-8bc1-65c8d471c621" providerId="ADAL" clId="{4BE6A6D3-80E1-E648-9A65-3053C53C3489}" dt="2020-01-13T13:50:12.196" v="42" actId="2696"/>
+        <pc:sldMkLst>
+          <pc:docMk/>
+          <pc:sldMk cId="3947558204" sldId="313"/>
+        </pc:sldMkLst>
+      </pc:sldChg>
+      <pc:sldChg chg="del">
+        <pc:chgData name="Long B Nguyen" userId="f59fb8f3-a021-417a-8bc1-65c8d471c621" providerId="ADAL" clId="{4BE6A6D3-80E1-E648-9A65-3053C53C3489}" dt="2020-01-13T13:50:19.961" v="43" actId="2696"/>
+        <pc:sldMkLst>
+          <pc:docMk/>
+          <pc:sldMk cId="2054265466" sldId="314"/>
+        </pc:sldMkLst>
+      </pc:sldChg>
+      <pc:sldChg chg="del">
+        <pc:chgData name="Long B Nguyen" userId="f59fb8f3-a021-417a-8bc1-65c8d471c621" providerId="ADAL" clId="{4BE6A6D3-80E1-E648-9A65-3053C53C3489}" dt="2020-01-13T13:50:19.999" v="45" actId="2696"/>
+        <pc:sldMkLst>
+          <pc:docMk/>
+          <pc:sldMk cId="917461937" sldId="315"/>
+        </pc:sldMkLst>
+      </pc:sldChg>
+      <pc:sldChg chg="del">
+        <pc:chgData name="Long B Nguyen" userId="f59fb8f3-a021-417a-8bc1-65c8d471c621" providerId="ADAL" clId="{4BE6A6D3-80E1-E648-9A65-3053C53C3489}" dt="2020-01-13T13:50:20.011" v="46" actId="2696"/>
+        <pc:sldMkLst>
+          <pc:docMk/>
+          <pc:sldMk cId="3266234076" sldId="316"/>
+        </pc:sldMkLst>
+      </pc:sldChg>
+      <pc:sldChg chg="del">
+        <pc:chgData name="Long B Nguyen" userId="f59fb8f3-a021-417a-8bc1-65c8d471c621" providerId="ADAL" clId="{4BE6A6D3-80E1-E648-9A65-3053C53C3489}" dt="2020-01-13T13:50:19.977" v="44" actId="2696"/>
+        <pc:sldMkLst>
+          <pc:docMk/>
+          <pc:sldMk cId="2886319738" sldId="317"/>
+        </pc:sldMkLst>
+      </pc:sldChg>
+      <pc:sldChg chg="del">
+        <pc:chgData name="Long B Nguyen" userId="f59fb8f3-a021-417a-8bc1-65c8d471c621" providerId="ADAL" clId="{4BE6A6D3-80E1-E648-9A65-3053C53C3489}" dt="2020-01-13T13:50:20.047" v="48" actId="2696"/>
+        <pc:sldMkLst>
+          <pc:docMk/>
+          <pc:sldMk cId="3906700287" sldId="319"/>
+        </pc:sldMkLst>
+      </pc:sldChg>
+      <pc:sldChg chg="del">
+        <pc:chgData name="Long B Nguyen" userId="f59fb8f3-a021-417a-8bc1-65c8d471c621" providerId="ADAL" clId="{4BE6A6D3-80E1-E648-9A65-3053C53C3489}" dt="2020-01-13T13:50:20.082" v="50" actId="2696"/>
+        <pc:sldMkLst>
+          <pc:docMk/>
+          <pc:sldMk cId="1810541734" sldId="320"/>
+        </pc:sldMkLst>
+      </pc:sldChg>
+      <pc:sldChg chg="del">
+        <pc:chgData name="Long B Nguyen" userId="f59fb8f3-a021-417a-8bc1-65c8d471c621" providerId="ADAL" clId="{4BE6A6D3-80E1-E648-9A65-3053C53C3489}" dt="2020-01-13T13:50:20.093" v="51" actId="2696"/>
+        <pc:sldMkLst>
+          <pc:docMk/>
+          <pc:sldMk cId="1359731776" sldId="321"/>
+        </pc:sldMkLst>
+      </pc:sldChg>
+      <pc:sldChg chg="del">
+        <pc:chgData name="Long B Nguyen" userId="f59fb8f3-a021-417a-8bc1-65c8d471c621" providerId="ADAL" clId="{4BE6A6D3-80E1-E648-9A65-3053C53C3489}" dt="2020-01-13T13:50:20.107" v="52" actId="2696"/>
+        <pc:sldMkLst>
+          <pc:docMk/>
+          <pc:sldMk cId="3651577480" sldId="322"/>
+        </pc:sldMkLst>
+      </pc:sldChg>
+      <pc:sldChg chg="del">
+        <pc:chgData name="Long B Nguyen" userId="f59fb8f3-a021-417a-8bc1-65c8d471c621" providerId="ADAL" clId="{4BE6A6D3-80E1-E648-9A65-3053C53C3489}" dt="2020-01-13T13:50:20.069" v="49" actId="2696"/>
+        <pc:sldMkLst>
+          <pc:docMk/>
+          <pc:sldMk cId="1496564367" sldId="323"/>
+        </pc:sldMkLst>
+      </pc:sldChg>
+      <pc:sldChg chg="del">
+        <pc:chgData name="Long B Nguyen" userId="f59fb8f3-a021-417a-8bc1-65c8d471c621" providerId="ADAL" clId="{4BE6A6D3-80E1-E648-9A65-3053C53C3489}" dt="2020-01-13T13:50:20.420" v="73" actId="2696"/>
+        <pc:sldMkLst>
+          <pc:docMk/>
+          <pc:sldMk cId="771866096" sldId="324"/>
+        </pc:sldMkLst>
+      </pc:sldChg>
+      <pc:sldChg chg="del">
+        <pc:chgData name="Long B Nguyen" userId="f59fb8f3-a021-417a-8bc1-65c8d471c621" providerId="ADAL" clId="{4BE6A6D3-80E1-E648-9A65-3053C53C3489}" dt="2020-01-13T13:50:20.162" v="56" actId="2696"/>
+        <pc:sldMkLst>
+          <pc:docMk/>
+          <pc:sldMk cId="1025355635" sldId="325"/>
+        </pc:sldMkLst>
+      </pc:sldChg>
+      <pc:sldChg chg="del">
+        <pc:chgData name="Long B Nguyen" userId="f59fb8f3-a021-417a-8bc1-65c8d471c621" providerId="ADAL" clId="{4BE6A6D3-80E1-E648-9A65-3053C53C3489}" dt="2020-01-13T13:50:20.149" v="55" actId="2696"/>
+        <pc:sldMkLst>
+          <pc:docMk/>
+          <pc:sldMk cId="4174920299" sldId="327"/>
+        </pc:sldMkLst>
+      </pc:sldChg>
+      <pc:sldChg chg="del">
+        <pc:chgData name="Long B Nguyen" userId="f59fb8f3-a021-417a-8bc1-65c8d471c621" providerId="ADAL" clId="{4BE6A6D3-80E1-E648-9A65-3053C53C3489}" dt="2020-01-13T13:50:20.176" v="57" actId="2696"/>
+        <pc:sldMkLst>
+          <pc:docMk/>
+          <pc:sldMk cId="2756462650" sldId="328"/>
+        </pc:sldMkLst>
+      </pc:sldChg>
+      <pc:sldChg chg="del">
+        <pc:chgData name="Long B Nguyen" userId="f59fb8f3-a021-417a-8bc1-65c8d471c621" providerId="ADAL" clId="{4BE6A6D3-80E1-E648-9A65-3053C53C3489}" dt="2020-01-13T13:50:20.191" v="58" actId="2696"/>
+        <pc:sldMkLst>
+          <pc:docMk/>
+          <pc:sldMk cId="3080714931" sldId="329"/>
+        </pc:sldMkLst>
+      </pc:sldChg>
+      <pc:sldChg chg="del">
+        <pc:chgData name="Long B Nguyen" userId="f59fb8f3-a021-417a-8bc1-65c8d471c621" providerId="ADAL" clId="{4BE6A6D3-80E1-E648-9A65-3053C53C3489}" dt="2020-01-13T13:50:20.204" v="59" actId="2696"/>
+        <pc:sldMkLst>
+          <pc:docMk/>
+          <pc:sldMk cId="532184546" sldId="330"/>
+        </pc:sldMkLst>
+      </pc:sldChg>
+      <pc:sldChg chg="del">
+        <pc:chgData name="Long B Nguyen" userId="f59fb8f3-a021-417a-8bc1-65c8d471c621" providerId="ADAL" clId="{4BE6A6D3-80E1-E648-9A65-3053C53C3489}" dt="2020-01-13T13:50:20.219" v="60" actId="2696"/>
+        <pc:sldMkLst>
+          <pc:docMk/>
+          <pc:sldMk cId="3264629021" sldId="331"/>
+        </pc:sldMkLst>
+      </pc:sldChg>
+      <pc:sldChg chg="del">
+        <pc:chgData name="Long B Nguyen" userId="f59fb8f3-a021-417a-8bc1-65c8d471c621" providerId="ADAL" clId="{4BE6A6D3-80E1-E648-9A65-3053C53C3489}" dt="2020-01-13T13:50:20.261" v="63" actId="2696"/>
+        <pc:sldMkLst>
+          <pc:docMk/>
+          <pc:sldMk cId="4022722016" sldId="332"/>
+        </pc:sldMkLst>
+      </pc:sldChg>
+      <pc:sldChg chg="del">
+        <pc:chgData name="Long B Nguyen" userId="f59fb8f3-a021-417a-8bc1-65c8d471c621" providerId="ADAL" clId="{4BE6A6D3-80E1-E648-9A65-3053C53C3489}" dt="2020-01-13T13:50:20.283" v="64" actId="2696"/>
+        <pc:sldMkLst>
+          <pc:docMk/>
+          <pc:sldMk cId="1710208723" sldId="333"/>
+        </pc:sldMkLst>
+      </pc:sldChg>
+      <pc:sldChg chg="del">
+        <pc:chgData name="Long B Nguyen" userId="f59fb8f3-a021-417a-8bc1-65c8d471c621" providerId="ADAL" clId="{4BE6A6D3-80E1-E648-9A65-3053C53C3489}" dt="2020-01-13T13:50:20.251" v="62" actId="2696"/>
+        <pc:sldMkLst>
+          <pc:docMk/>
+          <pc:sldMk cId="3404583044" sldId="334"/>
+        </pc:sldMkLst>
+      </pc:sldChg>
+      <pc:sldChg chg="del">
+        <pc:chgData name="Long B Nguyen" userId="f59fb8f3-a021-417a-8bc1-65c8d471c621" providerId="ADAL" clId="{4BE6A6D3-80E1-E648-9A65-3053C53C3489}" dt="2020-01-13T13:50:20.304" v="65" actId="2696"/>
+        <pc:sldMkLst>
+          <pc:docMk/>
+          <pc:sldMk cId="3866550465" sldId="335"/>
+        </pc:sldMkLst>
+      </pc:sldChg>
+      <pc:sldChg chg="del">
+        <pc:chgData name="Long B Nguyen" userId="f59fb8f3-a021-417a-8bc1-65c8d471c621" providerId="ADAL" clId="{4BE6A6D3-80E1-E648-9A65-3053C53C3489}" dt="2020-01-13T13:50:20.324" v="66" actId="2696"/>
+        <pc:sldMkLst>
+          <pc:docMk/>
+          <pc:sldMk cId="3749436800" sldId="336"/>
+        </pc:sldMkLst>
+      </pc:sldChg>
+      <pc:sldChg chg="del">
+        <pc:chgData name="Long B Nguyen" userId="f59fb8f3-a021-417a-8bc1-65c8d471c621" providerId="ADAL" clId="{4BE6A6D3-80E1-E648-9A65-3053C53C3489}" dt="2020-01-13T13:50:20.336" v="67" actId="2696"/>
+        <pc:sldMkLst>
+          <pc:docMk/>
+          <pc:sldMk cId="461704868" sldId="337"/>
+        </pc:sldMkLst>
+      </pc:sldChg>
+      <pc:sldChg chg="del">
+        <pc:chgData name="Long B Nguyen" userId="f59fb8f3-a021-417a-8bc1-65c8d471c621" providerId="ADAL" clId="{4BE6A6D3-80E1-E648-9A65-3053C53C3489}" dt="2020-01-13T13:50:20.351" v="68" actId="2696"/>
+        <pc:sldMkLst>
+          <pc:docMk/>
+          <pc:sldMk cId="545386500" sldId="338"/>
+        </pc:sldMkLst>
+      </pc:sldChg>
+      <pc:sldChg chg="del">
+        <pc:chgData name="Long B Nguyen" userId="f59fb8f3-a021-417a-8bc1-65c8d471c621" providerId="ADAL" clId="{4BE6A6D3-80E1-E648-9A65-3053C53C3489}" dt="2020-01-13T13:50:20.380" v="70" actId="2696"/>
+        <pc:sldMkLst>
+          <pc:docMk/>
+          <pc:sldMk cId="1791361008" sldId="339"/>
+        </pc:sldMkLst>
+      </pc:sldChg>
+      <pc:sldChg chg="del">
+        <pc:chgData name="Long B Nguyen" userId="f59fb8f3-a021-417a-8bc1-65c8d471c621" providerId="ADAL" clId="{4BE6A6D3-80E1-E648-9A65-3053C53C3489}" dt="2020-01-13T13:50:20.367" v="69" actId="2696"/>
+        <pc:sldMkLst>
+          <pc:docMk/>
+          <pc:sldMk cId="678299524" sldId="340"/>
+        </pc:sldMkLst>
+      </pc:sldChg>
+      <pc:sldChg chg="del">
+        <pc:chgData name="Long B Nguyen" userId="f59fb8f3-a021-417a-8bc1-65c8d471c621" providerId="ADAL" clId="{4BE6A6D3-80E1-E648-9A65-3053C53C3489}" dt="2020-01-13T13:50:20.393" v="71" actId="2696"/>
+        <pc:sldMkLst>
+          <pc:docMk/>
+          <pc:sldMk cId="225127645" sldId="341"/>
+        </pc:sldMkLst>
+      </pc:sldChg>
+      <pc:sldChg chg="del">
+        <pc:chgData name="Long B Nguyen" userId="f59fb8f3-a021-417a-8bc1-65c8d471c621" providerId="ADAL" clId="{4BE6A6D3-80E1-E648-9A65-3053C53C3489}" dt="2020-01-13T13:50:20.133" v="54" actId="2696"/>
+        <pc:sldMkLst>
+          <pc:docMk/>
+          <pc:sldMk cId="2214326257" sldId="342"/>
+        </pc:sldMkLst>
+      </pc:sldChg>
+      <pc:sldChg chg="del">
+        <pc:chgData name="Long B Nguyen" userId="f59fb8f3-a021-417a-8bc1-65c8d471c621" providerId="ADAL" clId="{4BE6A6D3-80E1-E648-9A65-3053C53C3489}" dt="2020-01-13T13:50:20.121" v="53" actId="2696"/>
+        <pc:sldMkLst>
+          <pc:docMk/>
+          <pc:sldMk cId="1356056044" sldId="343"/>
+        </pc:sldMkLst>
+      </pc:sldChg>
+      <pc:sldChg chg="del">
+        <pc:chgData name="Long B Nguyen" userId="f59fb8f3-a021-417a-8bc1-65c8d471c621" providerId="ADAL" clId="{4BE6A6D3-80E1-E648-9A65-3053C53C3489}" dt="2020-01-13T13:50:20.028" v="47" actId="2696"/>
+        <pc:sldMkLst>
+          <pc:docMk/>
+          <pc:sldMk cId="902308803" sldId="345"/>
+        </pc:sldMkLst>
+      </pc:sldChg>
+      <pc:sldChg chg="del">
+        <pc:chgData name="Long B Nguyen" userId="f59fb8f3-a021-417a-8bc1-65c8d471c621" providerId="ADAL" clId="{4BE6A6D3-80E1-E648-9A65-3053C53C3489}" dt="2020-01-13T13:50:20.235" v="61" actId="2696"/>
+        <pc:sldMkLst>
+          <pc:docMk/>
+          <pc:sldMk cId="2271372051" sldId="346"/>
+        </pc:sldMkLst>
+      </pc:sldChg>
+      <pc:sldChg chg="del">
+        <pc:chgData name="Long B Nguyen" userId="f59fb8f3-a021-417a-8bc1-65c8d471c621" providerId="ADAL" clId="{4BE6A6D3-80E1-E648-9A65-3053C53C3489}" dt="2020-01-13T13:50:20.403" v="72" actId="2696"/>
+        <pc:sldMkLst>
+          <pc:docMk/>
+          <pc:sldMk cId="198078322" sldId="347"/>
+        </pc:sldMkLst>
+      </pc:sldChg>
+      <pc:sldChg chg="add">
+        <pc:chgData name="Long B Nguyen" userId="f59fb8f3-a021-417a-8bc1-65c8d471c621" providerId="ADAL" clId="{4BE6A6D3-80E1-E648-9A65-3053C53C3489}" dt="2020-01-13T13:50:10.483" v="41"/>
+        <pc:sldMkLst>
+          <pc:docMk/>
+          <pc:sldMk cId="2218591065" sldId="348"/>
+        </pc:sldMkLst>
+      </pc:sldChg>
+      <pc:sldChg chg="add">
+        <pc:chgData name="Long B Nguyen" userId="f59fb8f3-a021-417a-8bc1-65c8d471c621" providerId="ADAL" clId="{4BE6A6D3-80E1-E648-9A65-3053C53C3489}" dt="2020-01-13T13:50:10.483" v="41"/>
+        <pc:sldMkLst>
+          <pc:docMk/>
+          <pc:sldMk cId="2191981710" sldId="349"/>
+        </pc:sldMkLst>
+      </pc:sldChg>
+    </pc:docChg>
+  </pc:docChgLst>
+  <pc:docChgLst>
     <pc:chgData name="Long B Nguyen" userId="f59fb8f3-a021-417a-8bc1-65c8d471c621" providerId="ADAL" clId="{CC9C9D9A-5149-2947-86C0-576F501F60DC}"/>
     <pc:docChg chg="addSld modSld">
       <pc:chgData name="Long B Nguyen" userId="f59fb8f3-a021-417a-8bc1-65c8d471c621" providerId="ADAL" clId="{CC9C9D9A-5149-2947-86C0-576F501F60DC}" dt="2020-01-05T21:59:55.597" v="2392" actId="14100"/>
@@ -1903,10 +1585,357 @@
     </pc:docChg>
   </pc:docChgLst>
   <pc:docChgLst>
-    <pc:chgData name="Long B Nguyen" userId="f59fb8f3-a021-417a-8bc1-65c8d471c621" providerId="ADAL" clId="{6CD83B71-C243-244B-B302-DE2E82069201}"/>
+    <pc:chgData name="Long B Nguyen" userId="f59fb8f3-a021-417a-8bc1-65c8d471c621" providerId="ADAL" clId="{AA9102B5-DACA-D841-B260-AEEBF90FC60A}"/>
+    <pc:docChg chg="custSel addSld delSld modSld">
+      <pc:chgData name="Long B Nguyen" userId="f59fb8f3-a021-417a-8bc1-65c8d471c621" providerId="ADAL" clId="{AA9102B5-DACA-D841-B260-AEEBF90FC60A}" dt="2020-01-06T17:07:10.515" v="1519" actId="2711"/>
+      <pc:docMkLst>
+        <pc:docMk/>
+      </pc:docMkLst>
+      <pc:sldChg chg="modSp">
+        <pc:chgData name="Long B Nguyen" userId="f59fb8f3-a021-417a-8bc1-65c8d471c621" providerId="ADAL" clId="{AA9102B5-DACA-D841-B260-AEEBF90FC60A}" dt="2020-01-05T22:05:23.536" v="23" actId="20577"/>
+        <pc:sldMkLst>
+          <pc:docMk/>
+          <pc:sldMk cId="4247104139" sldId="256"/>
+        </pc:sldMkLst>
+        <pc:spChg chg="mod">
+          <ac:chgData name="Long B Nguyen" userId="f59fb8f3-a021-417a-8bc1-65c8d471c621" providerId="ADAL" clId="{AA9102B5-DACA-D841-B260-AEEBF90FC60A}" dt="2020-01-05T22:05:23.536" v="23" actId="20577"/>
+          <ac:spMkLst>
+            <pc:docMk/>
+            <pc:sldMk cId="4247104139" sldId="256"/>
+            <ac:spMk id="3" creationId="{1BDC47C8-6776-7B44-9CD4-95FC91452D62}"/>
+          </ac:spMkLst>
+        </pc:spChg>
+      </pc:sldChg>
+      <pc:sldChg chg="del">
+        <pc:chgData name="Long B Nguyen" userId="f59fb8f3-a021-417a-8bc1-65c8d471c621" providerId="ADAL" clId="{AA9102B5-DACA-D841-B260-AEEBF90FC60A}" dt="2020-01-05T22:05:52.483" v="41" actId="2696"/>
+        <pc:sldMkLst>
+          <pc:docMk/>
+          <pc:sldMk cId="1438711869" sldId="284"/>
+        </pc:sldMkLst>
+      </pc:sldChg>
+      <pc:sldChg chg="del">
+        <pc:chgData name="Long B Nguyen" userId="f59fb8f3-a021-417a-8bc1-65c8d471c621" providerId="ADAL" clId="{AA9102B5-DACA-D841-B260-AEEBF90FC60A}" dt="2020-01-05T22:05:52.199" v="24" actId="2696"/>
+        <pc:sldMkLst>
+          <pc:docMk/>
+          <pc:sldMk cId="131840209" sldId="286"/>
+        </pc:sldMkLst>
+      </pc:sldChg>
+      <pc:sldChg chg="del">
+        <pc:chgData name="Long B Nguyen" userId="f59fb8f3-a021-417a-8bc1-65c8d471c621" providerId="ADAL" clId="{AA9102B5-DACA-D841-B260-AEEBF90FC60A}" dt="2020-01-05T22:05:52.214" v="25" actId="2696"/>
+        <pc:sldMkLst>
+          <pc:docMk/>
+          <pc:sldMk cId="1816941262" sldId="295"/>
+        </pc:sldMkLst>
+      </pc:sldChg>
+      <pc:sldChg chg="del">
+        <pc:chgData name="Long B Nguyen" userId="f59fb8f3-a021-417a-8bc1-65c8d471c621" providerId="ADAL" clId="{AA9102B5-DACA-D841-B260-AEEBF90FC60A}" dt="2020-01-05T22:05:52.246" v="27" actId="2696"/>
+        <pc:sldMkLst>
+          <pc:docMk/>
+          <pc:sldMk cId="553003360" sldId="296"/>
+        </pc:sldMkLst>
+      </pc:sldChg>
+      <pc:sldChg chg="del">
+        <pc:chgData name="Long B Nguyen" userId="f59fb8f3-a021-417a-8bc1-65c8d471c621" providerId="ADAL" clId="{AA9102B5-DACA-D841-B260-AEEBF90FC60A}" dt="2020-01-05T22:05:52.268" v="28" actId="2696"/>
+        <pc:sldMkLst>
+          <pc:docMk/>
+          <pc:sldMk cId="3006175481" sldId="297"/>
+        </pc:sldMkLst>
+      </pc:sldChg>
+      <pc:sldChg chg="del">
+        <pc:chgData name="Long B Nguyen" userId="f59fb8f3-a021-417a-8bc1-65c8d471c621" providerId="ADAL" clId="{AA9102B5-DACA-D841-B260-AEEBF90FC60A}" dt="2020-01-05T22:05:52.287" v="29" actId="2696"/>
+        <pc:sldMkLst>
+          <pc:docMk/>
+          <pc:sldMk cId="3150557076" sldId="298"/>
+        </pc:sldMkLst>
+      </pc:sldChg>
+      <pc:sldChg chg="del">
+        <pc:chgData name="Long B Nguyen" userId="f59fb8f3-a021-417a-8bc1-65c8d471c621" providerId="ADAL" clId="{AA9102B5-DACA-D841-B260-AEEBF90FC60A}" dt="2020-01-05T22:05:52.442" v="38" actId="2696"/>
+        <pc:sldMkLst>
+          <pc:docMk/>
+          <pc:sldMk cId="128704095" sldId="302"/>
+        </pc:sldMkLst>
+      </pc:sldChg>
+      <pc:sldChg chg="del">
+        <pc:chgData name="Long B Nguyen" userId="f59fb8f3-a021-417a-8bc1-65c8d471c621" providerId="ADAL" clId="{AA9102B5-DACA-D841-B260-AEEBF90FC60A}" dt="2020-01-05T22:05:52.305" v="30" actId="2696"/>
+        <pc:sldMkLst>
+          <pc:docMk/>
+          <pc:sldMk cId="3275945509" sldId="303"/>
+        </pc:sldMkLst>
+      </pc:sldChg>
+      <pc:sldChg chg="del">
+        <pc:chgData name="Long B Nguyen" userId="f59fb8f3-a021-417a-8bc1-65c8d471c621" providerId="ADAL" clId="{AA9102B5-DACA-D841-B260-AEEBF90FC60A}" dt="2020-01-05T22:05:52.321" v="31" actId="2696"/>
+        <pc:sldMkLst>
+          <pc:docMk/>
+          <pc:sldMk cId="406772024" sldId="304"/>
+        </pc:sldMkLst>
+      </pc:sldChg>
+      <pc:sldChg chg="del">
+        <pc:chgData name="Long B Nguyen" userId="f59fb8f3-a021-417a-8bc1-65c8d471c621" providerId="ADAL" clId="{AA9102B5-DACA-D841-B260-AEEBF90FC60A}" dt="2020-01-05T22:05:52.334" v="32" actId="2696"/>
+        <pc:sldMkLst>
+          <pc:docMk/>
+          <pc:sldMk cId="1703902501" sldId="305"/>
+        </pc:sldMkLst>
+      </pc:sldChg>
+      <pc:sldChg chg="del">
+        <pc:chgData name="Long B Nguyen" userId="f59fb8f3-a021-417a-8bc1-65c8d471c621" providerId="ADAL" clId="{AA9102B5-DACA-D841-B260-AEEBF90FC60A}" dt="2020-01-05T22:05:52.461" v="39" actId="2696"/>
+        <pc:sldMkLst>
+          <pc:docMk/>
+          <pc:sldMk cId="3614829039" sldId="306"/>
+        </pc:sldMkLst>
+      </pc:sldChg>
+      <pc:sldChg chg="del">
+        <pc:chgData name="Long B Nguyen" userId="f59fb8f3-a021-417a-8bc1-65c8d471c621" providerId="ADAL" clId="{AA9102B5-DACA-D841-B260-AEEBF90FC60A}" dt="2020-01-05T22:05:52.471" v="40" actId="2696"/>
+        <pc:sldMkLst>
+          <pc:docMk/>
+          <pc:sldMk cId="295911327" sldId="307"/>
+        </pc:sldMkLst>
+      </pc:sldChg>
+      <pc:sldChg chg="del">
+        <pc:chgData name="Long B Nguyen" userId="f59fb8f3-a021-417a-8bc1-65c8d471c621" providerId="ADAL" clId="{AA9102B5-DACA-D841-B260-AEEBF90FC60A}" dt="2020-01-05T22:05:52.353" v="33" actId="2696"/>
+        <pc:sldMkLst>
+          <pc:docMk/>
+          <pc:sldMk cId="67957925" sldId="308"/>
+        </pc:sldMkLst>
+      </pc:sldChg>
+      <pc:sldChg chg="del">
+        <pc:chgData name="Long B Nguyen" userId="f59fb8f3-a021-417a-8bc1-65c8d471c621" providerId="ADAL" clId="{AA9102B5-DACA-D841-B260-AEEBF90FC60A}" dt="2020-01-05T22:05:52.365" v="34" actId="2696"/>
+        <pc:sldMkLst>
+          <pc:docMk/>
+          <pc:sldMk cId="1872435103" sldId="309"/>
+        </pc:sldMkLst>
+      </pc:sldChg>
+      <pc:sldChg chg="del">
+        <pc:chgData name="Long B Nguyen" userId="f59fb8f3-a021-417a-8bc1-65c8d471c621" providerId="ADAL" clId="{AA9102B5-DACA-D841-B260-AEEBF90FC60A}" dt="2020-01-05T22:05:52.385" v="35" actId="2696"/>
+        <pc:sldMkLst>
+          <pc:docMk/>
+          <pc:sldMk cId="4088965571" sldId="310"/>
+        </pc:sldMkLst>
+      </pc:sldChg>
+      <pc:sldChg chg="del">
+        <pc:chgData name="Long B Nguyen" userId="f59fb8f3-a021-417a-8bc1-65c8d471c621" providerId="ADAL" clId="{AA9102B5-DACA-D841-B260-AEEBF90FC60A}" dt="2020-01-05T22:05:52.404" v="36" actId="2696"/>
+        <pc:sldMkLst>
+          <pc:docMk/>
+          <pc:sldMk cId="2255846137" sldId="311"/>
+        </pc:sldMkLst>
+      </pc:sldChg>
+      <pc:sldChg chg="del">
+        <pc:chgData name="Long B Nguyen" userId="f59fb8f3-a021-417a-8bc1-65c8d471c621" providerId="ADAL" clId="{AA9102B5-DACA-D841-B260-AEEBF90FC60A}" dt="2020-01-05T22:05:52.423" v="37" actId="2696"/>
+        <pc:sldMkLst>
+          <pc:docMk/>
+          <pc:sldMk cId="1513627164" sldId="312"/>
+        </pc:sldMkLst>
+      </pc:sldChg>
+      <pc:sldChg chg="del">
+        <pc:chgData name="Long B Nguyen" userId="f59fb8f3-a021-417a-8bc1-65c8d471c621" providerId="ADAL" clId="{AA9102B5-DACA-D841-B260-AEEBF90FC60A}" dt="2020-01-05T22:05:52.231" v="26" actId="2696"/>
+        <pc:sldMkLst>
+          <pc:docMk/>
+          <pc:sldMk cId="2097059918" sldId="313"/>
+        </pc:sldMkLst>
+      </pc:sldChg>
+      <pc:sldChg chg="modSp">
+        <pc:chgData name="Long B Nguyen" userId="f59fb8f3-a021-417a-8bc1-65c8d471c621" providerId="ADAL" clId="{AA9102B5-DACA-D841-B260-AEEBF90FC60A}" dt="2020-01-06T15:37:30.346" v="948" actId="20577"/>
+        <pc:sldMkLst>
+          <pc:docMk/>
+          <pc:sldMk cId="1452600724" sldId="316"/>
+        </pc:sldMkLst>
+        <pc:spChg chg="mod">
+          <ac:chgData name="Long B Nguyen" userId="f59fb8f3-a021-417a-8bc1-65c8d471c621" providerId="ADAL" clId="{AA9102B5-DACA-D841-B260-AEEBF90FC60A}" dt="2020-01-06T15:37:30.346" v="948" actId="20577"/>
+          <ac:spMkLst>
+            <pc:docMk/>
+            <pc:sldMk cId="1452600724" sldId="316"/>
+            <ac:spMk id="9" creationId="{E3B2E017-30B2-884B-A113-B419A2ED51AD}"/>
+          </ac:spMkLst>
+        </pc:spChg>
+      </pc:sldChg>
+      <pc:sldChg chg="del">
+        <pc:chgData name="Long B Nguyen" userId="f59fb8f3-a021-417a-8bc1-65c8d471c621" providerId="ADAL" clId="{AA9102B5-DACA-D841-B260-AEEBF90FC60A}" dt="2020-01-06T15:03:11.354" v="848" actId="2696"/>
+        <pc:sldMkLst>
+          <pc:docMk/>
+          <pc:sldMk cId="1787114790" sldId="317"/>
+        </pc:sldMkLst>
+      </pc:sldChg>
+      <pc:sldChg chg="del">
+        <pc:chgData name="Long B Nguyen" userId="f59fb8f3-a021-417a-8bc1-65c8d471c621" providerId="ADAL" clId="{AA9102B5-DACA-D841-B260-AEEBF90FC60A}" dt="2020-01-05T22:06:12.101" v="42" actId="2696"/>
+        <pc:sldMkLst>
+          <pc:docMk/>
+          <pc:sldMk cId="1215229427" sldId="318"/>
+        </pc:sldMkLst>
+      </pc:sldChg>
+      <pc:sldChg chg="modSp">
+        <pc:chgData name="Long B Nguyen" userId="f59fb8f3-a021-417a-8bc1-65c8d471c621" providerId="ADAL" clId="{AA9102B5-DACA-D841-B260-AEEBF90FC60A}" dt="2020-01-06T01:48:03.413" v="110" actId="20577"/>
+        <pc:sldMkLst>
+          <pc:docMk/>
+          <pc:sldMk cId="924617162" sldId="319"/>
+        </pc:sldMkLst>
+        <pc:spChg chg="mod">
+          <ac:chgData name="Long B Nguyen" userId="f59fb8f3-a021-417a-8bc1-65c8d471c621" providerId="ADAL" clId="{AA9102B5-DACA-D841-B260-AEEBF90FC60A}" dt="2020-01-06T01:48:03.413" v="110" actId="20577"/>
+          <ac:spMkLst>
+            <pc:docMk/>
+            <pc:sldMk cId="924617162" sldId="319"/>
+            <ac:spMk id="9" creationId="{E3B2E017-30B2-884B-A113-B419A2ED51AD}"/>
+          </ac:spMkLst>
+        </pc:spChg>
+      </pc:sldChg>
+      <pc:sldChg chg="modSp">
+        <pc:chgData name="Long B Nguyen" userId="f59fb8f3-a021-417a-8bc1-65c8d471c621" providerId="ADAL" clId="{AA9102B5-DACA-D841-B260-AEEBF90FC60A}" dt="2020-01-06T01:56:11.549" v="712" actId="1076"/>
+        <pc:sldMkLst>
+          <pc:docMk/>
+          <pc:sldMk cId="1310010799" sldId="324"/>
+        </pc:sldMkLst>
+        <pc:spChg chg="mod">
+          <ac:chgData name="Long B Nguyen" userId="f59fb8f3-a021-417a-8bc1-65c8d471c621" providerId="ADAL" clId="{AA9102B5-DACA-D841-B260-AEEBF90FC60A}" dt="2020-01-06T01:56:11.549" v="712" actId="1076"/>
+          <ac:spMkLst>
+            <pc:docMk/>
+            <pc:sldMk cId="1310010799" sldId="324"/>
+            <ac:spMk id="9" creationId="{E3B2E017-30B2-884B-A113-B419A2ED51AD}"/>
+          </ac:spMkLst>
+        </pc:spChg>
+      </pc:sldChg>
+      <pc:sldChg chg="modSp">
+        <pc:chgData name="Long B Nguyen" userId="f59fb8f3-a021-417a-8bc1-65c8d471c621" providerId="ADAL" clId="{AA9102B5-DACA-D841-B260-AEEBF90FC60A}" dt="2020-01-06T15:35:11.658" v="853" actId="20577"/>
+        <pc:sldMkLst>
+          <pc:docMk/>
+          <pc:sldMk cId="3314372952" sldId="325"/>
+        </pc:sldMkLst>
+        <pc:spChg chg="mod">
+          <ac:chgData name="Long B Nguyen" userId="f59fb8f3-a021-417a-8bc1-65c8d471c621" providerId="ADAL" clId="{AA9102B5-DACA-D841-B260-AEEBF90FC60A}" dt="2020-01-06T15:35:11.658" v="853" actId="20577"/>
+          <ac:spMkLst>
+            <pc:docMk/>
+            <pc:sldMk cId="3314372952" sldId="325"/>
+            <ac:spMk id="2" creationId="{AA3A228F-61D0-D949-A5E7-F83756230BF8}"/>
+          </ac:spMkLst>
+        </pc:spChg>
+        <pc:spChg chg="mod">
+          <ac:chgData name="Long B Nguyen" userId="f59fb8f3-a021-417a-8bc1-65c8d471c621" providerId="ADAL" clId="{AA9102B5-DACA-D841-B260-AEEBF90FC60A}" dt="2020-01-06T15:02:45.351" v="846" actId="20577"/>
+          <ac:spMkLst>
+            <pc:docMk/>
+            <pc:sldMk cId="3314372952" sldId="325"/>
+            <ac:spMk id="9" creationId="{E3B2E017-30B2-884B-A113-B419A2ED51AD}"/>
+          </ac:spMkLst>
+        </pc:spChg>
+      </pc:sldChg>
+      <pc:sldChg chg="del">
+        <pc:chgData name="Long B Nguyen" userId="f59fb8f3-a021-417a-8bc1-65c8d471c621" providerId="ADAL" clId="{AA9102B5-DACA-D841-B260-AEEBF90FC60A}" dt="2020-01-06T15:03:07.580" v="847" actId="2696"/>
+        <pc:sldMkLst>
+          <pc:docMk/>
+          <pc:sldMk cId="3117943122" sldId="326"/>
+        </pc:sldMkLst>
+      </pc:sldChg>
+      <pc:sldChg chg="del">
+        <pc:chgData name="Long B Nguyen" userId="f59fb8f3-a021-417a-8bc1-65c8d471c621" providerId="ADAL" clId="{AA9102B5-DACA-D841-B260-AEEBF90FC60A}" dt="2020-01-06T01:49:27.456" v="111" actId="2696"/>
+        <pc:sldMkLst>
+          <pc:docMk/>
+          <pc:sldMk cId="1025618360" sldId="327"/>
+        </pc:sldMkLst>
+      </pc:sldChg>
+      <pc:sldChg chg="modSp add">
+        <pc:chgData name="Long B Nguyen" userId="f59fb8f3-a021-417a-8bc1-65c8d471c621" providerId="ADAL" clId="{AA9102B5-DACA-D841-B260-AEEBF90FC60A}" dt="2020-01-06T15:00:48.763" v="818" actId="113"/>
+        <pc:sldMkLst>
+          <pc:docMk/>
+          <pc:sldMk cId="1724104636" sldId="327"/>
+        </pc:sldMkLst>
+        <pc:spChg chg="mod">
+          <ac:chgData name="Long B Nguyen" userId="f59fb8f3-a021-417a-8bc1-65c8d471c621" providerId="ADAL" clId="{AA9102B5-DACA-D841-B260-AEEBF90FC60A}" dt="2020-01-06T15:00:48.763" v="818" actId="113"/>
+          <ac:spMkLst>
+            <pc:docMk/>
+            <pc:sldMk cId="1724104636" sldId="327"/>
+            <ac:spMk id="9" creationId="{E3B2E017-30B2-884B-A113-B419A2ED51AD}"/>
+          </ac:spMkLst>
+        </pc:spChg>
+      </pc:sldChg>
+      <pc:sldChg chg="modSp">
+        <pc:chgData name="Long B Nguyen" userId="f59fb8f3-a021-417a-8bc1-65c8d471c621" providerId="ADAL" clId="{AA9102B5-DACA-D841-B260-AEEBF90FC60A}" dt="2020-01-06T01:55:34.369" v="708" actId="20577"/>
+        <pc:sldMkLst>
+          <pc:docMk/>
+          <pc:sldMk cId="4294143140" sldId="329"/>
+        </pc:sldMkLst>
+        <pc:spChg chg="mod">
+          <ac:chgData name="Long B Nguyen" userId="f59fb8f3-a021-417a-8bc1-65c8d471c621" providerId="ADAL" clId="{AA9102B5-DACA-D841-B260-AEEBF90FC60A}" dt="2020-01-06T01:55:34.369" v="708" actId="20577"/>
+          <ac:spMkLst>
+            <pc:docMk/>
+            <pc:sldMk cId="4294143140" sldId="329"/>
+            <ac:spMk id="9" creationId="{E3B2E017-30B2-884B-A113-B419A2ED51AD}"/>
+          </ac:spMkLst>
+        </pc:spChg>
+      </pc:sldChg>
+      <pc:sldChg chg="modSp add">
+        <pc:chgData name="Long B Nguyen" userId="f59fb8f3-a021-417a-8bc1-65c8d471c621" providerId="ADAL" clId="{AA9102B5-DACA-D841-B260-AEEBF90FC60A}" dt="2020-01-06T15:01:01.638" v="819" actId="2711"/>
+        <pc:sldMkLst>
+          <pc:docMk/>
+          <pc:sldMk cId="3594730708" sldId="330"/>
+        </pc:sldMkLst>
+        <pc:spChg chg="mod">
+          <ac:chgData name="Long B Nguyen" userId="f59fb8f3-a021-417a-8bc1-65c8d471c621" providerId="ADAL" clId="{AA9102B5-DACA-D841-B260-AEEBF90FC60A}" dt="2020-01-06T15:01:01.638" v="819" actId="2711"/>
+          <ac:spMkLst>
+            <pc:docMk/>
+            <pc:sldMk cId="3594730708" sldId="330"/>
+            <ac:spMk id="9" creationId="{E3B2E017-30B2-884B-A113-B419A2ED51AD}"/>
+          </ac:spMkLst>
+        </pc:spChg>
+      </pc:sldChg>
+      <pc:sldChg chg="modSp add">
+        <pc:chgData name="Long B Nguyen" userId="f59fb8f3-a021-417a-8bc1-65c8d471c621" providerId="ADAL" clId="{AA9102B5-DACA-D841-B260-AEEBF90FC60A}" dt="2020-01-06T02:00:17.493" v="815" actId="255"/>
+        <pc:sldMkLst>
+          <pc:docMk/>
+          <pc:sldMk cId="3870816631" sldId="331"/>
+        </pc:sldMkLst>
+        <pc:spChg chg="mod">
+          <ac:chgData name="Long B Nguyen" userId="f59fb8f3-a021-417a-8bc1-65c8d471c621" providerId="ADAL" clId="{AA9102B5-DACA-D841-B260-AEEBF90FC60A}" dt="2020-01-06T02:00:17.493" v="815" actId="255"/>
+          <ac:spMkLst>
+            <pc:docMk/>
+            <pc:sldMk cId="3870816631" sldId="331"/>
+            <ac:spMk id="9" creationId="{E3B2E017-30B2-884B-A113-B419A2ED51AD}"/>
+          </ac:spMkLst>
+        </pc:spChg>
+      </pc:sldChg>
+      <pc:sldChg chg="modSp add">
+        <pc:chgData name="Long B Nguyen" userId="f59fb8f3-a021-417a-8bc1-65c8d471c621" providerId="ADAL" clId="{AA9102B5-DACA-D841-B260-AEEBF90FC60A}" dt="2020-01-06T17:07:10.515" v="1519" actId="2711"/>
+        <pc:sldMkLst>
+          <pc:docMk/>
+          <pc:sldMk cId="3124353102" sldId="332"/>
+        </pc:sldMkLst>
+        <pc:spChg chg="mod">
+          <ac:chgData name="Long B Nguyen" userId="f59fb8f3-a021-417a-8bc1-65c8d471c621" providerId="ADAL" clId="{AA9102B5-DACA-D841-B260-AEEBF90FC60A}" dt="2020-01-06T17:03:36.721" v="1332" actId="20577"/>
+          <ac:spMkLst>
+            <pc:docMk/>
+            <pc:sldMk cId="3124353102" sldId="332"/>
+            <ac:spMk id="2" creationId="{AA3A228F-61D0-D949-A5E7-F83756230BF8}"/>
+          </ac:spMkLst>
+        </pc:spChg>
+        <pc:spChg chg="mod">
+          <ac:chgData name="Long B Nguyen" userId="f59fb8f3-a021-417a-8bc1-65c8d471c621" providerId="ADAL" clId="{AA9102B5-DACA-D841-B260-AEEBF90FC60A}" dt="2020-01-06T17:07:10.515" v="1519" actId="2711"/>
+          <ac:spMkLst>
+            <pc:docMk/>
+            <pc:sldMk cId="3124353102" sldId="332"/>
+            <ac:spMk id="9" creationId="{E3B2E017-30B2-884B-A113-B419A2ED51AD}"/>
+          </ac:spMkLst>
+        </pc:spChg>
+      </pc:sldChg>
+    </pc:docChg>
   </pc:docChgLst>
   <pc:docChgLst>
-    <pc:chgData name="Long B Nguyen" userId="f59fb8f3-a021-417a-8bc1-65c8d471c621" providerId="ADAL" clId="{E5BF62A1-4F8A-BC49-8FD7-ABEA3D28ED25}"/>
+    <pc:chgData name="Long B Nguyen" userId="f59fb8f3-a021-417a-8bc1-65c8d471c621" providerId="ADAL" clId="{B5860C40-AA08-4447-A918-2D2782E0FC0B}"/>
+    <pc:docChg chg="delSld modSld">
+      <pc:chgData name="Long B Nguyen" userId="f59fb8f3-a021-417a-8bc1-65c8d471c621" providerId="ADAL" clId="{B5860C40-AA08-4447-A918-2D2782E0FC0B}" dt="2019-09-16T13:59:20.091" v="35" actId="2696"/>
+      <pc:docMkLst>
+        <pc:docMk/>
+      </pc:docMkLst>
+      <pc:sldChg chg="modSp">
+        <pc:chgData name="Long B Nguyen" userId="f59fb8f3-a021-417a-8bc1-65c8d471c621" providerId="ADAL" clId="{B5860C40-AA08-4447-A918-2D2782E0FC0B}" dt="2019-09-16T13:58:36.640" v="18" actId="20577"/>
+        <pc:sldMkLst>
+          <pc:docMk/>
+          <pc:sldMk cId="4247104139" sldId="256"/>
+        </pc:sldMkLst>
+        <pc:spChg chg="mod">
+          <ac:chgData name="Long B Nguyen" userId="f59fb8f3-a021-417a-8bc1-65c8d471c621" providerId="ADAL" clId="{B5860C40-AA08-4447-A918-2D2782E0FC0B}" dt="2019-09-16T13:58:36.640" v="18" actId="20577"/>
+          <ac:spMkLst>
+            <pc:docMk/>
+            <pc:sldMk cId="4247104139" sldId="256"/>
+            <ac:spMk id="3" creationId="{1BDC47C8-6776-7B44-9CD4-95FC91452D62}"/>
+          </ac:spMkLst>
+        </pc:spChg>
+      </pc:sldChg>
+    </pc:docChg>
   </pc:docChgLst>
 </pc:chgInfo>
 </file>
@@ -1993,7 +2022,7 @@
           <a:p>
             <a:fld id="{6EDD99D2-A624-5E4F-A4E3-584054837B5A}" type="datetimeFigureOut">
               <a:rPr lang="en-US" smtClean="0"/>
-              <a:t>2/7/20</a:t>
+              <a:t>7/22/20</a:t>
             </a:fld>
             <a:endParaRPr lang="en-US"/>
           </a:p>
@@ -10167,7 +10196,7 @@
           <a:p>
             <a:fld id="{4AAD347D-5ACD-4C99-B74B-A9C85AD731AF}" type="datetimeFigureOut">
               <a:rPr lang="en-US" smtClean="0"/>
-              <a:t>2/7/20</a:t>
+              <a:t>7/22/20</a:t>
             </a:fld>
             <a:endParaRPr lang="en-US" dirty="0"/>
           </a:p>
@@ -10337,7 +10366,7 @@
           <a:p>
             <a:fld id="{4509A250-FF31-4206-8172-F9D3106AACB1}" type="datetimeFigureOut">
               <a:rPr lang="en-US" smtClean="0"/>
-              <a:t>2/7/20</a:t>
+              <a:t>7/22/20</a:t>
             </a:fld>
             <a:endParaRPr lang="en-US" dirty="0"/>
           </a:p>
@@ -10517,7 +10546,7 @@
           <a:p>
             <a:fld id="{4509A250-FF31-4206-8172-F9D3106AACB1}" type="datetimeFigureOut">
               <a:rPr lang="en-US" smtClean="0"/>
-              <a:t>2/7/20</a:t>
+              <a:t>7/22/20</a:t>
             </a:fld>
             <a:endParaRPr lang="en-US" dirty="0"/>
           </a:p>
@@ -10687,7 +10716,7 @@
           <a:p>
             <a:fld id="{4509A250-FF31-4206-8172-F9D3106AACB1}" type="datetimeFigureOut">
               <a:rPr lang="en-US" smtClean="0"/>
-              <a:t>2/7/20</a:t>
+              <a:t>7/22/20</a:t>
             </a:fld>
             <a:endParaRPr lang="en-US" dirty="0"/>
           </a:p>
@@ -10933,7 +10962,7 @@
           <a:p>
             <a:fld id="{9796027F-7875-4030-9381-8BD8C4F21935}" type="datetimeFigureOut">
               <a:rPr lang="en-US" smtClean="0"/>
-              <a:t>2/7/20</a:t>
+              <a:t>7/22/20</a:t>
             </a:fld>
             <a:endParaRPr lang="en-US" dirty="0"/>
           </a:p>
@@ -11165,7 +11194,7 @@
           <a:p>
             <a:fld id="{9796027F-7875-4030-9381-8BD8C4F21935}" type="datetimeFigureOut">
               <a:rPr lang="en-US" smtClean="0"/>
-              <a:t>2/7/20</a:t>
+              <a:t>7/22/20</a:t>
             </a:fld>
             <a:endParaRPr lang="en-US" dirty="0"/>
           </a:p>
@@ -11532,7 +11561,7 @@
           <a:p>
             <a:fld id="{9796027F-7875-4030-9381-8BD8C4F21935}" type="datetimeFigureOut">
               <a:rPr lang="en-US" smtClean="0"/>
-              <a:t>2/7/20</a:t>
+              <a:t>7/22/20</a:t>
             </a:fld>
             <a:endParaRPr lang="en-US" dirty="0"/>
           </a:p>
@@ -11650,7 +11679,7 @@
           <a:p>
             <a:fld id="{4509A250-FF31-4206-8172-F9D3106AACB1}" type="datetimeFigureOut">
               <a:rPr lang="en-US" smtClean="0"/>
-              <a:t>2/7/20</a:t>
+              <a:t>7/22/20</a:t>
             </a:fld>
             <a:endParaRPr lang="en-US" dirty="0"/>
           </a:p>
@@ -11745,7 +11774,7 @@
           <a:p>
             <a:fld id="{4509A250-FF31-4206-8172-F9D3106AACB1}" type="datetimeFigureOut">
               <a:rPr lang="en-US" smtClean="0"/>
-              <a:t>2/7/20</a:t>
+              <a:t>7/22/20</a:t>
             </a:fld>
             <a:endParaRPr lang="en-US" dirty="0"/>
           </a:p>
@@ -12022,7 +12051,7 @@
           <a:p>
             <a:fld id="{4509A250-FF31-4206-8172-F9D3106AACB1}" type="datetimeFigureOut">
               <a:rPr lang="en-US" smtClean="0"/>
-              <a:t>2/7/20</a:t>
+              <a:t>7/22/20</a:t>
             </a:fld>
             <a:endParaRPr lang="en-US" dirty="0"/>
           </a:p>
@@ -12279,7 +12308,7 @@
           <a:p>
             <a:fld id="{4509A250-FF31-4206-8172-F9D3106AACB1}" type="datetimeFigureOut">
               <a:rPr lang="en-US" smtClean="0"/>
-              <a:t>2/7/20</a:t>
+              <a:t>7/22/20</a:t>
             </a:fld>
             <a:endParaRPr lang="en-US" dirty="0"/>
           </a:p>
@@ -12492,7 +12521,7 @@
           <a:p>
             <a:fld id="{4AAD347D-5ACD-4C99-B74B-A9C85AD731AF}" type="datetimeFigureOut">
               <a:rPr lang="en-US" smtClean="0"/>
-              <a:t>2/7/20</a:t>
+              <a:t>7/22/20</a:t>
             </a:fld>
             <a:endParaRPr lang="en-US" dirty="0"/>
           </a:p>
@@ -18342,7 +18371,7 @@
                   <a:srgbClr val="FF0000"/>
                 </a:solidFill>
               </a:rPr>
-              <a:t>Note the use of commas, if a was a 2D Python list:</a:t>
+              <a:t>Note the use of commas, if it was a 2D Python list:</a:t>
             </a:r>
           </a:p>
           <a:p>

--- a/courses/apcsp/lect14.pptx
+++ b/courses/apcsp/lect14.pptx
@@ -150,7 +150,7 @@
 <file path=ppt/revisionInfo.xml><?xml version="1.0" encoding="utf-8"?>
 <p1510:revInfo xmlns:a="http://schemas.openxmlformats.org/drawingml/2006/main" xmlns:r="http://schemas.openxmlformats.org/officeDocument/2006/relationships" xmlns:p1510="http://schemas.microsoft.com/office/powerpoint/2015/10/main">
   <p1510:revLst>
-    <p1510:client id="{E3379C3E-E817-6D42-B96C-D7ADD82FC197}" v="1097" dt="2021-02-23T13:40:42.443"/>
+    <p1510:client id="{E3379C3E-E817-6D42-B96C-D7ADD82FC197}" v="1154" dt="2021-02-24T15:04:10.626"/>
   </p1510:revLst>
 </p1510:revInfo>
 </file>
@@ -1375,7 +1375,7 @@
   <pc:docChgLst>
     <pc:chgData name="Long B Nguyen" userId="f59fb8f3-a021-417a-8bc1-65c8d471c621" providerId="ADAL" clId="{E3379C3E-E817-6D42-B96C-D7ADD82FC197}"/>
     <pc:docChg chg="addSld modSld">
-      <pc:chgData name="Long B Nguyen" userId="f59fb8f3-a021-417a-8bc1-65c8d471c621" providerId="ADAL" clId="{E3379C3E-E817-6D42-B96C-D7ADD82FC197}" dt="2021-02-23T13:40:42.443" v="1187"/>
+      <pc:chgData name="Long B Nguyen" userId="f59fb8f3-a021-417a-8bc1-65c8d471c621" providerId="ADAL" clId="{E3379C3E-E817-6D42-B96C-D7ADD82FC197}" dt="2021-02-24T15:04:10.626" v="1244" actId="1076"/>
       <pc:docMkLst>
         <pc:docMk/>
       </pc:docMkLst>
@@ -1416,6 +1416,29 @@
             <ac:spMk id="16386" creationId="{6346E11F-912B-AB4D-9456-8D4A45A63C4A}"/>
           </ac:spMkLst>
         </pc:spChg>
+      </pc:sldChg>
+      <pc:sldChg chg="modSp">
+        <pc:chgData name="Long B Nguyen" userId="f59fb8f3-a021-417a-8bc1-65c8d471c621" providerId="ADAL" clId="{E3379C3E-E817-6D42-B96C-D7ADD82FC197}" dt="2021-02-24T15:04:10.626" v="1244" actId="1076"/>
+        <pc:sldMkLst>
+          <pc:docMk/>
+          <pc:sldMk cId="3978848797" sldId="593"/>
+        </pc:sldMkLst>
+        <pc:picChg chg="mod">
+          <ac:chgData name="Long B Nguyen" userId="f59fb8f3-a021-417a-8bc1-65c8d471c621" providerId="ADAL" clId="{E3379C3E-E817-6D42-B96C-D7ADD82FC197}" dt="2021-02-24T15:04:10.626" v="1244" actId="1076"/>
+          <ac:picMkLst>
+            <pc:docMk/>
+            <pc:sldMk cId="3978848797" sldId="593"/>
+            <ac:picMk id="38916" creationId="{8720B090-DCDD-0E44-B6F5-49D2ED5D8A00}"/>
+          </ac:picMkLst>
+        </pc:picChg>
+        <pc:picChg chg="mod">
+          <ac:chgData name="Long B Nguyen" userId="f59fb8f3-a021-417a-8bc1-65c8d471c621" providerId="ADAL" clId="{E3379C3E-E817-6D42-B96C-D7ADD82FC197}" dt="2021-02-24T15:03:31.595" v="1231" actId="1076"/>
+          <ac:picMkLst>
+            <pc:docMk/>
+            <pc:sldMk cId="3978848797" sldId="593"/>
+            <ac:picMk id="38917" creationId="{1B40FF63-EA73-7A44-8137-79F00DEAEDD8}"/>
+          </ac:picMkLst>
+        </pc:picChg>
       </pc:sldChg>
       <pc:sldChg chg="addSp modSp mod modAnim">
         <pc:chgData name="Long B Nguyen" userId="f59fb8f3-a021-417a-8bc1-65c8d471c621" providerId="ADAL" clId="{E3379C3E-E817-6D42-B96C-D7ADD82FC197}" dt="2021-02-23T13:40:42.443" v="1187"/>
@@ -2124,7 +2147,7 @@
           <a:p>
             <a:fld id="{6EDD99D2-A624-5E4F-A4E3-584054837B5A}" type="datetimeFigureOut">
               <a:rPr lang="en-US" smtClean="0"/>
-              <a:t>2/23/21</a:t>
+              <a:t>2/24/21</a:t>
             </a:fld>
             <a:endParaRPr lang="en-US"/>
           </a:p>
@@ -10874,7 +10897,7 @@
           <a:p>
             <a:fld id="{4AAD347D-5ACD-4C99-B74B-A9C85AD731AF}" type="datetimeFigureOut">
               <a:rPr lang="en-US" smtClean="0"/>
-              <a:t>2/23/21</a:t>
+              <a:t>2/24/21</a:t>
             </a:fld>
             <a:endParaRPr lang="en-US" dirty="0"/>
           </a:p>
@@ -11044,7 +11067,7 @@
           <a:p>
             <a:fld id="{4509A250-FF31-4206-8172-F9D3106AACB1}" type="datetimeFigureOut">
               <a:rPr lang="en-US" smtClean="0"/>
-              <a:t>2/23/21</a:t>
+              <a:t>2/24/21</a:t>
             </a:fld>
             <a:endParaRPr lang="en-US" dirty="0"/>
           </a:p>
@@ -11224,7 +11247,7 @@
           <a:p>
             <a:fld id="{4509A250-FF31-4206-8172-F9D3106AACB1}" type="datetimeFigureOut">
               <a:rPr lang="en-US" smtClean="0"/>
-              <a:t>2/23/21</a:t>
+              <a:t>2/24/21</a:t>
             </a:fld>
             <a:endParaRPr lang="en-US" dirty="0"/>
           </a:p>
@@ -11394,7 +11417,7 @@
           <a:p>
             <a:fld id="{4509A250-FF31-4206-8172-F9D3106AACB1}" type="datetimeFigureOut">
               <a:rPr lang="en-US" smtClean="0"/>
-              <a:t>2/23/21</a:t>
+              <a:t>2/24/21</a:t>
             </a:fld>
             <a:endParaRPr lang="en-US" dirty="0"/>
           </a:p>
@@ -11640,7 +11663,7 @@
           <a:p>
             <a:fld id="{9796027F-7875-4030-9381-8BD8C4F21935}" type="datetimeFigureOut">
               <a:rPr lang="en-US" smtClean="0"/>
-              <a:t>2/23/21</a:t>
+              <a:t>2/24/21</a:t>
             </a:fld>
             <a:endParaRPr lang="en-US" dirty="0"/>
           </a:p>
@@ -11872,7 +11895,7 @@
           <a:p>
             <a:fld id="{9796027F-7875-4030-9381-8BD8C4F21935}" type="datetimeFigureOut">
               <a:rPr lang="en-US" smtClean="0"/>
-              <a:t>2/23/21</a:t>
+              <a:t>2/24/21</a:t>
             </a:fld>
             <a:endParaRPr lang="en-US" dirty="0"/>
           </a:p>
@@ -12239,7 +12262,7 @@
           <a:p>
             <a:fld id="{9796027F-7875-4030-9381-8BD8C4F21935}" type="datetimeFigureOut">
               <a:rPr lang="en-US" smtClean="0"/>
-              <a:t>2/23/21</a:t>
+              <a:t>2/24/21</a:t>
             </a:fld>
             <a:endParaRPr lang="en-US" dirty="0"/>
           </a:p>
@@ -12357,7 +12380,7 @@
           <a:p>
             <a:fld id="{4509A250-FF31-4206-8172-F9D3106AACB1}" type="datetimeFigureOut">
               <a:rPr lang="en-US" smtClean="0"/>
-              <a:t>2/23/21</a:t>
+              <a:t>2/24/21</a:t>
             </a:fld>
             <a:endParaRPr lang="en-US" dirty="0"/>
           </a:p>
@@ -12452,7 +12475,7 @@
           <a:p>
             <a:fld id="{4509A250-FF31-4206-8172-F9D3106AACB1}" type="datetimeFigureOut">
               <a:rPr lang="en-US" smtClean="0"/>
-              <a:t>2/23/21</a:t>
+              <a:t>2/24/21</a:t>
             </a:fld>
             <a:endParaRPr lang="en-US" dirty="0"/>
           </a:p>
@@ -12729,7 +12752,7 @@
           <a:p>
             <a:fld id="{4509A250-FF31-4206-8172-F9D3106AACB1}" type="datetimeFigureOut">
               <a:rPr lang="en-US" smtClean="0"/>
-              <a:t>2/23/21</a:t>
+              <a:t>2/24/21</a:t>
             </a:fld>
             <a:endParaRPr lang="en-US" dirty="0"/>
           </a:p>
@@ -12986,7 +13009,7 @@
           <a:p>
             <a:fld id="{4509A250-FF31-4206-8172-F9D3106AACB1}" type="datetimeFigureOut">
               <a:rPr lang="en-US" smtClean="0"/>
-              <a:t>2/23/21</a:t>
+              <a:t>2/24/21</a:t>
             </a:fld>
             <a:endParaRPr lang="en-US" dirty="0"/>
           </a:p>
@@ -13199,7 +13222,7 @@
           <a:p>
             <a:fld id="{4AAD347D-5ACD-4C99-B74B-A9C85AD731AF}" type="datetimeFigureOut">
               <a:rPr lang="en-US" smtClean="0"/>
-              <a:t>2/23/21</a:t>
+              <a:t>2/24/21</a:t>
             </a:fld>
             <a:endParaRPr lang="en-US" dirty="0"/>
           </a:p>
@@ -17611,8 +17634,8 @@
         </p:blipFill>
         <p:spPr bwMode="auto">
           <a:xfrm>
-            <a:off x="2160104" y="3790240"/>
-            <a:ext cx="5772105" cy="1575977"/>
+            <a:off x="5127118" y="2637997"/>
+            <a:ext cx="1680936" cy="458951"/>
           </a:xfrm>
           <a:prstGeom prst="rect">
             <a:avLst/>
@@ -17671,8 +17694,8 @@
         </p:blipFill>
         <p:spPr bwMode="auto">
           <a:xfrm>
-            <a:off x="4114800" y="2367449"/>
-            <a:ext cx="2903053" cy="980102"/>
+            <a:off x="1655109" y="3606349"/>
+            <a:ext cx="6096671" cy="2058302"/>
           </a:xfrm>
           <a:prstGeom prst="rect">
             <a:avLst/>

--- a/courses/apcsp/lect14.pptx
+++ b/courses/apcsp/lect14.pptx
@@ -5,7 +5,7 @@
     <p:sldMasterId id="2147483791" r:id="rId1"/>
   </p:sldMasterIdLst>
   <p:notesMasterIdLst>
-    <p:notesMasterId r:id="rId35"/>
+    <p:notesMasterId r:id="rId36"/>
   </p:notesMasterIdLst>
   <p:sldIdLst>
     <p:sldId id="256" r:id="rId2"/>
@@ -34,13 +34,14 @@
     <p:sldId id="604" r:id="rId25"/>
     <p:sldId id="606" r:id="rId26"/>
     <p:sldId id="607" r:id="rId27"/>
-    <p:sldId id="608" r:id="rId28"/>
-    <p:sldId id="609" r:id="rId29"/>
-    <p:sldId id="610" r:id="rId30"/>
-    <p:sldId id="611" r:id="rId31"/>
-    <p:sldId id="613" r:id="rId32"/>
-    <p:sldId id="614" r:id="rId33"/>
-    <p:sldId id="344" r:id="rId34"/>
+    <p:sldId id="617" r:id="rId28"/>
+    <p:sldId id="618" r:id="rId29"/>
+    <p:sldId id="609" r:id="rId30"/>
+    <p:sldId id="610" r:id="rId31"/>
+    <p:sldId id="611" r:id="rId32"/>
+    <p:sldId id="613" r:id="rId33"/>
+    <p:sldId id="614" r:id="rId34"/>
+    <p:sldId id="344" r:id="rId35"/>
   </p:sldIdLst>
   <p:sldSz cx="9144000" cy="5715000" type="screen16x10"/>
   <p:notesSz cx="6858000" cy="9144000"/>
@@ -150,7 +151,7 @@
 <file path=ppt/revisionInfo.xml><?xml version="1.0" encoding="utf-8"?>
 <p1510:revInfo xmlns:a="http://schemas.openxmlformats.org/drawingml/2006/main" xmlns:r="http://schemas.openxmlformats.org/officeDocument/2006/relationships" xmlns:p1510="http://schemas.microsoft.com/office/powerpoint/2015/10/main">
   <p1510:revLst>
-    <p1510:client id="{E3379C3E-E817-6D42-B96C-D7ADD82FC197}" v="1154" dt="2021-02-24T15:04:10.626"/>
+    <p1510:client id="{E3379C3E-E817-6D42-B96C-D7ADD82FC197}" v="1345" dt="2021-02-25T14:38:39.154"/>
   </p1510:revLst>
 </p1510:revInfo>
 </file>
@@ -1374,8 +1375,8 @@
   </pc:docChgLst>
   <pc:docChgLst>
     <pc:chgData name="Long B Nguyen" userId="f59fb8f3-a021-417a-8bc1-65c8d471c621" providerId="ADAL" clId="{E3379C3E-E817-6D42-B96C-D7ADD82FC197}"/>
-    <pc:docChg chg="addSld modSld">
-      <pc:chgData name="Long B Nguyen" userId="f59fb8f3-a021-417a-8bc1-65c8d471c621" providerId="ADAL" clId="{E3379C3E-E817-6D42-B96C-D7ADD82FC197}" dt="2021-02-24T15:04:10.626" v="1244" actId="1076"/>
+    <pc:docChg chg="addSld delSld modSld">
+      <pc:chgData name="Long B Nguyen" userId="f59fb8f3-a021-417a-8bc1-65c8d471c621" providerId="ADAL" clId="{E3379C3E-E817-6D42-B96C-D7ADD82FC197}" dt="2021-02-25T14:38:39.153" v="1444"/>
       <pc:docMkLst>
         <pc:docMk/>
       </pc:docMkLst>
@@ -1455,6 +1456,83 @@
           </ac:spMkLst>
         </pc:spChg>
       </pc:sldChg>
+      <pc:sldChg chg="modSp">
+        <pc:chgData name="Long B Nguyen" userId="f59fb8f3-a021-417a-8bc1-65c8d471c621" providerId="ADAL" clId="{E3379C3E-E817-6D42-B96C-D7ADD82FC197}" dt="2021-02-25T14:14:33.069" v="1282" actId="20577"/>
+        <pc:sldMkLst>
+          <pc:docMk/>
+          <pc:sldMk cId="575839044" sldId="606"/>
+        </pc:sldMkLst>
+        <pc:spChg chg="mod">
+          <ac:chgData name="Long B Nguyen" userId="f59fb8f3-a021-417a-8bc1-65c8d471c621" providerId="ADAL" clId="{E3379C3E-E817-6D42-B96C-D7ADD82FC197}" dt="2021-02-25T14:14:33.069" v="1282" actId="20577"/>
+          <ac:spMkLst>
+            <pc:docMk/>
+            <pc:sldMk cId="575839044" sldId="606"/>
+            <ac:spMk id="16386" creationId="{B58E18ED-8D49-8844-A857-3DC2CAD817CB}"/>
+          </ac:spMkLst>
+        </pc:spChg>
+      </pc:sldChg>
+      <pc:sldChg chg="modSp mod modAnim">
+        <pc:chgData name="Long B Nguyen" userId="f59fb8f3-a021-417a-8bc1-65c8d471c621" providerId="ADAL" clId="{E3379C3E-E817-6D42-B96C-D7ADD82FC197}" dt="2021-02-25T14:38:39.153" v="1444"/>
+        <pc:sldMkLst>
+          <pc:docMk/>
+          <pc:sldMk cId="1747981943" sldId="607"/>
+        </pc:sldMkLst>
+        <pc:spChg chg="mod">
+          <ac:chgData name="Long B Nguyen" userId="f59fb8f3-a021-417a-8bc1-65c8d471c621" providerId="ADAL" clId="{E3379C3E-E817-6D42-B96C-D7ADD82FC197}" dt="2021-02-25T14:19:05.697" v="1361" actId="1076"/>
+          <ac:spMkLst>
+            <pc:docMk/>
+            <pc:sldMk cId="1747981943" sldId="607"/>
+            <ac:spMk id="5" creationId="{75DF910D-BCDA-814B-AE33-5E262772747F}"/>
+          </ac:spMkLst>
+        </pc:spChg>
+        <pc:spChg chg="mod">
+          <ac:chgData name="Long B Nguyen" userId="f59fb8f3-a021-417a-8bc1-65c8d471c621" providerId="ADAL" clId="{E3379C3E-E817-6D42-B96C-D7ADD82FC197}" dt="2021-02-25T14:18:09.397" v="1321" actId="1076"/>
+          <ac:spMkLst>
+            <pc:docMk/>
+            <pc:sldMk cId="1747981943" sldId="607"/>
+            <ac:spMk id="9" creationId="{69761A01-1D14-8949-B413-803644E65921}"/>
+          </ac:spMkLst>
+        </pc:spChg>
+        <pc:spChg chg="mod">
+          <ac:chgData name="Long B Nguyen" userId="f59fb8f3-a021-417a-8bc1-65c8d471c621" providerId="ADAL" clId="{E3379C3E-E817-6D42-B96C-D7ADD82FC197}" dt="2021-02-25T14:19:01.697" v="1360" actId="14100"/>
+          <ac:spMkLst>
+            <pc:docMk/>
+            <pc:sldMk cId="1747981943" sldId="607"/>
+            <ac:spMk id="16386" creationId="{B58E18ED-8D49-8844-A857-3DC2CAD817CB}"/>
+          </ac:spMkLst>
+        </pc:spChg>
+        <pc:spChg chg="mod">
+          <ac:chgData name="Long B Nguyen" userId="f59fb8f3-a021-417a-8bc1-65c8d471c621" providerId="ADAL" clId="{E3379C3E-E817-6D42-B96C-D7ADD82FC197}" dt="2021-02-25T14:18:58.971" v="1359" actId="1076"/>
+          <ac:spMkLst>
+            <pc:docMk/>
+            <pc:sldMk cId="1747981943" sldId="607"/>
+            <ac:spMk id="38913" creationId="{01ABAB85-1B1D-E842-8BF4-B8AF13377E9C}"/>
+          </ac:spMkLst>
+        </pc:spChg>
+        <pc:cxnChg chg="mod">
+          <ac:chgData name="Long B Nguyen" userId="f59fb8f3-a021-417a-8bc1-65c8d471c621" providerId="ADAL" clId="{E3379C3E-E817-6D42-B96C-D7ADD82FC197}" dt="2021-02-25T14:19:08.121" v="1362" actId="1076"/>
+          <ac:cxnSpMkLst>
+            <pc:docMk/>
+            <pc:sldMk cId="1747981943" sldId="607"/>
+            <ac:cxnSpMk id="6" creationId="{CD375954-2625-3941-A804-760A2DF2B15E}"/>
+          </ac:cxnSpMkLst>
+        </pc:cxnChg>
+        <pc:cxnChg chg="mod">
+          <ac:chgData name="Long B Nguyen" userId="f59fb8f3-a021-417a-8bc1-65c8d471c621" providerId="ADAL" clId="{E3379C3E-E817-6D42-B96C-D7ADD82FC197}" dt="2021-02-25T14:18:09.397" v="1321" actId="1076"/>
+          <ac:cxnSpMkLst>
+            <pc:docMk/>
+            <pc:sldMk cId="1747981943" sldId="607"/>
+            <ac:cxnSpMk id="10" creationId="{1EDCEE4F-12DB-C440-A68D-9EF5BC29E8AE}"/>
+          </ac:cxnSpMkLst>
+        </pc:cxnChg>
+      </pc:sldChg>
+      <pc:sldChg chg="del">
+        <pc:chgData name="Long B Nguyen" userId="f59fb8f3-a021-417a-8bc1-65c8d471c621" providerId="ADAL" clId="{E3379C3E-E817-6D42-B96C-D7ADD82FC197}" dt="2021-02-25T14:21:22.631" v="1438" actId="2696"/>
+        <pc:sldMkLst>
+          <pc:docMk/>
+          <pc:sldMk cId="2266750116" sldId="608"/>
+        </pc:sldMkLst>
+      </pc:sldChg>
       <pc:sldChg chg="modSp add modAnim">
         <pc:chgData name="Long B Nguyen" userId="f59fb8f3-a021-417a-8bc1-65c8d471c621" providerId="ADAL" clId="{E3379C3E-E817-6D42-B96C-D7ADD82FC197}" dt="2021-02-23T11:13:24.773" v="686" actId="20577"/>
         <pc:sldMkLst>
@@ -1492,6 +1570,35 @@
             <ac:spMk id="24577" creationId="{CC789D21-6605-6A4F-8E82-FA1784227983}"/>
           </ac:spMkLst>
         </pc:spChg>
+      </pc:sldChg>
+      <pc:sldChg chg="modSp add">
+        <pc:chgData name="Long B Nguyen" userId="f59fb8f3-a021-417a-8bc1-65c8d471c621" providerId="ADAL" clId="{E3379C3E-E817-6D42-B96C-D7ADD82FC197}" dt="2021-02-25T14:20:49.528" v="1434" actId="20577"/>
+        <pc:sldMkLst>
+          <pc:docMk/>
+          <pc:sldMk cId="4062651269" sldId="617"/>
+        </pc:sldMkLst>
+        <pc:spChg chg="mod">
+          <ac:chgData name="Long B Nguyen" userId="f59fb8f3-a021-417a-8bc1-65c8d471c621" providerId="ADAL" clId="{E3379C3E-E817-6D42-B96C-D7ADD82FC197}" dt="2021-02-25T14:20:49.528" v="1434" actId="20577"/>
+          <ac:spMkLst>
+            <pc:docMk/>
+            <pc:sldMk cId="4062651269" sldId="617"/>
+            <ac:spMk id="16386" creationId="{B58E18ED-8D49-8844-A857-3DC2CAD817CB}"/>
+          </ac:spMkLst>
+        </pc:spChg>
+      </pc:sldChg>
+      <pc:sldChg chg="add">
+        <pc:chgData name="Long B Nguyen" userId="f59fb8f3-a021-417a-8bc1-65c8d471c621" providerId="ADAL" clId="{E3379C3E-E817-6D42-B96C-D7ADD82FC197}" dt="2021-02-25T14:21:16.827" v="1437"/>
+        <pc:sldMkLst>
+          <pc:docMk/>
+          <pc:sldMk cId="96411446" sldId="618"/>
+        </pc:sldMkLst>
+      </pc:sldChg>
+      <pc:sldChg chg="add del">
+        <pc:chgData name="Long B Nguyen" userId="f59fb8f3-a021-417a-8bc1-65c8d471c621" providerId="ADAL" clId="{E3379C3E-E817-6D42-B96C-D7ADD82FC197}" dt="2021-02-25T14:21:13.282" v="1436"/>
+        <pc:sldMkLst>
+          <pc:docMk/>
+          <pc:sldMk cId="3971093088" sldId="618"/>
+        </pc:sldMkLst>
       </pc:sldChg>
     </pc:docChg>
   </pc:docChgLst>
@@ -2147,7 +2254,7 @@
           <a:p>
             <a:fld id="{6EDD99D2-A624-5E4F-A4E3-584054837B5A}" type="datetimeFigureOut">
               <a:rPr lang="en-US" smtClean="0"/>
-              <a:t>2/24/21</a:t>
+              <a:t>2/25/21</a:t>
             </a:fld>
             <a:endParaRPr lang="en-US"/>
           </a:p>
@@ -7300,7 +7407,7 @@
     </p:spTree>
     <p:extLst>
       <p:ext uri="{BB962C8B-B14F-4D97-AF65-F5344CB8AC3E}">
-        <p14:creationId xmlns:p14="http://schemas.microsoft.com/office/powerpoint/2010/main" val="2386609476"/>
+        <p14:creationId xmlns:p14="http://schemas.microsoft.com/office/powerpoint/2010/main" val="1765532069"/>
       </p:ext>
     </p:extLst>
   </p:cSld>
@@ -7588,7 +7695,7 @@
     </p:spTree>
     <p:extLst>
       <p:ext uri="{BB962C8B-B14F-4D97-AF65-F5344CB8AC3E}">
-        <p14:creationId xmlns:p14="http://schemas.microsoft.com/office/powerpoint/2010/main" val="3491355804"/>
+        <p14:creationId xmlns:p14="http://schemas.microsoft.com/office/powerpoint/2010/main" val="1825821815"/>
       </p:ext>
     </p:extLst>
   </p:cSld>
@@ -7876,7 +7983,7 @@
     </p:spTree>
     <p:extLst>
       <p:ext uri="{BB962C8B-B14F-4D97-AF65-F5344CB8AC3E}">
-        <p14:creationId xmlns:p14="http://schemas.microsoft.com/office/powerpoint/2010/main" val="703538883"/>
+        <p14:creationId xmlns:p14="http://schemas.microsoft.com/office/powerpoint/2010/main" val="3491355804"/>
       </p:ext>
     </p:extLst>
   </p:cSld>
@@ -8164,7 +8271,7 @@
     </p:spTree>
     <p:extLst>
       <p:ext uri="{BB962C8B-B14F-4D97-AF65-F5344CB8AC3E}">
-        <p14:creationId xmlns:p14="http://schemas.microsoft.com/office/powerpoint/2010/main" val="3580635320"/>
+        <p14:creationId xmlns:p14="http://schemas.microsoft.com/office/powerpoint/2010/main" val="703538883"/>
       </p:ext>
     </p:extLst>
   </p:cSld>
@@ -8452,7 +8559,7 @@
     </p:spTree>
     <p:extLst>
       <p:ext uri="{BB962C8B-B14F-4D97-AF65-F5344CB8AC3E}">
-        <p14:creationId xmlns:p14="http://schemas.microsoft.com/office/powerpoint/2010/main" val="41314072"/>
+        <p14:creationId xmlns:p14="http://schemas.microsoft.com/office/powerpoint/2010/main" val="3580635320"/>
       </p:ext>
     </p:extLst>
   </p:cSld>
@@ -8740,7 +8847,7 @@
     </p:spTree>
     <p:extLst>
       <p:ext uri="{BB962C8B-B14F-4D97-AF65-F5344CB8AC3E}">
-        <p14:creationId xmlns:p14="http://schemas.microsoft.com/office/powerpoint/2010/main" val="980668237"/>
+        <p14:creationId xmlns:p14="http://schemas.microsoft.com/office/powerpoint/2010/main" val="41314072"/>
       </p:ext>
     </p:extLst>
   </p:cSld>
@@ -9029,6 +9136,294 @@
     <p:extLst>
       <p:ext uri="{BB962C8B-B14F-4D97-AF65-F5344CB8AC3E}">
         <p14:creationId xmlns:p14="http://schemas.microsoft.com/office/powerpoint/2010/main" val="2668542954"/>
+      </p:ext>
+    </p:extLst>
+  </p:cSld>
+  <p:clrMapOvr>
+    <a:masterClrMapping/>
+  </p:clrMapOvr>
+</p:notes>
+</file>
+
+<file path=ppt/notesSlides/notesSlide30.xml><?xml version="1.0" encoding="utf-8"?>
+<p:notes xmlns:a="http://schemas.openxmlformats.org/drawingml/2006/main" xmlns:r="http://schemas.openxmlformats.org/officeDocument/2006/relationships" xmlns:p="http://schemas.openxmlformats.org/presentationml/2006/main">
+  <p:cSld>
+    <p:spTree>
+      <p:nvGrpSpPr>
+        <p:cNvPr id="1" name=""/>
+        <p:cNvGrpSpPr/>
+        <p:nvPr/>
+      </p:nvGrpSpPr>
+      <p:grpSpPr>
+        <a:xfrm>
+          <a:off x="0" y="0"/>
+          <a:ext cx="0" cy="0"/>
+          <a:chOff x="0" y="0"/>
+          <a:chExt cx="0" cy="0"/>
+        </a:xfrm>
+      </p:grpSpPr>
+      <p:sp>
+        <p:nvSpPr>
+          <p:cNvPr id="39937" name="Rectangle 7">
+            <a:extLst>
+              <a:ext uri="{FF2B5EF4-FFF2-40B4-BE49-F238E27FC236}">
+                <a16:creationId xmlns:a16="http://schemas.microsoft.com/office/drawing/2014/main" id="{7264E55D-2FAC-504E-8F76-AF69BC0338DF}"/>
+              </a:ext>
+            </a:extLst>
+          </p:cNvPr>
+          <p:cNvSpPr>
+            <a:spLocks noGrp="1" noChangeArrowheads="1"/>
+          </p:cNvSpPr>
+          <p:nvPr>
+            <p:ph type="sldNum" sz="quarter" idx="5"/>
+          </p:nvPr>
+        </p:nvSpPr>
+        <p:spPr bwMode="auto">
+          <a:noFill/>
+          <a:extLst>
+            <a:ext uri="{909E8E84-426E-40DD-AFC4-6F175D3DCCD1}">
+              <a14:hiddenFill xmlns:a14="http://schemas.microsoft.com/office/drawing/2010/main">
+                <a:solidFill>
+                  <a:srgbClr val="FFFFFF"/>
+                </a:solidFill>
+              </a14:hiddenFill>
+            </a:ext>
+            <a:ext uri="{91240B29-F687-4F45-9708-019B960494DF}">
+              <a14:hiddenLine xmlns:a14="http://schemas.microsoft.com/office/drawing/2010/main" w="9525">
+                <a:solidFill>
+                  <a:srgbClr val="000000"/>
+                </a:solidFill>
+                <a:miter lim="800000"/>
+                <a:headEnd/>
+                <a:tailEnd/>
+              </a14:hiddenLine>
+            </a:ext>
+          </a:extLst>
+        </p:spPr>
+        <p:txBody>
+          <a:bodyPr/>
+          <a:lstStyle>
+            <a:lvl1pPr>
+              <a:defRPr>
+                <a:solidFill>
+                  <a:schemeClr val="tx1"/>
+                </a:solidFill>
+                <a:latin typeface="Arial" panose="020B0604020202020204" pitchFamily="34" charset="0"/>
+                <a:ea typeface="ＭＳ Ｐゴシック" panose="020B0600070205080204" pitchFamily="34" charset="-128"/>
+              </a:defRPr>
+            </a:lvl1pPr>
+            <a:lvl2pPr marL="742950" indent="-285750">
+              <a:defRPr>
+                <a:solidFill>
+                  <a:schemeClr val="tx1"/>
+                </a:solidFill>
+                <a:latin typeface="Arial" panose="020B0604020202020204" pitchFamily="34" charset="0"/>
+                <a:ea typeface="ＭＳ Ｐゴシック" panose="020B0600070205080204" pitchFamily="34" charset="-128"/>
+              </a:defRPr>
+            </a:lvl2pPr>
+            <a:lvl3pPr marL="1143000" indent="-228600">
+              <a:defRPr>
+                <a:solidFill>
+                  <a:schemeClr val="tx1"/>
+                </a:solidFill>
+                <a:latin typeface="Arial" panose="020B0604020202020204" pitchFamily="34" charset="0"/>
+                <a:ea typeface="ＭＳ Ｐゴシック" panose="020B0600070205080204" pitchFamily="34" charset="-128"/>
+              </a:defRPr>
+            </a:lvl3pPr>
+            <a:lvl4pPr marL="1600200" indent="-228600">
+              <a:defRPr>
+                <a:solidFill>
+                  <a:schemeClr val="tx1"/>
+                </a:solidFill>
+                <a:latin typeface="Arial" panose="020B0604020202020204" pitchFamily="34" charset="0"/>
+                <a:ea typeface="ＭＳ Ｐゴシック" panose="020B0600070205080204" pitchFamily="34" charset="-128"/>
+              </a:defRPr>
+            </a:lvl4pPr>
+            <a:lvl5pPr marL="2057400" indent="-228600">
+              <a:defRPr>
+                <a:solidFill>
+                  <a:schemeClr val="tx1"/>
+                </a:solidFill>
+                <a:latin typeface="Arial" panose="020B0604020202020204" pitchFamily="34" charset="0"/>
+                <a:ea typeface="ＭＳ Ｐゴシック" panose="020B0600070205080204" pitchFamily="34" charset="-128"/>
+              </a:defRPr>
+            </a:lvl5pPr>
+            <a:lvl6pPr marL="2514600" indent="-228600" eaLnBrk="0" fontAlgn="base" hangingPunct="0">
+              <a:spcBef>
+                <a:spcPct val="0"/>
+              </a:spcBef>
+              <a:spcAft>
+                <a:spcPct val="0"/>
+              </a:spcAft>
+              <a:defRPr>
+                <a:solidFill>
+                  <a:schemeClr val="tx1"/>
+                </a:solidFill>
+                <a:latin typeface="Arial" panose="020B0604020202020204" pitchFamily="34" charset="0"/>
+                <a:ea typeface="ＭＳ Ｐゴシック" panose="020B0600070205080204" pitchFamily="34" charset="-128"/>
+              </a:defRPr>
+            </a:lvl6pPr>
+            <a:lvl7pPr marL="2971800" indent="-228600" eaLnBrk="0" fontAlgn="base" hangingPunct="0">
+              <a:spcBef>
+                <a:spcPct val="0"/>
+              </a:spcBef>
+              <a:spcAft>
+                <a:spcPct val="0"/>
+              </a:spcAft>
+              <a:defRPr>
+                <a:solidFill>
+                  <a:schemeClr val="tx1"/>
+                </a:solidFill>
+                <a:latin typeface="Arial" panose="020B0604020202020204" pitchFamily="34" charset="0"/>
+                <a:ea typeface="ＭＳ Ｐゴシック" panose="020B0600070205080204" pitchFamily="34" charset="-128"/>
+              </a:defRPr>
+            </a:lvl7pPr>
+            <a:lvl8pPr marL="3429000" indent="-228600" eaLnBrk="0" fontAlgn="base" hangingPunct="0">
+              <a:spcBef>
+                <a:spcPct val="0"/>
+              </a:spcBef>
+              <a:spcAft>
+                <a:spcPct val="0"/>
+              </a:spcAft>
+              <a:defRPr>
+                <a:solidFill>
+                  <a:schemeClr val="tx1"/>
+                </a:solidFill>
+                <a:latin typeface="Arial" panose="020B0604020202020204" pitchFamily="34" charset="0"/>
+                <a:ea typeface="ＭＳ Ｐゴシック" panose="020B0600070205080204" pitchFamily="34" charset="-128"/>
+              </a:defRPr>
+            </a:lvl8pPr>
+            <a:lvl9pPr marL="3886200" indent="-228600" eaLnBrk="0" fontAlgn="base" hangingPunct="0">
+              <a:spcBef>
+                <a:spcPct val="0"/>
+              </a:spcBef>
+              <a:spcAft>
+                <a:spcPct val="0"/>
+              </a:spcAft>
+              <a:defRPr>
+                <a:solidFill>
+                  <a:schemeClr val="tx1"/>
+                </a:solidFill>
+                <a:latin typeface="Arial" panose="020B0604020202020204" pitchFamily="34" charset="0"/>
+                <a:ea typeface="ＭＳ Ｐゴシック" panose="020B0600070205080204" pitchFamily="34" charset="-128"/>
+              </a:defRPr>
+            </a:lvl9pPr>
+          </a:lstStyle>
+          <a:p>
+            <a:fld id="{281680EB-C86D-2347-AE16-D730A41D6A9A}" type="slidenum">
+              <a:rPr lang="en-US" altLang="en-US" smtClean="0"/>
+              <a:pPr/>
+              <a:t>33</a:t>
+            </a:fld>
+            <a:endParaRPr lang="en-US" altLang="en-US"/>
+          </a:p>
+        </p:txBody>
+      </p:sp>
+      <p:sp>
+        <p:nvSpPr>
+          <p:cNvPr id="39938" name="Rectangle 2">
+            <a:extLst>
+              <a:ext uri="{FF2B5EF4-FFF2-40B4-BE49-F238E27FC236}">
+                <a16:creationId xmlns:a16="http://schemas.microsoft.com/office/drawing/2014/main" id="{65402874-F9B7-4D4A-9A88-499672169530}"/>
+              </a:ext>
+            </a:extLst>
+          </p:cNvPr>
+          <p:cNvSpPr>
+            <a:spLocks noGrp="1" noRot="1" noChangeAspect="1" noChangeArrowheads="1" noTextEdit="1"/>
+          </p:cNvSpPr>
+          <p:nvPr>
+            <p:ph type="sldImg"/>
+          </p:nvPr>
+        </p:nvSpPr>
+        <p:spPr bwMode="auto">
+          <a:xfrm>
+            <a:off x="687388" y="685800"/>
+            <a:ext cx="5486400" cy="3429000"/>
+          </a:xfrm>
+          <a:noFill/>
+          <a:ln>
+            <a:solidFill>
+              <a:srgbClr val="000000"/>
+            </a:solidFill>
+            <a:miter lim="800000"/>
+            <a:headEnd/>
+            <a:tailEnd/>
+          </a:ln>
+          <a:extLst>
+            <a:ext uri="{909E8E84-426E-40DD-AFC4-6F175D3DCCD1}">
+              <a14:hiddenFill xmlns:a14="http://schemas.microsoft.com/office/drawing/2010/main">
+                <a:solidFill>
+                  <a:srgbClr val="FFFFFF"/>
+                </a:solidFill>
+              </a14:hiddenFill>
+            </a:ext>
+          </a:extLst>
+        </p:spPr>
+      </p:sp>
+      <p:sp>
+        <p:nvSpPr>
+          <p:cNvPr id="39939" name="Rectangle 3">
+            <a:extLst>
+              <a:ext uri="{FF2B5EF4-FFF2-40B4-BE49-F238E27FC236}">
+                <a16:creationId xmlns:a16="http://schemas.microsoft.com/office/drawing/2014/main" id="{04232413-FB05-4844-B594-DAF3406D2463}"/>
+              </a:ext>
+            </a:extLst>
+          </p:cNvPr>
+          <p:cNvSpPr>
+            <a:spLocks noGrp="1" noChangeArrowheads="1"/>
+          </p:cNvSpPr>
+          <p:nvPr>
+            <p:ph type="body" idx="1"/>
+          </p:nvPr>
+        </p:nvSpPr>
+        <p:spPr bwMode="auto">
+          <a:xfrm>
+            <a:off x="914400" y="4343400"/>
+            <a:ext cx="5029200" cy="4114800"/>
+          </a:xfrm>
+          <a:noFill/>
+          <a:extLst>
+            <a:ext uri="{909E8E84-426E-40DD-AFC4-6F175D3DCCD1}">
+              <a14:hiddenFill xmlns:a14="http://schemas.microsoft.com/office/drawing/2010/main">
+                <a:solidFill>
+                  <a:srgbClr val="FFFFFF"/>
+                </a:solidFill>
+              </a14:hiddenFill>
+            </a:ext>
+            <a:ext uri="{91240B29-F687-4F45-9708-019B960494DF}">
+              <a14:hiddenLine xmlns:a14="http://schemas.microsoft.com/office/drawing/2010/main" w="9525">
+                <a:solidFill>
+                  <a:srgbClr val="000000"/>
+                </a:solidFill>
+                <a:miter lim="800000"/>
+                <a:headEnd/>
+                <a:tailEnd/>
+              </a14:hiddenLine>
+            </a:ext>
+          </a:extLst>
+        </p:spPr>
+        <p:txBody>
+          <a:bodyPr wrap="square" numCol="1" anchor="t" anchorCtr="0" compatLnSpc="1">
+            <a:prstTxWarp prst="textNoShape">
+              <a:avLst/>
+            </a:prstTxWarp>
+          </a:bodyPr>
+          <a:lstStyle/>
+          <a:p>
+            <a:pPr eaLnBrk="1" hangingPunct="1"/>
+            <a:r>
+              <a:rPr lang="en-US" altLang="en-US">
+                <a:ea typeface="ＭＳ Ｐゴシック" panose="020B0600070205080204" pitchFamily="34" charset="-128"/>
+              </a:rPr>
+              <a:t>Crash Course: Cybersecurity</a:t>
+            </a:r>
+          </a:p>
+        </p:txBody>
+      </p:sp>
+    </p:spTree>
+    <p:extLst>
+      <p:ext uri="{BB962C8B-B14F-4D97-AF65-F5344CB8AC3E}">
+        <p14:creationId xmlns:p14="http://schemas.microsoft.com/office/powerpoint/2010/main" val="980668237"/>
       </p:ext>
     </p:extLst>
   </p:cSld>
@@ -10897,7 +11292,7 @@
           <a:p>
             <a:fld id="{4AAD347D-5ACD-4C99-B74B-A9C85AD731AF}" type="datetimeFigureOut">
               <a:rPr lang="en-US" smtClean="0"/>
-              <a:t>2/24/21</a:t>
+              <a:t>2/25/21</a:t>
             </a:fld>
             <a:endParaRPr lang="en-US" dirty="0"/>
           </a:p>
@@ -11067,7 +11462,7 @@
           <a:p>
             <a:fld id="{4509A250-FF31-4206-8172-F9D3106AACB1}" type="datetimeFigureOut">
               <a:rPr lang="en-US" smtClean="0"/>
-              <a:t>2/24/21</a:t>
+              <a:t>2/25/21</a:t>
             </a:fld>
             <a:endParaRPr lang="en-US" dirty="0"/>
           </a:p>
@@ -11247,7 +11642,7 @@
           <a:p>
             <a:fld id="{4509A250-FF31-4206-8172-F9D3106AACB1}" type="datetimeFigureOut">
               <a:rPr lang="en-US" smtClean="0"/>
-              <a:t>2/24/21</a:t>
+              <a:t>2/25/21</a:t>
             </a:fld>
             <a:endParaRPr lang="en-US" dirty="0"/>
           </a:p>
@@ -11417,7 +11812,7 @@
           <a:p>
             <a:fld id="{4509A250-FF31-4206-8172-F9D3106AACB1}" type="datetimeFigureOut">
               <a:rPr lang="en-US" smtClean="0"/>
-              <a:t>2/24/21</a:t>
+              <a:t>2/25/21</a:t>
             </a:fld>
             <a:endParaRPr lang="en-US" dirty="0"/>
           </a:p>
@@ -11663,7 +12058,7 @@
           <a:p>
             <a:fld id="{9796027F-7875-4030-9381-8BD8C4F21935}" type="datetimeFigureOut">
               <a:rPr lang="en-US" smtClean="0"/>
-              <a:t>2/24/21</a:t>
+              <a:t>2/25/21</a:t>
             </a:fld>
             <a:endParaRPr lang="en-US" dirty="0"/>
           </a:p>
@@ -11895,7 +12290,7 @@
           <a:p>
             <a:fld id="{9796027F-7875-4030-9381-8BD8C4F21935}" type="datetimeFigureOut">
               <a:rPr lang="en-US" smtClean="0"/>
-              <a:t>2/24/21</a:t>
+              <a:t>2/25/21</a:t>
             </a:fld>
             <a:endParaRPr lang="en-US" dirty="0"/>
           </a:p>
@@ -12262,7 +12657,7 @@
           <a:p>
             <a:fld id="{9796027F-7875-4030-9381-8BD8C4F21935}" type="datetimeFigureOut">
               <a:rPr lang="en-US" smtClean="0"/>
-              <a:t>2/24/21</a:t>
+              <a:t>2/25/21</a:t>
             </a:fld>
             <a:endParaRPr lang="en-US" dirty="0"/>
           </a:p>
@@ -12380,7 +12775,7 @@
           <a:p>
             <a:fld id="{4509A250-FF31-4206-8172-F9D3106AACB1}" type="datetimeFigureOut">
               <a:rPr lang="en-US" smtClean="0"/>
-              <a:t>2/24/21</a:t>
+              <a:t>2/25/21</a:t>
             </a:fld>
             <a:endParaRPr lang="en-US" dirty="0"/>
           </a:p>
@@ -12475,7 +12870,7 @@
           <a:p>
             <a:fld id="{4509A250-FF31-4206-8172-F9D3106AACB1}" type="datetimeFigureOut">
               <a:rPr lang="en-US" smtClean="0"/>
-              <a:t>2/24/21</a:t>
+              <a:t>2/25/21</a:t>
             </a:fld>
             <a:endParaRPr lang="en-US" dirty="0"/>
           </a:p>
@@ -12752,7 +13147,7 @@
           <a:p>
             <a:fld id="{4509A250-FF31-4206-8172-F9D3106AACB1}" type="datetimeFigureOut">
               <a:rPr lang="en-US" smtClean="0"/>
-              <a:t>2/24/21</a:t>
+              <a:t>2/25/21</a:t>
             </a:fld>
             <a:endParaRPr lang="en-US" dirty="0"/>
           </a:p>
@@ -13009,7 +13404,7 @@
           <a:p>
             <a:fld id="{4509A250-FF31-4206-8172-F9D3106AACB1}" type="datetimeFigureOut">
               <a:rPr lang="en-US" smtClean="0"/>
-              <a:t>2/24/21</a:t>
+              <a:t>2/25/21</a:t>
             </a:fld>
             <a:endParaRPr lang="en-US" dirty="0"/>
           </a:p>
@@ -13222,7 +13617,7 @@
           <a:p>
             <a:fld id="{4AAD347D-5ACD-4C99-B74B-A9C85AD731AF}" type="datetimeFigureOut">
               <a:rPr lang="en-US" smtClean="0"/>
-              <a:t>2/24/21</a:t>
+              <a:t>2/25/21</a:t>
             </a:fld>
             <a:endParaRPr lang="en-US" dirty="0"/>
           </a:p>
@@ -27815,7 +28210,29 @@
                 </a:solidFill>
                 <a:latin typeface="Inconsolata" panose="020B0609030003000000" pitchFamily="49" charset="77"/>
               </a:rPr>
-              <a:t>, all zeroes</a:t>
+              <a:t>, all zeroes, 8-bit unsigned </a:t>
+            </a:r>
+            <a:r>
+              <a:rPr lang="en-US" sz="2000" b="1" dirty="0" err="1">
+                <a:solidFill>
+                  <a:schemeClr val="accent1">
+                    <a:lumMod val="75000"/>
+                  </a:schemeClr>
+                </a:solidFill>
+                <a:latin typeface="Inconsolata" panose="020B0609030003000000" pitchFamily="49" charset="77"/>
+              </a:rPr>
+              <a:t>ints</a:t>
+            </a:r>
+            <a:r>
+              <a:rPr lang="en-US" sz="2000" b="1" dirty="0">
+                <a:solidFill>
+                  <a:schemeClr val="accent1">
+                    <a:lumMod val="75000"/>
+                  </a:schemeClr>
+                </a:solidFill>
+                <a:latin typeface="Inconsolata" panose="020B0609030003000000" pitchFamily="49" charset="77"/>
+              </a:rPr>
+              <a:t>(0-255)</a:t>
             </a:r>
             <a:endParaRPr lang="en-US" altLang="en-US" sz="2000" dirty="0">
               <a:latin typeface="Gill Sans MT" panose="020B0502020104020203" pitchFamily="34" charset="77"/>
@@ -28471,6 +28888,1216 @@
         </p:nvSpPr>
         <p:spPr>
           <a:xfrm>
+            <a:off x="111095" y="50955"/>
+            <a:ext cx="7898664" cy="763038"/>
+          </a:xfrm>
+        </p:spPr>
+        <p:txBody>
+          <a:bodyPr/>
+          <a:lstStyle/>
+          <a:p>
+            <a:r>
+              <a:rPr lang="en-US" altLang="en-US" dirty="0">
+                <a:latin typeface="Tahoma" panose="020B0604030504040204" pitchFamily="34" charset="0"/>
+                <a:ea typeface="ＭＳ Ｐゴシック" panose="020B0600070205080204" pitchFamily="34" charset="-128"/>
+              </a:rPr>
+              <a:t>Decomposing an Image</a:t>
+            </a:r>
+          </a:p>
+        </p:txBody>
+      </p:sp>
+      <p:sp>
+        <p:nvSpPr>
+          <p:cNvPr id="16386" name="Rectangle 3">
+            <a:extLst>
+              <a:ext uri="{FF2B5EF4-FFF2-40B4-BE49-F238E27FC236}">
+                <a16:creationId xmlns:a16="http://schemas.microsoft.com/office/drawing/2014/main" id="{B58E18ED-8D49-8844-A857-3DC2CAD817CB}"/>
+              </a:ext>
+            </a:extLst>
+          </p:cNvPr>
+          <p:cNvSpPr>
+            <a:spLocks noGrp="1" noChangeArrowheads="1"/>
+          </p:cNvSpPr>
+          <p:nvPr>
+            <p:ph type="body" idx="1"/>
+          </p:nvPr>
+        </p:nvSpPr>
+        <p:spPr>
+          <a:xfrm>
+            <a:off x="196553" y="743484"/>
+            <a:ext cx="8604547" cy="4844516"/>
+          </a:xfrm>
+        </p:spPr>
+        <p:txBody>
+          <a:bodyPr>
+            <a:normAutofit/>
+          </a:bodyPr>
+          <a:lstStyle/>
+          <a:p>
+            <a:pPr marL="0" indent="0">
+              <a:buNone/>
+            </a:pPr>
+            <a:r>
+              <a:rPr lang="en-US" altLang="en-US" sz="2000" dirty="0">
+                <a:latin typeface="Gill Sans MT" panose="020B0502020104020203" pitchFamily="34" charset="77"/>
+                <a:ea typeface="ＭＳ Ｐゴシック" panose="020B0600070205080204" pitchFamily="34" charset="-128"/>
+              </a:rPr>
+              <a:t>Let's generalize this and put our code into a loop to extract all three components, create three set of axes on Matplotlib and plot all components!</a:t>
+            </a:r>
+          </a:p>
+          <a:p>
+            <a:pPr marL="0" indent="0">
+              <a:buNone/>
+            </a:pPr>
+            <a:endParaRPr lang="en-US" altLang="en-US" sz="2000" dirty="0">
+              <a:latin typeface="Gill Sans MT" panose="020B0502020104020203" pitchFamily="34" charset="77"/>
+              <a:ea typeface="ＭＳ Ｐゴシック" panose="020B0600070205080204" pitchFamily="34" charset="-128"/>
+            </a:endParaRPr>
+          </a:p>
+          <a:p>
+            <a:pPr marL="0" indent="0">
+              <a:buNone/>
+            </a:pPr>
+            <a:r>
+              <a:rPr lang="en-US" sz="2000" b="1" dirty="0">
+                <a:solidFill>
+                  <a:srgbClr val="34A327"/>
+                </a:solidFill>
+                <a:latin typeface="Inconsolata" panose="020B0609030003000000" pitchFamily="49" charset="77"/>
+              </a:rPr>
+              <a:t>import</a:t>
+            </a:r>
+            <a:r>
+              <a:rPr lang="en-US" sz="2000" b="1" dirty="0">
+                <a:solidFill>
+                  <a:srgbClr val="000000"/>
+                </a:solidFill>
+                <a:latin typeface="Inconsolata" panose="020B0609030003000000" pitchFamily="49" charset="77"/>
+              </a:rPr>
+              <a:t> </a:t>
+            </a:r>
+            <a:r>
+              <a:rPr lang="en-US" sz="2000" b="1" dirty="0" err="1">
+                <a:solidFill>
+                  <a:srgbClr val="3C9FF2"/>
+                </a:solidFill>
+                <a:latin typeface="Inconsolata" panose="020B0609030003000000" pitchFamily="49" charset="77"/>
+              </a:rPr>
+              <a:t>matplotlib.pyplot</a:t>
+            </a:r>
+            <a:r>
+              <a:rPr lang="en-US" sz="2000" b="1" dirty="0">
+                <a:solidFill>
+                  <a:srgbClr val="000000"/>
+                </a:solidFill>
+                <a:latin typeface="Inconsolata" panose="020B0609030003000000" pitchFamily="49" charset="77"/>
+              </a:rPr>
+              <a:t> </a:t>
+            </a:r>
+            <a:r>
+              <a:rPr lang="en-US" sz="2000" b="1" dirty="0">
+                <a:solidFill>
+                  <a:srgbClr val="34A327"/>
+                </a:solidFill>
+                <a:latin typeface="Inconsolata" panose="020B0609030003000000" pitchFamily="49" charset="77"/>
+              </a:rPr>
+              <a:t>as</a:t>
+            </a:r>
+            <a:r>
+              <a:rPr lang="en-US" sz="2000" b="1" dirty="0">
+                <a:solidFill>
+                  <a:srgbClr val="000000"/>
+                </a:solidFill>
+                <a:latin typeface="Inconsolata" panose="020B0609030003000000" pitchFamily="49" charset="77"/>
+              </a:rPr>
+              <a:t> </a:t>
+            </a:r>
+            <a:r>
+              <a:rPr lang="en-US" sz="2000" b="1" dirty="0" err="1">
+                <a:solidFill>
+                  <a:srgbClr val="3C9FF2"/>
+                </a:solidFill>
+                <a:latin typeface="Inconsolata" panose="020B0609030003000000" pitchFamily="49" charset="77"/>
+              </a:rPr>
+              <a:t>plt</a:t>
+            </a:r>
+            <a:r>
+              <a:rPr lang="en-US" sz="2000" b="1" dirty="0">
+                <a:solidFill>
+                  <a:srgbClr val="000000"/>
+                </a:solidFill>
+                <a:latin typeface="Inconsolata" panose="020B0609030003000000" pitchFamily="49" charset="77"/>
+              </a:rPr>
+              <a:t> </a:t>
+            </a:r>
+            <a:endParaRPr lang="en-US" sz="2000" b="1" dirty="0">
+              <a:solidFill>
+                <a:srgbClr val="34A327"/>
+              </a:solidFill>
+              <a:latin typeface="Inconsolata" panose="020B0609030003000000" pitchFamily="49" charset="77"/>
+            </a:endParaRPr>
+          </a:p>
+          <a:p>
+            <a:pPr marL="0" indent="0">
+              <a:buNone/>
+            </a:pPr>
+            <a:r>
+              <a:rPr lang="en-US" sz="2000" b="1" dirty="0" err="1">
+                <a:solidFill>
+                  <a:srgbClr val="000000"/>
+                </a:solidFill>
+                <a:latin typeface="Inconsolata" panose="020B0609030003000000" pitchFamily="49" charset="77"/>
+              </a:rPr>
+              <a:t>img</a:t>
+            </a:r>
+            <a:r>
+              <a:rPr lang="en-US" sz="2000" b="1" dirty="0">
+                <a:solidFill>
+                  <a:srgbClr val="000000"/>
+                </a:solidFill>
+                <a:latin typeface="Inconsolata" panose="020B0609030003000000" pitchFamily="49" charset="77"/>
+              </a:rPr>
+              <a:t> = </a:t>
+            </a:r>
+            <a:r>
+              <a:rPr lang="en-US" sz="2000" b="1" dirty="0" err="1">
+                <a:solidFill>
+                  <a:srgbClr val="000000"/>
+                </a:solidFill>
+                <a:latin typeface="Inconsolata" panose="020B0609030003000000" pitchFamily="49" charset="77"/>
+              </a:rPr>
+              <a:t>plt.imread</a:t>
+            </a:r>
+            <a:r>
+              <a:rPr lang="en-US" sz="2000" b="1" dirty="0">
+                <a:solidFill>
+                  <a:srgbClr val="000000"/>
+                </a:solidFill>
+                <a:latin typeface="Inconsolata" panose="020B0609030003000000" pitchFamily="49" charset="77"/>
+              </a:rPr>
+              <a:t>("</a:t>
+            </a:r>
+            <a:r>
+              <a:rPr lang="en-US" sz="2000" b="1" dirty="0" err="1">
+                <a:solidFill>
+                  <a:srgbClr val="000000"/>
+                </a:solidFill>
+                <a:latin typeface="Inconsolata" panose="020B0609030003000000" pitchFamily="49" charset="77"/>
+              </a:rPr>
+              <a:t>flower.jpg</a:t>
+            </a:r>
+            <a:r>
+              <a:rPr lang="en-US" sz="2000" b="1" dirty="0">
+                <a:solidFill>
+                  <a:srgbClr val="000000"/>
+                </a:solidFill>
+                <a:latin typeface="Inconsolata" panose="020B0609030003000000" pitchFamily="49" charset="77"/>
+              </a:rPr>
+              <a:t>")</a:t>
+            </a:r>
+            <a:endParaRPr lang="en-US" altLang="en-US" sz="2000" dirty="0">
+              <a:latin typeface="Gill Sans MT" panose="020B0502020104020203" pitchFamily="34" charset="77"/>
+              <a:ea typeface="ＭＳ Ｐゴシック" panose="020B0600070205080204" pitchFamily="34" charset="-128"/>
+            </a:endParaRPr>
+          </a:p>
+          <a:p>
+            <a:pPr marL="0" indent="0">
+              <a:buNone/>
+            </a:pPr>
+            <a:r>
+              <a:rPr lang="en-US" altLang="en-US" sz="2000" b="1" dirty="0">
+                <a:latin typeface="Inconsolata" panose="020B0609030003000000" pitchFamily="49" charset="77"/>
+                <a:ea typeface="ＭＳ Ｐゴシック" panose="020B0600070205080204" pitchFamily="34" charset="-128"/>
+              </a:rPr>
+              <a:t>fig, </a:t>
+            </a:r>
+            <a:r>
+              <a:rPr lang="en-US" altLang="en-US" sz="2000" b="1" dirty="0" err="1">
+                <a:latin typeface="Inconsolata" panose="020B0609030003000000" pitchFamily="49" charset="77"/>
+                <a:ea typeface="ＭＳ Ｐゴシック" panose="020B0600070205080204" pitchFamily="34" charset="-128"/>
+              </a:rPr>
+              <a:t>axs</a:t>
+            </a:r>
+            <a:r>
+              <a:rPr lang="en-US" altLang="en-US" sz="2000" b="1" dirty="0">
+                <a:latin typeface="Inconsolata" panose="020B0609030003000000" pitchFamily="49" charset="77"/>
+                <a:ea typeface="ＭＳ Ｐゴシック" panose="020B0600070205080204" pitchFamily="34" charset="-128"/>
+              </a:rPr>
+              <a:t> = </a:t>
+            </a:r>
+            <a:r>
+              <a:rPr lang="en-US" altLang="en-US" sz="2000" b="1" dirty="0" err="1">
+                <a:latin typeface="Inconsolata" panose="020B0609030003000000" pitchFamily="49" charset="77"/>
+                <a:ea typeface="ＭＳ Ｐゴシック" panose="020B0600070205080204" pitchFamily="34" charset="-128"/>
+              </a:rPr>
+              <a:t>plt.subplots</a:t>
+            </a:r>
+            <a:r>
+              <a:rPr lang="en-US" altLang="en-US" sz="2000" b="1" dirty="0">
+                <a:latin typeface="Inconsolata" panose="020B0609030003000000" pitchFamily="49" charset="77"/>
+                <a:ea typeface="ＭＳ Ｐゴシック" panose="020B0600070205080204" pitchFamily="34" charset="-128"/>
+              </a:rPr>
+              <a:t>(</a:t>
+            </a:r>
+            <a:r>
+              <a:rPr lang="en-US" altLang="en-US" sz="2000" b="1" dirty="0" err="1">
+                <a:latin typeface="Inconsolata" panose="020B0609030003000000" pitchFamily="49" charset="77"/>
+                <a:ea typeface="ＭＳ Ｐゴシック" panose="020B0600070205080204" pitchFamily="34" charset="-128"/>
+              </a:rPr>
+              <a:t>nrows</a:t>
+            </a:r>
+            <a:r>
+              <a:rPr lang="en-US" altLang="en-US" sz="2000" b="1" dirty="0">
+                <a:latin typeface="Inconsolata" panose="020B0609030003000000" pitchFamily="49" charset="77"/>
+                <a:ea typeface="ＭＳ Ｐゴシック" panose="020B0600070205080204" pitchFamily="34" charset="-128"/>
+              </a:rPr>
+              <a:t>=1, </a:t>
+            </a:r>
+            <a:r>
+              <a:rPr lang="en-US" altLang="en-US" sz="2000" b="1" dirty="0" err="1">
+                <a:latin typeface="Inconsolata" panose="020B0609030003000000" pitchFamily="49" charset="77"/>
+                <a:ea typeface="ＭＳ Ｐゴシック" panose="020B0600070205080204" pitchFamily="34" charset="-128"/>
+              </a:rPr>
+              <a:t>ncols</a:t>
+            </a:r>
+            <a:r>
+              <a:rPr lang="en-US" altLang="en-US" sz="2000" b="1" dirty="0">
+                <a:latin typeface="Inconsolata" panose="020B0609030003000000" pitchFamily="49" charset="77"/>
+                <a:ea typeface="ＭＳ Ｐゴシック" panose="020B0600070205080204" pitchFamily="34" charset="-128"/>
+              </a:rPr>
+              <a:t>=3, </a:t>
+            </a:r>
+            <a:r>
+              <a:rPr lang="en-US" altLang="en-US" sz="2000" b="1" dirty="0" err="1">
+                <a:latin typeface="Inconsolata" panose="020B0609030003000000" pitchFamily="49" charset="77"/>
+                <a:ea typeface="ＭＳ Ｐゴシック" panose="020B0600070205080204" pitchFamily="34" charset="-128"/>
+              </a:rPr>
+              <a:t>figsize</a:t>
+            </a:r>
+            <a:r>
+              <a:rPr lang="en-US" altLang="en-US" sz="2000" b="1" dirty="0">
+                <a:latin typeface="Inconsolata" panose="020B0609030003000000" pitchFamily="49" charset="77"/>
+                <a:ea typeface="ＭＳ Ｐゴシック" panose="020B0600070205080204" pitchFamily="34" charset="-128"/>
+              </a:rPr>
+              <a:t>=(15,5))</a:t>
+            </a:r>
+          </a:p>
+          <a:p>
+            <a:pPr marL="0" indent="0">
+              <a:buNone/>
+            </a:pPr>
+            <a:r>
+              <a:rPr lang="en-US" altLang="en-US" sz="2000" b="1" dirty="0">
+                <a:latin typeface="Inconsolata" panose="020B0609030003000000" pitchFamily="49" charset="77"/>
+                <a:ea typeface="ＭＳ Ｐゴシック" panose="020B0600070205080204" pitchFamily="34" charset="-128"/>
+              </a:rPr>
+              <a:t>red = </a:t>
+            </a:r>
+            <a:r>
+              <a:rPr lang="en-US" altLang="en-US" sz="2000" b="1" dirty="0" err="1">
+                <a:latin typeface="Inconsolata" panose="020B0609030003000000" pitchFamily="49" charset="77"/>
+                <a:ea typeface="ＭＳ Ｐゴシック" panose="020B0600070205080204" pitchFamily="34" charset="-128"/>
+              </a:rPr>
+              <a:t>np.zeros</a:t>
+            </a:r>
+            <a:r>
+              <a:rPr lang="en-US" altLang="en-US" sz="2000" b="1" dirty="0">
+                <a:latin typeface="Inconsolata" panose="020B0609030003000000" pitchFamily="49" charset="77"/>
+                <a:ea typeface="ＭＳ Ｐゴシック" panose="020B0600070205080204" pitchFamily="34" charset="-128"/>
+              </a:rPr>
+              <a:t>(</a:t>
+            </a:r>
+            <a:r>
+              <a:rPr lang="en-US" altLang="en-US" sz="2000" b="1" dirty="0" err="1">
+                <a:latin typeface="Inconsolata" panose="020B0609030003000000" pitchFamily="49" charset="77"/>
+                <a:ea typeface="ＭＳ Ｐゴシック" panose="020B0600070205080204" pitchFamily="34" charset="-128"/>
+              </a:rPr>
+              <a:t>img.shape,dtype</a:t>
+            </a:r>
+            <a:r>
+              <a:rPr lang="en-US" altLang="en-US" sz="2000" b="1" dirty="0">
+                <a:latin typeface="Inconsolata" panose="020B0609030003000000" pitchFamily="49" charset="77"/>
+                <a:ea typeface="ＭＳ Ｐゴシック" panose="020B0600070205080204" pitchFamily="34" charset="-128"/>
+              </a:rPr>
+              <a:t>="uint8")    </a:t>
+            </a:r>
+          </a:p>
+          <a:p>
+            <a:pPr marL="0" indent="0">
+              <a:buNone/>
+            </a:pPr>
+            <a:r>
+              <a:rPr lang="en-US" altLang="en-US" sz="2000" b="1" dirty="0">
+                <a:latin typeface="Inconsolata" panose="020B0609030003000000" pitchFamily="49" charset="77"/>
+                <a:ea typeface="ＭＳ Ｐゴシック" panose="020B0600070205080204" pitchFamily="34" charset="-128"/>
+              </a:rPr>
+              <a:t>red[:,:,0] = </a:t>
+            </a:r>
+            <a:r>
+              <a:rPr lang="en-US" altLang="en-US" sz="2000" b="1" dirty="0" err="1">
+                <a:latin typeface="Inconsolata" panose="020B0609030003000000" pitchFamily="49" charset="77"/>
+                <a:ea typeface="ＭＳ Ｐゴシック" panose="020B0600070205080204" pitchFamily="34" charset="-128"/>
+              </a:rPr>
+              <a:t>img</a:t>
+            </a:r>
+            <a:r>
+              <a:rPr lang="en-US" altLang="en-US" sz="2000" b="1" dirty="0">
+                <a:latin typeface="Inconsolata" panose="020B0609030003000000" pitchFamily="49" charset="77"/>
+                <a:ea typeface="ＭＳ Ｐゴシック" panose="020B0600070205080204" pitchFamily="34" charset="-128"/>
+              </a:rPr>
+              <a:t>[:,:,0]</a:t>
+            </a:r>
+          </a:p>
+          <a:p>
+            <a:pPr marL="0" indent="0">
+              <a:buNone/>
+            </a:pPr>
+            <a:r>
+              <a:rPr lang="en-US" altLang="en-US" sz="2000" b="1" dirty="0">
+                <a:latin typeface="INCONSOLATA" panose="020B0609030003000000" pitchFamily="49" charset="77"/>
+                <a:ea typeface="ＭＳ Ｐゴシック" panose="020B0600070205080204" pitchFamily="34" charset="-128"/>
+                <a:cs typeface="InaiMathi" pitchFamily="2" charset="0"/>
+              </a:rPr>
+              <a:t># similarly for blue and green</a:t>
+            </a:r>
+          </a:p>
+          <a:p>
+            <a:pPr marL="0" indent="0">
+              <a:buNone/>
+            </a:pPr>
+            <a:r>
+              <a:rPr lang="en-US" altLang="en-US" sz="2000" b="1" dirty="0" err="1">
+                <a:latin typeface="INCONSOLATA" panose="020B0609030003000000" pitchFamily="49" charset="77"/>
+                <a:ea typeface="ＭＳ Ｐゴシック" panose="020B0600070205080204" pitchFamily="34" charset="-128"/>
+                <a:cs typeface="InaiMathi" pitchFamily="2" charset="0"/>
+              </a:rPr>
+              <a:t>axs</a:t>
+            </a:r>
+            <a:r>
+              <a:rPr lang="en-US" altLang="en-US" sz="2000" b="1" dirty="0">
+                <a:latin typeface="INCONSOLATA" panose="020B0609030003000000" pitchFamily="49" charset="77"/>
+                <a:ea typeface="ＭＳ Ｐゴシック" panose="020B0600070205080204" pitchFamily="34" charset="-128"/>
+                <a:cs typeface="InaiMathi" pitchFamily="2" charset="0"/>
+              </a:rPr>
+              <a:t>[0].</a:t>
+            </a:r>
+            <a:r>
+              <a:rPr lang="en-US" altLang="en-US" sz="2000" b="1" dirty="0" err="1">
+                <a:latin typeface="INCONSOLATA" panose="020B0609030003000000" pitchFamily="49" charset="77"/>
+                <a:ea typeface="ＭＳ Ｐゴシック" panose="020B0600070205080204" pitchFamily="34" charset="-128"/>
+                <a:cs typeface="InaiMathi" pitchFamily="2" charset="0"/>
+              </a:rPr>
+              <a:t>imshow</a:t>
+            </a:r>
+            <a:r>
+              <a:rPr lang="en-US" altLang="en-US" sz="2000" b="1" dirty="0">
+                <a:latin typeface="INCONSOLATA" panose="020B0609030003000000" pitchFamily="49" charset="77"/>
+                <a:ea typeface="ＭＳ Ｐゴシック" panose="020B0600070205080204" pitchFamily="34" charset="-128"/>
+                <a:cs typeface="InaiMathi" pitchFamily="2" charset="0"/>
+              </a:rPr>
+              <a:t>(red)</a:t>
+            </a:r>
+          </a:p>
+          <a:p>
+            <a:pPr marL="0" indent="0">
+              <a:buNone/>
+            </a:pPr>
+            <a:r>
+              <a:rPr lang="en-US" altLang="en-US" sz="2000" b="1" dirty="0" err="1">
+                <a:latin typeface="INCONSOLATA" panose="020B0609030003000000" pitchFamily="49" charset="77"/>
+                <a:ea typeface="ＭＳ Ｐゴシック" panose="020B0600070205080204" pitchFamily="34" charset="-128"/>
+                <a:cs typeface="InaiMathi" pitchFamily="2" charset="0"/>
+              </a:rPr>
+              <a:t>axs</a:t>
+            </a:r>
+            <a:r>
+              <a:rPr lang="en-US" altLang="en-US" sz="2000" b="1" dirty="0">
+                <a:latin typeface="INCONSOLATA" panose="020B0609030003000000" pitchFamily="49" charset="77"/>
+                <a:ea typeface="ＭＳ Ｐゴシック" panose="020B0600070205080204" pitchFamily="34" charset="-128"/>
+                <a:cs typeface="InaiMathi" pitchFamily="2" charset="0"/>
+              </a:rPr>
+              <a:t>[1].</a:t>
+            </a:r>
+            <a:r>
+              <a:rPr lang="en-US" altLang="en-US" sz="2000" b="1" dirty="0" err="1">
+                <a:latin typeface="INCONSOLATA" panose="020B0609030003000000" pitchFamily="49" charset="77"/>
+                <a:ea typeface="ＭＳ Ｐゴシック" panose="020B0600070205080204" pitchFamily="34" charset="-128"/>
+                <a:cs typeface="InaiMathi" pitchFamily="2" charset="0"/>
+              </a:rPr>
+              <a:t>imshow</a:t>
+            </a:r>
+            <a:r>
+              <a:rPr lang="en-US" altLang="en-US" sz="2000" b="1" dirty="0">
+                <a:latin typeface="INCONSOLATA" panose="020B0609030003000000" pitchFamily="49" charset="77"/>
+                <a:ea typeface="ＭＳ Ｐゴシック" panose="020B0600070205080204" pitchFamily="34" charset="-128"/>
+                <a:cs typeface="InaiMathi" pitchFamily="2" charset="0"/>
+              </a:rPr>
+              <a:t>(green)</a:t>
+            </a:r>
+          </a:p>
+          <a:p>
+            <a:pPr marL="0" indent="0">
+              <a:buNone/>
+            </a:pPr>
+            <a:r>
+              <a:rPr lang="en-US" altLang="en-US" sz="2000" b="1" dirty="0" err="1">
+                <a:latin typeface="INCONSOLATA" panose="020B0609030003000000" pitchFamily="49" charset="77"/>
+                <a:ea typeface="ＭＳ Ｐゴシック" panose="020B0600070205080204" pitchFamily="34" charset="-128"/>
+                <a:cs typeface="InaiMathi" pitchFamily="2" charset="0"/>
+              </a:rPr>
+              <a:t>axs</a:t>
+            </a:r>
+            <a:r>
+              <a:rPr lang="en-US" altLang="en-US" sz="2000" b="1" dirty="0">
+                <a:latin typeface="INCONSOLATA" panose="020B0609030003000000" pitchFamily="49" charset="77"/>
+                <a:ea typeface="ＭＳ Ｐゴシック" panose="020B0600070205080204" pitchFamily="34" charset="-128"/>
+                <a:cs typeface="InaiMathi" pitchFamily="2" charset="0"/>
+              </a:rPr>
+              <a:t>[2].</a:t>
+            </a:r>
+            <a:r>
+              <a:rPr lang="en-US" altLang="en-US" sz="2000" b="1" dirty="0" err="1">
+                <a:latin typeface="INCONSOLATA" panose="020B0609030003000000" pitchFamily="49" charset="77"/>
+                <a:ea typeface="ＭＳ Ｐゴシック" panose="020B0600070205080204" pitchFamily="34" charset="-128"/>
+                <a:cs typeface="InaiMathi" pitchFamily="2" charset="0"/>
+              </a:rPr>
+              <a:t>imshow</a:t>
+            </a:r>
+            <a:r>
+              <a:rPr lang="en-US" altLang="en-US" sz="2000" b="1" dirty="0">
+                <a:latin typeface="INCONSOLATA" panose="020B0609030003000000" pitchFamily="49" charset="77"/>
+                <a:ea typeface="ＭＳ Ｐゴシック" panose="020B0600070205080204" pitchFamily="34" charset="-128"/>
+                <a:cs typeface="InaiMathi" pitchFamily="2" charset="0"/>
+              </a:rPr>
+              <a:t>(blue)</a:t>
+            </a:r>
+          </a:p>
+        </p:txBody>
+      </p:sp>
+      <p:sp>
+        <p:nvSpPr>
+          <p:cNvPr id="38915" name="Picture 5" descr="sqrt_b^2-4ac.pdf">
+            <a:extLst>
+              <a:ext uri="{FF2B5EF4-FFF2-40B4-BE49-F238E27FC236}">
+                <a16:creationId xmlns:a16="http://schemas.microsoft.com/office/drawing/2014/main" id="{96383EC4-01AF-BA4A-B24B-794940A33441}"/>
+              </a:ext>
+            </a:extLst>
+          </p:cNvPr>
+          <p:cNvSpPr>
+            <a:spLocks noChangeAspect="1"/>
+          </p:cNvSpPr>
+          <p:nvPr/>
+        </p:nvSpPr>
+        <p:spPr bwMode="auto">
+          <a:xfrm>
+            <a:off x="791105" y="3366823"/>
+            <a:ext cx="7141104" cy="1951302"/>
+          </a:xfrm>
+          <a:prstGeom prst="rect">
+            <a:avLst/>
+          </a:prstGeom>
+          <a:noFill/>
+          <a:ln>
+            <a:noFill/>
+          </a:ln>
+          <a:extLst>
+            <a:ext uri="{909E8E84-426E-40DD-AFC4-6F175D3DCCD1}">
+              <a14:hiddenFill xmlns:a14="http://schemas.microsoft.com/office/drawing/2010/main">
+                <a:solidFill>
+                  <a:srgbClr val="FFFFFF"/>
+                </a:solidFill>
+              </a14:hiddenFill>
+            </a:ext>
+            <a:ext uri="{91240B29-F687-4F45-9708-019B960494DF}">
+              <a14:hiddenLine xmlns:a14="http://schemas.microsoft.com/office/drawing/2010/main" w="9525">
+                <a:solidFill>
+                  <a:srgbClr val="000000"/>
+                </a:solidFill>
+                <a:miter lim="800000"/>
+                <a:headEnd/>
+                <a:tailEnd/>
+              </a14:hiddenLine>
+            </a:ext>
+          </a:extLst>
+        </p:spPr>
+        <p:txBody>
+          <a:bodyPr/>
+          <a:lstStyle>
+            <a:lvl1pPr>
+              <a:spcBef>
+                <a:spcPct val="20000"/>
+              </a:spcBef>
+              <a:buChar char="•"/>
+              <a:defRPr sz="3200">
+                <a:solidFill>
+                  <a:schemeClr val="tx1"/>
+                </a:solidFill>
+                <a:latin typeface="Arial" panose="020B0604020202020204" pitchFamily="34" charset="0"/>
+                <a:ea typeface="ＭＳ Ｐゴシック" panose="020B0600070205080204" pitchFamily="34" charset="-128"/>
+                <a:cs typeface="Arial" panose="020B0604020202020204" pitchFamily="34" charset="0"/>
+              </a:defRPr>
+            </a:lvl1pPr>
+            <a:lvl2pPr marL="742950" indent="-285750">
+              <a:spcBef>
+                <a:spcPct val="20000"/>
+              </a:spcBef>
+              <a:buChar char="–"/>
+              <a:defRPr sz="2800">
+                <a:solidFill>
+                  <a:schemeClr val="tx1"/>
+                </a:solidFill>
+                <a:latin typeface="Arial" panose="020B0604020202020204" pitchFamily="34" charset="0"/>
+                <a:ea typeface="Arial" panose="020B0604020202020204" pitchFamily="34" charset="0"/>
+                <a:cs typeface="Arial" panose="020B0604020202020204" pitchFamily="34" charset="0"/>
+              </a:defRPr>
+            </a:lvl2pPr>
+            <a:lvl3pPr marL="1143000" indent="-228600">
+              <a:spcBef>
+                <a:spcPct val="20000"/>
+              </a:spcBef>
+              <a:buChar char="•"/>
+              <a:defRPr sz="2400">
+                <a:solidFill>
+                  <a:schemeClr val="tx1"/>
+                </a:solidFill>
+                <a:latin typeface="Arial" panose="020B0604020202020204" pitchFamily="34" charset="0"/>
+                <a:ea typeface="Arial" panose="020B0604020202020204" pitchFamily="34" charset="0"/>
+                <a:cs typeface="Arial" panose="020B0604020202020204" pitchFamily="34" charset="0"/>
+              </a:defRPr>
+            </a:lvl3pPr>
+            <a:lvl4pPr marL="1600200" indent="-228600">
+              <a:spcBef>
+                <a:spcPct val="20000"/>
+              </a:spcBef>
+              <a:buChar char="–"/>
+              <a:defRPr sz="2000">
+                <a:solidFill>
+                  <a:schemeClr val="tx1"/>
+                </a:solidFill>
+                <a:latin typeface="Arial" panose="020B0604020202020204" pitchFamily="34" charset="0"/>
+                <a:ea typeface="Arial" panose="020B0604020202020204" pitchFamily="34" charset="0"/>
+                <a:cs typeface="Arial" panose="020B0604020202020204" pitchFamily="34" charset="0"/>
+              </a:defRPr>
+            </a:lvl4pPr>
+            <a:lvl5pPr marL="2057400" indent="-228600">
+              <a:spcBef>
+                <a:spcPct val="20000"/>
+              </a:spcBef>
+              <a:buChar char="»"/>
+              <a:defRPr sz="2000">
+                <a:solidFill>
+                  <a:schemeClr val="tx1"/>
+                </a:solidFill>
+                <a:latin typeface="Arial" panose="020B0604020202020204" pitchFamily="34" charset="0"/>
+                <a:ea typeface="Arial" panose="020B0604020202020204" pitchFamily="34" charset="0"/>
+                <a:cs typeface="Arial" panose="020B0604020202020204" pitchFamily="34" charset="0"/>
+              </a:defRPr>
+            </a:lvl5pPr>
+            <a:lvl6pPr marL="2514600" indent="-228600" eaLnBrk="0" fontAlgn="base" hangingPunct="0">
+              <a:spcBef>
+                <a:spcPct val="20000"/>
+              </a:spcBef>
+              <a:spcAft>
+                <a:spcPct val="0"/>
+              </a:spcAft>
+              <a:buChar char="»"/>
+              <a:defRPr sz="2000">
+                <a:solidFill>
+                  <a:schemeClr val="tx1"/>
+                </a:solidFill>
+                <a:latin typeface="Arial" panose="020B0604020202020204" pitchFamily="34" charset="0"/>
+                <a:ea typeface="Arial" panose="020B0604020202020204" pitchFamily="34" charset="0"/>
+                <a:cs typeface="Arial" panose="020B0604020202020204" pitchFamily="34" charset="0"/>
+              </a:defRPr>
+            </a:lvl6pPr>
+            <a:lvl7pPr marL="2971800" indent="-228600" eaLnBrk="0" fontAlgn="base" hangingPunct="0">
+              <a:spcBef>
+                <a:spcPct val="20000"/>
+              </a:spcBef>
+              <a:spcAft>
+                <a:spcPct val="0"/>
+              </a:spcAft>
+              <a:buChar char="»"/>
+              <a:defRPr sz="2000">
+                <a:solidFill>
+                  <a:schemeClr val="tx1"/>
+                </a:solidFill>
+                <a:latin typeface="Arial" panose="020B0604020202020204" pitchFamily="34" charset="0"/>
+                <a:ea typeface="Arial" panose="020B0604020202020204" pitchFamily="34" charset="0"/>
+                <a:cs typeface="Arial" panose="020B0604020202020204" pitchFamily="34" charset="0"/>
+              </a:defRPr>
+            </a:lvl7pPr>
+            <a:lvl8pPr marL="3429000" indent="-228600" eaLnBrk="0" fontAlgn="base" hangingPunct="0">
+              <a:spcBef>
+                <a:spcPct val="20000"/>
+              </a:spcBef>
+              <a:spcAft>
+                <a:spcPct val="0"/>
+              </a:spcAft>
+              <a:buChar char="»"/>
+              <a:defRPr sz="2000">
+                <a:solidFill>
+                  <a:schemeClr val="tx1"/>
+                </a:solidFill>
+                <a:latin typeface="Arial" panose="020B0604020202020204" pitchFamily="34" charset="0"/>
+                <a:ea typeface="Arial" panose="020B0604020202020204" pitchFamily="34" charset="0"/>
+                <a:cs typeface="Arial" panose="020B0604020202020204" pitchFamily="34" charset="0"/>
+              </a:defRPr>
+            </a:lvl8pPr>
+            <a:lvl9pPr marL="3886200" indent="-228600" eaLnBrk="0" fontAlgn="base" hangingPunct="0">
+              <a:spcBef>
+                <a:spcPct val="20000"/>
+              </a:spcBef>
+              <a:spcAft>
+                <a:spcPct val="0"/>
+              </a:spcAft>
+              <a:buChar char="»"/>
+              <a:defRPr sz="2000">
+                <a:solidFill>
+                  <a:schemeClr val="tx1"/>
+                </a:solidFill>
+                <a:latin typeface="Arial" panose="020B0604020202020204" pitchFamily="34" charset="0"/>
+                <a:ea typeface="Arial" panose="020B0604020202020204" pitchFamily="34" charset="0"/>
+                <a:cs typeface="Arial" panose="020B0604020202020204" pitchFamily="34" charset="0"/>
+              </a:defRPr>
+            </a:lvl9pPr>
+          </a:lstStyle>
+          <a:p>
+            <a:pPr>
+              <a:spcBef>
+                <a:spcPct val="0"/>
+              </a:spcBef>
+              <a:buFontTx/>
+              <a:buNone/>
+            </a:pPr>
+            <a:endParaRPr lang="en-US" altLang="en-US" sz="1500"/>
+          </a:p>
+        </p:txBody>
+      </p:sp>
+      <p:sp>
+        <p:nvSpPr>
+          <p:cNvPr id="5" name="TextBox 4">
+            <a:extLst>
+              <a:ext uri="{FF2B5EF4-FFF2-40B4-BE49-F238E27FC236}">
+                <a16:creationId xmlns:a16="http://schemas.microsoft.com/office/drawing/2014/main" id="{75DF910D-BCDA-814B-AE33-5E262772747F}"/>
+              </a:ext>
+            </a:extLst>
+          </p:cNvPr>
+          <p:cNvSpPr txBox="1"/>
+          <p:nvPr/>
+        </p:nvSpPr>
+        <p:spPr>
+          <a:xfrm>
+            <a:off x="5272755" y="1478137"/>
+            <a:ext cx="2956845" cy="1200329"/>
+          </a:xfrm>
+          <a:prstGeom prst="rect">
+            <a:avLst/>
+          </a:prstGeom>
+          <a:noFill/>
+        </p:spPr>
+        <p:txBody>
+          <a:bodyPr wrap="square" rtlCol="0">
+            <a:spAutoFit/>
+          </a:bodyPr>
+          <a:lstStyle/>
+          <a:p>
+            <a:r>
+              <a:rPr lang="en-US" sz="1800" dirty="0">
+                <a:solidFill>
+                  <a:srgbClr val="FF0000"/>
+                </a:solidFill>
+              </a:rPr>
+              <a:t>Creates 3 Axes objects using 1 row and 3 columns layout.</a:t>
+            </a:r>
+          </a:p>
+          <a:p>
+            <a:endParaRPr lang="en-US" sz="1800" dirty="0">
+              <a:solidFill>
+                <a:srgbClr val="FF0000"/>
+              </a:solidFill>
+            </a:endParaRPr>
+          </a:p>
+          <a:p>
+            <a:endParaRPr lang="en-US" sz="1800" dirty="0">
+              <a:solidFill>
+                <a:srgbClr val="FF0000"/>
+              </a:solidFill>
+            </a:endParaRPr>
+          </a:p>
+        </p:txBody>
+      </p:sp>
+      <p:cxnSp>
+        <p:nvCxnSpPr>
+          <p:cNvPr id="6" name="Straight Arrow Connector 5">
+            <a:extLst>
+              <a:ext uri="{FF2B5EF4-FFF2-40B4-BE49-F238E27FC236}">
+                <a16:creationId xmlns:a16="http://schemas.microsoft.com/office/drawing/2014/main" id="{CD375954-2625-3941-A804-760A2DF2B15E}"/>
+              </a:ext>
+            </a:extLst>
+          </p:cNvPr>
+          <p:cNvCxnSpPr>
+            <a:cxnSpLocks/>
+          </p:cNvCxnSpPr>
+          <p:nvPr/>
+        </p:nvCxnSpPr>
+        <p:spPr>
+          <a:xfrm flipH="1">
+            <a:off x="5516525" y="2090820"/>
+            <a:ext cx="1256615" cy="386229"/>
+          </a:xfrm>
+          <a:prstGeom prst="straightConnector1">
+            <a:avLst/>
+          </a:prstGeom>
+          <a:ln w="25400">
+            <a:solidFill>
+              <a:schemeClr val="tx1"/>
+            </a:solidFill>
+            <a:tailEnd type="triangle"/>
+          </a:ln>
+        </p:spPr>
+        <p:style>
+          <a:lnRef idx="1">
+            <a:schemeClr val="accent1"/>
+          </a:lnRef>
+          <a:fillRef idx="0">
+            <a:schemeClr val="accent1"/>
+          </a:fillRef>
+          <a:effectRef idx="0">
+            <a:schemeClr val="accent1"/>
+          </a:effectRef>
+          <a:fontRef idx="minor">
+            <a:schemeClr val="tx1"/>
+          </a:fontRef>
+        </p:style>
+      </p:cxnSp>
+      <p:sp>
+        <p:nvSpPr>
+          <p:cNvPr id="9" name="TextBox 8">
+            <a:extLst>
+              <a:ext uri="{FF2B5EF4-FFF2-40B4-BE49-F238E27FC236}">
+                <a16:creationId xmlns:a16="http://schemas.microsoft.com/office/drawing/2014/main" id="{69761A01-1D14-8949-B413-803644E65921}"/>
+              </a:ext>
+            </a:extLst>
+          </p:cNvPr>
+          <p:cNvSpPr txBox="1"/>
+          <p:nvPr/>
+        </p:nvSpPr>
+        <p:spPr>
+          <a:xfrm>
+            <a:off x="6773140" y="3774896"/>
+            <a:ext cx="2318137" cy="923330"/>
+          </a:xfrm>
+          <a:prstGeom prst="rect">
+            <a:avLst/>
+          </a:prstGeom>
+          <a:noFill/>
+        </p:spPr>
+        <p:txBody>
+          <a:bodyPr wrap="square" rtlCol="0">
+            <a:spAutoFit/>
+          </a:bodyPr>
+          <a:lstStyle/>
+          <a:p>
+            <a:r>
+              <a:rPr lang="en-US" sz="1800" dirty="0">
+                <a:solidFill>
+                  <a:srgbClr val="FF0000"/>
+                </a:solidFill>
+              </a:rPr>
+              <a:t>(width, height) of Figure object</a:t>
+            </a:r>
+          </a:p>
+          <a:p>
+            <a:endParaRPr lang="en-US" sz="1800" dirty="0">
+              <a:solidFill>
+                <a:srgbClr val="FF0000"/>
+              </a:solidFill>
+            </a:endParaRPr>
+          </a:p>
+        </p:txBody>
+      </p:sp>
+      <p:cxnSp>
+        <p:nvCxnSpPr>
+          <p:cNvPr id="10" name="Straight Arrow Connector 9">
+            <a:extLst>
+              <a:ext uri="{FF2B5EF4-FFF2-40B4-BE49-F238E27FC236}">
+                <a16:creationId xmlns:a16="http://schemas.microsoft.com/office/drawing/2014/main" id="{1EDCEE4F-12DB-C440-A68D-9EF5BC29E8AE}"/>
+              </a:ext>
+            </a:extLst>
+          </p:cNvPr>
+          <p:cNvCxnSpPr>
+            <a:cxnSpLocks/>
+          </p:cNvCxnSpPr>
+          <p:nvPr/>
+        </p:nvCxnSpPr>
+        <p:spPr>
+          <a:xfrm flipV="1">
+            <a:off x="7492710" y="3060966"/>
+            <a:ext cx="0" cy="713930"/>
+          </a:xfrm>
+          <a:prstGeom prst="straightConnector1">
+            <a:avLst/>
+          </a:prstGeom>
+          <a:ln w="25400">
+            <a:solidFill>
+              <a:schemeClr val="tx1"/>
+            </a:solidFill>
+            <a:tailEnd type="triangle"/>
+          </a:ln>
+        </p:spPr>
+        <p:style>
+          <a:lnRef idx="1">
+            <a:schemeClr val="accent1"/>
+          </a:lnRef>
+          <a:fillRef idx="0">
+            <a:schemeClr val="accent1"/>
+          </a:fillRef>
+          <a:effectRef idx="0">
+            <a:schemeClr val="accent1"/>
+          </a:effectRef>
+          <a:fontRef idx="minor">
+            <a:schemeClr val="tx1"/>
+          </a:fontRef>
+        </p:style>
+      </p:cxnSp>
+    </p:spTree>
+    <p:extLst>
+      <p:ext uri="{BB962C8B-B14F-4D97-AF65-F5344CB8AC3E}">
+        <p14:creationId xmlns:p14="http://schemas.microsoft.com/office/powerpoint/2010/main" val="1747981943"/>
+      </p:ext>
+    </p:extLst>
+  </p:cSld>
+  <p:clrMapOvr>
+    <a:masterClrMapping/>
+  </p:clrMapOvr>
+  <p:transition/>
+  <p:timing>
+    <p:tnLst>
+      <p:par>
+        <p:cTn id="1" dur="indefinite" restart="never" nodeType="tmRoot">
+          <p:childTnLst>
+            <p:seq concurrent="1" nextAc="seek">
+              <p:cTn id="2" dur="indefinite" nodeType="mainSeq">
+                <p:childTnLst>
+                  <p:par>
+                    <p:cTn id="3" fill="hold">
+                      <p:stCondLst>
+                        <p:cond delay="indefinite"/>
+                      </p:stCondLst>
+                      <p:childTnLst>
+                        <p:par>
+                          <p:cTn id="4" fill="hold">
+                            <p:stCondLst>
+                              <p:cond delay="0"/>
+                            </p:stCondLst>
+                            <p:childTnLst>
+                              <p:par>
+                                <p:cTn id="5" presetID="1" presetClass="entr" presetSubtype="0" fill="hold" nodeType="clickEffect">
+                                  <p:stCondLst>
+                                    <p:cond delay="0"/>
+                                  </p:stCondLst>
+                                  <p:childTnLst>
+                                    <p:set>
+                                      <p:cBhvr>
+                                        <p:cTn id="6" dur="1" fill="hold">
+                                          <p:stCondLst>
+                                            <p:cond delay="0"/>
+                                          </p:stCondLst>
+                                        </p:cTn>
+                                        <p:tgtEl>
+                                          <p:spTgt spid="16386">
+                                            <p:txEl>
+                                              <p:pRg st="5" end="5"/>
+                                            </p:txEl>
+                                          </p:spTgt>
+                                        </p:tgtEl>
+                                        <p:attrNameLst>
+                                          <p:attrName>style.visibility</p:attrName>
+                                        </p:attrNameLst>
+                                      </p:cBhvr>
+                                      <p:to>
+                                        <p:strVal val="visible"/>
+                                      </p:to>
+                                    </p:set>
+                                  </p:childTnLst>
+                                </p:cTn>
+                              </p:par>
+                            </p:childTnLst>
+                          </p:cTn>
+                        </p:par>
+                      </p:childTnLst>
+                    </p:cTn>
+                  </p:par>
+                  <p:par>
+                    <p:cTn id="7" fill="hold">
+                      <p:stCondLst>
+                        <p:cond delay="indefinite"/>
+                      </p:stCondLst>
+                      <p:childTnLst>
+                        <p:par>
+                          <p:cTn id="8" fill="hold">
+                            <p:stCondLst>
+                              <p:cond delay="0"/>
+                            </p:stCondLst>
+                            <p:childTnLst>
+                              <p:par>
+                                <p:cTn id="9" presetID="1" presetClass="entr" presetSubtype="0" fill="hold" nodeType="clickEffect">
+                                  <p:stCondLst>
+                                    <p:cond delay="0"/>
+                                  </p:stCondLst>
+                                  <p:childTnLst>
+                                    <p:set>
+                                      <p:cBhvr>
+                                        <p:cTn id="10" dur="1" fill="hold">
+                                          <p:stCondLst>
+                                            <p:cond delay="0"/>
+                                          </p:stCondLst>
+                                        </p:cTn>
+                                        <p:tgtEl>
+                                          <p:spTgt spid="16386">
+                                            <p:txEl>
+                                              <p:pRg st="6" end="6"/>
+                                            </p:txEl>
+                                          </p:spTgt>
+                                        </p:tgtEl>
+                                        <p:attrNameLst>
+                                          <p:attrName>style.visibility</p:attrName>
+                                        </p:attrNameLst>
+                                      </p:cBhvr>
+                                      <p:to>
+                                        <p:strVal val="visible"/>
+                                      </p:to>
+                                    </p:set>
+                                  </p:childTnLst>
+                                </p:cTn>
+                              </p:par>
+                            </p:childTnLst>
+                          </p:cTn>
+                        </p:par>
+                      </p:childTnLst>
+                    </p:cTn>
+                  </p:par>
+                  <p:par>
+                    <p:cTn id="11" fill="hold">
+                      <p:stCondLst>
+                        <p:cond delay="indefinite"/>
+                      </p:stCondLst>
+                      <p:childTnLst>
+                        <p:par>
+                          <p:cTn id="12" fill="hold">
+                            <p:stCondLst>
+                              <p:cond delay="0"/>
+                            </p:stCondLst>
+                            <p:childTnLst>
+                              <p:par>
+                                <p:cTn id="13" presetID="1" presetClass="entr" presetSubtype="0" fill="hold" nodeType="clickEffect">
+                                  <p:stCondLst>
+                                    <p:cond delay="0"/>
+                                  </p:stCondLst>
+                                  <p:childTnLst>
+                                    <p:set>
+                                      <p:cBhvr>
+                                        <p:cTn id="14" dur="1" fill="hold">
+                                          <p:stCondLst>
+                                            <p:cond delay="0"/>
+                                          </p:stCondLst>
+                                        </p:cTn>
+                                        <p:tgtEl>
+                                          <p:spTgt spid="16386">
+                                            <p:txEl>
+                                              <p:pRg st="7" end="7"/>
+                                            </p:txEl>
+                                          </p:spTgt>
+                                        </p:tgtEl>
+                                        <p:attrNameLst>
+                                          <p:attrName>style.visibility</p:attrName>
+                                        </p:attrNameLst>
+                                      </p:cBhvr>
+                                      <p:to>
+                                        <p:strVal val="visible"/>
+                                      </p:to>
+                                    </p:set>
+                                  </p:childTnLst>
+                                </p:cTn>
+                              </p:par>
+                            </p:childTnLst>
+                          </p:cTn>
+                        </p:par>
+                      </p:childTnLst>
+                    </p:cTn>
+                  </p:par>
+                  <p:par>
+                    <p:cTn id="15" fill="hold">
+                      <p:stCondLst>
+                        <p:cond delay="indefinite"/>
+                      </p:stCondLst>
+                      <p:childTnLst>
+                        <p:par>
+                          <p:cTn id="16" fill="hold">
+                            <p:stCondLst>
+                              <p:cond delay="0"/>
+                            </p:stCondLst>
+                            <p:childTnLst>
+                              <p:par>
+                                <p:cTn id="17" presetID="1" presetClass="entr" presetSubtype="0" fill="hold" nodeType="clickEffect">
+                                  <p:stCondLst>
+                                    <p:cond delay="0"/>
+                                  </p:stCondLst>
+                                  <p:childTnLst>
+                                    <p:set>
+                                      <p:cBhvr>
+                                        <p:cTn id="18" dur="1" fill="hold">
+                                          <p:stCondLst>
+                                            <p:cond delay="0"/>
+                                          </p:stCondLst>
+                                        </p:cTn>
+                                        <p:tgtEl>
+                                          <p:spTgt spid="16386">
+                                            <p:txEl>
+                                              <p:pRg st="8" end="8"/>
+                                            </p:txEl>
+                                          </p:spTgt>
+                                        </p:tgtEl>
+                                        <p:attrNameLst>
+                                          <p:attrName>style.visibility</p:attrName>
+                                        </p:attrNameLst>
+                                      </p:cBhvr>
+                                      <p:to>
+                                        <p:strVal val="visible"/>
+                                      </p:to>
+                                    </p:set>
+                                  </p:childTnLst>
+                                </p:cTn>
+                              </p:par>
+                              <p:par>
+                                <p:cTn id="19" presetID="1" presetClass="entr" presetSubtype="0" fill="hold" nodeType="withEffect">
+                                  <p:stCondLst>
+                                    <p:cond delay="0"/>
+                                  </p:stCondLst>
+                                  <p:childTnLst>
+                                    <p:set>
+                                      <p:cBhvr>
+                                        <p:cTn id="20" dur="1" fill="hold">
+                                          <p:stCondLst>
+                                            <p:cond delay="0"/>
+                                          </p:stCondLst>
+                                        </p:cTn>
+                                        <p:tgtEl>
+                                          <p:spTgt spid="16386">
+                                            <p:txEl>
+                                              <p:pRg st="9" end="9"/>
+                                            </p:txEl>
+                                          </p:spTgt>
+                                        </p:tgtEl>
+                                        <p:attrNameLst>
+                                          <p:attrName>style.visibility</p:attrName>
+                                        </p:attrNameLst>
+                                      </p:cBhvr>
+                                      <p:to>
+                                        <p:strVal val="visible"/>
+                                      </p:to>
+                                    </p:set>
+                                  </p:childTnLst>
+                                </p:cTn>
+                              </p:par>
+                              <p:par>
+                                <p:cTn id="21" presetID="1" presetClass="entr" presetSubtype="0" fill="hold" nodeType="withEffect">
+                                  <p:stCondLst>
+                                    <p:cond delay="0"/>
+                                  </p:stCondLst>
+                                  <p:childTnLst>
+                                    <p:set>
+                                      <p:cBhvr>
+                                        <p:cTn id="22" dur="1" fill="hold">
+                                          <p:stCondLst>
+                                            <p:cond delay="0"/>
+                                          </p:stCondLst>
+                                        </p:cTn>
+                                        <p:tgtEl>
+                                          <p:spTgt spid="16386">
+                                            <p:txEl>
+                                              <p:pRg st="10" end="10"/>
+                                            </p:txEl>
+                                          </p:spTgt>
+                                        </p:tgtEl>
+                                        <p:attrNameLst>
+                                          <p:attrName>style.visibility</p:attrName>
+                                        </p:attrNameLst>
+                                      </p:cBhvr>
+                                      <p:to>
+                                        <p:strVal val="visible"/>
+                                      </p:to>
+                                    </p:set>
+                                  </p:childTnLst>
+                                </p:cTn>
+                              </p:par>
+                            </p:childTnLst>
+                          </p:cTn>
+                        </p:par>
+                      </p:childTnLst>
+                    </p:cTn>
+                  </p:par>
+                </p:childTnLst>
+              </p:cTn>
+              <p:prevCondLst>
+                <p:cond evt="onPrev" delay="0">
+                  <p:tgtEl>
+                    <p:sldTgt/>
+                  </p:tgtEl>
+                </p:cond>
+              </p:prevCondLst>
+              <p:nextCondLst>
+                <p:cond evt="onNext" delay="0">
+                  <p:tgtEl>
+                    <p:sldTgt/>
+                  </p:tgtEl>
+                </p:cond>
+              </p:nextCondLst>
+            </p:seq>
+          </p:childTnLst>
+        </p:cTn>
+      </p:par>
+    </p:tnLst>
+  </p:timing>
+</p:sld>
+</file>
+
+<file path=ppt/slides/slide27.xml><?xml version="1.0" encoding="utf-8"?>
+<p:sld xmlns:a="http://schemas.openxmlformats.org/drawingml/2006/main" xmlns:r="http://schemas.openxmlformats.org/officeDocument/2006/relationships" xmlns:p="http://schemas.openxmlformats.org/presentationml/2006/main">
+  <p:cSld>
+    <p:spTree>
+      <p:nvGrpSpPr>
+        <p:cNvPr id="1" name=""/>
+        <p:cNvGrpSpPr/>
+        <p:nvPr/>
+      </p:nvGrpSpPr>
+      <p:grpSpPr>
+        <a:xfrm>
+          <a:off x="0" y="0"/>
+          <a:ext cx="0" cy="0"/>
+          <a:chOff x="0" y="0"/>
+          <a:chExt cx="0" cy="0"/>
+        </a:xfrm>
+      </p:grpSpPr>
+      <p:sp>
+        <p:nvSpPr>
+          <p:cNvPr id="38913" name="Rectangle 2">
+            <a:extLst>
+              <a:ext uri="{FF2B5EF4-FFF2-40B4-BE49-F238E27FC236}">
+                <a16:creationId xmlns:a16="http://schemas.microsoft.com/office/drawing/2014/main" id="{01ABAB85-1B1D-E842-8BF4-B8AF13377E9C}"/>
+              </a:ext>
+            </a:extLst>
+          </p:cNvPr>
+          <p:cNvSpPr>
+            <a:spLocks noGrp="1" noChangeArrowheads="1"/>
+          </p:cNvSpPr>
+          <p:nvPr>
+            <p:ph type="title"/>
+          </p:nvPr>
+        </p:nvSpPr>
+        <p:spPr>
+          <a:xfrm>
             <a:off x="182880" y="127000"/>
             <a:ext cx="7886700" cy="832591"/>
           </a:xfrm>
@@ -28525,7 +30152,7 @@
                 <a:latin typeface="Gill Sans MT" panose="020B0502020104020203" pitchFamily="34" charset="77"/>
                 <a:ea typeface="ＭＳ Ｐゴシック" panose="020B0600070205080204" pitchFamily="34" charset="-128"/>
               </a:rPr>
-              <a:t>Let's generalize this and put our code into a loop to extract all three components, create three set of axes on Matplotlib and plot all components!</a:t>
+              <a:t>We can write the previous code using a for loop instead.</a:t>
             </a:r>
           </a:p>
           <a:p>
@@ -29366,7 +30993,7 @@
     </p:spTree>
     <p:extLst>
       <p:ext uri="{BB962C8B-B14F-4D97-AF65-F5344CB8AC3E}">
-        <p14:creationId xmlns:p14="http://schemas.microsoft.com/office/powerpoint/2010/main" val="1747981943"/>
+        <p14:creationId xmlns:p14="http://schemas.microsoft.com/office/powerpoint/2010/main" val="4062651269"/>
       </p:ext>
     </p:extLst>
   </p:cSld>
@@ -29777,7 +31404,7 @@
 </p:sld>
 </file>
 
-<file path=ppt/slides/slide27.xml><?xml version="1.0" encoding="utf-8"?>
+<file path=ppt/slides/slide28.xml><?xml version="1.0" encoding="utf-8"?>
 <p:sld xmlns:a="http://schemas.openxmlformats.org/drawingml/2006/main" xmlns:r="http://schemas.openxmlformats.org/officeDocument/2006/relationships" xmlns:p="http://schemas.openxmlformats.org/presentationml/2006/main">
   <p:cSld>
     <p:spTree>
@@ -30160,7 +31787,7 @@
     </p:spTree>
     <p:extLst>
       <p:ext uri="{BB962C8B-B14F-4D97-AF65-F5344CB8AC3E}">
-        <p14:creationId xmlns:p14="http://schemas.microsoft.com/office/powerpoint/2010/main" val="2266750116"/>
+        <p14:creationId xmlns:p14="http://schemas.microsoft.com/office/powerpoint/2010/main" val="96411446"/>
       </p:ext>
     </p:extLst>
   </p:cSld>
@@ -30171,7 +31798,7 @@
 </p:sld>
 </file>
 
-<file path=ppt/slides/slide28.xml><?xml version="1.0" encoding="utf-8"?>
+<file path=ppt/slides/slide29.xml><?xml version="1.0" encoding="utf-8"?>
 <p:sld xmlns:a="http://schemas.openxmlformats.org/drawingml/2006/main" xmlns:r="http://schemas.openxmlformats.org/officeDocument/2006/relationships" xmlns:p="http://schemas.openxmlformats.org/presentationml/2006/main">
   <p:cSld>
     <p:spTree>
@@ -30712,558 +32339,6 @@
     <p:extLst>
       <p:ext uri="{BB962C8B-B14F-4D97-AF65-F5344CB8AC3E}">
         <p14:creationId xmlns:p14="http://schemas.microsoft.com/office/powerpoint/2010/main" val="962014482"/>
-      </p:ext>
-    </p:extLst>
-  </p:cSld>
-  <p:clrMapOvr>
-    <a:masterClrMapping/>
-  </p:clrMapOvr>
-  <p:transition/>
-</p:sld>
-</file>
-
-<file path=ppt/slides/slide29.xml><?xml version="1.0" encoding="utf-8"?>
-<p:sld xmlns:a="http://schemas.openxmlformats.org/drawingml/2006/main" xmlns:r="http://schemas.openxmlformats.org/officeDocument/2006/relationships" xmlns:p="http://schemas.openxmlformats.org/presentationml/2006/main">
-  <p:cSld>
-    <p:spTree>
-      <p:nvGrpSpPr>
-        <p:cNvPr id="1" name=""/>
-        <p:cNvGrpSpPr/>
-        <p:nvPr/>
-      </p:nvGrpSpPr>
-      <p:grpSpPr>
-        <a:xfrm>
-          <a:off x="0" y="0"/>
-          <a:ext cx="0" cy="0"/>
-          <a:chOff x="0" y="0"/>
-          <a:chExt cx="0" cy="0"/>
-        </a:xfrm>
-      </p:grpSpPr>
-      <p:sp>
-        <p:nvSpPr>
-          <p:cNvPr id="38913" name="Rectangle 2">
-            <a:extLst>
-              <a:ext uri="{FF2B5EF4-FFF2-40B4-BE49-F238E27FC236}">
-                <a16:creationId xmlns:a16="http://schemas.microsoft.com/office/drawing/2014/main" id="{01ABAB85-1B1D-E842-8BF4-B8AF13377E9C}"/>
-              </a:ext>
-            </a:extLst>
-          </p:cNvPr>
-          <p:cNvSpPr>
-            <a:spLocks noGrp="1" noChangeArrowheads="1"/>
-          </p:cNvSpPr>
-          <p:nvPr>
-            <p:ph type="title"/>
-          </p:nvPr>
-        </p:nvSpPr>
-        <p:spPr>
-          <a:xfrm>
-            <a:off x="182880" y="127000"/>
-            <a:ext cx="7886700" cy="832591"/>
-          </a:xfrm>
-        </p:spPr>
-        <p:txBody>
-          <a:bodyPr>
-            <a:normAutofit/>
-          </a:bodyPr>
-          <a:lstStyle/>
-          <a:p>
-            <a:r>
-              <a:rPr lang="en-US" altLang="en-US" sz="3000" dirty="0">
-                <a:latin typeface="Tahoma" panose="020B0604030504040204" pitchFamily="34" charset="0"/>
-                <a:ea typeface="ＭＳ Ｐゴシック" panose="020B0600070205080204" pitchFamily="34" charset="-128"/>
-              </a:rPr>
-              <a:t>Sum of Its Parts</a:t>
-            </a:r>
-          </a:p>
-        </p:txBody>
-      </p:sp>
-      <p:sp>
-        <p:nvSpPr>
-          <p:cNvPr id="16386" name="Rectangle 3">
-            <a:extLst>
-              <a:ext uri="{FF2B5EF4-FFF2-40B4-BE49-F238E27FC236}">
-                <a16:creationId xmlns:a16="http://schemas.microsoft.com/office/drawing/2014/main" id="{B58E18ED-8D49-8844-A857-3DC2CAD817CB}"/>
-              </a:ext>
-            </a:extLst>
-          </p:cNvPr>
-          <p:cNvSpPr>
-            <a:spLocks noGrp="1" noChangeArrowheads="1"/>
-          </p:cNvSpPr>
-          <p:nvPr>
-            <p:ph type="body" idx="1"/>
-          </p:nvPr>
-        </p:nvSpPr>
-        <p:spPr>
-          <a:xfrm>
-            <a:off x="262890" y="925830"/>
-            <a:ext cx="8538210" cy="4662170"/>
-          </a:xfrm>
-        </p:spPr>
-        <p:txBody>
-          <a:bodyPr>
-            <a:normAutofit/>
-          </a:bodyPr>
-          <a:lstStyle/>
-          <a:p>
-            <a:pPr marL="0" indent="0">
-              <a:buNone/>
-            </a:pPr>
-            <a:endParaRPr lang="en-US" altLang="en-US" sz="2000" dirty="0">
-              <a:latin typeface="Gill Sans MT" panose="020B0502020104020203" pitchFamily="34" charset="77"/>
-              <a:ea typeface="ＭＳ Ｐゴシック" panose="020B0600070205080204" pitchFamily="34" charset="-128"/>
-            </a:endParaRPr>
-          </a:p>
-        </p:txBody>
-      </p:sp>
-      <p:sp>
-        <p:nvSpPr>
-          <p:cNvPr id="38915" name="Picture 5" descr="sqrt_b^2-4ac.pdf">
-            <a:extLst>
-              <a:ext uri="{FF2B5EF4-FFF2-40B4-BE49-F238E27FC236}">
-                <a16:creationId xmlns:a16="http://schemas.microsoft.com/office/drawing/2014/main" id="{96383EC4-01AF-BA4A-B24B-794940A33441}"/>
-              </a:ext>
-            </a:extLst>
-          </p:cNvPr>
-          <p:cNvSpPr>
-            <a:spLocks noChangeAspect="1"/>
-          </p:cNvSpPr>
-          <p:nvPr/>
-        </p:nvSpPr>
-        <p:spPr bwMode="auto">
-          <a:xfrm>
-            <a:off x="791105" y="3366823"/>
-            <a:ext cx="7141104" cy="1951302"/>
-          </a:xfrm>
-          <a:prstGeom prst="rect">
-            <a:avLst/>
-          </a:prstGeom>
-          <a:noFill/>
-          <a:ln>
-            <a:noFill/>
-          </a:ln>
-          <a:extLst>
-            <a:ext uri="{909E8E84-426E-40DD-AFC4-6F175D3DCCD1}">
-              <a14:hiddenFill xmlns:a14="http://schemas.microsoft.com/office/drawing/2010/main">
-                <a:solidFill>
-                  <a:srgbClr val="FFFFFF"/>
-                </a:solidFill>
-              </a14:hiddenFill>
-            </a:ext>
-            <a:ext uri="{91240B29-F687-4F45-9708-019B960494DF}">
-              <a14:hiddenLine xmlns:a14="http://schemas.microsoft.com/office/drawing/2010/main" w="9525">
-                <a:solidFill>
-                  <a:srgbClr val="000000"/>
-                </a:solidFill>
-                <a:miter lim="800000"/>
-                <a:headEnd/>
-                <a:tailEnd/>
-              </a14:hiddenLine>
-            </a:ext>
-          </a:extLst>
-        </p:spPr>
-        <p:txBody>
-          <a:bodyPr/>
-          <a:lstStyle>
-            <a:lvl1pPr>
-              <a:spcBef>
-                <a:spcPct val="20000"/>
-              </a:spcBef>
-              <a:buChar char="•"/>
-              <a:defRPr sz="3200">
-                <a:solidFill>
-                  <a:schemeClr val="tx1"/>
-                </a:solidFill>
-                <a:latin typeface="Arial" panose="020B0604020202020204" pitchFamily="34" charset="0"/>
-                <a:ea typeface="ＭＳ Ｐゴシック" panose="020B0600070205080204" pitchFamily="34" charset="-128"/>
-                <a:cs typeface="Arial" panose="020B0604020202020204" pitchFamily="34" charset="0"/>
-              </a:defRPr>
-            </a:lvl1pPr>
-            <a:lvl2pPr marL="742950" indent="-285750">
-              <a:spcBef>
-                <a:spcPct val="20000"/>
-              </a:spcBef>
-              <a:buChar char="–"/>
-              <a:defRPr sz="2800">
-                <a:solidFill>
-                  <a:schemeClr val="tx1"/>
-                </a:solidFill>
-                <a:latin typeface="Arial" panose="020B0604020202020204" pitchFamily="34" charset="0"/>
-                <a:ea typeface="Arial" panose="020B0604020202020204" pitchFamily="34" charset="0"/>
-                <a:cs typeface="Arial" panose="020B0604020202020204" pitchFamily="34" charset="0"/>
-              </a:defRPr>
-            </a:lvl2pPr>
-            <a:lvl3pPr marL="1143000" indent="-228600">
-              <a:spcBef>
-                <a:spcPct val="20000"/>
-              </a:spcBef>
-              <a:buChar char="•"/>
-              <a:defRPr sz="2400">
-                <a:solidFill>
-                  <a:schemeClr val="tx1"/>
-                </a:solidFill>
-                <a:latin typeface="Arial" panose="020B0604020202020204" pitchFamily="34" charset="0"/>
-                <a:ea typeface="Arial" panose="020B0604020202020204" pitchFamily="34" charset="0"/>
-                <a:cs typeface="Arial" panose="020B0604020202020204" pitchFamily="34" charset="0"/>
-              </a:defRPr>
-            </a:lvl3pPr>
-            <a:lvl4pPr marL="1600200" indent="-228600">
-              <a:spcBef>
-                <a:spcPct val="20000"/>
-              </a:spcBef>
-              <a:buChar char="–"/>
-              <a:defRPr sz="2000">
-                <a:solidFill>
-                  <a:schemeClr val="tx1"/>
-                </a:solidFill>
-                <a:latin typeface="Arial" panose="020B0604020202020204" pitchFamily="34" charset="0"/>
-                <a:ea typeface="Arial" panose="020B0604020202020204" pitchFamily="34" charset="0"/>
-                <a:cs typeface="Arial" panose="020B0604020202020204" pitchFamily="34" charset="0"/>
-              </a:defRPr>
-            </a:lvl4pPr>
-            <a:lvl5pPr marL="2057400" indent="-228600">
-              <a:spcBef>
-                <a:spcPct val="20000"/>
-              </a:spcBef>
-              <a:buChar char="»"/>
-              <a:defRPr sz="2000">
-                <a:solidFill>
-                  <a:schemeClr val="tx1"/>
-                </a:solidFill>
-                <a:latin typeface="Arial" panose="020B0604020202020204" pitchFamily="34" charset="0"/>
-                <a:ea typeface="Arial" panose="020B0604020202020204" pitchFamily="34" charset="0"/>
-                <a:cs typeface="Arial" panose="020B0604020202020204" pitchFamily="34" charset="0"/>
-              </a:defRPr>
-            </a:lvl5pPr>
-            <a:lvl6pPr marL="2514600" indent="-228600" eaLnBrk="0" fontAlgn="base" hangingPunct="0">
-              <a:spcBef>
-                <a:spcPct val="20000"/>
-              </a:spcBef>
-              <a:spcAft>
-                <a:spcPct val="0"/>
-              </a:spcAft>
-              <a:buChar char="»"/>
-              <a:defRPr sz="2000">
-                <a:solidFill>
-                  <a:schemeClr val="tx1"/>
-                </a:solidFill>
-                <a:latin typeface="Arial" panose="020B0604020202020204" pitchFamily="34" charset="0"/>
-                <a:ea typeface="Arial" panose="020B0604020202020204" pitchFamily="34" charset="0"/>
-                <a:cs typeface="Arial" panose="020B0604020202020204" pitchFamily="34" charset="0"/>
-              </a:defRPr>
-            </a:lvl6pPr>
-            <a:lvl7pPr marL="2971800" indent="-228600" eaLnBrk="0" fontAlgn="base" hangingPunct="0">
-              <a:spcBef>
-                <a:spcPct val="20000"/>
-              </a:spcBef>
-              <a:spcAft>
-                <a:spcPct val="0"/>
-              </a:spcAft>
-              <a:buChar char="»"/>
-              <a:defRPr sz="2000">
-                <a:solidFill>
-                  <a:schemeClr val="tx1"/>
-                </a:solidFill>
-                <a:latin typeface="Arial" panose="020B0604020202020204" pitchFamily="34" charset="0"/>
-                <a:ea typeface="Arial" panose="020B0604020202020204" pitchFamily="34" charset="0"/>
-                <a:cs typeface="Arial" panose="020B0604020202020204" pitchFamily="34" charset="0"/>
-              </a:defRPr>
-            </a:lvl7pPr>
-            <a:lvl8pPr marL="3429000" indent="-228600" eaLnBrk="0" fontAlgn="base" hangingPunct="0">
-              <a:spcBef>
-                <a:spcPct val="20000"/>
-              </a:spcBef>
-              <a:spcAft>
-                <a:spcPct val="0"/>
-              </a:spcAft>
-              <a:buChar char="»"/>
-              <a:defRPr sz="2000">
-                <a:solidFill>
-                  <a:schemeClr val="tx1"/>
-                </a:solidFill>
-                <a:latin typeface="Arial" panose="020B0604020202020204" pitchFamily="34" charset="0"/>
-                <a:ea typeface="Arial" panose="020B0604020202020204" pitchFamily="34" charset="0"/>
-                <a:cs typeface="Arial" panose="020B0604020202020204" pitchFamily="34" charset="0"/>
-              </a:defRPr>
-            </a:lvl8pPr>
-            <a:lvl9pPr marL="3886200" indent="-228600" eaLnBrk="0" fontAlgn="base" hangingPunct="0">
-              <a:spcBef>
-                <a:spcPct val="20000"/>
-              </a:spcBef>
-              <a:spcAft>
-                <a:spcPct val="0"/>
-              </a:spcAft>
-              <a:buChar char="»"/>
-              <a:defRPr sz="2000">
-                <a:solidFill>
-                  <a:schemeClr val="tx1"/>
-                </a:solidFill>
-                <a:latin typeface="Arial" panose="020B0604020202020204" pitchFamily="34" charset="0"/>
-                <a:ea typeface="Arial" panose="020B0604020202020204" pitchFamily="34" charset="0"/>
-                <a:cs typeface="Arial" panose="020B0604020202020204" pitchFamily="34" charset="0"/>
-              </a:defRPr>
-            </a:lvl9pPr>
-          </a:lstStyle>
-          <a:p>
-            <a:pPr>
-              <a:spcBef>
-                <a:spcPct val="0"/>
-              </a:spcBef>
-              <a:buFontTx/>
-              <a:buNone/>
-            </a:pPr>
-            <a:endParaRPr lang="en-US" altLang="en-US" sz="1500"/>
-          </a:p>
-        </p:txBody>
-      </p:sp>
-      <p:pic>
-        <p:nvPicPr>
-          <p:cNvPr id="2" name="Picture 1">
-            <a:extLst>
-              <a:ext uri="{FF2B5EF4-FFF2-40B4-BE49-F238E27FC236}">
-                <a16:creationId xmlns:a16="http://schemas.microsoft.com/office/drawing/2014/main" id="{ECFA4B18-2409-7443-BAB9-279603F80A69}"/>
-              </a:ext>
-            </a:extLst>
-          </p:cNvPr>
-          <p:cNvPicPr>
-            <a:picLocks noChangeAspect="1"/>
-          </p:cNvPicPr>
-          <p:nvPr/>
-        </p:nvPicPr>
-        <p:blipFill>
-          <a:blip r:embed="rId3"/>
-          <a:stretch>
-            <a:fillRect/>
-          </a:stretch>
-        </p:blipFill>
-        <p:spPr>
-          <a:xfrm>
-            <a:off x="868680" y="3280657"/>
-            <a:ext cx="7406640" cy="2209673"/>
-          </a:xfrm>
-          <a:prstGeom prst="rect">
-            <a:avLst/>
-          </a:prstGeom>
-        </p:spPr>
-      </p:pic>
-      <p:pic>
-        <p:nvPicPr>
-          <p:cNvPr id="3" name="Picture 2">
-            <a:extLst>
-              <a:ext uri="{FF2B5EF4-FFF2-40B4-BE49-F238E27FC236}">
-                <a16:creationId xmlns:a16="http://schemas.microsoft.com/office/drawing/2014/main" id="{01F8619A-03FB-4F4A-9933-28685CD86A6B}"/>
-              </a:ext>
-            </a:extLst>
-          </p:cNvPr>
-          <p:cNvPicPr>
-            <a:picLocks noChangeAspect="1"/>
-          </p:cNvPicPr>
-          <p:nvPr/>
-        </p:nvPicPr>
-        <p:blipFill>
-          <a:blip r:embed="rId4"/>
-          <a:stretch>
-            <a:fillRect/>
-          </a:stretch>
-        </p:blipFill>
-        <p:spPr>
-          <a:xfrm>
-            <a:off x="3169285" y="627926"/>
-            <a:ext cx="2725420" cy="2469022"/>
-          </a:xfrm>
-          <a:prstGeom prst="rect">
-            <a:avLst/>
-          </a:prstGeom>
-        </p:spPr>
-      </p:pic>
-      <p:sp>
-        <p:nvSpPr>
-          <p:cNvPr id="7" name="TextBox 6">
-            <a:extLst>
-              <a:ext uri="{FF2B5EF4-FFF2-40B4-BE49-F238E27FC236}">
-                <a16:creationId xmlns:a16="http://schemas.microsoft.com/office/drawing/2014/main" id="{BBE6EF9C-C6EC-AA48-BD08-41E2BD6AA3A6}"/>
-              </a:ext>
-            </a:extLst>
-          </p:cNvPr>
-          <p:cNvSpPr txBox="1"/>
-          <p:nvPr/>
-        </p:nvSpPr>
-        <p:spPr>
-          <a:xfrm>
-            <a:off x="5959967" y="1441122"/>
-            <a:ext cx="2956845" cy="1569660"/>
-          </a:xfrm>
-          <a:prstGeom prst="rect">
-            <a:avLst/>
-          </a:prstGeom>
-          <a:noFill/>
-        </p:spPr>
-        <p:txBody>
-          <a:bodyPr wrap="square" rtlCol="0">
-            <a:spAutoFit/>
-          </a:bodyPr>
-          <a:lstStyle/>
-          <a:p>
-            <a:r>
-              <a:rPr lang="en-US" sz="2000" dirty="0">
-                <a:solidFill>
-                  <a:srgbClr val="FF0000"/>
-                </a:solidFill>
-              </a:rPr>
-              <a:t>High red, high green component and high blue component gives white!</a:t>
-            </a:r>
-          </a:p>
-          <a:p>
-            <a:endParaRPr lang="en-US" sz="1800" dirty="0">
-              <a:solidFill>
-                <a:srgbClr val="FF0000"/>
-              </a:solidFill>
-            </a:endParaRPr>
-          </a:p>
-          <a:p>
-            <a:endParaRPr lang="en-US" sz="1800" dirty="0">
-              <a:solidFill>
-                <a:srgbClr val="FF0000"/>
-              </a:solidFill>
-            </a:endParaRPr>
-          </a:p>
-        </p:txBody>
-      </p:sp>
-      <p:cxnSp>
-        <p:nvCxnSpPr>
-          <p:cNvPr id="8" name="Straight Arrow Connector 7">
-            <a:extLst>
-              <a:ext uri="{FF2B5EF4-FFF2-40B4-BE49-F238E27FC236}">
-                <a16:creationId xmlns:a16="http://schemas.microsoft.com/office/drawing/2014/main" id="{AB0A6661-8521-3A42-BDD4-D793FFFDE6E2}"/>
-              </a:ext>
-            </a:extLst>
-          </p:cNvPr>
-          <p:cNvCxnSpPr>
-            <a:cxnSpLocks/>
-          </p:cNvCxnSpPr>
-          <p:nvPr/>
-        </p:nvCxnSpPr>
-        <p:spPr>
-          <a:xfrm flipV="1">
-            <a:off x="2434590" y="1234440"/>
-            <a:ext cx="2249805" cy="2526030"/>
-          </a:xfrm>
-          <a:prstGeom prst="straightConnector1">
-            <a:avLst/>
-          </a:prstGeom>
-          <a:ln w="25400">
-            <a:solidFill>
-              <a:schemeClr val="tx1"/>
-            </a:solidFill>
-            <a:tailEnd type="triangle"/>
-          </a:ln>
-        </p:spPr>
-        <p:style>
-          <a:lnRef idx="1">
-            <a:schemeClr val="accent1"/>
-          </a:lnRef>
-          <a:fillRef idx="0">
-            <a:schemeClr val="accent1"/>
-          </a:fillRef>
-          <a:effectRef idx="0">
-            <a:schemeClr val="accent1"/>
-          </a:effectRef>
-          <a:fontRef idx="minor">
-            <a:schemeClr val="tx1"/>
-          </a:fontRef>
-        </p:style>
-      </p:cxnSp>
-      <p:cxnSp>
-        <p:nvCxnSpPr>
-          <p:cNvPr id="11" name="Straight Arrow Connector 10">
-            <a:extLst>
-              <a:ext uri="{FF2B5EF4-FFF2-40B4-BE49-F238E27FC236}">
-                <a16:creationId xmlns:a16="http://schemas.microsoft.com/office/drawing/2014/main" id="{774E3268-2487-A74F-984B-966D6F904A0F}"/>
-              </a:ext>
-            </a:extLst>
-          </p:cNvPr>
-          <p:cNvCxnSpPr>
-            <a:cxnSpLocks/>
-          </p:cNvCxnSpPr>
-          <p:nvPr/>
-        </p:nvCxnSpPr>
-        <p:spPr>
-          <a:xfrm flipV="1">
-            <a:off x="4684395" y="1234440"/>
-            <a:ext cx="0" cy="2526030"/>
-          </a:xfrm>
-          <a:prstGeom prst="straightConnector1">
-            <a:avLst/>
-          </a:prstGeom>
-          <a:ln w="25400">
-            <a:solidFill>
-              <a:schemeClr val="tx1"/>
-            </a:solidFill>
-            <a:tailEnd type="triangle"/>
-          </a:ln>
-        </p:spPr>
-        <p:style>
-          <a:lnRef idx="1">
-            <a:schemeClr val="accent1"/>
-          </a:lnRef>
-          <a:fillRef idx="0">
-            <a:schemeClr val="accent1"/>
-          </a:fillRef>
-          <a:effectRef idx="0">
-            <a:schemeClr val="accent1"/>
-          </a:effectRef>
-          <a:fontRef idx="minor">
-            <a:schemeClr val="tx1"/>
-          </a:fontRef>
-        </p:style>
-      </p:cxnSp>
-      <p:cxnSp>
-        <p:nvCxnSpPr>
-          <p:cNvPr id="13" name="Straight Arrow Connector 12">
-            <a:extLst>
-              <a:ext uri="{FF2B5EF4-FFF2-40B4-BE49-F238E27FC236}">
-                <a16:creationId xmlns:a16="http://schemas.microsoft.com/office/drawing/2014/main" id="{119925D6-6A5C-A24E-A77D-87DD4BA3D4B3}"/>
-              </a:ext>
-            </a:extLst>
-          </p:cNvPr>
-          <p:cNvCxnSpPr>
-            <a:cxnSpLocks/>
-          </p:cNvCxnSpPr>
-          <p:nvPr/>
-        </p:nvCxnSpPr>
-        <p:spPr>
-          <a:xfrm flipH="1" flipV="1">
-            <a:off x="4684395" y="1234440"/>
-            <a:ext cx="2276475" cy="2526030"/>
-          </a:xfrm>
-          <a:prstGeom prst="straightConnector1">
-            <a:avLst/>
-          </a:prstGeom>
-          <a:ln w="25400">
-            <a:solidFill>
-              <a:schemeClr val="tx1"/>
-            </a:solidFill>
-            <a:tailEnd type="triangle"/>
-          </a:ln>
-        </p:spPr>
-        <p:style>
-          <a:lnRef idx="1">
-            <a:schemeClr val="accent1"/>
-          </a:lnRef>
-          <a:fillRef idx="0">
-            <a:schemeClr val="accent1"/>
-          </a:fillRef>
-          <a:effectRef idx="0">
-            <a:schemeClr val="accent1"/>
-          </a:effectRef>
-          <a:fontRef idx="minor">
-            <a:schemeClr val="tx1"/>
-          </a:fontRef>
-        </p:style>
-      </p:cxnSp>
-    </p:spTree>
-    <p:extLst>
-      <p:ext uri="{BB962C8B-B14F-4D97-AF65-F5344CB8AC3E}">
-        <p14:creationId xmlns:p14="http://schemas.microsoft.com/office/powerpoint/2010/main" val="3070754846"/>
       </p:ext>
     </p:extLst>
   </p:cSld>
@@ -31943,6 +33018,558 @@
           </a:xfrm>
         </p:spPr>
         <p:txBody>
+          <a:bodyPr>
+            <a:normAutofit/>
+          </a:bodyPr>
+          <a:lstStyle/>
+          <a:p>
+            <a:r>
+              <a:rPr lang="en-US" altLang="en-US" sz="3000" dirty="0">
+                <a:latin typeface="Tahoma" panose="020B0604030504040204" pitchFamily="34" charset="0"/>
+                <a:ea typeface="ＭＳ Ｐゴシック" panose="020B0600070205080204" pitchFamily="34" charset="-128"/>
+              </a:rPr>
+              <a:t>Sum of Its Parts</a:t>
+            </a:r>
+          </a:p>
+        </p:txBody>
+      </p:sp>
+      <p:sp>
+        <p:nvSpPr>
+          <p:cNvPr id="16386" name="Rectangle 3">
+            <a:extLst>
+              <a:ext uri="{FF2B5EF4-FFF2-40B4-BE49-F238E27FC236}">
+                <a16:creationId xmlns:a16="http://schemas.microsoft.com/office/drawing/2014/main" id="{B58E18ED-8D49-8844-A857-3DC2CAD817CB}"/>
+              </a:ext>
+            </a:extLst>
+          </p:cNvPr>
+          <p:cNvSpPr>
+            <a:spLocks noGrp="1" noChangeArrowheads="1"/>
+          </p:cNvSpPr>
+          <p:nvPr>
+            <p:ph type="body" idx="1"/>
+          </p:nvPr>
+        </p:nvSpPr>
+        <p:spPr>
+          <a:xfrm>
+            <a:off x="262890" y="925830"/>
+            <a:ext cx="8538210" cy="4662170"/>
+          </a:xfrm>
+        </p:spPr>
+        <p:txBody>
+          <a:bodyPr>
+            <a:normAutofit/>
+          </a:bodyPr>
+          <a:lstStyle/>
+          <a:p>
+            <a:pPr marL="0" indent="0">
+              <a:buNone/>
+            </a:pPr>
+            <a:endParaRPr lang="en-US" altLang="en-US" sz="2000" dirty="0">
+              <a:latin typeface="Gill Sans MT" panose="020B0502020104020203" pitchFamily="34" charset="77"/>
+              <a:ea typeface="ＭＳ Ｐゴシック" panose="020B0600070205080204" pitchFamily="34" charset="-128"/>
+            </a:endParaRPr>
+          </a:p>
+        </p:txBody>
+      </p:sp>
+      <p:sp>
+        <p:nvSpPr>
+          <p:cNvPr id="38915" name="Picture 5" descr="sqrt_b^2-4ac.pdf">
+            <a:extLst>
+              <a:ext uri="{FF2B5EF4-FFF2-40B4-BE49-F238E27FC236}">
+                <a16:creationId xmlns:a16="http://schemas.microsoft.com/office/drawing/2014/main" id="{96383EC4-01AF-BA4A-B24B-794940A33441}"/>
+              </a:ext>
+            </a:extLst>
+          </p:cNvPr>
+          <p:cNvSpPr>
+            <a:spLocks noChangeAspect="1"/>
+          </p:cNvSpPr>
+          <p:nvPr/>
+        </p:nvSpPr>
+        <p:spPr bwMode="auto">
+          <a:xfrm>
+            <a:off x="791105" y="3366823"/>
+            <a:ext cx="7141104" cy="1951302"/>
+          </a:xfrm>
+          <a:prstGeom prst="rect">
+            <a:avLst/>
+          </a:prstGeom>
+          <a:noFill/>
+          <a:ln>
+            <a:noFill/>
+          </a:ln>
+          <a:extLst>
+            <a:ext uri="{909E8E84-426E-40DD-AFC4-6F175D3DCCD1}">
+              <a14:hiddenFill xmlns:a14="http://schemas.microsoft.com/office/drawing/2010/main">
+                <a:solidFill>
+                  <a:srgbClr val="FFFFFF"/>
+                </a:solidFill>
+              </a14:hiddenFill>
+            </a:ext>
+            <a:ext uri="{91240B29-F687-4F45-9708-019B960494DF}">
+              <a14:hiddenLine xmlns:a14="http://schemas.microsoft.com/office/drawing/2010/main" w="9525">
+                <a:solidFill>
+                  <a:srgbClr val="000000"/>
+                </a:solidFill>
+                <a:miter lim="800000"/>
+                <a:headEnd/>
+                <a:tailEnd/>
+              </a14:hiddenLine>
+            </a:ext>
+          </a:extLst>
+        </p:spPr>
+        <p:txBody>
+          <a:bodyPr/>
+          <a:lstStyle>
+            <a:lvl1pPr>
+              <a:spcBef>
+                <a:spcPct val="20000"/>
+              </a:spcBef>
+              <a:buChar char="•"/>
+              <a:defRPr sz="3200">
+                <a:solidFill>
+                  <a:schemeClr val="tx1"/>
+                </a:solidFill>
+                <a:latin typeface="Arial" panose="020B0604020202020204" pitchFamily="34" charset="0"/>
+                <a:ea typeface="ＭＳ Ｐゴシック" panose="020B0600070205080204" pitchFamily="34" charset="-128"/>
+                <a:cs typeface="Arial" panose="020B0604020202020204" pitchFamily="34" charset="0"/>
+              </a:defRPr>
+            </a:lvl1pPr>
+            <a:lvl2pPr marL="742950" indent="-285750">
+              <a:spcBef>
+                <a:spcPct val="20000"/>
+              </a:spcBef>
+              <a:buChar char="–"/>
+              <a:defRPr sz="2800">
+                <a:solidFill>
+                  <a:schemeClr val="tx1"/>
+                </a:solidFill>
+                <a:latin typeface="Arial" panose="020B0604020202020204" pitchFamily="34" charset="0"/>
+                <a:ea typeface="Arial" panose="020B0604020202020204" pitchFamily="34" charset="0"/>
+                <a:cs typeface="Arial" panose="020B0604020202020204" pitchFamily="34" charset="0"/>
+              </a:defRPr>
+            </a:lvl2pPr>
+            <a:lvl3pPr marL="1143000" indent="-228600">
+              <a:spcBef>
+                <a:spcPct val="20000"/>
+              </a:spcBef>
+              <a:buChar char="•"/>
+              <a:defRPr sz="2400">
+                <a:solidFill>
+                  <a:schemeClr val="tx1"/>
+                </a:solidFill>
+                <a:latin typeface="Arial" panose="020B0604020202020204" pitchFamily="34" charset="0"/>
+                <a:ea typeface="Arial" panose="020B0604020202020204" pitchFamily="34" charset="0"/>
+                <a:cs typeface="Arial" panose="020B0604020202020204" pitchFamily="34" charset="0"/>
+              </a:defRPr>
+            </a:lvl3pPr>
+            <a:lvl4pPr marL="1600200" indent="-228600">
+              <a:spcBef>
+                <a:spcPct val="20000"/>
+              </a:spcBef>
+              <a:buChar char="–"/>
+              <a:defRPr sz="2000">
+                <a:solidFill>
+                  <a:schemeClr val="tx1"/>
+                </a:solidFill>
+                <a:latin typeface="Arial" panose="020B0604020202020204" pitchFamily="34" charset="0"/>
+                <a:ea typeface="Arial" panose="020B0604020202020204" pitchFamily="34" charset="0"/>
+                <a:cs typeface="Arial" panose="020B0604020202020204" pitchFamily="34" charset="0"/>
+              </a:defRPr>
+            </a:lvl4pPr>
+            <a:lvl5pPr marL="2057400" indent="-228600">
+              <a:spcBef>
+                <a:spcPct val="20000"/>
+              </a:spcBef>
+              <a:buChar char="»"/>
+              <a:defRPr sz="2000">
+                <a:solidFill>
+                  <a:schemeClr val="tx1"/>
+                </a:solidFill>
+                <a:latin typeface="Arial" panose="020B0604020202020204" pitchFamily="34" charset="0"/>
+                <a:ea typeface="Arial" panose="020B0604020202020204" pitchFamily="34" charset="0"/>
+                <a:cs typeface="Arial" panose="020B0604020202020204" pitchFamily="34" charset="0"/>
+              </a:defRPr>
+            </a:lvl5pPr>
+            <a:lvl6pPr marL="2514600" indent="-228600" eaLnBrk="0" fontAlgn="base" hangingPunct="0">
+              <a:spcBef>
+                <a:spcPct val="20000"/>
+              </a:spcBef>
+              <a:spcAft>
+                <a:spcPct val="0"/>
+              </a:spcAft>
+              <a:buChar char="»"/>
+              <a:defRPr sz="2000">
+                <a:solidFill>
+                  <a:schemeClr val="tx1"/>
+                </a:solidFill>
+                <a:latin typeface="Arial" panose="020B0604020202020204" pitchFamily="34" charset="0"/>
+                <a:ea typeface="Arial" panose="020B0604020202020204" pitchFamily="34" charset="0"/>
+                <a:cs typeface="Arial" panose="020B0604020202020204" pitchFamily="34" charset="0"/>
+              </a:defRPr>
+            </a:lvl6pPr>
+            <a:lvl7pPr marL="2971800" indent="-228600" eaLnBrk="0" fontAlgn="base" hangingPunct="0">
+              <a:spcBef>
+                <a:spcPct val="20000"/>
+              </a:spcBef>
+              <a:spcAft>
+                <a:spcPct val="0"/>
+              </a:spcAft>
+              <a:buChar char="»"/>
+              <a:defRPr sz="2000">
+                <a:solidFill>
+                  <a:schemeClr val="tx1"/>
+                </a:solidFill>
+                <a:latin typeface="Arial" panose="020B0604020202020204" pitchFamily="34" charset="0"/>
+                <a:ea typeface="Arial" panose="020B0604020202020204" pitchFamily="34" charset="0"/>
+                <a:cs typeface="Arial" panose="020B0604020202020204" pitchFamily="34" charset="0"/>
+              </a:defRPr>
+            </a:lvl7pPr>
+            <a:lvl8pPr marL="3429000" indent="-228600" eaLnBrk="0" fontAlgn="base" hangingPunct="0">
+              <a:spcBef>
+                <a:spcPct val="20000"/>
+              </a:spcBef>
+              <a:spcAft>
+                <a:spcPct val="0"/>
+              </a:spcAft>
+              <a:buChar char="»"/>
+              <a:defRPr sz="2000">
+                <a:solidFill>
+                  <a:schemeClr val="tx1"/>
+                </a:solidFill>
+                <a:latin typeface="Arial" panose="020B0604020202020204" pitchFamily="34" charset="0"/>
+                <a:ea typeface="Arial" panose="020B0604020202020204" pitchFamily="34" charset="0"/>
+                <a:cs typeface="Arial" panose="020B0604020202020204" pitchFamily="34" charset="0"/>
+              </a:defRPr>
+            </a:lvl8pPr>
+            <a:lvl9pPr marL="3886200" indent="-228600" eaLnBrk="0" fontAlgn="base" hangingPunct="0">
+              <a:spcBef>
+                <a:spcPct val="20000"/>
+              </a:spcBef>
+              <a:spcAft>
+                <a:spcPct val="0"/>
+              </a:spcAft>
+              <a:buChar char="»"/>
+              <a:defRPr sz="2000">
+                <a:solidFill>
+                  <a:schemeClr val="tx1"/>
+                </a:solidFill>
+                <a:latin typeface="Arial" panose="020B0604020202020204" pitchFamily="34" charset="0"/>
+                <a:ea typeface="Arial" panose="020B0604020202020204" pitchFamily="34" charset="0"/>
+                <a:cs typeface="Arial" panose="020B0604020202020204" pitchFamily="34" charset="0"/>
+              </a:defRPr>
+            </a:lvl9pPr>
+          </a:lstStyle>
+          <a:p>
+            <a:pPr>
+              <a:spcBef>
+                <a:spcPct val="0"/>
+              </a:spcBef>
+              <a:buFontTx/>
+              <a:buNone/>
+            </a:pPr>
+            <a:endParaRPr lang="en-US" altLang="en-US" sz="1500"/>
+          </a:p>
+        </p:txBody>
+      </p:sp>
+      <p:pic>
+        <p:nvPicPr>
+          <p:cNvPr id="2" name="Picture 1">
+            <a:extLst>
+              <a:ext uri="{FF2B5EF4-FFF2-40B4-BE49-F238E27FC236}">
+                <a16:creationId xmlns:a16="http://schemas.microsoft.com/office/drawing/2014/main" id="{ECFA4B18-2409-7443-BAB9-279603F80A69}"/>
+              </a:ext>
+            </a:extLst>
+          </p:cNvPr>
+          <p:cNvPicPr>
+            <a:picLocks noChangeAspect="1"/>
+          </p:cNvPicPr>
+          <p:nvPr/>
+        </p:nvPicPr>
+        <p:blipFill>
+          <a:blip r:embed="rId3"/>
+          <a:stretch>
+            <a:fillRect/>
+          </a:stretch>
+        </p:blipFill>
+        <p:spPr>
+          <a:xfrm>
+            <a:off x="868680" y="3280657"/>
+            <a:ext cx="7406640" cy="2209673"/>
+          </a:xfrm>
+          <a:prstGeom prst="rect">
+            <a:avLst/>
+          </a:prstGeom>
+        </p:spPr>
+      </p:pic>
+      <p:pic>
+        <p:nvPicPr>
+          <p:cNvPr id="3" name="Picture 2">
+            <a:extLst>
+              <a:ext uri="{FF2B5EF4-FFF2-40B4-BE49-F238E27FC236}">
+                <a16:creationId xmlns:a16="http://schemas.microsoft.com/office/drawing/2014/main" id="{01F8619A-03FB-4F4A-9933-28685CD86A6B}"/>
+              </a:ext>
+            </a:extLst>
+          </p:cNvPr>
+          <p:cNvPicPr>
+            <a:picLocks noChangeAspect="1"/>
+          </p:cNvPicPr>
+          <p:nvPr/>
+        </p:nvPicPr>
+        <p:blipFill>
+          <a:blip r:embed="rId4"/>
+          <a:stretch>
+            <a:fillRect/>
+          </a:stretch>
+        </p:blipFill>
+        <p:spPr>
+          <a:xfrm>
+            <a:off x="3169285" y="627926"/>
+            <a:ext cx="2725420" cy="2469022"/>
+          </a:xfrm>
+          <a:prstGeom prst="rect">
+            <a:avLst/>
+          </a:prstGeom>
+        </p:spPr>
+      </p:pic>
+      <p:sp>
+        <p:nvSpPr>
+          <p:cNvPr id="7" name="TextBox 6">
+            <a:extLst>
+              <a:ext uri="{FF2B5EF4-FFF2-40B4-BE49-F238E27FC236}">
+                <a16:creationId xmlns:a16="http://schemas.microsoft.com/office/drawing/2014/main" id="{BBE6EF9C-C6EC-AA48-BD08-41E2BD6AA3A6}"/>
+              </a:ext>
+            </a:extLst>
+          </p:cNvPr>
+          <p:cNvSpPr txBox="1"/>
+          <p:nvPr/>
+        </p:nvSpPr>
+        <p:spPr>
+          <a:xfrm>
+            <a:off x="5959967" y="1441122"/>
+            <a:ext cx="2956845" cy="1569660"/>
+          </a:xfrm>
+          <a:prstGeom prst="rect">
+            <a:avLst/>
+          </a:prstGeom>
+          <a:noFill/>
+        </p:spPr>
+        <p:txBody>
+          <a:bodyPr wrap="square" rtlCol="0">
+            <a:spAutoFit/>
+          </a:bodyPr>
+          <a:lstStyle/>
+          <a:p>
+            <a:r>
+              <a:rPr lang="en-US" sz="2000" dirty="0">
+                <a:solidFill>
+                  <a:srgbClr val="FF0000"/>
+                </a:solidFill>
+              </a:rPr>
+              <a:t>High red, high green component and high blue component gives white!</a:t>
+            </a:r>
+          </a:p>
+          <a:p>
+            <a:endParaRPr lang="en-US" sz="1800" dirty="0">
+              <a:solidFill>
+                <a:srgbClr val="FF0000"/>
+              </a:solidFill>
+            </a:endParaRPr>
+          </a:p>
+          <a:p>
+            <a:endParaRPr lang="en-US" sz="1800" dirty="0">
+              <a:solidFill>
+                <a:srgbClr val="FF0000"/>
+              </a:solidFill>
+            </a:endParaRPr>
+          </a:p>
+        </p:txBody>
+      </p:sp>
+      <p:cxnSp>
+        <p:nvCxnSpPr>
+          <p:cNvPr id="8" name="Straight Arrow Connector 7">
+            <a:extLst>
+              <a:ext uri="{FF2B5EF4-FFF2-40B4-BE49-F238E27FC236}">
+                <a16:creationId xmlns:a16="http://schemas.microsoft.com/office/drawing/2014/main" id="{AB0A6661-8521-3A42-BDD4-D793FFFDE6E2}"/>
+              </a:ext>
+            </a:extLst>
+          </p:cNvPr>
+          <p:cNvCxnSpPr>
+            <a:cxnSpLocks/>
+          </p:cNvCxnSpPr>
+          <p:nvPr/>
+        </p:nvCxnSpPr>
+        <p:spPr>
+          <a:xfrm flipV="1">
+            <a:off x="2434590" y="1234440"/>
+            <a:ext cx="2249805" cy="2526030"/>
+          </a:xfrm>
+          <a:prstGeom prst="straightConnector1">
+            <a:avLst/>
+          </a:prstGeom>
+          <a:ln w="25400">
+            <a:solidFill>
+              <a:schemeClr val="tx1"/>
+            </a:solidFill>
+            <a:tailEnd type="triangle"/>
+          </a:ln>
+        </p:spPr>
+        <p:style>
+          <a:lnRef idx="1">
+            <a:schemeClr val="accent1"/>
+          </a:lnRef>
+          <a:fillRef idx="0">
+            <a:schemeClr val="accent1"/>
+          </a:fillRef>
+          <a:effectRef idx="0">
+            <a:schemeClr val="accent1"/>
+          </a:effectRef>
+          <a:fontRef idx="minor">
+            <a:schemeClr val="tx1"/>
+          </a:fontRef>
+        </p:style>
+      </p:cxnSp>
+      <p:cxnSp>
+        <p:nvCxnSpPr>
+          <p:cNvPr id="11" name="Straight Arrow Connector 10">
+            <a:extLst>
+              <a:ext uri="{FF2B5EF4-FFF2-40B4-BE49-F238E27FC236}">
+                <a16:creationId xmlns:a16="http://schemas.microsoft.com/office/drawing/2014/main" id="{774E3268-2487-A74F-984B-966D6F904A0F}"/>
+              </a:ext>
+            </a:extLst>
+          </p:cNvPr>
+          <p:cNvCxnSpPr>
+            <a:cxnSpLocks/>
+          </p:cNvCxnSpPr>
+          <p:nvPr/>
+        </p:nvCxnSpPr>
+        <p:spPr>
+          <a:xfrm flipV="1">
+            <a:off x="4684395" y="1234440"/>
+            <a:ext cx="0" cy="2526030"/>
+          </a:xfrm>
+          <a:prstGeom prst="straightConnector1">
+            <a:avLst/>
+          </a:prstGeom>
+          <a:ln w="25400">
+            <a:solidFill>
+              <a:schemeClr val="tx1"/>
+            </a:solidFill>
+            <a:tailEnd type="triangle"/>
+          </a:ln>
+        </p:spPr>
+        <p:style>
+          <a:lnRef idx="1">
+            <a:schemeClr val="accent1"/>
+          </a:lnRef>
+          <a:fillRef idx="0">
+            <a:schemeClr val="accent1"/>
+          </a:fillRef>
+          <a:effectRef idx="0">
+            <a:schemeClr val="accent1"/>
+          </a:effectRef>
+          <a:fontRef idx="minor">
+            <a:schemeClr val="tx1"/>
+          </a:fontRef>
+        </p:style>
+      </p:cxnSp>
+      <p:cxnSp>
+        <p:nvCxnSpPr>
+          <p:cNvPr id="13" name="Straight Arrow Connector 12">
+            <a:extLst>
+              <a:ext uri="{FF2B5EF4-FFF2-40B4-BE49-F238E27FC236}">
+                <a16:creationId xmlns:a16="http://schemas.microsoft.com/office/drawing/2014/main" id="{119925D6-6A5C-A24E-A77D-87DD4BA3D4B3}"/>
+              </a:ext>
+            </a:extLst>
+          </p:cNvPr>
+          <p:cNvCxnSpPr>
+            <a:cxnSpLocks/>
+          </p:cNvCxnSpPr>
+          <p:nvPr/>
+        </p:nvCxnSpPr>
+        <p:spPr>
+          <a:xfrm flipH="1" flipV="1">
+            <a:off x="4684395" y="1234440"/>
+            <a:ext cx="2276475" cy="2526030"/>
+          </a:xfrm>
+          <a:prstGeom prst="straightConnector1">
+            <a:avLst/>
+          </a:prstGeom>
+          <a:ln w="25400">
+            <a:solidFill>
+              <a:schemeClr val="tx1"/>
+            </a:solidFill>
+            <a:tailEnd type="triangle"/>
+          </a:ln>
+        </p:spPr>
+        <p:style>
+          <a:lnRef idx="1">
+            <a:schemeClr val="accent1"/>
+          </a:lnRef>
+          <a:fillRef idx="0">
+            <a:schemeClr val="accent1"/>
+          </a:fillRef>
+          <a:effectRef idx="0">
+            <a:schemeClr val="accent1"/>
+          </a:effectRef>
+          <a:fontRef idx="minor">
+            <a:schemeClr val="tx1"/>
+          </a:fontRef>
+        </p:style>
+      </p:cxnSp>
+    </p:spTree>
+    <p:extLst>
+      <p:ext uri="{BB962C8B-B14F-4D97-AF65-F5344CB8AC3E}">
+        <p14:creationId xmlns:p14="http://schemas.microsoft.com/office/powerpoint/2010/main" val="3070754846"/>
+      </p:ext>
+    </p:extLst>
+  </p:cSld>
+  <p:clrMapOvr>
+    <a:masterClrMapping/>
+  </p:clrMapOvr>
+  <p:transition/>
+</p:sld>
+</file>
+
+<file path=ppt/slides/slide31.xml><?xml version="1.0" encoding="utf-8"?>
+<p:sld xmlns:a="http://schemas.openxmlformats.org/drawingml/2006/main" xmlns:r="http://schemas.openxmlformats.org/officeDocument/2006/relationships" xmlns:p="http://schemas.openxmlformats.org/presentationml/2006/main">
+  <p:cSld>
+    <p:spTree>
+      <p:nvGrpSpPr>
+        <p:cNvPr id="1" name=""/>
+        <p:cNvGrpSpPr/>
+        <p:nvPr/>
+      </p:nvGrpSpPr>
+      <p:grpSpPr>
+        <a:xfrm>
+          <a:off x="0" y="0"/>
+          <a:ext cx="0" cy="0"/>
+          <a:chOff x="0" y="0"/>
+          <a:chExt cx="0" cy="0"/>
+        </a:xfrm>
+      </p:grpSpPr>
+      <p:sp>
+        <p:nvSpPr>
+          <p:cNvPr id="38913" name="Rectangle 2">
+            <a:extLst>
+              <a:ext uri="{FF2B5EF4-FFF2-40B4-BE49-F238E27FC236}">
+                <a16:creationId xmlns:a16="http://schemas.microsoft.com/office/drawing/2014/main" id="{01ABAB85-1B1D-E842-8BF4-B8AF13377E9C}"/>
+              </a:ext>
+            </a:extLst>
+          </p:cNvPr>
+          <p:cNvSpPr>
+            <a:spLocks noGrp="1" noChangeArrowheads="1"/>
+          </p:cNvSpPr>
+          <p:nvPr>
+            <p:ph type="title"/>
+          </p:nvPr>
+        </p:nvSpPr>
+        <p:spPr>
+          <a:xfrm>
+            <a:off x="182880" y="127000"/>
+            <a:ext cx="7886700" cy="832591"/>
+          </a:xfrm>
+        </p:spPr>
+        <p:txBody>
           <a:bodyPr/>
           <a:lstStyle/>
           <a:p>
@@ -32614,7 +34241,7 @@
 </p:sld>
 </file>
 
-<file path=ppt/slides/slide31.xml><?xml version="1.0" encoding="utf-8"?>
+<file path=ppt/slides/slide32.xml><?xml version="1.0" encoding="utf-8"?>
 <p:sld xmlns:a="http://schemas.openxmlformats.org/drawingml/2006/main" xmlns:r="http://schemas.openxmlformats.org/officeDocument/2006/relationships" xmlns:p="http://schemas.openxmlformats.org/presentationml/2006/main">
   <p:cSld>
     <p:spTree>
@@ -33412,7 +35039,7 @@
 </p:sld>
 </file>
 
-<file path=ppt/slides/slide32.xml><?xml version="1.0" encoding="utf-8"?>
+<file path=ppt/slides/slide33.xml><?xml version="1.0" encoding="utf-8"?>
 <p:sld xmlns:a="http://schemas.openxmlformats.org/drawingml/2006/main" xmlns:r="http://schemas.openxmlformats.org/officeDocument/2006/relationships" xmlns:p="http://schemas.openxmlformats.org/presentationml/2006/main">
   <p:cSld>
     <p:spTree>
@@ -33775,7 +35402,7 @@
 </p:sld>
 </file>
 
-<file path=ppt/slides/slide33.xml><?xml version="1.0" encoding="utf-8"?>
+<file path=ppt/slides/slide34.xml><?xml version="1.0" encoding="utf-8"?>
 <p:sld xmlns:a="http://schemas.openxmlformats.org/drawingml/2006/main" xmlns:r="http://schemas.openxmlformats.org/officeDocument/2006/relationships" xmlns:p="http://schemas.openxmlformats.org/presentationml/2006/main">
   <p:cSld>
     <p:spTree>

--- a/courses/apcsp/lect14.pptx
+++ b/courses/apcsp/lect14.pptx
@@ -151,7 +151,7 @@
 <file path=ppt/revisionInfo.xml><?xml version="1.0" encoding="utf-8"?>
 <p1510:revInfo xmlns:a="http://schemas.openxmlformats.org/drawingml/2006/main" xmlns:r="http://schemas.openxmlformats.org/officeDocument/2006/relationships" xmlns:p1510="http://schemas.microsoft.com/office/powerpoint/2015/10/main">
   <p1510:revLst>
-    <p1510:client id="{E3379C3E-E817-6D42-B96C-D7ADD82FC197}" v="1345" dt="2021-02-25T14:38:39.154"/>
+    <p1510:client id="{2BA6ED55-4374-C94D-BA8A-9E1D0F20294E}" v="17" dt="2021-06-11T15:23:11.495"/>
   </p1510:revLst>
 </p1510:revInfo>
 </file>
@@ -2169,6 +2169,30 @@
       </pc:sldChg>
     </pc:docChg>
   </pc:docChgLst>
+  <pc:docChgLst>
+    <pc:chgData name="Long B Nguyen" userId="f59fb8f3-a021-417a-8bc1-65c8d471c621" providerId="ADAL" clId="{2BA6ED55-4374-C94D-BA8A-9E1D0F20294E}"/>
+    <pc:docChg chg="modSld">
+      <pc:chgData name="Long B Nguyen" userId="f59fb8f3-a021-417a-8bc1-65c8d471c621" providerId="ADAL" clId="{2BA6ED55-4374-C94D-BA8A-9E1D0F20294E}" dt="2021-06-11T15:23:11.495" v="16" actId="20577"/>
+      <pc:docMkLst>
+        <pc:docMk/>
+      </pc:docMkLst>
+      <pc:sldChg chg="modSp modAnim">
+        <pc:chgData name="Long B Nguyen" userId="f59fb8f3-a021-417a-8bc1-65c8d471c621" providerId="ADAL" clId="{2BA6ED55-4374-C94D-BA8A-9E1D0F20294E}" dt="2021-06-11T15:23:11.495" v="16" actId="20577"/>
+        <pc:sldMkLst>
+          <pc:docMk/>
+          <pc:sldMk cId="2569950970" sldId="600"/>
+        </pc:sldMkLst>
+        <pc:spChg chg="mod">
+          <ac:chgData name="Long B Nguyen" userId="f59fb8f3-a021-417a-8bc1-65c8d471c621" providerId="ADAL" clId="{2BA6ED55-4374-C94D-BA8A-9E1D0F20294E}" dt="2021-06-11T15:23:07.404" v="12" actId="20577"/>
+          <ac:spMkLst>
+            <pc:docMk/>
+            <pc:sldMk cId="2569950970" sldId="600"/>
+            <ac:spMk id="16386" creationId="{B58E18ED-8D49-8844-A857-3DC2CAD817CB}"/>
+          </ac:spMkLst>
+        </pc:spChg>
+      </pc:sldChg>
+    </pc:docChg>
+  </pc:docChgLst>
 </pc:chgInfo>
 </file>
 
@@ -2254,7 +2278,7 @@
           <a:p>
             <a:fld id="{6EDD99D2-A624-5E4F-A4E3-584054837B5A}" type="datetimeFigureOut">
               <a:rPr lang="en-US" smtClean="0"/>
-              <a:t>2/25/21</a:t>
+              <a:t>6/11/21</a:t>
             </a:fld>
             <a:endParaRPr lang="en-US"/>
           </a:p>
@@ -11292,7 +11316,7 @@
           <a:p>
             <a:fld id="{4AAD347D-5ACD-4C99-B74B-A9C85AD731AF}" type="datetimeFigureOut">
               <a:rPr lang="en-US" smtClean="0"/>
-              <a:t>2/25/21</a:t>
+              <a:t>6/11/21</a:t>
             </a:fld>
             <a:endParaRPr lang="en-US" dirty="0"/>
           </a:p>
@@ -11462,7 +11486,7 @@
           <a:p>
             <a:fld id="{4509A250-FF31-4206-8172-F9D3106AACB1}" type="datetimeFigureOut">
               <a:rPr lang="en-US" smtClean="0"/>
-              <a:t>2/25/21</a:t>
+              <a:t>6/11/21</a:t>
             </a:fld>
             <a:endParaRPr lang="en-US" dirty="0"/>
           </a:p>
@@ -11642,7 +11666,7 @@
           <a:p>
             <a:fld id="{4509A250-FF31-4206-8172-F9D3106AACB1}" type="datetimeFigureOut">
               <a:rPr lang="en-US" smtClean="0"/>
-              <a:t>2/25/21</a:t>
+              <a:t>6/11/21</a:t>
             </a:fld>
             <a:endParaRPr lang="en-US" dirty="0"/>
           </a:p>
@@ -11812,7 +11836,7 @@
           <a:p>
             <a:fld id="{4509A250-FF31-4206-8172-F9D3106AACB1}" type="datetimeFigureOut">
               <a:rPr lang="en-US" smtClean="0"/>
-              <a:t>2/25/21</a:t>
+              <a:t>6/11/21</a:t>
             </a:fld>
             <a:endParaRPr lang="en-US" dirty="0"/>
           </a:p>
@@ -12058,7 +12082,7 @@
           <a:p>
             <a:fld id="{9796027F-7875-4030-9381-8BD8C4F21935}" type="datetimeFigureOut">
               <a:rPr lang="en-US" smtClean="0"/>
-              <a:t>2/25/21</a:t>
+              <a:t>6/11/21</a:t>
             </a:fld>
             <a:endParaRPr lang="en-US" dirty="0"/>
           </a:p>
@@ -12290,7 +12314,7 @@
           <a:p>
             <a:fld id="{9796027F-7875-4030-9381-8BD8C4F21935}" type="datetimeFigureOut">
               <a:rPr lang="en-US" smtClean="0"/>
-              <a:t>2/25/21</a:t>
+              <a:t>6/11/21</a:t>
             </a:fld>
             <a:endParaRPr lang="en-US" dirty="0"/>
           </a:p>
@@ -12657,7 +12681,7 @@
           <a:p>
             <a:fld id="{9796027F-7875-4030-9381-8BD8C4F21935}" type="datetimeFigureOut">
               <a:rPr lang="en-US" smtClean="0"/>
-              <a:t>2/25/21</a:t>
+              <a:t>6/11/21</a:t>
             </a:fld>
             <a:endParaRPr lang="en-US" dirty="0"/>
           </a:p>
@@ -12775,7 +12799,7 @@
           <a:p>
             <a:fld id="{4509A250-FF31-4206-8172-F9D3106AACB1}" type="datetimeFigureOut">
               <a:rPr lang="en-US" smtClean="0"/>
-              <a:t>2/25/21</a:t>
+              <a:t>6/11/21</a:t>
             </a:fld>
             <a:endParaRPr lang="en-US" dirty="0"/>
           </a:p>
@@ -12870,7 +12894,7 @@
           <a:p>
             <a:fld id="{4509A250-FF31-4206-8172-F9D3106AACB1}" type="datetimeFigureOut">
               <a:rPr lang="en-US" smtClean="0"/>
-              <a:t>2/25/21</a:t>
+              <a:t>6/11/21</a:t>
             </a:fld>
             <a:endParaRPr lang="en-US" dirty="0"/>
           </a:p>
@@ -13147,7 +13171,7 @@
           <a:p>
             <a:fld id="{4509A250-FF31-4206-8172-F9D3106AACB1}" type="datetimeFigureOut">
               <a:rPr lang="en-US" smtClean="0"/>
-              <a:t>2/25/21</a:t>
+              <a:t>6/11/21</a:t>
             </a:fld>
             <a:endParaRPr lang="en-US" dirty="0"/>
           </a:p>
@@ -13404,7 +13428,7 @@
           <a:p>
             <a:fld id="{4509A250-FF31-4206-8172-F9D3106AACB1}" type="datetimeFigureOut">
               <a:rPr lang="en-US" smtClean="0"/>
-              <a:t>2/25/21</a:t>
+              <a:t>6/11/21</a:t>
             </a:fld>
             <a:endParaRPr lang="en-US" dirty="0"/>
           </a:p>
@@ -13617,7 +13641,7 @@
           <a:p>
             <a:fld id="{4AAD347D-5ACD-4C99-B74B-A9C85AD731AF}" type="datetimeFigureOut">
               <a:rPr lang="en-US" smtClean="0"/>
-              <a:t>2/25/21</a:t>
+              <a:t>6/11/21</a:t>
             </a:fld>
             <a:endParaRPr lang="en-US" dirty="0"/>
           </a:p>
